--- a/documentation/AlgorithmPresentation.pptx
+++ b/documentation/AlgorithmPresentation.pptx
@@ -6,6 +6,7 @@
   </p:sldMasterIdLst>
   <p:sldIdLst>
     <p:sldId id="256" r:id="rId2"/>
+    <p:sldId id="257" r:id="rId3"/>
   </p:sldIdLst>
   <p:sldSz cx="12192000" cy="6858000"/>
   <p:notesSz cx="6858000" cy="9144000"/>
@@ -104,6 +105,11 @@
       </a:defRPr>
     </a:lvl9pPr>
   </p:defaultTextStyle>
+  <p:extLst>
+    <p:ext uri="{EFAFB233-063F-42B5-8137-9DF3F51BA10A}">
+      <p15:sldGuideLst xmlns:p15="http://schemas.microsoft.com/office/powerpoint/2012/main"/>
+    </p:ext>
+  </p:extLst>
 </p:presentation>
 </file>
 
@@ -256,7 +262,7 @@
           <a:p>
             <a:fld id="{87DF8740-4EA4-4A2F-A75C-997B6157C895}" type="datetimeFigureOut">
               <a:rPr lang="it-IT" smtClean="0"/>
-              <a:t>08/05/2021</a:t>
+              <a:t>08/07/2021</a:t>
             </a:fld>
             <a:endParaRPr lang="it-IT"/>
           </a:p>
@@ -456,7 +462,7 @@
           <a:p>
             <a:fld id="{87DF8740-4EA4-4A2F-A75C-997B6157C895}" type="datetimeFigureOut">
               <a:rPr lang="it-IT" smtClean="0"/>
-              <a:t>08/05/2021</a:t>
+              <a:t>08/07/2021</a:t>
             </a:fld>
             <a:endParaRPr lang="it-IT"/>
           </a:p>
@@ -666,7 +672,7 @@
           <a:p>
             <a:fld id="{87DF8740-4EA4-4A2F-A75C-997B6157C895}" type="datetimeFigureOut">
               <a:rPr lang="it-IT" smtClean="0"/>
-              <a:t>08/05/2021</a:t>
+              <a:t>08/07/2021</a:t>
             </a:fld>
             <a:endParaRPr lang="it-IT"/>
           </a:p>
@@ -866,7 +872,7 @@
           <a:p>
             <a:fld id="{87DF8740-4EA4-4A2F-A75C-997B6157C895}" type="datetimeFigureOut">
               <a:rPr lang="it-IT" smtClean="0"/>
-              <a:t>08/05/2021</a:t>
+              <a:t>08/07/2021</a:t>
             </a:fld>
             <a:endParaRPr lang="it-IT"/>
           </a:p>
@@ -1142,7 +1148,7 @@
           <a:p>
             <a:fld id="{87DF8740-4EA4-4A2F-A75C-997B6157C895}" type="datetimeFigureOut">
               <a:rPr lang="it-IT" smtClean="0"/>
-              <a:t>08/05/2021</a:t>
+              <a:t>08/07/2021</a:t>
             </a:fld>
             <a:endParaRPr lang="it-IT"/>
           </a:p>
@@ -1410,7 +1416,7 @@
           <a:p>
             <a:fld id="{87DF8740-4EA4-4A2F-A75C-997B6157C895}" type="datetimeFigureOut">
               <a:rPr lang="it-IT" smtClean="0"/>
-              <a:t>08/05/2021</a:t>
+              <a:t>08/07/2021</a:t>
             </a:fld>
             <a:endParaRPr lang="it-IT"/>
           </a:p>
@@ -1825,7 +1831,7 @@
           <a:p>
             <a:fld id="{87DF8740-4EA4-4A2F-A75C-997B6157C895}" type="datetimeFigureOut">
               <a:rPr lang="it-IT" smtClean="0"/>
-              <a:t>08/05/2021</a:t>
+              <a:t>08/07/2021</a:t>
             </a:fld>
             <a:endParaRPr lang="it-IT"/>
           </a:p>
@@ -1967,7 +1973,7 @@
           <a:p>
             <a:fld id="{87DF8740-4EA4-4A2F-A75C-997B6157C895}" type="datetimeFigureOut">
               <a:rPr lang="it-IT" smtClean="0"/>
-              <a:t>08/05/2021</a:t>
+              <a:t>08/07/2021</a:t>
             </a:fld>
             <a:endParaRPr lang="it-IT"/>
           </a:p>
@@ -2080,7 +2086,7 @@
           <a:p>
             <a:fld id="{87DF8740-4EA4-4A2F-A75C-997B6157C895}" type="datetimeFigureOut">
               <a:rPr lang="it-IT" smtClean="0"/>
-              <a:t>08/05/2021</a:t>
+              <a:t>08/07/2021</a:t>
             </a:fld>
             <a:endParaRPr lang="it-IT"/>
           </a:p>
@@ -2393,7 +2399,7 @@
           <a:p>
             <a:fld id="{87DF8740-4EA4-4A2F-A75C-997B6157C895}" type="datetimeFigureOut">
               <a:rPr lang="it-IT" smtClean="0"/>
-              <a:t>08/05/2021</a:t>
+              <a:t>08/07/2021</a:t>
             </a:fld>
             <a:endParaRPr lang="it-IT"/>
           </a:p>
@@ -2682,7 +2688,7 @@
           <a:p>
             <a:fld id="{87DF8740-4EA4-4A2F-A75C-997B6157C895}" type="datetimeFigureOut">
               <a:rPr lang="it-IT" smtClean="0"/>
-              <a:t>08/05/2021</a:t>
+              <a:t>08/07/2021</a:t>
             </a:fld>
             <a:endParaRPr lang="it-IT"/>
           </a:p>
@@ -2925,7 +2931,7 @@
           <a:p>
             <a:fld id="{87DF8740-4EA4-4A2F-A75C-997B6157C895}" type="datetimeFigureOut">
               <a:rPr lang="it-IT" smtClean="0"/>
-              <a:t>08/05/2021</a:t>
+              <a:t>08/07/2021</a:t>
             </a:fld>
             <a:endParaRPr lang="it-IT"/>
           </a:p>
@@ -7006,6 +7012,3415 @@
 </p:sld>
 </file>
 
+<file path=ppt/slides/slide2.xml><?xml version="1.0" encoding="utf-8"?>
+<p:sld xmlns:a="http://schemas.openxmlformats.org/drawingml/2006/main" xmlns:r="http://schemas.openxmlformats.org/officeDocument/2006/relationships" xmlns:p="http://schemas.openxmlformats.org/presentationml/2006/main">
+  <p:cSld>
+    <p:spTree>
+      <p:nvGrpSpPr>
+        <p:cNvPr id="1" name=""/>
+        <p:cNvGrpSpPr/>
+        <p:nvPr/>
+      </p:nvGrpSpPr>
+      <p:grpSpPr>
+        <a:xfrm>
+          <a:off x="0" y="0"/>
+          <a:ext cx="0" cy="0"/>
+          <a:chOff x="0" y="0"/>
+          <a:chExt cx="0" cy="0"/>
+        </a:xfrm>
+      </p:grpSpPr>
+      <p:graphicFrame>
+        <p:nvGraphicFramePr>
+          <p:cNvPr id="5" name="Table 4">
+            <a:extLst>
+              <a:ext uri="{FF2B5EF4-FFF2-40B4-BE49-F238E27FC236}">
+                <a16:creationId xmlns:a16="http://schemas.microsoft.com/office/drawing/2014/main" id="{CEF8B636-D692-429D-89F0-E2A4BB3D74A1}"/>
+              </a:ext>
+            </a:extLst>
+          </p:cNvPr>
+          <p:cNvGraphicFramePr>
+            <a:graphicFrameLocks noGrp="1"/>
+          </p:cNvGraphicFramePr>
+          <p:nvPr>
+            <p:extLst>
+              <p:ext uri="{D42A27DB-BD31-4B8C-83A1-F6EECF244321}">
+                <p14:modId xmlns:p14="http://schemas.microsoft.com/office/powerpoint/2010/main" val="4167740141"/>
+              </p:ext>
+            </p:extLst>
+          </p:nvPr>
+        </p:nvGraphicFramePr>
+        <p:xfrm>
+          <a:off x="2677953" y="1880358"/>
+          <a:ext cx="6804000" cy="2736000"/>
+        </p:xfrm>
+        <a:graphic>
+          <a:graphicData uri="http://schemas.openxmlformats.org/drawingml/2006/table">
+            <a:tbl>
+              <a:tblPr>
+                <a:tableStyleId>{5C22544A-7EE6-4342-B048-85BDC9FD1C3A}</a:tableStyleId>
+              </a:tblPr>
+              <a:tblGrid>
+                <a:gridCol w="756000">
+                  <a:extLst>
+                    <a:ext uri="{9D8B030D-6E8A-4147-A177-3AD203B41FA5}">
+                      <a16:colId xmlns:a16="http://schemas.microsoft.com/office/drawing/2014/main" val="3304498387"/>
+                    </a:ext>
+                  </a:extLst>
+                </a:gridCol>
+                <a:gridCol w="756000">
+                  <a:extLst>
+                    <a:ext uri="{9D8B030D-6E8A-4147-A177-3AD203B41FA5}">
+                      <a16:colId xmlns:a16="http://schemas.microsoft.com/office/drawing/2014/main" val="2562443958"/>
+                    </a:ext>
+                  </a:extLst>
+                </a:gridCol>
+                <a:gridCol w="756000">
+                  <a:extLst>
+                    <a:ext uri="{9D8B030D-6E8A-4147-A177-3AD203B41FA5}">
+                      <a16:colId xmlns:a16="http://schemas.microsoft.com/office/drawing/2014/main" val="599452531"/>
+                    </a:ext>
+                  </a:extLst>
+                </a:gridCol>
+                <a:gridCol w="756000">
+                  <a:extLst>
+                    <a:ext uri="{9D8B030D-6E8A-4147-A177-3AD203B41FA5}">
+                      <a16:colId xmlns:a16="http://schemas.microsoft.com/office/drawing/2014/main" val="3987730942"/>
+                    </a:ext>
+                  </a:extLst>
+                </a:gridCol>
+                <a:gridCol w="756000">
+                  <a:extLst>
+                    <a:ext uri="{9D8B030D-6E8A-4147-A177-3AD203B41FA5}">
+                      <a16:colId xmlns:a16="http://schemas.microsoft.com/office/drawing/2014/main" val="243858316"/>
+                    </a:ext>
+                  </a:extLst>
+                </a:gridCol>
+                <a:gridCol w="756000">
+                  <a:extLst>
+                    <a:ext uri="{9D8B030D-6E8A-4147-A177-3AD203B41FA5}">
+                      <a16:colId xmlns:a16="http://schemas.microsoft.com/office/drawing/2014/main" val="3733742466"/>
+                    </a:ext>
+                  </a:extLst>
+                </a:gridCol>
+                <a:gridCol w="756000">
+                  <a:extLst>
+                    <a:ext uri="{9D8B030D-6E8A-4147-A177-3AD203B41FA5}">
+                      <a16:colId xmlns:a16="http://schemas.microsoft.com/office/drawing/2014/main" val="2550096102"/>
+                    </a:ext>
+                  </a:extLst>
+                </a:gridCol>
+                <a:gridCol w="756000">
+                  <a:extLst>
+                    <a:ext uri="{9D8B030D-6E8A-4147-A177-3AD203B41FA5}">
+                      <a16:colId xmlns:a16="http://schemas.microsoft.com/office/drawing/2014/main" val="2435900465"/>
+                    </a:ext>
+                  </a:extLst>
+                </a:gridCol>
+                <a:gridCol w="756000">
+                  <a:extLst>
+                    <a:ext uri="{9D8B030D-6E8A-4147-A177-3AD203B41FA5}">
+                      <a16:colId xmlns:a16="http://schemas.microsoft.com/office/drawing/2014/main" val="2807255029"/>
+                    </a:ext>
+                  </a:extLst>
+                </a:gridCol>
+              </a:tblGrid>
+              <a:tr h="684000">
+                <a:tc>
+                  <a:txBody>
+                    <a:bodyPr/>
+                    <a:lstStyle/>
+                    <a:p>
+                      <a:pPr algn="ctr" fontAlgn="b"/>
+                      <a:r>
+                        <a:rPr lang="en-US" sz="1100" b="1" u="none" strike="noStrike" dirty="0">
+                          <a:solidFill>
+                            <a:srgbClr val="FB0169"/>
+                          </a:solidFill>
+                          <a:effectLst/>
+                          <a:latin typeface="Consolas" panose="020B0609020204030204" pitchFamily="49" charset="0"/>
+                        </a:rPr>
+                        <a:t>sensor 0</a:t>
+                      </a:r>
+                      <a:br>
+                        <a:rPr lang="en-US" sz="1100" b="1" u="none" strike="noStrike" dirty="0">
+                          <a:effectLst/>
+                          <a:latin typeface="Consolas" panose="020B0609020204030204" pitchFamily="49" charset="0"/>
+                        </a:rPr>
+                      </a:br>
+                      <a:r>
+                        <a:rPr lang="en-US" sz="1100" b="1" u="none" strike="noStrike" dirty="0">
+                          <a:solidFill>
+                            <a:srgbClr val="C68C18"/>
+                          </a:solidFill>
+                          <a:effectLst/>
+                          <a:latin typeface="Consolas" panose="020B0609020204030204" pitchFamily="49" charset="0"/>
+                        </a:rPr>
+                        <a:t>group 0</a:t>
+                      </a:r>
+                      <a:br>
+                        <a:rPr lang="en-US" sz="1100" b="1" u="none" strike="noStrike" dirty="0">
+                          <a:effectLst/>
+                          <a:latin typeface="Consolas" panose="020B0609020204030204" pitchFamily="49" charset="0"/>
+                        </a:rPr>
+                      </a:br>
+                      <a:r>
+                        <a:rPr lang="en-US" sz="1100" b="1" u="none" strike="noStrike" dirty="0">
+                          <a:effectLst/>
+                          <a:latin typeface="Consolas" panose="020B0609020204030204" pitchFamily="49" charset="0"/>
+                        </a:rPr>
+                        <a:t>pos 0</a:t>
+                      </a:r>
+                      <a:endParaRPr lang="en-US" sz="1100" b="1" i="0" u="none" strike="noStrike" dirty="0">
+                        <a:solidFill>
+                          <a:srgbClr val="000000"/>
+                        </a:solidFill>
+                        <a:effectLst/>
+                        <a:latin typeface="Consolas" panose="020B0609020204030204" pitchFamily="49" charset="0"/>
+                      </a:endParaRPr>
+                    </a:p>
+                  </a:txBody>
+                  <a:tcPr marL="9525" marR="9525" marT="9525" marB="0" anchor="ctr">
+                    <a:lnL w="28575" cap="flat" cmpd="sng" algn="ctr">
+                      <a:solidFill>
+                        <a:schemeClr val="tx1"/>
+                      </a:solidFill>
+                      <a:prstDash val="solid"/>
+                      <a:round/>
+                      <a:headEnd type="none" w="med" len="med"/>
+                      <a:tailEnd type="none" w="med" len="med"/>
+                    </a:lnL>
+                    <a:lnR w="28575" cap="flat" cmpd="sng" algn="ctr">
+                      <a:solidFill>
+                        <a:schemeClr val="tx1"/>
+                      </a:solidFill>
+                      <a:prstDash val="solid"/>
+                      <a:round/>
+                      <a:headEnd type="none" w="med" len="med"/>
+                      <a:tailEnd type="none" w="med" len="med"/>
+                    </a:lnR>
+                    <a:lnT w="28575" cap="flat" cmpd="sng" algn="ctr">
+                      <a:solidFill>
+                        <a:schemeClr val="tx1"/>
+                      </a:solidFill>
+                      <a:prstDash val="solid"/>
+                      <a:round/>
+                      <a:headEnd type="none" w="med" len="med"/>
+                      <a:tailEnd type="none" w="med" len="med"/>
+                    </a:lnT>
+                    <a:lnB w="28575" cap="flat" cmpd="sng" algn="ctr">
+                      <a:solidFill>
+                        <a:schemeClr val="tx1"/>
+                      </a:solidFill>
+                      <a:prstDash val="solid"/>
+                      <a:round/>
+                      <a:headEnd type="none" w="med" len="med"/>
+                      <a:tailEnd type="none" w="med" len="med"/>
+                    </a:lnB>
+                    <a:lnTlToBr w="12700" cmpd="sng">
+                      <a:noFill/>
+                      <a:prstDash val="solid"/>
+                    </a:lnTlToBr>
+                    <a:lnBlToTr w="12700" cmpd="sng">
+                      <a:noFill/>
+                      <a:prstDash val="solid"/>
+                    </a:lnBlToTr>
+                    <a:noFill/>
+                  </a:tcPr>
+                </a:tc>
+                <a:tc>
+                  <a:txBody>
+                    <a:bodyPr/>
+                    <a:lstStyle/>
+                    <a:p>
+                      <a:pPr algn="ctr" fontAlgn="b"/>
+                      <a:r>
+                        <a:rPr lang="en-US" sz="1100" b="1" u="none" strike="noStrike" dirty="0">
+                          <a:solidFill>
+                            <a:srgbClr val="FB0169"/>
+                          </a:solidFill>
+                          <a:effectLst/>
+                          <a:latin typeface="Consolas" panose="020B0609020204030204" pitchFamily="49" charset="0"/>
+                        </a:rPr>
+                        <a:t>sensor 0</a:t>
+                      </a:r>
+                      <a:br>
+                        <a:rPr lang="en-US" sz="1100" b="1" u="none" strike="noStrike" dirty="0">
+                          <a:solidFill>
+                            <a:srgbClr val="FB0169"/>
+                          </a:solidFill>
+                          <a:effectLst/>
+                          <a:latin typeface="Consolas" panose="020B0609020204030204" pitchFamily="49" charset="0"/>
+                        </a:rPr>
+                      </a:br>
+                      <a:r>
+                        <a:rPr lang="en-US" sz="1100" b="1" u="none" strike="noStrike" dirty="0">
+                          <a:solidFill>
+                            <a:srgbClr val="C68C18"/>
+                          </a:solidFill>
+                          <a:effectLst/>
+                          <a:latin typeface="Consolas" panose="020B0609020204030204" pitchFamily="49" charset="0"/>
+                        </a:rPr>
+                        <a:t>group 0</a:t>
+                      </a:r>
+                      <a:br>
+                        <a:rPr lang="en-US" sz="1100" b="1" u="none" strike="noStrike" dirty="0">
+                          <a:effectLst/>
+                          <a:latin typeface="Consolas" panose="020B0609020204030204" pitchFamily="49" charset="0"/>
+                        </a:rPr>
+                      </a:br>
+                      <a:r>
+                        <a:rPr lang="en-US" sz="1100" b="1" u="none" strike="noStrike" dirty="0">
+                          <a:effectLst/>
+                          <a:latin typeface="Consolas" panose="020B0609020204030204" pitchFamily="49" charset="0"/>
+                        </a:rPr>
+                        <a:t>pos 1</a:t>
+                      </a:r>
+                      <a:endParaRPr lang="en-US" sz="1100" b="1" i="0" u="none" strike="noStrike" dirty="0">
+                        <a:solidFill>
+                          <a:srgbClr val="000000"/>
+                        </a:solidFill>
+                        <a:effectLst/>
+                        <a:latin typeface="Consolas" panose="020B0609020204030204" pitchFamily="49" charset="0"/>
+                      </a:endParaRPr>
+                    </a:p>
+                  </a:txBody>
+                  <a:tcPr marL="9525" marR="9525" marT="9525" marB="0" anchor="ctr">
+                    <a:lnL w="28575" cap="flat" cmpd="sng" algn="ctr">
+                      <a:solidFill>
+                        <a:schemeClr val="tx1"/>
+                      </a:solidFill>
+                      <a:prstDash val="solid"/>
+                      <a:round/>
+                      <a:headEnd type="none" w="med" len="med"/>
+                      <a:tailEnd type="none" w="med" len="med"/>
+                    </a:lnL>
+                    <a:lnR w="28575" cap="flat" cmpd="sng" algn="ctr">
+                      <a:solidFill>
+                        <a:schemeClr val="tx1"/>
+                      </a:solidFill>
+                      <a:prstDash val="solid"/>
+                      <a:round/>
+                      <a:headEnd type="none" w="med" len="med"/>
+                      <a:tailEnd type="none" w="med" len="med"/>
+                    </a:lnR>
+                    <a:lnT w="28575" cap="flat" cmpd="sng" algn="ctr">
+                      <a:solidFill>
+                        <a:schemeClr val="tx1"/>
+                      </a:solidFill>
+                      <a:prstDash val="solid"/>
+                      <a:round/>
+                      <a:headEnd type="none" w="med" len="med"/>
+                      <a:tailEnd type="none" w="med" len="med"/>
+                    </a:lnT>
+                    <a:lnB w="28575" cap="flat" cmpd="sng" algn="ctr">
+                      <a:solidFill>
+                        <a:schemeClr val="tx1"/>
+                      </a:solidFill>
+                      <a:prstDash val="solid"/>
+                      <a:round/>
+                      <a:headEnd type="none" w="med" len="med"/>
+                      <a:tailEnd type="none" w="med" len="med"/>
+                    </a:lnB>
+                    <a:lnTlToBr w="12700" cmpd="sng">
+                      <a:noFill/>
+                      <a:prstDash val="solid"/>
+                    </a:lnTlToBr>
+                    <a:lnBlToTr w="12700" cmpd="sng">
+                      <a:noFill/>
+                      <a:prstDash val="solid"/>
+                    </a:lnBlToTr>
+                    <a:noFill/>
+                  </a:tcPr>
+                </a:tc>
+                <a:tc>
+                  <a:txBody>
+                    <a:bodyPr/>
+                    <a:lstStyle/>
+                    <a:p>
+                      <a:pPr algn="ctr" fontAlgn="b"/>
+                      <a:r>
+                        <a:rPr kumimoji="0" lang="it-IT" sz="1100" b="1" i="0" u="none" strike="noStrike" kern="1200" cap="none" spc="0" normalizeH="0" baseline="0" noProof="0">
+                          <a:ln>
+                            <a:noFill/>
+                          </a:ln>
+                          <a:solidFill>
+                            <a:prstClr val="black"/>
+                          </a:solidFill>
+                          <a:effectLst/>
+                          <a:uLnTx/>
+                          <a:uFillTx/>
+                          <a:latin typeface="Consolas" panose="020B0609020204030204" pitchFamily="49" charset="0"/>
+                          <a:ea typeface="+mn-ea"/>
+                          <a:cs typeface="+mn-cs"/>
+                        </a:rPr>
+                        <a:t>...</a:t>
+                      </a:r>
+                      <a:endParaRPr lang="it-IT" sz="1100" b="1" i="0" u="none" strike="noStrike">
+                        <a:solidFill>
+                          <a:srgbClr val="000000"/>
+                        </a:solidFill>
+                        <a:effectLst/>
+                        <a:latin typeface="Consolas" panose="020B0609020204030204" pitchFamily="49" charset="0"/>
+                      </a:endParaRPr>
+                    </a:p>
+                  </a:txBody>
+                  <a:tcPr marL="9525" marR="9525" marT="9525" marB="0" anchor="ctr">
+                    <a:lnL w="28575" cap="flat" cmpd="sng" algn="ctr">
+                      <a:solidFill>
+                        <a:schemeClr val="tx1"/>
+                      </a:solidFill>
+                      <a:prstDash val="solid"/>
+                      <a:round/>
+                      <a:headEnd type="none" w="med" len="med"/>
+                      <a:tailEnd type="none" w="med" len="med"/>
+                    </a:lnL>
+                    <a:lnR w="28575" cap="flat" cmpd="sng" algn="ctr">
+                      <a:solidFill>
+                        <a:schemeClr val="tx1"/>
+                      </a:solidFill>
+                      <a:prstDash val="solid"/>
+                      <a:round/>
+                      <a:headEnd type="none" w="med" len="med"/>
+                      <a:tailEnd type="none" w="med" len="med"/>
+                    </a:lnR>
+                    <a:lnT w="28575" cap="flat" cmpd="sng" algn="ctr">
+                      <a:solidFill>
+                        <a:schemeClr val="tx1"/>
+                      </a:solidFill>
+                      <a:prstDash val="solid"/>
+                      <a:round/>
+                      <a:headEnd type="none" w="med" len="med"/>
+                      <a:tailEnd type="none" w="med" len="med"/>
+                    </a:lnT>
+                    <a:lnB w="28575" cap="flat" cmpd="sng" algn="ctr">
+                      <a:solidFill>
+                        <a:schemeClr val="tx1"/>
+                      </a:solidFill>
+                      <a:prstDash val="solid"/>
+                      <a:round/>
+                      <a:headEnd type="none" w="med" len="med"/>
+                      <a:tailEnd type="none" w="med" len="med"/>
+                    </a:lnB>
+                    <a:lnTlToBr w="12700" cmpd="sng">
+                      <a:noFill/>
+                      <a:prstDash val="solid"/>
+                    </a:lnTlToBr>
+                    <a:lnBlToTr w="12700" cmpd="sng">
+                      <a:noFill/>
+                      <a:prstDash val="solid"/>
+                    </a:lnBlToTr>
+                    <a:noFill/>
+                  </a:tcPr>
+                </a:tc>
+                <a:tc>
+                  <a:txBody>
+                    <a:bodyPr/>
+                    <a:lstStyle/>
+                    <a:p>
+                      <a:pPr algn="ctr" fontAlgn="b"/>
+                      <a:r>
+                        <a:rPr lang="en-US" sz="1100" b="1" u="none" strike="noStrike" dirty="0">
+                          <a:solidFill>
+                            <a:srgbClr val="FB0169"/>
+                          </a:solidFill>
+                          <a:effectLst/>
+                          <a:latin typeface="Consolas" panose="020B0609020204030204" pitchFamily="49" charset="0"/>
+                        </a:rPr>
+                        <a:t>sensor 0</a:t>
+                      </a:r>
+                      <a:br>
+                        <a:rPr lang="en-US" sz="1100" b="1" u="none" strike="noStrike" dirty="0">
+                          <a:effectLst/>
+                          <a:latin typeface="Consolas" panose="020B0609020204030204" pitchFamily="49" charset="0"/>
+                        </a:rPr>
+                      </a:br>
+                      <a:r>
+                        <a:rPr lang="en-US" sz="1100" b="1" u="none" strike="noStrike" dirty="0">
+                          <a:solidFill>
+                            <a:srgbClr val="C68C18"/>
+                          </a:solidFill>
+                          <a:effectLst/>
+                          <a:latin typeface="Consolas" panose="020B0609020204030204" pitchFamily="49" charset="0"/>
+                        </a:rPr>
+                        <a:t>group 0</a:t>
+                      </a:r>
+                      <a:br>
+                        <a:rPr lang="en-US" sz="1100" b="1" u="none" strike="noStrike" dirty="0">
+                          <a:effectLst/>
+                          <a:latin typeface="Consolas" panose="020B0609020204030204" pitchFamily="49" charset="0"/>
+                        </a:rPr>
+                      </a:br>
+                      <a:r>
+                        <a:rPr lang="en-US" sz="1100" b="1" u="none" strike="noStrike" dirty="0">
+                          <a:effectLst/>
+                          <a:latin typeface="Consolas" panose="020B0609020204030204" pitchFamily="49" charset="0"/>
+                        </a:rPr>
+                        <a:t>pos last</a:t>
+                      </a:r>
+                      <a:endParaRPr lang="en-US" sz="1100" b="1" i="0" u="none" strike="noStrike" dirty="0">
+                        <a:solidFill>
+                          <a:srgbClr val="000000"/>
+                        </a:solidFill>
+                        <a:effectLst/>
+                        <a:latin typeface="Consolas" panose="020B0609020204030204" pitchFamily="49" charset="0"/>
+                      </a:endParaRPr>
+                    </a:p>
+                  </a:txBody>
+                  <a:tcPr marL="9525" marR="9525" marT="9525" marB="0" anchor="ctr">
+                    <a:lnL w="28575" cap="flat" cmpd="sng" algn="ctr">
+                      <a:solidFill>
+                        <a:schemeClr val="tx1"/>
+                      </a:solidFill>
+                      <a:prstDash val="solid"/>
+                      <a:round/>
+                      <a:headEnd type="none" w="med" len="med"/>
+                      <a:tailEnd type="none" w="med" len="med"/>
+                    </a:lnL>
+                    <a:lnR w="57150" cap="flat" cmpd="sng" algn="ctr">
+                      <a:solidFill>
+                        <a:schemeClr val="tx1"/>
+                      </a:solidFill>
+                      <a:prstDash val="solid"/>
+                      <a:round/>
+                      <a:headEnd type="none" w="med" len="med"/>
+                      <a:tailEnd type="none" w="med" len="med"/>
+                    </a:lnR>
+                    <a:lnT w="28575" cap="flat" cmpd="sng" algn="ctr">
+                      <a:solidFill>
+                        <a:schemeClr val="tx1"/>
+                      </a:solidFill>
+                      <a:prstDash val="solid"/>
+                      <a:round/>
+                      <a:headEnd type="none" w="med" len="med"/>
+                      <a:tailEnd type="none" w="med" len="med"/>
+                    </a:lnT>
+                    <a:lnB w="28575" cap="flat" cmpd="sng" algn="ctr">
+                      <a:solidFill>
+                        <a:schemeClr val="tx1"/>
+                      </a:solidFill>
+                      <a:prstDash val="solid"/>
+                      <a:round/>
+                      <a:headEnd type="none" w="med" len="med"/>
+                      <a:tailEnd type="none" w="med" len="med"/>
+                    </a:lnB>
+                    <a:lnTlToBr w="12700" cmpd="sng">
+                      <a:noFill/>
+                      <a:prstDash val="solid"/>
+                    </a:lnTlToBr>
+                    <a:lnBlToTr w="12700" cmpd="sng">
+                      <a:noFill/>
+                      <a:prstDash val="solid"/>
+                    </a:lnBlToTr>
+                    <a:noFill/>
+                  </a:tcPr>
+                </a:tc>
+                <a:tc>
+                  <a:txBody>
+                    <a:bodyPr/>
+                    <a:lstStyle/>
+                    <a:p>
+                      <a:pPr algn="ctr" fontAlgn="b"/>
+                      <a:r>
+                        <a:rPr lang="en-US" sz="1100" b="1" u="none" strike="noStrike" dirty="0">
+                          <a:solidFill>
+                            <a:srgbClr val="46B5C0"/>
+                          </a:solidFill>
+                          <a:effectLst/>
+                          <a:latin typeface="Consolas" panose="020B0609020204030204" pitchFamily="49" charset="0"/>
+                        </a:rPr>
+                        <a:t>sensor 1</a:t>
+                      </a:r>
+                      <a:br>
+                        <a:rPr lang="en-US" sz="1100" b="1" u="none" strike="noStrike" dirty="0">
+                          <a:effectLst/>
+                          <a:latin typeface="Consolas" panose="020B0609020204030204" pitchFamily="49" charset="0"/>
+                        </a:rPr>
+                      </a:br>
+                      <a:r>
+                        <a:rPr lang="en-US" sz="1100" b="1" u="none" strike="noStrike" dirty="0">
+                          <a:solidFill>
+                            <a:srgbClr val="C68C18"/>
+                          </a:solidFill>
+                          <a:effectLst/>
+                          <a:latin typeface="Consolas" panose="020B0609020204030204" pitchFamily="49" charset="0"/>
+                        </a:rPr>
+                        <a:t>group 0</a:t>
+                      </a:r>
+                      <a:br>
+                        <a:rPr lang="en-US" sz="1100" b="1" u="none" strike="noStrike" dirty="0">
+                          <a:effectLst/>
+                          <a:latin typeface="Consolas" panose="020B0609020204030204" pitchFamily="49" charset="0"/>
+                        </a:rPr>
+                      </a:br>
+                      <a:r>
+                        <a:rPr lang="en-US" sz="1100" b="1" u="none" strike="noStrike" dirty="0">
+                          <a:effectLst/>
+                          <a:latin typeface="Consolas" panose="020B0609020204030204" pitchFamily="49" charset="0"/>
+                        </a:rPr>
+                        <a:t>pos 0</a:t>
+                      </a:r>
+                      <a:endParaRPr lang="en-US" sz="1100" b="1" i="0" u="none" strike="noStrike" dirty="0">
+                        <a:solidFill>
+                          <a:srgbClr val="000000"/>
+                        </a:solidFill>
+                        <a:effectLst/>
+                        <a:latin typeface="Consolas" panose="020B0609020204030204" pitchFamily="49" charset="0"/>
+                      </a:endParaRPr>
+                    </a:p>
+                  </a:txBody>
+                  <a:tcPr marL="9525" marR="9525" marT="9525" marB="0" anchor="ctr">
+                    <a:lnL w="57150" cap="flat" cmpd="sng" algn="ctr">
+                      <a:solidFill>
+                        <a:schemeClr val="tx1"/>
+                      </a:solidFill>
+                      <a:prstDash val="solid"/>
+                      <a:round/>
+                      <a:headEnd type="none" w="med" len="med"/>
+                      <a:tailEnd type="none" w="med" len="med"/>
+                    </a:lnL>
+                    <a:lnR w="28575" cap="flat" cmpd="sng" algn="ctr">
+                      <a:solidFill>
+                        <a:schemeClr val="tx1"/>
+                      </a:solidFill>
+                      <a:prstDash val="solid"/>
+                      <a:round/>
+                      <a:headEnd type="none" w="med" len="med"/>
+                      <a:tailEnd type="none" w="med" len="med"/>
+                    </a:lnR>
+                    <a:lnT w="28575" cap="flat" cmpd="sng" algn="ctr">
+                      <a:solidFill>
+                        <a:schemeClr val="tx1"/>
+                      </a:solidFill>
+                      <a:prstDash val="solid"/>
+                      <a:round/>
+                      <a:headEnd type="none" w="med" len="med"/>
+                      <a:tailEnd type="none" w="med" len="med"/>
+                    </a:lnT>
+                    <a:lnB w="28575" cap="flat" cmpd="sng" algn="ctr">
+                      <a:solidFill>
+                        <a:schemeClr val="tx1"/>
+                      </a:solidFill>
+                      <a:prstDash val="solid"/>
+                      <a:round/>
+                      <a:headEnd type="none" w="med" len="med"/>
+                      <a:tailEnd type="none" w="med" len="med"/>
+                    </a:lnB>
+                    <a:lnTlToBr w="12700" cmpd="sng">
+                      <a:noFill/>
+                      <a:prstDash val="solid"/>
+                    </a:lnTlToBr>
+                    <a:lnBlToTr w="12700" cmpd="sng">
+                      <a:noFill/>
+                      <a:prstDash val="solid"/>
+                    </a:lnBlToTr>
+                    <a:noFill/>
+                  </a:tcPr>
+                </a:tc>
+                <a:tc>
+                  <a:txBody>
+                    <a:bodyPr/>
+                    <a:lstStyle/>
+                    <a:p>
+                      <a:pPr algn="ctr" fontAlgn="b"/>
+                      <a:r>
+                        <a:rPr lang="en-US" sz="1100" b="1" u="none" strike="noStrike" dirty="0">
+                          <a:solidFill>
+                            <a:srgbClr val="46B5C0"/>
+                          </a:solidFill>
+                          <a:effectLst/>
+                          <a:latin typeface="Consolas" panose="020B0609020204030204" pitchFamily="49" charset="0"/>
+                        </a:rPr>
+                        <a:t>sensor 1</a:t>
+                      </a:r>
+                      <a:br>
+                        <a:rPr lang="en-US" sz="1100" b="1" u="none" strike="noStrike" dirty="0">
+                          <a:effectLst/>
+                          <a:latin typeface="Consolas" panose="020B0609020204030204" pitchFamily="49" charset="0"/>
+                        </a:rPr>
+                      </a:br>
+                      <a:r>
+                        <a:rPr lang="en-US" sz="1100" b="1" u="none" strike="noStrike" dirty="0">
+                          <a:solidFill>
+                            <a:srgbClr val="C68C18"/>
+                          </a:solidFill>
+                          <a:effectLst/>
+                          <a:latin typeface="Consolas" panose="020B0609020204030204" pitchFamily="49" charset="0"/>
+                        </a:rPr>
+                        <a:t>group 0</a:t>
+                      </a:r>
+                      <a:br>
+                        <a:rPr lang="en-US" sz="1100" b="1" u="none" strike="noStrike" dirty="0">
+                          <a:effectLst/>
+                          <a:latin typeface="Consolas" panose="020B0609020204030204" pitchFamily="49" charset="0"/>
+                        </a:rPr>
+                      </a:br>
+                      <a:r>
+                        <a:rPr lang="en-US" sz="1100" b="1" u="none" strike="noStrike" dirty="0">
+                          <a:effectLst/>
+                          <a:latin typeface="Consolas" panose="020B0609020204030204" pitchFamily="49" charset="0"/>
+                        </a:rPr>
+                        <a:t>pos 1</a:t>
+                      </a:r>
+                      <a:endParaRPr lang="en-US" sz="1100" b="1" i="0" u="none" strike="noStrike" dirty="0">
+                        <a:solidFill>
+                          <a:srgbClr val="000000"/>
+                        </a:solidFill>
+                        <a:effectLst/>
+                        <a:latin typeface="Consolas" panose="020B0609020204030204" pitchFamily="49" charset="0"/>
+                      </a:endParaRPr>
+                    </a:p>
+                  </a:txBody>
+                  <a:tcPr marL="9525" marR="9525" marT="9525" marB="0" anchor="ctr">
+                    <a:lnL w="28575" cap="flat" cmpd="sng" algn="ctr">
+                      <a:solidFill>
+                        <a:schemeClr val="tx1"/>
+                      </a:solidFill>
+                      <a:prstDash val="solid"/>
+                      <a:round/>
+                      <a:headEnd type="none" w="med" len="med"/>
+                      <a:tailEnd type="none" w="med" len="med"/>
+                    </a:lnL>
+                    <a:lnR w="28575" cap="flat" cmpd="sng" algn="ctr">
+                      <a:solidFill>
+                        <a:schemeClr val="tx1"/>
+                      </a:solidFill>
+                      <a:prstDash val="solid"/>
+                      <a:round/>
+                      <a:headEnd type="none" w="med" len="med"/>
+                      <a:tailEnd type="none" w="med" len="med"/>
+                    </a:lnR>
+                    <a:lnT w="28575" cap="flat" cmpd="sng" algn="ctr">
+                      <a:solidFill>
+                        <a:schemeClr val="tx1"/>
+                      </a:solidFill>
+                      <a:prstDash val="solid"/>
+                      <a:round/>
+                      <a:headEnd type="none" w="med" len="med"/>
+                      <a:tailEnd type="none" w="med" len="med"/>
+                    </a:lnT>
+                    <a:lnB w="28575" cap="flat" cmpd="sng" algn="ctr">
+                      <a:solidFill>
+                        <a:schemeClr val="tx1"/>
+                      </a:solidFill>
+                      <a:prstDash val="solid"/>
+                      <a:round/>
+                      <a:headEnd type="none" w="med" len="med"/>
+                      <a:tailEnd type="none" w="med" len="med"/>
+                    </a:lnB>
+                    <a:lnTlToBr w="12700" cmpd="sng">
+                      <a:noFill/>
+                      <a:prstDash val="solid"/>
+                    </a:lnTlToBr>
+                    <a:lnBlToTr w="12700" cmpd="sng">
+                      <a:noFill/>
+                      <a:prstDash val="solid"/>
+                    </a:lnBlToTr>
+                    <a:noFill/>
+                  </a:tcPr>
+                </a:tc>
+                <a:tc>
+                  <a:txBody>
+                    <a:bodyPr/>
+                    <a:lstStyle/>
+                    <a:p>
+                      <a:pPr algn="ctr" fontAlgn="b"/>
+                      <a:r>
+                        <a:rPr lang="it-IT" sz="1100" b="1" u="none" strike="noStrike" dirty="0">
+                          <a:effectLst/>
+                          <a:latin typeface="Consolas" panose="020B0609020204030204" pitchFamily="49" charset="0"/>
+                        </a:rPr>
+                        <a:t>...</a:t>
+                      </a:r>
+                      <a:endParaRPr lang="it-IT" sz="1100" b="1" i="0" u="none" strike="noStrike" dirty="0">
+                        <a:solidFill>
+                          <a:srgbClr val="000000"/>
+                        </a:solidFill>
+                        <a:effectLst/>
+                        <a:latin typeface="Consolas" panose="020B0609020204030204" pitchFamily="49" charset="0"/>
+                      </a:endParaRPr>
+                    </a:p>
+                  </a:txBody>
+                  <a:tcPr marL="9525" marR="9525" marT="9525" marB="0" anchor="ctr">
+                    <a:lnL w="28575" cap="flat" cmpd="sng" algn="ctr">
+                      <a:solidFill>
+                        <a:schemeClr val="tx1"/>
+                      </a:solidFill>
+                      <a:prstDash val="solid"/>
+                      <a:round/>
+                      <a:headEnd type="none" w="med" len="med"/>
+                      <a:tailEnd type="none" w="med" len="med"/>
+                    </a:lnL>
+                    <a:lnR w="28575" cap="flat" cmpd="sng" algn="ctr">
+                      <a:solidFill>
+                        <a:schemeClr val="tx1"/>
+                      </a:solidFill>
+                      <a:prstDash val="solid"/>
+                      <a:round/>
+                      <a:headEnd type="none" w="med" len="med"/>
+                      <a:tailEnd type="none" w="med" len="med"/>
+                    </a:lnR>
+                    <a:lnT w="28575" cap="flat" cmpd="sng" algn="ctr">
+                      <a:solidFill>
+                        <a:schemeClr val="tx1"/>
+                      </a:solidFill>
+                      <a:prstDash val="solid"/>
+                      <a:round/>
+                      <a:headEnd type="none" w="med" len="med"/>
+                      <a:tailEnd type="none" w="med" len="med"/>
+                    </a:lnT>
+                    <a:lnB w="28575" cap="flat" cmpd="sng" algn="ctr">
+                      <a:solidFill>
+                        <a:schemeClr val="tx1"/>
+                      </a:solidFill>
+                      <a:prstDash val="solid"/>
+                      <a:round/>
+                      <a:headEnd type="none" w="med" len="med"/>
+                      <a:tailEnd type="none" w="med" len="med"/>
+                    </a:lnB>
+                    <a:lnTlToBr w="12700" cmpd="sng">
+                      <a:noFill/>
+                      <a:prstDash val="solid"/>
+                    </a:lnTlToBr>
+                    <a:lnBlToTr w="12700" cmpd="sng">
+                      <a:noFill/>
+                      <a:prstDash val="solid"/>
+                    </a:lnBlToTr>
+                    <a:noFill/>
+                  </a:tcPr>
+                </a:tc>
+                <a:tc>
+                  <a:txBody>
+                    <a:bodyPr/>
+                    <a:lstStyle/>
+                    <a:p>
+                      <a:pPr algn="ctr" fontAlgn="b"/>
+                      <a:r>
+                        <a:rPr lang="en-US" sz="1100" b="1" u="none" strike="noStrike" dirty="0">
+                          <a:solidFill>
+                            <a:srgbClr val="46B5C0"/>
+                          </a:solidFill>
+                          <a:effectLst/>
+                          <a:latin typeface="Consolas" panose="020B0609020204030204" pitchFamily="49" charset="0"/>
+                        </a:rPr>
+                        <a:t>sensor 1</a:t>
+                      </a:r>
+                      <a:br>
+                        <a:rPr lang="en-US" sz="1100" b="1" u="none" strike="noStrike" dirty="0">
+                          <a:effectLst/>
+                          <a:latin typeface="Consolas" panose="020B0609020204030204" pitchFamily="49" charset="0"/>
+                        </a:rPr>
+                      </a:br>
+                      <a:r>
+                        <a:rPr lang="en-US" sz="1100" b="1" u="none" strike="noStrike" dirty="0">
+                          <a:solidFill>
+                            <a:srgbClr val="C68C18"/>
+                          </a:solidFill>
+                          <a:effectLst/>
+                          <a:latin typeface="Consolas" panose="020B0609020204030204" pitchFamily="49" charset="0"/>
+                        </a:rPr>
+                        <a:t>group 0</a:t>
+                      </a:r>
+                      <a:br>
+                        <a:rPr lang="en-US" sz="1100" b="1" u="none" strike="noStrike" dirty="0">
+                          <a:effectLst/>
+                          <a:latin typeface="Consolas" panose="020B0609020204030204" pitchFamily="49" charset="0"/>
+                        </a:rPr>
+                      </a:br>
+                      <a:r>
+                        <a:rPr lang="en-US" sz="1100" b="1" u="none" strike="noStrike" dirty="0">
+                          <a:effectLst/>
+                          <a:latin typeface="Consolas" panose="020B0609020204030204" pitchFamily="49" charset="0"/>
+                        </a:rPr>
+                        <a:t>pos last</a:t>
+                      </a:r>
+                      <a:endParaRPr lang="en-US" sz="1100" b="1" i="0" u="none" strike="noStrike" dirty="0">
+                        <a:solidFill>
+                          <a:srgbClr val="000000"/>
+                        </a:solidFill>
+                        <a:effectLst/>
+                        <a:latin typeface="Consolas" panose="020B0609020204030204" pitchFamily="49" charset="0"/>
+                      </a:endParaRPr>
+                    </a:p>
+                  </a:txBody>
+                  <a:tcPr marL="9525" marR="9525" marT="9525" marB="0" anchor="ctr">
+                    <a:lnL w="28575" cap="flat" cmpd="sng" algn="ctr">
+                      <a:solidFill>
+                        <a:schemeClr val="tx1"/>
+                      </a:solidFill>
+                      <a:prstDash val="solid"/>
+                      <a:round/>
+                      <a:headEnd type="none" w="med" len="med"/>
+                      <a:tailEnd type="none" w="med" len="med"/>
+                    </a:lnL>
+                    <a:lnR w="28575" cap="flat" cmpd="sng" algn="ctr">
+                      <a:solidFill>
+                        <a:schemeClr val="tx1"/>
+                      </a:solidFill>
+                      <a:prstDash val="solid"/>
+                      <a:round/>
+                      <a:headEnd type="none" w="med" len="med"/>
+                      <a:tailEnd type="none" w="med" len="med"/>
+                    </a:lnR>
+                    <a:lnT w="28575" cap="flat" cmpd="sng" algn="ctr">
+                      <a:solidFill>
+                        <a:schemeClr val="tx1"/>
+                      </a:solidFill>
+                      <a:prstDash val="solid"/>
+                      <a:round/>
+                      <a:headEnd type="none" w="med" len="med"/>
+                      <a:tailEnd type="none" w="med" len="med"/>
+                    </a:lnT>
+                    <a:lnB w="28575" cap="flat" cmpd="sng" algn="ctr">
+                      <a:solidFill>
+                        <a:schemeClr val="tx1"/>
+                      </a:solidFill>
+                      <a:prstDash val="solid"/>
+                      <a:round/>
+                      <a:headEnd type="none" w="med" len="med"/>
+                      <a:tailEnd type="none" w="med" len="med"/>
+                    </a:lnB>
+                    <a:lnTlToBr w="12700" cmpd="sng">
+                      <a:noFill/>
+                      <a:prstDash val="solid"/>
+                    </a:lnTlToBr>
+                    <a:lnBlToTr w="12700" cmpd="sng">
+                      <a:noFill/>
+                      <a:prstDash val="solid"/>
+                    </a:lnBlToTr>
+                    <a:noFill/>
+                  </a:tcPr>
+                </a:tc>
+                <a:tc>
+                  <a:txBody>
+                    <a:bodyPr/>
+                    <a:lstStyle/>
+                    <a:p>
+                      <a:pPr algn="ctr" fontAlgn="b"/>
+                      <a:r>
+                        <a:rPr kumimoji="0" lang="it-IT" sz="1100" b="1" i="0" u="none" strike="noStrike" kern="1200" cap="none" spc="0" normalizeH="0" baseline="0" noProof="0">
+                          <a:ln>
+                            <a:noFill/>
+                          </a:ln>
+                          <a:solidFill>
+                            <a:prstClr val="black"/>
+                          </a:solidFill>
+                          <a:effectLst/>
+                          <a:uLnTx/>
+                          <a:uFillTx/>
+                          <a:latin typeface="Consolas" panose="020B0609020204030204" pitchFamily="49" charset="0"/>
+                          <a:ea typeface="+mn-ea"/>
+                          <a:cs typeface="+mn-cs"/>
+                        </a:rPr>
+                        <a:t>...</a:t>
+                      </a:r>
+                      <a:endParaRPr lang="it-IT" sz="1100" b="1" i="0" u="none" strike="noStrike" dirty="0">
+                        <a:solidFill>
+                          <a:srgbClr val="000000"/>
+                        </a:solidFill>
+                        <a:effectLst/>
+                        <a:latin typeface="Consolas" panose="020B0609020204030204" pitchFamily="49" charset="0"/>
+                      </a:endParaRPr>
+                    </a:p>
+                  </a:txBody>
+                  <a:tcPr marL="9525" marR="9525" marT="9525" marB="0" anchor="ctr">
+                    <a:lnL w="28575" cap="flat" cmpd="sng" algn="ctr">
+                      <a:solidFill>
+                        <a:schemeClr val="tx1"/>
+                      </a:solidFill>
+                      <a:prstDash val="solid"/>
+                      <a:round/>
+                      <a:headEnd type="none" w="med" len="med"/>
+                      <a:tailEnd type="none" w="med" len="med"/>
+                    </a:lnL>
+                    <a:lnR w="28575" cap="flat" cmpd="sng" algn="ctr">
+                      <a:solidFill>
+                        <a:schemeClr val="tx1"/>
+                      </a:solidFill>
+                      <a:prstDash val="solid"/>
+                      <a:round/>
+                      <a:headEnd type="none" w="med" len="med"/>
+                      <a:tailEnd type="none" w="med" len="med"/>
+                    </a:lnR>
+                    <a:lnT w="28575" cap="flat" cmpd="sng" algn="ctr">
+                      <a:solidFill>
+                        <a:schemeClr val="tx1"/>
+                      </a:solidFill>
+                      <a:prstDash val="solid"/>
+                      <a:round/>
+                      <a:headEnd type="none" w="med" len="med"/>
+                      <a:tailEnd type="none" w="med" len="med"/>
+                    </a:lnT>
+                    <a:lnB w="28575" cap="flat" cmpd="sng" algn="ctr">
+                      <a:solidFill>
+                        <a:schemeClr val="tx1"/>
+                      </a:solidFill>
+                      <a:prstDash val="solid"/>
+                      <a:round/>
+                      <a:headEnd type="none" w="med" len="med"/>
+                      <a:tailEnd type="none" w="med" len="med"/>
+                    </a:lnB>
+                    <a:lnTlToBr w="12700" cmpd="sng">
+                      <a:noFill/>
+                      <a:prstDash val="solid"/>
+                    </a:lnTlToBr>
+                    <a:lnBlToTr w="12700" cmpd="sng">
+                      <a:noFill/>
+                      <a:prstDash val="solid"/>
+                    </a:lnBlToTr>
+                    <a:noFill/>
+                  </a:tcPr>
+                </a:tc>
+                <a:extLst>
+                  <a:ext uri="{0D108BD9-81ED-4DB2-BD59-A6C34878D82A}">
+                    <a16:rowId xmlns:a16="http://schemas.microsoft.com/office/drawing/2014/main" val="3489742954"/>
+                  </a:ext>
+                </a:extLst>
+              </a:tr>
+              <a:tr h="684000">
+                <a:tc>
+                  <a:txBody>
+                    <a:bodyPr/>
+                    <a:lstStyle/>
+                    <a:p>
+                      <a:pPr algn="ctr" fontAlgn="b"/>
+                      <a:r>
+                        <a:rPr lang="en-US" sz="1100" b="1" u="none" strike="noStrike" dirty="0">
+                          <a:solidFill>
+                            <a:srgbClr val="FB0169"/>
+                          </a:solidFill>
+                          <a:effectLst/>
+                          <a:latin typeface="Consolas" panose="020B0609020204030204" pitchFamily="49" charset="0"/>
+                        </a:rPr>
+                        <a:t>sensor 0</a:t>
+                      </a:r>
+                      <a:br>
+                        <a:rPr lang="en-US" sz="1100" b="1" u="none" strike="noStrike" dirty="0">
+                          <a:effectLst/>
+                          <a:latin typeface="Consolas" panose="020B0609020204030204" pitchFamily="49" charset="0"/>
+                        </a:rPr>
+                      </a:br>
+                      <a:r>
+                        <a:rPr lang="en-US" sz="1100" b="1" u="none" strike="noStrike" dirty="0">
+                          <a:solidFill>
+                            <a:srgbClr val="82A021"/>
+                          </a:solidFill>
+                          <a:effectLst/>
+                          <a:latin typeface="Consolas" panose="020B0609020204030204" pitchFamily="49" charset="0"/>
+                        </a:rPr>
+                        <a:t>group 1</a:t>
+                      </a:r>
+                      <a:br>
+                        <a:rPr lang="en-US" sz="1100" b="1" u="none" strike="noStrike" dirty="0">
+                          <a:effectLst/>
+                          <a:latin typeface="Consolas" panose="020B0609020204030204" pitchFamily="49" charset="0"/>
+                        </a:rPr>
+                      </a:br>
+                      <a:r>
+                        <a:rPr lang="en-US" sz="1100" b="1" u="none" strike="noStrike" dirty="0">
+                          <a:effectLst/>
+                          <a:latin typeface="Consolas" panose="020B0609020204030204" pitchFamily="49" charset="0"/>
+                        </a:rPr>
+                        <a:t>pos 0</a:t>
+                      </a:r>
+                      <a:endParaRPr lang="en-US" sz="1100" b="1" i="0" u="none" strike="noStrike" dirty="0">
+                        <a:solidFill>
+                          <a:srgbClr val="000000"/>
+                        </a:solidFill>
+                        <a:effectLst/>
+                        <a:latin typeface="Consolas" panose="020B0609020204030204" pitchFamily="49" charset="0"/>
+                      </a:endParaRPr>
+                    </a:p>
+                  </a:txBody>
+                  <a:tcPr marL="9525" marR="9525" marT="9525" marB="0" anchor="ctr">
+                    <a:lnL w="28575" cap="flat" cmpd="sng" algn="ctr">
+                      <a:solidFill>
+                        <a:schemeClr val="tx1"/>
+                      </a:solidFill>
+                      <a:prstDash val="solid"/>
+                      <a:round/>
+                      <a:headEnd type="none" w="med" len="med"/>
+                      <a:tailEnd type="none" w="med" len="med"/>
+                    </a:lnL>
+                    <a:lnR w="28575" cap="flat" cmpd="sng" algn="ctr">
+                      <a:solidFill>
+                        <a:schemeClr val="tx1"/>
+                      </a:solidFill>
+                      <a:prstDash val="solid"/>
+                      <a:round/>
+                      <a:headEnd type="none" w="med" len="med"/>
+                      <a:tailEnd type="none" w="med" len="med"/>
+                    </a:lnR>
+                    <a:lnT w="28575" cap="flat" cmpd="sng" algn="ctr">
+                      <a:solidFill>
+                        <a:schemeClr val="tx1"/>
+                      </a:solidFill>
+                      <a:prstDash val="solid"/>
+                      <a:round/>
+                      <a:headEnd type="none" w="med" len="med"/>
+                      <a:tailEnd type="none" w="med" len="med"/>
+                    </a:lnT>
+                    <a:lnB w="28575" cap="flat" cmpd="sng" algn="ctr">
+                      <a:solidFill>
+                        <a:schemeClr val="tx1"/>
+                      </a:solidFill>
+                      <a:prstDash val="solid"/>
+                      <a:round/>
+                      <a:headEnd type="none" w="med" len="med"/>
+                      <a:tailEnd type="none" w="med" len="med"/>
+                    </a:lnB>
+                    <a:lnTlToBr w="12700" cmpd="sng">
+                      <a:noFill/>
+                      <a:prstDash val="solid"/>
+                    </a:lnTlToBr>
+                    <a:lnBlToTr w="12700" cmpd="sng">
+                      <a:noFill/>
+                      <a:prstDash val="solid"/>
+                    </a:lnBlToTr>
+                    <a:noFill/>
+                  </a:tcPr>
+                </a:tc>
+                <a:tc>
+                  <a:txBody>
+                    <a:bodyPr/>
+                    <a:lstStyle/>
+                    <a:p>
+                      <a:pPr algn="ctr" fontAlgn="b"/>
+                      <a:r>
+                        <a:rPr lang="en-US" sz="1100" b="1" u="none" strike="noStrike" dirty="0">
+                          <a:solidFill>
+                            <a:srgbClr val="FB0169"/>
+                          </a:solidFill>
+                          <a:effectLst/>
+                          <a:latin typeface="Consolas" panose="020B0609020204030204" pitchFamily="49" charset="0"/>
+                        </a:rPr>
+                        <a:t>sensor 0</a:t>
+                      </a:r>
+                      <a:br>
+                        <a:rPr lang="en-US" sz="1100" b="1" u="none" strike="noStrike" dirty="0">
+                          <a:effectLst/>
+                          <a:latin typeface="Consolas" panose="020B0609020204030204" pitchFamily="49" charset="0"/>
+                        </a:rPr>
+                      </a:br>
+                      <a:r>
+                        <a:rPr lang="en-US" sz="1100" b="1" u="none" strike="noStrike" dirty="0">
+                          <a:solidFill>
+                            <a:srgbClr val="82A021"/>
+                          </a:solidFill>
+                          <a:effectLst/>
+                          <a:latin typeface="Consolas" panose="020B0609020204030204" pitchFamily="49" charset="0"/>
+                        </a:rPr>
+                        <a:t>group 1</a:t>
+                      </a:r>
+                      <a:br>
+                        <a:rPr lang="en-US" sz="1100" b="1" u="none" strike="noStrike" dirty="0">
+                          <a:effectLst/>
+                          <a:latin typeface="Consolas" panose="020B0609020204030204" pitchFamily="49" charset="0"/>
+                        </a:rPr>
+                      </a:br>
+                      <a:r>
+                        <a:rPr lang="en-US" sz="1100" b="1" u="none" strike="noStrike" dirty="0">
+                          <a:effectLst/>
+                          <a:latin typeface="Consolas" panose="020B0609020204030204" pitchFamily="49" charset="0"/>
+                        </a:rPr>
+                        <a:t>pos 1</a:t>
+                      </a:r>
+                      <a:endParaRPr lang="en-US" sz="1100" b="1" i="0" u="none" strike="noStrike" dirty="0">
+                        <a:solidFill>
+                          <a:srgbClr val="000000"/>
+                        </a:solidFill>
+                        <a:effectLst/>
+                        <a:latin typeface="Consolas" panose="020B0609020204030204" pitchFamily="49" charset="0"/>
+                      </a:endParaRPr>
+                    </a:p>
+                  </a:txBody>
+                  <a:tcPr marL="9525" marR="9525" marT="9525" marB="0" anchor="ctr">
+                    <a:lnL w="28575" cap="flat" cmpd="sng" algn="ctr">
+                      <a:solidFill>
+                        <a:schemeClr val="tx1"/>
+                      </a:solidFill>
+                      <a:prstDash val="solid"/>
+                      <a:round/>
+                      <a:headEnd type="none" w="med" len="med"/>
+                      <a:tailEnd type="none" w="med" len="med"/>
+                    </a:lnL>
+                    <a:lnR w="28575" cap="flat" cmpd="sng" algn="ctr">
+                      <a:solidFill>
+                        <a:schemeClr val="tx1"/>
+                      </a:solidFill>
+                      <a:prstDash val="solid"/>
+                      <a:round/>
+                      <a:headEnd type="none" w="med" len="med"/>
+                      <a:tailEnd type="none" w="med" len="med"/>
+                    </a:lnR>
+                    <a:lnT w="28575" cap="flat" cmpd="sng" algn="ctr">
+                      <a:solidFill>
+                        <a:schemeClr val="tx1"/>
+                      </a:solidFill>
+                      <a:prstDash val="solid"/>
+                      <a:round/>
+                      <a:headEnd type="none" w="med" len="med"/>
+                      <a:tailEnd type="none" w="med" len="med"/>
+                    </a:lnT>
+                    <a:lnB w="28575" cap="flat" cmpd="sng" algn="ctr">
+                      <a:solidFill>
+                        <a:schemeClr val="tx1"/>
+                      </a:solidFill>
+                      <a:prstDash val="solid"/>
+                      <a:round/>
+                      <a:headEnd type="none" w="med" len="med"/>
+                      <a:tailEnd type="none" w="med" len="med"/>
+                    </a:lnB>
+                    <a:lnTlToBr w="12700" cmpd="sng">
+                      <a:noFill/>
+                      <a:prstDash val="solid"/>
+                    </a:lnTlToBr>
+                    <a:lnBlToTr w="12700" cmpd="sng">
+                      <a:noFill/>
+                      <a:prstDash val="solid"/>
+                    </a:lnBlToTr>
+                    <a:noFill/>
+                  </a:tcPr>
+                </a:tc>
+                <a:tc>
+                  <a:txBody>
+                    <a:bodyPr/>
+                    <a:lstStyle/>
+                    <a:p>
+                      <a:pPr algn="ctr" fontAlgn="b"/>
+                      <a:r>
+                        <a:rPr kumimoji="0" lang="it-IT" sz="1100" b="1" i="0" u="none" strike="noStrike" kern="1200" cap="none" spc="0" normalizeH="0" baseline="0" noProof="0">
+                          <a:ln>
+                            <a:noFill/>
+                          </a:ln>
+                          <a:solidFill>
+                            <a:prstClr val="black"/>
+                          </a:solidFill>
+                          <a:effectLst/>
+                          <a:uLnTx/>
+                          <a:uFillTx/>
+                          <a:latin typeface="Consolas" panose="020B0609020204030204" pitchFamily="49" charset="0"/>
+                          <a:ea typeface="+mn-ea"/>
+                          <a:cs typeface="+mn-cs"/>
+                        </a:rPr>
+                        <a:t>...</a:t>
+                      </a:r>
+                      <a:endParaRPr lang="it-IT" sz="1100" b="1" i="0" u="none" strike="noStrike" dirty="0">
+                        <a:solidFill>
+                          <a:srgbClr val="000000"/>
+                        </a:solidFill>
+                        <a:effectLst/>
+                        <a:latin typeface="Consolas" panose="020B0609020204030204" pitchFamily="49" charset="0"/>
+                      </a:endParaRPr>
+                    </a:p>
+                  </a:txBody>
+                  <a:tcPr marL="9525" marR="9525" marT="9525" marB="0" anchor="ctr">
+                    <a:lnL w="28575" cap="flat" cmpd="sng" algn="ctr">
+                      <a:solidFill>
+                        <a:schemeClr val="tx1"/>
+                      </a:solidFill>
+                      <a:prstDash val="solid"/>
+                      <a:round/>
+                      <a:headEnd type="none" w="med" len="med"/>
+                      <a:tailEnd type="none" w="med" len="med"/>
+                    </a:lnL>
+                    <a:lnR w="28575" cap="flat" cmpd="sng" algn="ctr">
+                      <a:solidFill>
+                        <a:schemeClr val="tx1"/>
+                      </a:solidFill>
+                      <a:prstDash val="solid"/>
+                      <a:round/>
+                      <a:headEnd type="none" w="med" len="med"/>
+                      <a:tailEnd type="none" w="med" len="med"/>
+                    </a:lnR>
+                    <a:lnT w="28575" cap="flat" cmpd="sng" algn="ctr">
+                      <a:solidFill>
+                        <a:schemeClr val="tx1"/>
+                      </a:solidFill>
+                      <a:prstDash val="solid"/>
+                      <a:round/>
+                      <a:headEnd type="none" w="med" len="med"/>
+                      <a:tailEnd type="none" w="med" len="med"/>
+                    </a:lnT>
+                    <a:lnB w="28575" cap="flat" cmpd="sng" algn="ctr">
+                      <a:solidFill>
+                        <a:schemeClr val="tx1"/>
+                      </a:solidFill>
+                      <a:prstDash val="solid"/>
+                      <a:round/>
+                      <a:headEnd type="none" w="med" len="med"/>
+                      <a:tailEnd type="none" w="med" len="med"/>
+                    </a:lnB>
+                    <a:lnTlToBr w="12700" cmpd="sng">
+                      <a:noFill/>
+                      <a:prstDash val="solid"/>
+                    </a:lnTlToBr>
+                    <a:lnBlToTr w="12700" cmpd="sng">
+                      <a:noFill/>
+                      <a:prstDash val="solid"/>
+                    </a:lnBlToTr>
+                    <a:noFill/>
+                  </a:tcPr>
+                </a:tc>
+                <a:tc>
+                  <a:txBody>
+                    <a:bodyPr/>
+                    <a:lstStyle/>
+                    <a:p>
+                      <a:pPr algn="ctr" fontAlgn="b"/>
+                      <a:r>
+                        <a:rPr lang="en-US" sz="1100" b="1" u="none" strike="noStrike" dirty="0">
+                          <a:solidFill>
+                            <a:srgbClr val="FB0169"/>
+                          </a:solidFill>
+                          <a:effectLst/>
+                          <a:latin typeface="Consolas" panose="020B0609020204030204" pitchFamily="49" charset="0"/>
+                        </a:rPr>
+                        <a:t>sensor 0</a:t>
+                      </a:r>
+                      <a:br>
+                        <a:rPr lang="en-US" sz="1100" b="1" u="none" strike="noStrike" dirty="0">
+                          <a:effectLst/>
+                          <a:latin typeface="Consolas" panose="020B0609020204030204" pitchFamily="49" charset="0"/>
+                        </a:rPr>
+                      </a:br>
+                      <a:r>
+                        <a:rPr lang="en-US" sz="1100" b="1" u="none" strike="noStrike" dirty="0">
+                          <a:solidFill>
+                            <a:srgbClr val="82A021"/>
+                          </a:solidFill>
+                          <a:effectLst/>
+                          <a:latin typeface="Consolas" panose="020B0609020204030204" pitchFamily="49" charset="0"/>
+                        </a:rPr>
+                        <a:t>group 1</a:t>
+                      </a:r>
+                      <a:br>
+                        <a:rPr lang="en-US" sz="1100" b="1" u="none" strike="noStrike" dirty="0">
+                          <a:effectLst/>
+                          <a:latin typeface="Consolas" panose="020B0609020204030204" pitchFamily="49" charset="0"/>
+                        </a:rPr>
+                      </a:br>
+                      <a:r>
+                        <a:rPr lang="en-US" sz="1100" b="1" u="none" strike="noStrike" dirty="0">
+                          <a:effectLst/>
+                          <a:latin typeface="Consolas" panose="020B0609020204030204" pitchFamily="49" charset="0"/>
+                        </a:rPr>
+                        <a:t>pos last</a:t>
+                      </a:r>
+                      <a:endParaRPr lang="en-US" sz="1100" b="1" i="0" u="none" strike="noStrike" dirty="0">
+                        <a:solidFill>
+                          <a:srgbClr val="000000"/>
+                        </a:solidFill>
+                        <a:effectLst/>
+                        <a:latin typeface="Consolas" panose="020B0609020204030204" pitchFamily="49" charset="0"/>
+                      </a:endParaRPr>
+                    </a:p>
+                  </a:txBody>
+                  <a:tcPr marL="9525" marR="9525" marT="9525" marB="0" anchor="ctr">
+                    <a:lnL w="28575" cap="flat" cmpd="sng" algn="ctr">
+                      <a:solidFill>
+                        <a:schemeClr val="tx1"/>
+                      </a:solidFill>
+                      <a:prstDash val="solid"/>
+                      <a:round/>
+                      <a:headEnd type="none" w="med" len="med"/>
+                      <a:tailEnd type="none" w="med" len="med"/>
+                    </a:lnL>
+                    <a:lnR w="57150" cap="flat" cmpd="sng" algn="ctr">
+                      <a:solidFill>
+                        <a:schemeClr val="tx1"/>
+                      </a:solidFill>
+                      <a:prstDash val="solid"/>
+                      <a:round/>
+                      <a:headEnd type="none" w="med" len="med"/>
+                      <a:tailEnd type="none" w="med" len="med"/>
+                    </a:lnR>
+                    <a:lnT w="28575" cap="flat" cmpd="sng" algn="ctr">
+                      <a:solidFill>
+                        <a:schemeClr val="tx1"/>
+                      </a:solidFill>
+                      <a:prstDash val="solid"/>
+                      <a:round/>
+                      <a:headEnd type="none" w="med" len="med"/>
+                      <a:tailEnd type="none" w="med" len="med"/>
+                    </a:lnT>
+                    <a:lnB w="28575" cap="flat" cmpd="sng" algn="ctr">
+                      <a:solidFill>
+                        <a:schemeClr val="tx1"/>
+                      </a:solidFill>
+                      <a:prstDash val="solid"/>
+                      <a:round/>
+                      <a:headEnd type="none" w="med" len="med"/>
+                      <a:tailEnd type="none" w="med" len="med"/>
+                    </a:lnB>
+                    <a:lnTlToBr w="12700" cmpd="sng">
+                      <a:noFill/>
+                      <a:prstDash val="solid"/>
+                    </a:lnTlToBr>
+                    <a:lnBlToTr w="12700" cmpd="sng">
+                      <a:noFill/>
+                      <a:prstDash val="solid"/>
+                    </a:lnBlToTr>
+                    <a:noFill/>
+                  </a:tcPr>
+                </a:tc>
+                <a:tc>
+                  <a:txBody>
+                    <a:bodyPr/>
+                    <a:lstStyle/>
+                    <a:p>
+                      <a:pPr algn="ctr" fontAlgn="b"/>
+                      <a:r>
+                        <a:rPr lang="en-US" sz="1100" b="1" u="none" strike="noStrike" dirty="0">
+                          <a:solidFill>
+                            <a:srgbClr val="46B5C0"/>
+                          </a:solidFill>
+                          <a:effectLst/>
+                          <a:latin typeface="Consolas" panose="020B0609020204030204" pitchFamily="49" charset="0"/>
+                        </a:rPr>
+                        <a:t>sensor 1</a:t>
+                      </a:r>
+                      <a:br>
+                        <a:rPr lang="en-US" sz="1100" b="1" u="none" strike="noStrike" dirty="0">
+                          <a:effectLst/>
+                          <a:latin typeface="Consolas" panose="020B0609020204030204" pitchFamily="49" charset="0"/>
+                        </a:rPr>
+                      </a:br>
+                      <a:r>
+                        <a:rPr lang="en-US" sz="1100" b="1" u="none" strike="noStrike" dirty="0">
+                          <a:solidFill>
+                            <a:srgbClr val="82A021"/>
+                          </a:solidFill>
+                          <a:effectLst/>
+                          <a:latin typeface="Consolas" panose="020B0609020204030204" pitchFamily="49" charset="0"/>
+                        </a:rPr>
+                        <a:t>group 1</a:t>
+                      </a:r>
+                      <a:br>
+                        <a:rPr lang="en-US" sz="1100" b="1" u="none" strike="noStrike" dirty="0">
+                          <a:effectLst/>
+                          <a:latin typeface="Consolas" panose="020B0609020204030204" pitchFamily="49" charset="0"/>
+                        </a:rPr>
+                      </a:br>
+                      <a:r>
+                        <a:rPr lang="en-US" sz="1100" b="1" u="none" strike="noStrike" dirty="0">
+                          <a:effectLst/>
+                          <a:latin typeface="Consolas" panose="020B0609020204030204" pitchFamily="49" charset="0"/>
+                        </a:rPr>
+                        <a:t>pos 0</a:t>
+                      </a:r>
+                      <a:endParaRPr lang="en-US" sz="1100" b="1" i="0" u="none" strike="noStrike" dirty="0">
+                        <a:solidFill>
+                          <a:srgbClr val="000000"/>
+                        </a:solidFill>
+                        <a:effectLst/>
+                        <a:latin typeface="Consolas" panose="020B0609020204030204" pitchFamily="49" charset="0"/>
+                      </a:endParaRPr>
+                    </a:p>
+                  </a:txBody>
+                  <a:tcPr marL="9525" marR="9525" marT="9525" marB="0" anchor="ctr">
+                    <a:lnL w="57150" cap="flat" cmpd="sng" algn="ctr">
+                      <a:solidFill>
+                        <a:schemeClr val="tx1"/>
+                      </a:solidFill>
+                      <a:prstDash val="solid"/>
+                      <a:round/>
+                      <a:headEnd type="none" w="med" len="med"/>
+                      <a:tailEnd type="none" w="med" len="med"/>
+                    </a:lnL>
+                    <a:lnR w="28575" cap="flat" cmpd="sng" algn="ctr">
+                      <a:solidFill>
+                        <a:schemeClr val="tx1"/>
+                      </a:solidFill>
+                      <a:prstDash val="solid"/>
+                      <a:round/>
+                      <a:headEnd type="none" w="med" len="med"/>
+                      <a:tailEnd type="none" w="med" len="med"/>
+                    </a:lnR>
+                    <a:lnT w="28575" cap="flat" cmpd="sng" algn="ctr">
+                      <a:solidFill>
+                        <a:schemeClr val="tx1"/>
+                      </a:solidFill>
+                      <a:prstDash val="solid"/>
+                      <a:round/>
+                      <a:headEnd type="none" w="med" len="med"/>
+                      <a:tailEnd type="none" w="med" len="med"/>
+                    </a:lnT>
+                    <a:lnB w="28575" cap="flat" cmpd="sng" algn="ctr">
+                      <a:solidFill>
+                        <a:schemeClr val="tx1"/>
+                      </a:solidFill>
+                      <a:prstDash val="solid"/>
+                      <a:round/>
+                      <a:headEnd type="none" w="med" len="med"/>
+                      <a:tailEnd type="none" w="med" len="med"/>
+                    </a:lnB>
+                    <a:lnTlToBr w="12700" cmpd="sng">
+                      <a:noFill/>
+                      <a:prstDash val="solid"/>
+                    </a:lnTlToBr>
+                    <a:lnBlToTr w="12700" cmpd="sng">
+                      <a:noFill/>
+                      <a:prstDash val="solid"/>
+                    </a:lnBlToTr>
+                    <a:noFill/>
+                  </a:tcPr>
+                </a:tc>
+                <a:tc>
+                  <a:txBody>
+                    <a:bodyPr/>
+                    <a:lstStyle/>
+                    <a:p>
+                      <a:pPr algn="ctr" fontAlgn="b"/>
+                      <a:r>
+                        <a:rPr lang="en-US" sz="1100" b="1" u="none" strike="noStrike" dirty="0">
+                          <a:solidFill>
+                            <a:srgbClr val="46B5C0"/>
+                          </a:solidFill>
+                          <a:effectLst/>
+                          <a:latin typeface="Consolas" panose="020B0609020204030204" pitchFamily="49" charset="0"/>
+                        </a:rPr>
+                        <a:t>sensor 1</a:t>
+                      </a:r>
+                      <a:br>
+                        <a:rPr lang="en-US" sz="1100" b="1" u="none" strike="noStrike" dirty="0">
+                          <a:effectLst/>
+                          <a:latin typeface="Consolas" panose="020B0609020204030204" pitchFamily="49" charset="0"/>
+                        </a:rPr>
+                      </a:br>
+                      <a:r>
+                        <a:rPr lang="en-US" sz="1100" b="1" u="none" strike="noStrike" dirty="0">
+                          <a:solidFill>
+                            <a:srgbClr val="82A021"/>
+                          </a:solidFill>
+                          <a:effectLst/>
+                          <a:latin typeface="Consolas" panose="020B0609020204030204" pitchFamily="49" charset="0"/>
+                        </a:rPr>
+                        <a:t>group 1</a:t>
+                      </a:r>
+                      <a:br>
+                        <a:rPr lang="en-US" sz="1100" b="1" u="none" strike="noStrike" dirty="0">
+                          <a:effectLst/>
+                          <a:latin typeface="Consolas" panose="020B0609020204030204" pitchFamily="49" charset="0"/>
+                        </a:rPr>
+                      </a:br>
+                      <a:r>
+                        <a:rPr lang="en-US" sz="1100" b="1" u="none" strike="noStrike" dirty="0">
+                          <a:effectLst/>
+                          <a:latin typeface="Consolas" panose="020B0609020204030204" pitchFamily="49" charset="0"/>
+                        </a:rPr>
+                        <a:t>pos 1</a:t>
+                      </a:r>
+                      <a:endParaRPr lang="en-US" sz="1100" b="1" i="0" u="none" strike="noStrike" dirty="0">
+                        <a:solidFill>
+                          <a:srgbClr val="000000"/>
+                        </a:solidFill>
+                        <a:effectLst/>
+                        <a:latin typeface="Consolas" panose="020B0609020204030204" pitchFamily="49" charset="0"/>
+                      </a:endParaRPr>
+                    </a:p>
+                  </a:txBody>
+                  <a:tcPr marL="9525" marR="9525" marT="9525" marB="0" anchor="ctr">
+                    <a:lnL w="28575" cap="flat" cmpd="sng" algn="ctr">
+                      <a:solidFill>
+                        <a:schemeClr val="tx1"/>
+                      </a:solidFill>
+                      <a:prstDash val="solid"/>
+                      <a:round/>
+                      <a:headEnd type="none" w="med" len="med"/>
+                      <a:tailEnd type="none" w="med" len="med"/>
+                    </a:lnL>
+                    <a:lnR w="28575" cap="flat" cmpd="sng" algn="ctr">
+                      <a:solidFill>
+                        <a:schemeClr val="tx1"/>
+                      </a:solidFill>
+                      <a:prstDash val="solid"/>
+                      <a:round/>
+                      <a:headEnd type="none" w="med" len="med"/>
+                      <a:tailEnd type="none" w="med" len="med"/>
+                    </a:lnR>
+                    <a:lnT w="28575" cap="flat" cmpd="sng" algn="ctr">
+                      <a:solidFill>
+                        <a:schemeClr val="tx1"/>
+                      </a:solidFill>
+                      <a:prstDash val="solid"/>
+                      <a:round/>
+                      <a:headEnd type="none" w="med" len="med"/>
+                      <a:tailEnd type="none" w="med" len="med"/>
+                    </a:lnT>
+                    <a:lnB w="28575" cap="flat" cmpd="sng" algn="ctr">
+                      <a:solidFill>
+                        <a:schemeClr val="tx1"/>
+                      </a:solidFill>
+                      <a:prstDash val="solid"/>
+                      <a:round/>
+                      <a:headEnd type="none" w="med" len="med"/>
+                      <a:tailEnd type="none" w="med" len="med"/>
+                    </a:lnB>
+                    <a:lnTlToBr w="12700" cmpd="sng">
+                      <a:noFill/>
+                      <a:prstDash val="solid"/>
+                    </a:lnTlToBr>
+                    <a:lnBlToTr w="12700" cmpd="sng">
+                      <a:noFill/>
+                      <a:prstDash val="solid"/>
+                    </a:lnBlToTr>
+                    <a:noFill/>
+                  </a:tcPr>
+                </a:tc>
+                <a:tc>
+                  <a:txBody>
+                    <a:bodyPr/>
+                    <a:lstStyle/>
+                    <a:p>
+                      <a:pPr algn="ctr" fontAlgn="b"/>
+                      <a:r>
+                        <a:rPr lang="it-IT" sz="1100" b="1" u="none" strike="noStrike" dirty="0">
+                          <a:effectLst/>
+                          <a:latin typeface="Consolas" panose="020B0609020204030204" pitchFamily="49" charset="0"/>
+                        </a:rPr>
+                        <a:t>...</a:t>
+                      </a:r>
+                      <a:endParaRPr lang="it-IT" sz="1100" b="1" i="0" u="none" strike="noStrike" dirty="0">
+                        <a:solidFill>
+                          <a:srgbClr val="000000"/>
+                        </a:solidFill>
+                        <a:effectLst/>
+                        <a:latin typeface="Consolas" panose="020B0609020204030204" pitchFamily="49" charset="0"/>
+                      </a:endParaRPr>
+                    </a:p>
+                  </a:txBody>
+                  <a:tcPr marL="9525" marR="9525" marT="9525" marB="0" anchor="ctr">
+                    <a:lnL w="28575" cap="flat" cmpd="sng" algn="ctr">
+                      <a:solidFill>
+                        <a:schemeClr val="tx1"/>
+                      </a:solidFill>
+                      <a:prstDash val="solid"/>
+                      <a:round/>
+                      <a:headEnd type="none" w="med" len="med"/>
+                      <a:tailEnd type="none" w="med" len="med"/>
+                    </a:lnL>
+                    <a:lnR w="28575" cap="flat" cmpd="sng" algn="ctr">
+                      <a:solidFill>
+                        <a:schemeClr val="tx1"/>
+                      </a:solidFill>
+                      <a:prstDash val="solid"/>
+                      <a:round/>
+                      <a:headEnd type="none" w="med" len="med"/>
+                      <a:tailEnd type="none" w="med" len="med"/>
+                    </a:lnR>
+                    <a:lnT w="28575" cap="flat" cmpd="sng" algn="ctr">
+                      <a:solidFill>
+                        <a:schemeClr val="tx1"/>
+                      </a:solidFill>
+                      <a:prstDash val="solid"/>
+                      <a:round/>
+                      <a:headEnd type="none" w="med" len="med"/>
+                      <a:tailEnd type="none" w="med" len="med"/>
+                    </a:lnT>
+                    <a:lnB w="28575" cap="flat" cmpd="sng" algn="ctr">
+                      <a:solidFill>
+                        <a:schemeClr val="tx1"/>
+                      </a:solidFill>
+                      <a:prstDash val="solid"/>
+                      <a:round/>
+                      <a:headEnd type="none" w="med" len="med"/>
+                      <a:tailEnd type="none" w="med" len="med"/>
+                    </a:lnB>
+                    <a:lnTlToBr w="12700" cmpd="sng">
+                      <a:noFill/>
+                      <a:prstDash val="solid"/>
+                    </a:lnTlToBr>
+                    <a:lnBlToTr w="12700" cmpd="sng">
+                      <a:noFill/>
+                      <a:prstDash val="solid"/>
+                    </a:lnBlToTr>
+                    <a:noFill/>
+                  </a:tcPr>
+                </a:tc>
+                <a:tc>
+                  <a:txBody>
+                    <a:bodyPr/>
+                    <a:lstStyle/>
+                    <a:p>
+                      <a:pPr algn="ctr" fontAlgn="b"/>
+                      <a:r>
+                        <a:rPr lang="en-US" sz="1100" b="1" u="none" strike="noStrike" dirty="0">
+                          <a:solidFill>
+                            <a:srgbClr val="46B5C0"/>
+                          </a:solidFill>
+                          <a:effectLst/>
+                          <a:latin typeface="Consolas" panose="020B0609020204030204" pitchFamily="49" charset="0"/>
+                        </a:rPr>
+                        <a:t>sensor 1</a:t>
+                      </a:r>
+                      <a:br>
+                        <a:rPr lang="en-US" sz="1100" b="1" u="none" strike="noStrike" dirty="0">
+                          <a:effectLst/>
+                          <a:latin typeface="Consolas" panose="020B0609020204030204" pitchFamily="49" charset="0"/>
+                        </a:rPr>
+                      </a:br>
+                      <a:r>
+                        <a:rPr lang="en-US" sz="1100" b="1" u="none" strike="noStrike" dirty="0">
+                          <a:solidFill>
+                            <a:srgbClr val="82A021"/>
+                          </a:solidFill>
+                          <a:effectLst/>
+                          <a:latin typeface="Consolas" panose="020B0609020204030204" pitchFamily="49" charset="0"/>
+                        </a:rPr>
+                        <a:t>group 1</a:t>
+                      </a:r>
+                      <a:br>
+                        <a:rPr lang="en-US" sz="1100" b="1" u="none" strike="noStrike" dirty="0">
+                          <a:effectLst/>
+                          <a:latin typeface="Consolas" panose="020B0609020204030204" pitchFamily="49" charset="0"/>
+                        </a:rPr>
+                      </a:br>
+                      <a:r>
+                        <a:rPr lang="en-US" sz="1100" b="1" u="none" strike="noStrike" dirty="0">
+                          <a:effectLst/>
+                          <a:latin typeface="Consolas" panose="020B0609020204030204" pitchFamily="49" charset="0"/>
+                        </a:rPr>
+                        <a:t>pos last</a:t>
+                      </a:r>
+                      <a:endParaRPr lang="en-US" sz="1100" b="1" i="0" u="none" strike="noStrike" dirty="0">
+                        <a:solidFill>
+                          <a:srgbClr val="000000"/>
+                        </a:solidFill>
+                        <a:effectLst/>
+                        <a:latin typeface="Consolas" panose="020B0609020204030204" pitchFamily="49" charset="0"/>
+                      </a:endParaRPr>
+                    </a:p>
+                  </a:txBody>
+                  <a:tcPr marL="9525" marR="9525" marT="9525" marB="0" anchor="ctr">
+                    <a:lnL w="28575" cap="flat" cmpd="sng" algn="ctr">
+                      <a:solidFill>
+                        <a:schemeClr val="tx1"/>
+                      </a:solidFill>
+                      <a:prstDash val="solid"/>
+                      <a:round/>
+                      <a:headEnd type="none" w="med" len="med"/>
+                      <a:tailEnd type="none" w="med" len="med"/>
+                    </a:lnL>
+                    <a:lnR w="28575" cap="flat" cmpd="sng" algn="ctr">
+                      <a:solidFill>
+                        <a:schemeClr val="tx1"/>
+                      </a:solidFill>
+                      <a:prstDash val="solid"/>
+                      <a:round/>
+                      <a:headEnd type="none" w="med" len="med"/>
+                      <a:tailEnd type="none" w="med" len="med"/>
+                    </a:lnR>
+                    <a:lnT w="28575" cap="flat" cmpd="sng" algn="ctr">
+                      <a:solidFill>
+                        <a:schemeClr val="tx1"/>
+                      </a:solidFill>
+                      <a:prstDash val="solid"/>
+                      <a:round/>
+                      <a:headEnd type="none" w="med" len="med"/>
+                      <a:tailEnd type="none" w="med" len="med"/>
+                    </a:lnT>
+                    <a:lnB w="28575" cap="flat" cmpd="sng" algn="ctr">
+                      <a:solidFill>
+                        <a:schemeClr val="tx1"/>
+                      </a:solidFill>
+                      <a:prstDash val="solid"/>
+                      <a:round/>
+                      <a:headEnd type="none" w="med" len="med"/>
+                      <a:tailEnd type="none" w="med" len="med"/>
+                    </a:lnB>
+                    <a:lnTlToBr w="12700" cmpd="sng">
+                      <a:noFill/>
+                      <a:prstDash val="solid"/>
+                    </a:lnTlToBr>
+                    <a:lnBlToTr w="12700" cmpd="sng">
+                      <a:noFill/>
+                      <a:prstDash val="solid"/>
+                    </a:lnBlToTr>
+                    <a:noFill/>
+                  </a:tcPr>
+                </a:tc>
+                <a:tc>
+                  <a:txBody>
+                    <a:bodyPr/>
+                    <a:lstStyle/>
+                    <a:p>
+                      <a:pPr algn="ctr" fontAlgn="b"/>
+                      <a:r>
+                        <a:rPr kumimoji="0" lang="it-IT" sz="1100" b="1" i="0" u="none" strike="noStrike" kern="1200" cap="none" spc="0" normalizeH="0" baseline="0" noProof="0">
+                          <a:ln>
+                            <a:noFill/>
+                          </a:ln>
+                          <a:solidFill>
+                            <a:prstClr val="black"/>
+                          </a:solidFill>
+                          <a:effectLst/>
+                          <a:uLnTx/>
+                          <a:uFillTx/>
+                          <a:latin typeface="Consolas" panose="020B0609020204030204" pitchFamily="49" charset="0"/>
+                          <a:ea typeface="+mn-ea"/>
+                          <a:cs typeface="+mn-cs"/>
+                        </a:rPr>
+                        <a:t>...</a:t>
+                      </a:r>
+                      <a:endParaRPr lang="it-IT" sz="1100" b="1" i="0" u="none" strike="noStrike" dirty="0">
+                        <a:solidFill>
+                          <a:srgbClr val="000000"/>
+                        </a:solidFill>
+                        <a:effectLst/>
+                        <a:latin typeface="Consolas" panose="020B0609020204030204" pitchFamily="49" charset="0"/>
+                      </a:endParaRPr>
+                    </a:p>
+                  </a:txBody>
+                  <a:tcPr marL="9525" marR="9525" marT="9525" marB="0" anchor="ctr">
+                    <a:lnL w="28575" cap="flat" cmpd="sng" algn="ctr">
+                      <a:solidFill>
+                        <a:schemeClr val="tx1"/>
+                      </a:solidFill>
+                      <a:prstDash val="solid"/>
+                      <a:round/>
+                      <a:headEnd type="none" w="med" len="med"/>
+                      <a:tailEnd type="none" w="med" len="med"/>
+                    </a:lnL>
+                    <a:lnR w="28575" cap="flat" cmpd="sng" algn="ctr">
+                      <a:solidFill>
+                        <a:schemeClr val="tx1"/>
+                      </a:solidFill>
+                      <a:prstDash val="solid"/>
+                      <a:round/>
+                      <a:headEnd type="none" w="med" len="med"/>
+                      <a:tailEnd type="none" w="med" len="med"/>
+                    </a:lnR>
+                    <a:lnT w="28575" cap="flat" cmpd="sng" algn="ctr">
+                      <a:solidFill>
+                        <a:schemeClr val="tx1"/>
+                      </a:solidFill>
+                      <a:prstDash val="solid"/>
+                      <a:round/>
+                      <a:headEnd type="none" w="med" len="med"/>
+                      <a:tailEnd type="none" w="med" len="med"/>
+                    </a:lnT>
+                    <a:lnB w="28575" cap="flat" cmpd="sng" algn="ctr">
+                      <a:solidFill>
+                        <a:schemeClr val="tx1"/>
+                      </a:solidFill>
+                      <a:prstDash val="solid"/>
+                      <a:round/>
+                      <a:headEnd type="none" w="med" len="med"/>
+                      <a:tailEnd type="none" w="med" len="med"/>
+                    </a:lnB>
+                    <a:lnTlToBr w="12700" cmpd="sng">
+                      <a:noFill/>
+                      <a:prstDash val="solid"/>
+                    </a:lnTlToBr>
+                    <a:lnBlToTr w="12700" cmpd="sng">
+                      <a:noFill/>
+                      <a:prstDash val="solid"/>
+                    </a:lnBlToTr>
+                    <a:noFill/>
+                  </a:tcPr>
+                </a:tc>
+                <a:extLst>
+                  <a:ext uri="{0D108BD9-81ED-4DB2-BD59-A6C34878D82A}">
+                    <a16:rowId xmlns:a16="http://schemas.microsoft.com/office/drawing/2014/main" val="1244472773"/>
+                  </a:ext>
+                </a:extLst>
+              </a:tr>
+              <a:tr h="684000">
+                <a:tc>
+                  <a:txBody>
+                    <a:bodyPr/>
+                    <a:lstStyle/>
+                    <a:p>
+                      <a:pPr algn="ctr" fontAlgn="b"/>
+                      <a:r>
+                        <a:rPr lang="en-US" sz="1100" b="1" u="none" strike="noStrike" dirty="0">
+                          <a:solidFill>
+                            <a:srgbClr val="FB0169"/>
+                          </a:solidFill>
+                          <a:effectLst/>
+                          <a:latin typeface="Consolas" panose="020B0609020204030204" pitchFamily="49" charset="0"/>
+                        </a:rPr>
+                        <a:t>sensor 0</a:t>
+                      </a:r>
+                      <a:br>
+                        <a:rPr lang="en-US" sz="1100" b="1" u="none" strike="noStrike" dirty="0">
+                          <a:effectLst/>
+                          <a:latin typeface="Consolas" panose="020B0609020204030204" pitchFamily="49" charset="0"/>
+                        </a:rPr>
+                      </a:br>
+                      <a:r>
+                        <a:rPr lang="en-US" sz="1100" b="1" u="none" strike="noStrike" dirty="0">
+                          <a:solidFill>
+                            <a:srgbClr val="7030A0"/>
+                          </a:solidFill>
+                          <a:effectLst/>
+                          <a:latin typeface="Consolas" panose="020B0609020204030204" pitchFamily="49" charset="0"/>
+                        </a:rPr>
+                        <a:t>group 2</a:t>
+                      </a:r>
+                      <a:br>
+                        <a:rPr lang="en-US" sz="1100" b="1" u="none" strike="noStrike" dirty="0">
+                          <a:effectLst/>
+                          <a:latin typeface="Consolas" panose="020B0609020204030204" pitchFamily="49" charset="0"/>
+                        </a:rPr>
+                      </a:br>
+                      <a:r>
+                        <a:rPr lang="en-US" sz="1100" b="1" u="none" strike="noStrike" dirty="0">
+                          <a:effectLst/>
+                          <a:latin typeface="Consolas" panose="020B0609020204030204" pitchFamily="49" charset="0"/>
+                        </a:rPr>
+                        <a:t>pos 0</a:t>
+                      </a:r>
+                      <a:endParaRPr lang="en-US" sz="1100" b="1" i="0" u="none" strike="noStrike" dirty="0">
+                        <a:solidFill>
+                          <a:srgbClr val="000000"/>
+                        </a:solidFill>
+                        <a:effectLst/>
+                        <a:latin typeface="Consolas" panose="020B0609020204030204" pitchFamily="49" charset="0"/>
+                      </a:endParaRPr>
+                    </a:p>
+                  </a:txBody>
+                  <a:tcPr marL="9525" marR="9525" marT="9525" marB="0" anchor="ctr">
+                    <a:lnL w="28575" cap="flat" cmpd="sng" algn="ctr">
+                      <a:solidFill>
+                        <a:schemeClr val="tx1"/>
+                      </a:solidFill>
+                      <a:prstDash val="solid"/>
+                      <a:round/>
+                      <a:headEnd type="none" w="med" len="med"/>
+                      <a:tailEnd type="none" w="med" len="med"/>
+                    </a:lnL>
+                    <a:lnR w="28575" cap="flat" cmpd="sng" algn="ctr">
+                      <a:solidFill>
+                        <a:schemeClr val="tx1"/>
+                      </a:solidFill>
+                      <a:prstDash val="solid"/>
+                      <a:round/>
+                      <a:headEnd type="none" w="med" len="med"/>
+                      <a:tailEnd type="none" w="med" len="med"/>
+                    </a:lnR>
+                    <a:lnT w="28575" cap="flat" cmpd="sng" algn="ctr">
+                      <a:solidFill>
+                        <a:schemeClr val="tx1"/>
+                      </a:solidFill>
+                      <a:prstDash val="solid"/>
+                      <a:round/>
+                      <a:headEnd type="none" w="med" len="med"/>
+                      <a:tailEnd type="none" w="med" len="med"/>
+                    </a:lnT>
+                    <a:lnB w="28575" cap="flat" cmpd="sng" algn="ctr">
+                      <a:solidFill>
+                        <a:schemeClr val="tx1"/>
+                      </a:solidFill>
+                      <a:prstDash val="solid"/>
+                      <a:round/>
+                      <a:headEnd type="none" w="med" len="med"/>
+                      <a:tailEnd type="none" w="med" len="med"/>
+                    </a:lnB>
+                    <a:lnTlToBr w="12700" cmpd="sng">
+                      <a:noFill/>
+                      <a:prstDash val="solid"/>
+                    </a:lnTlToBr>
+                    <a:lnBlToTr w="12700" cmpd="sng">
+                      <a:noFill/>
+                      <a:prstDash val="solid"/>
+                    </a:lnBlToTr>
+                    <a:noFill/>
+                  </a:tcPr>
+                </a:tc>
+                <a:tc>
+                  <a:txBody>
+                    <a:bodyPr/>
+                    <a:lstStyle/>
+                    <a:p>
+                      <a:pPr algn="ctr" fontAlgn="b"/>
+                      <a:r>
+                        <a:rPr lang="en-US" sz="1100" b="1" u="none" strike="noStrike" dirty="0">
+                          <a:solidFill>
+                            <a:srgbClr val="FB0169"/>
+                          </a:solidFill>
+                          <a:effectLst/>
+                          <a:latin typeface="Consolas" panose="020B0609020204030204" pitchFamily="49" charset="0"/>
+                        </a:rPr>
+                        <a:t>sensor 0</a:t>
+                      </a:r>
+                      <a:br>
+                        <a:rPr lang="en-US" sz="1100" b="1" u="none" strike="noStrike" dirty="0">
+                          <a:effectLst/>
+                          <a:latin typeface="Consolas" panose="020B0609020204030204" pitchFamily="49" charset="0"/>
+                        </a:rPr>
+                      </a:br>
+                      <a:r>
+                        <a:rPr lang="en-US" sz="1100" b="1" u="none" strike="noStrike" dirty="0">
+                          <a:solidFill>
+                            <a:srgbClr val="7030A0"/>
+                          </a:solidFill>
+                          <a:effectLst/>
+                          <a:latin typeface="Consolas" panose="020B0609020204030204" pitchFamily="49" charset="0"/>
+                        </a:rPr>
+                        <a:t>group 2</a:t>
+                      </a:r>
+                      <a:br>
+                        <a:rPr lang="en-US" sz="1100" b="1" u="none" strike="noStrike" dirty="0">
+                          <a:effectLst/>
+                          <a:latin typeface="Consolas" panose="020B0609020204030204" pitchFamily="49" charset="0"/>
+                        </a:rPr>
+                      </a:br>
+                      <a:r>
+                        <a:rPr lang="en-US" sz="1100" b="1" u="none" strike="noStrike" dirty="0">
+                          <a:effectLst/>
+                          <a:latin typeface="Consolas" panose="020B0609020204030204" pitchFamily="49" charset="0"/>
+                        </a:rPr>
+                        <a:t>pos 1</a:t>
+                      </a:r>
+                      <a:endParaRPr lang="en-US" sz="1100" b="1" i="0" u="none" strike="noStrike" dirty="0">
+                        <a:solidFill>
+                          <a:srgbClr val="000000"/>
+                        </a:solidFill>
+                        <a:effectLst/>
+                        <a:latin typeface="Consolas" panose="020B0609020204030204" pitchFamily="49" charset="0"/>
+                      </a:endParaRPr>
+                    </a:p>
+                  </a:txBody>
+                  <a:tcPr marL="9525" marR="9525" marT="9525" marB="0" anchor="ctr">
+                    <a:lnL w="28575" cap="flat" cmpd="sng" algn="ctr">
+                      <a:solidFill>
+                        <a:schemeClr val="tx1"/>
+                      </a:solidFill>
+                      <a:prstDash val="solid"/>
+                      <a:round/>
+                      <a:headEnd type="none" w="med" len="med"/>
+                      <a:tailEnd type="none" w="med" len="med"/>
+                    </a:lnL>
+                    <a:lnR w="28575" cap="flat" cmpd="sng" algn="ctr">
+                      <a:solidFill>
+                        <a:schemeClr val="tx1"/>
+                      </a:solidFill>
+                      <a:prstDash val="solid"/>
+                      <a:round/>
+                      <a:headEnd type="none" w="med" len="med"/>
+                      <a:tailEnd type="none" w="med" len="med"/>
+                    </a:lnR>
+                    <a:lnT w="28575" cap="flat" cmpd="sng" algn="ctr">
+                      <a:solidFill>
+                        <a:schemeClr val="tx1"/>
+                      </a:solidFill>
+                      <a:prstDash val="solid"/>
+                      <a:round/>
+                      <a:headEnd type="none" w="med" len="med"/>
+                      <a:tailEnd type="none" w="med" len="med"/>
+                    </a:lnT>
+                    <a:lnB w="28575" cap="flat" cmpd="sng" algn="ctr">
+                      <a:solidFill>
+                        <a:schemeClr val="tx1"/>
+                      </a:solidFill>
+                      <a:prstDash val="solid"/>
+                      <a:round/>
+                      <a:headEnd type="none" w="med" len="med"/>
+                      <a:tailEnd type="none" w="med" len="med"/>
+                    </a:lnB>
+                    <a:lnTlToBr w="12700" cmpd="sng">
+                      <a:noFill/>
+                      <a:prstDash val="solid"/>
+                    </a:lnTlToBr>
+                    <a:lnBlToTr w="12700" cmpd="sng">
+                      <a:noFill/>
+                      <a:prstDash val="solid"/>
+                    </a:lnBlToTr>
+                    <a:noFill/>
+                  </a:tcPr>
+                </a:tc>
+                <a:tc>
+                  <a:txBody>
+                    <a:bodyPr/>
+                    <a:lstStyle/>
+                    <a:p>
+                      <a:pPr algn="ctr" fontAlgn="b"/>
+                      <a:r>
+                        <a:rPr kumimoji="0" lang="it-IT" sz="1100" b="1" i="0" u="none" strike="noStrike" kern="1200" cap="none" spc="0" normalizeH="0" baseline="0" noProof="0">
+                          <a:ln>
+                            <a:noFill/>
+                          </a:ln>
+                          <a:solidFill>
+                            <a:prstClr val="black"/>
+                          </a:solidFill>
+                          <a:effectLst/>
+                          <a:uLnTx/>
+                          <a:uFillTx/>
+                          <a:latin typeface="Consolas" panose="020B0609020204030204" pitchFamily="49" charset="0"/>
+                          <a:ea typeface="+mn-ea"/>
+                          <a:cs typeface="+mn-cs"/>
+                        </a:rPr>
+                        <a:t>...</a:t>
+                      </a:r>
+                      <a:endParaRPr lang="it-IT" sz="1100" b="1" i="0" u="none" strike="noStrike" dirty="0">
+                        <a:solidFill>
+                          <a:srgbClr val="000000"/>
+                        </a:solidFill>
+                        <a:effectLst/>
+                        <a:latin typeface="Consolas" panose="020B0609020204030204" pitchFamily="49" charset="0"/>
+                      </a:endParaRPr>
+                    </a:p>
+                  </a:txBody>
+                  <a:tcPr marL="9525" marR="9525" marT="9525" marB="0" anchor="ctr">
+                    <a:lnL w="28575" cap="flat" cmpd="sng" algn="ctr">
+                      <a:solidFill>
+                        <a:schemeClr val="tx1"/>
+                      </a:solidFill>
+                      <a:prstDash val="solid"/>
+                      <a:round/>
+                      <a:headEnd type="none" w="med" len="med"/>
+                      <a:tailEnd type="none" w="med" len="med"/>
+                    </a:lnL>
+                    <a:lnR w="28575" cap="flat" cmpd="sng" algn="ctr">
+                      <a:solidFill>
+                        <a:schemeClr val="tx1"/>
+                      </a:solidFill>
+                      <a:prstDash val="solid"/>
+                      <a:round/>
+                      <a:headEnd type="none" w="med" len="med"/>
+                      <a:tailEnd type="none" w="med" len="med"/>
+                    </a:lnR>
+                    <a:lnT w="28575" cap="flat" cmpd="sng" algn="ctr">
+                      <a:solidFill>
+                        <a:schemeClr val="tx1"/>
+                      </a:solidFill>
+                      <a:prstDash val="solid"/>
+                      <a:round/>
+                      <a:headEnd type="none" w="med" len="med"/>
+                      <a:tailEnd type="none" w="med" len="med"/>
+                    </a:lnT>
+                    <a:lnB w="28575" cap="flat" cmpd="sng" algn="ctr">
+                      <a:solidFill>
+                        <a:schemeClr val="tx1"/>
+                      </a:solidFill>
+                      <a:prstDash val="solid"/>
+                      <a:round/>
+                      <a:headEnd type="none" w="med" len="med"/>
+                      <a:tailEnd type="none" w="med" len="med"/>
+                    </a:lnB>
+                    <a:lnTlToBr w="12700" cmpd="sng">
+                      <a:noFill/>
+                      <a:prstDash val="solid"/>
+                    </a:lnTlToBr>
+                    <a:lnBlToTr w="12700" cmpd="sng">
+                      <a:noFill/>
+                      <a:prstDash val="solid"/>
+                    </a:lnBlToTr>
+                    <a:noFill/>
+                  </a:tcPr>
+                </a:tc>
+                <a:tc>
+                  <a:txBody>
+                    <a:bodyPr/>
+                    <a:lstStyle/>
+                    <a:p>
+                      <a:pPr algn="ctr" fontAlgn="b"/>
+                      <a:r>
+                        <a:rPr lang="en-US" sz="1100" b="1" u="none" strike="noStrike" dirty="0">
+                          <a:solidFill>
+                            <a:srgbClr val="FB0169"/>
+                          </a:solidFill>
+                          <a:effectLst/>
+                          <a:latin typeface="Consolas" panose="020B0609020204030204" pitchFamily="49" charset="0"/>
+                        </a:rPr>
+                        <a:t>sensor 0</a:t>
+                      </a:r>
+                      <a:br>
+                        <a:rPr lang="en-US" sz="1100" b="1" u="none" strike="noStrike" dirty="0">
+                          <a:effectLst/>
+                          <a:latin typeface="Consolas" panose="020B0609020204030204" pitchFamily="49" charset="0"/>
+                        </a:rPr>
+                      </a:br>
+                      <a:r>
+                        <a:rPr lang="en-US" sz="1100" b="1" u="none" strike="noStrike" dirty="0">
+                          <a:solidFill>
+                            <a:srgbClr val="7030A0"/>
+                          </a:solidFill>
+                          <a:effectLst/>
+                          <a:latin typeface="Consolas" panose="020B0609020204030204" pitchFamily="49" charset="0"/>
+                        </a:rPr>
+                        <a:t>group 2</a:t>
+                      </a:r>
+                      <a:br>
+                        <a:rPr lang="en-US" sz="1100" b="1" u="none" strike="noStrike" dirty="0">
+                          <a:effectLst/>
+                          <a:latin typeface="Consolas" panose="020B0609020204030204" pitchFamily="49" charset="0"/>
+                        </a:rPr>
+                      </a:br>
+                      <a:r>
+                        <a:rPr lang="en-US" sz="1100" b="1" u="none" strike="noStrike" dirty="0">
+                          <a:effectLst/>
+                          <a:latin typeface="Consolas" panose="020B0609020204030204" pitchFamily="49" charset="0"/>
+                        </a:rPr>
+                        <a:t>pos last</a:t>
+                      </a:r>
+                      <a:endParaRPr lang="en-US" sz="1100" b="1" i="0" u="none" strike="noStrike" dirty="0">
+                        <a:solidFill>
+                          <a:srgbClr val="000000"/>
+                        </a:solidFill>
+                        <a:effectLst/>
+                        <a:latin typeface="Consolas" panose="020B0609020204030204" pitchFamily="49" charset="0"/>
+                      </a:endParaRPr>
+                    </a:p>
+                  </a:txBody>
+                  <a:tcPr marL="9525" marR="9525" marT="9525" marB="0" anchor="ctr">
+                    <a:lnL w="28575" cap="flat" cmpd="sng" algn="ctr">
+                      <a:solidFill>
+                        <a:schemeClr val="tx1"/>
+                      </a:solidFill>
+                      <a:prstDash val="solid"/>
+                      <a:round/>
+                      <a:headEnd type="none" w="med" len="med"/>
+                      <a:tailEnd type="none" w="med" len="med"/>
+                    </a:lnL>
+                    <a:lnR w="57150" cap="flat" cmpd="sng" algn="ctr">
+                      <a:solidFill>
+                        <a:schemeClr val="tx1"/>
+                      </a:solidFill>
+                      <a:prstDash val="solid"/>
+                      <a:round/>
+                      <a:headEnd type="none" w="med" len="med"/>
+                      <a:tailEnd type="none" w="med" len="med"/>
+                    </a:lnR>
+                    <a:lnT w="28575" cap="flat" cmpd="sng" algn="ctr">
+                      <a:solidFill>
+                        <a:schemeClr val="tx1"/>
+                      </a:solidFill>
+                      <a:prstDash val="solid"/>
+                      <a:round/>
+                      <a:headEnd type="none" w="med" len="med"/>
+                      <a:tailEnd type="none" w="med" len="med"/>
+                    </a:lnT>
+                    <a:lnB w="28575" cap="flat" cmpd="sng" algn="ctr">
+                      <a:solidFill>
+                        <a:schemeClr val="tx1"/>
+                      </a:solidFill>
+                      <a:prstDash val="solid"/>
+                      <a:round/>
+                      <a:headEnd type="none" w="med" len="med"/>
+                      <a:tailEnd type="none" w="med" len="med"/>
+                    </a:lnB>
+                    <a:lnTlToBr w="12700" cmpd="sng">
+                      <a:noFill/>
+                      <a:prstDash val="solid"/>
+                    </a:lnTlToBr>
+                    <a:lnBlToTr w="12700" cmpd="sng">
+                      <a:noFill/>
+                      <a:prstDash val="solid"/>
+                    </a:lnBlToTr>
+                    <a:noFill/>
+                  </a:tcPr>
+                </a:tc>
+                <a:tc>
+                  <a:txBody>
+                    <a:bodyPr/>
+                    <a:lstStyle/>
+                    <a:p>
+                      <a:pPr algn="ctr" fontAlgn="b"/>
+                      <a:r>
+                        <a:rPr lang="en-US" sz="1100" b="1" u="none" strike="noStrike" dirty="0">
+                          <a:solidFill>
+                            <a:srgbClr val="46B5C0"/>
+                          </a:solidFill>
+                          <a:effectLst/>
+                          <a:latin typeface="Consolas" panose="020B0609020204030204" pitchFamily="49" charset="0"/>
+                        </a:rPr>
+                        <a:t>sensor 1</a:t>
+                      </a:r>
+                      <a:br>
+                        <a:rPr lang="en-US" sz="1100" b="1" u="none" strike="noStrike" dirty="0">
+                          <a:solidFill>
+                            <a:srgbClr val="46B5C0"/>
+                          </a:solidFill>
+                          <a:effectLst/>
+                          <a:latin typeface="Consolas" panose="020B0609020204030204" pitchFamily="49" charset="0"/>
+                        </a:rPr>
+                      </a:br>
+                      <a:r>
+                        <a:rPr lang="en-US" sz="1100" b="1" u="none" strike="noStrike" dirty="0">
+                          <a:solidFill>
+                            <a:srgbClr val="7030A0"/>
+                          </a:solidFill>
+                          <a:effectLst/>
+                          <a:latin typeface="Consolas" panose="020B0609020204030204" pitchFamily="49" charset="0"/>
+                        </a:rPr>
+                        <a:t>group 2</a:t>
+                      </a:r>
+                      <a:br>
+                        <a:rPr lang="en-US" sz="1100" b="1" u="none" strike="noStrike" dirty="0">
+                          <a:effectLst/>
+                          <a:latin typeface="Consolas" panose="020B0609020204030204" pitchFamily="49" charset="0"/>
+                        </a:rPr>
+                      </a:br>
+                      <a:r>
+                        <a:rPr lang="en-US" sz="1100" b="1" u="none" strike="noStrike" dirty="0">
+                          <a:effectLst/>
+                          <a:latin typeface="Consolas" panose="020B0609020204030204" pitchFamily="49" charset="0"/>
+                        </a:rPr>
+                        <a:t>pos 0</a:t>
+                      </a:r>
+                      <a:endParaRPr lang="en-US" sz="1100" b="1" i="0" u="none" strike="noStrike" dirty="0">
+                        <a:solidFill>
+                          <a:srgbClr val="000000"/>
+                        </a:solidFill>
+                        <a:effectLst/>
+                        <a:latin typeface="Consolas" panose="020B0609020204030204" pitchFamily="49" charset="0"/>
+                      </a:endParaRPr>
+                    </a:p>
+                  </a:txBody>
+                  <a:tcPr marL="9525" marR="9525" marT="9525" marB="0" anchor="ctr">
+                    <a:lnL w="57150" cap="flat" cmpd="sng" algn="ctr">
+                      <a:solidFill>
+                        <a:schemeClr val="tx1"/>
+                      </a:solidFill>
+                      <a:prstDash val="solid"/>
+                      <a:round/>
+                      <a:headEnd type="none" w="med" len="med"/>
+                      <a:tailEnd type="none" w="med" len="med"/>
+                    </a:lnL>
+                    <a:lnR w="28575" cap="flat" cmpd="sng" algn="ctr">
+                      <a:solidFill>
+                        <a:schemeClr val="tx1"/>
+                      </a:solidFill>
+                      <a:prstDash val="solid"/>
+                      <a:round/>
+                      <a:headEnd type="none" w="med" len="med"/>
+                      <a:tailEnd type="none" w="med" len="med"/>
+                    </a:lnR>
+                    <a:lnT w="28575" cap="flat" cmpd="sng" algn="ctr">
+                      <a:solidFill>
+                        <a:schemeClr val="tx1"/>
+                      </a:solidFill>
+                      <a:prstDash val="solid"/>
+                      <a:round/>
+                      <a:headEnd type="none" w="med" len="med"/>
+                      <a:tailEnd type="none" w="med" len="med"/>
+                    </a:lnT>
+                    <a:lnB w="28575" cap="flat" cmpd="sng" algn="ctr">
+                      <a:solidFill>
+                        <a:schemeClr val="tx1"/>
+                      </a:solidFill>
+                      <a:prstDash val="solid"/>
+                      <a:round/>
+                      <a:headEnd type="none" w="med" len="med"/>
+                      <a:tailEnd type="none" w="med" len="med"/>
+                    </a:lnB>
+                    <a:lnTlToBr w="12700" cmpd="sng">
+                      <a:noFill/>
+                      <a:prstDash val="solid"/>
+                    </a:lnTlToBr>
+                    <a:lnBlToTr w="12700" cmpd="sng">
+                      <a:noFill/>
+                      <a:prstDash val="solid"/>
+                    </a:lnBlToTr>
+                    <a:noFill/>
+                  </a:tcPr>
+                </a:tc>
+                <a:tc>
+                  <a:txBody>
+                    <a:bodyPr/>
+                    <a:lstStyle/>
+                    <a:p>
+                      <a:pPr algn="ctr" fontAlgn="b"/>
+                      <a:r>
+                        <a:rPr lang="en-US" sz="1100" b="1" u="none" strike="noStrike" dirty="0">
+                          <a:solidFill>
+                            <a:srgbClr val="46B5C0"/>
+                          </a:solidFill>
+                          <a:effectLst/>
+                          <a:latin typeface="Consolas" panose="020B0609020204030204" pitchFamily="49" charset="0"/>
+                        </a:rPr>
+                        <a:t>sensor 1</a:t>
+                      </a:r>
+                      <a:br>
+                        <a:rPr lang="en-US" sz="1100" b="1" u="none" strike="noStrike" dirty="0">
+                          <a:effectLst/>
+                          <a:latin typeface="Consolas" panose="020B0609020204030204" pitchFamily="49" charset="0"/>
+                        </a:rPr>
+                      </a:br>
+                      <a:r>
+                        <a:rPr lang="en-US" sz="1100" b="1" u="none" strike="noStrike" dirty="0">
+                          <a:solidFill>
+                            <a:srgbClr val="7030A0"/>
+                          </a:solidFill>
+                          <a:effectLst/>
+                          <a:latin typeface="Consolas" panose="020B0609020204030204" pitchFamily="49" charset="0"/>
+                        </a:rPr>
+                        <a:t>group 2</a:t>
+                      </a:r>
+                      <a:br>
+                        <a:rPr lang="en-US" sz="1100" b="1" u="none" strike="noStrike" dirty="0">
+                          <a:effectLst/>
+                          <a:latin typeface="Consolas" panose="020B0609020204030204" pitchFamily="49" charset="0"/>
+                        </a:rPr>
+                      </a:br>
+                      <a:r>
+                        <a:rPr lang="en-US" sz="1100" b="1" u="none" strike="noStrike" dirty="0">
+                          <a:effectLst/>
+                          <a:latin typeface="Consolas" panose="020B0609020204030204" pitchFamily="49" charset="0"/>
+                        </a:rPr>
+                        <a:t>pos 1</a:t>
+                      </a:r>
+                      <a:endParaRPr lang="en-US" sz="1100" b="1" i="0" u="none" strike="noStrike" dirty="0">
+                        <a:solidFill>
+                          <a:srgbClr val="000000"/>
+                        </a:solidFill>
+                        <a:effectLst/>
+                        <a:latin typeface="Consolas" panose="020B0609020204030204" pitchFamily="49" charset="0"/>
+                      </a:endParaRPr>
+                    </a:p>
+                  </a:txBody>
+                  <a:tcPr marL="9525" marR="9525" marT="9525" marB="0" anchor="ctr">
+                    <a:lnL w="28575" cap="flat" cmpd="sng" algn="ctr">
+                      <a:solidFill>
+                        <a:schemeClr val="tx1"/>
+                      </a:solidFill>
+                      <a:prstDash val="solid"/>
+                      <a:round/>
+                      <a:headEnd type="none" w="med" len="med"/>
+                      <a:tailEnd type="none" w="med" len="med"/>
+                    </a:lnL>
+                    <a:lnR w="28575" cap="flat" cmpd="sng" algn="ctr">
+                      <a:solidFill>
+                        <a:schemeClr val="tx1"/>
+                      </a:solidFill>
+                      <a:prstDash val="solid"/>
+                      <a:round/>
+                      <a:headEnd type="none" w="med" len="med"/>
+                      <a:tailEnd type="none" w="med" len="med"/>
+                    </a:lnR>
+                    <a:lnT w="28575" cap="flat" cmpd="sng" algn="ctr">
+                      <a:solidFill>
+                        <a:schemeClr val="tx1"/>
+                      </a:solidFill>
+                      <a:prstDash val="solid"/>
+                      <a:round/>
+                      <a:headEnd type="none" w="med" len="med"/>
+                      <a:tailEnd type="none" w="med" len="med"/>
+                    </a:lnT>
+                    <a:lnB w="28575" cap="flat" cmpd="sng" algn="ctr">
+                      <a:solidFill>
+                        <a:schemeClr val="tx1"/>
+                      </a:solidFill>
+                      <a:prstDash val="solid"/>
+                      <a:round/>
+                      <a:headEnd type="none" w="med" len="med"/>
+                      <a:tailEnd type="none" w="med" len="med"/>
+                    </a:lnB>
+                    <a:lnTlToBr w="12700" cmpd="sng">
+                      <a:noFill/>
+                      <a:prstDash val="solid"/>
+                    </a:lnTlToBr>
+                    <a:lnBlToTr w="12700" cmpd="sng">
+                      <a:noFill/>
+                      <a:prstDash val="solid"/>
+                    </a:lnBlToTr>
+                    <a:noFill/>
+                  </a:tcPr>
+                </a:tc>
+                <a:tc>
+                  <a:txBody>
+                    <a:bodyPr/>
+                    <a:lstStyle/>
+                    <a:p>
+                      <a:pPr algn="ctr" fontAlgn="b"/>
+                      <a:r>
+                        <a:rPr lang="it-IT" sz="1100" b="1" u="none" strike="noStrike" dirty="0">
+                          <a:effectLst/>
+                          <a:latin typeface="Consolas" panose="020B0609020204030204" pitchFamily="49" charset="0"/>
+                        </a:rPr>
+                        <a:t>...</a:t>
+                      </a:r>
+                      <a:endParaRPr lang="it-IT" sz="1100" b="1" i="0" u="none" strike="noStrike" dirty="0">
+                        <a:solidFill>
+                          <a:srgbClr val="000000"/>
+                        </a:solidFill>
+                        <a:effectLst/>
+                        <a:latin typeface="Consolas" panose="020B0609020204030204" pitchFamily="49" charset="0"/>
+                      </a:endParaRPr>
+                    </a:p>
+                  </a:txBody>
+                  <a:tcPr marL="9525" marR="9525" marT="9525" marB="0" anchor="ctr">
+                    <a:lnL w="28575" cap="flat" cmpd="sng" algn="ctr">
+                      <a:solidFill>
+                        <a:schemeClr val="tx1"/>
+                      </a:solidFill>
+                      <a:prstDash val="solid"/>
+                      <a:round/>
+                      <a:headEnd type="none" w="med" len="med"/>
+                      <a:tailEnd type="none" w="med" len="med"/>
+                    </a:lnL>
+                    <a:lnR w="28575" cap="flat" cmpd="sng" algn="ctr">
+                      <a:solidFill>
+                        <a:schemeClr val="tx1"/>
+                      </a:solidFill>
+                      <a:prstDash val="solid"/>
+                      <a:round/>
+                      <a:headEnd type="none" w="med" len="med"/>
+                      <a:tailEnd type="none" w="med" len="med"/>
+                    </a:lnR>
+                    <a:lnT w="28575" cap="flat" cmpd="sng" algn="ctr">
+                      <a:solidFill>
+                        <a:schemeClr val="tx1"/>
+                      </a:solidFill>
+                      <a:prstDash val="solid"/>
+                      <a:round/>
+                      <a:headEnd type="none" w="med" len="med"/>
+                      <a:tailEnd type="none" w="med" len="med"/>
+                    </a:lnT>
+                    <a:lnB w="28575" cap="flat" cmpd="sng" algn="ctr">
+                      <a:solidFill>
+                        <a:schemeClr val="tx1"/>
+                      </a:solidFill>
+                      <a:prstDash val="solid"/>
+                      <a:round/>
+                      <a:headEnd type="none" w="med" len="med"/>
+                      <a:tailEnd type="none" w="med" len="med"/>
+                    </a:lnB>
+                    <a:lnTlToBr w="12700" cmpd="sng">
+                      <a:noFill/>
+                      <a:prstDash val="solid"/>
+                    </a:lnTlToBr>
+                    <a:lnBlToTr w="12700" cmpd="sng">
+                      <a:noFill/>
+                      <a:prstDash val="solid"/>
+                    </a:lnBlToTr>
+                    <a:noFill/>
+                  </a:tcPr>
+                </a:tc>
+                <a:tc>
+                  <a:txBody>
+                    <a:bodyPr/>
+                    <a:lstStyle/>
+                    <a:p>
+                      <a:pPr algn="ctr" fontAlgn="b"/>
+                      <a:r>
+                        <a:rPr lang="en-US" sz="1100" b="1" u="none" strike="noStrike" dirty="0">
+                          <a:solidFill>
+                            <a:srgbClr val="46B5C0"/>
+                          </a:solidFill>
+                          <a:effectLst/>
+                          <a:latin typeface="Consolas" panose="020B0609020204030204" pitchFamily="49" charset="0"/>
+                        </a:rPr>
+                        <a:t>sensor 1</a:t>
+                      </a:r>
+                      <a:br>
+                        <a:rPr lang="en-US" sz="1100" b="1" u="none" strike="noStrike" dirty="0">
+                          <a:effectLst/>
+                          <a:latin typeface="Consolas" panose="020B0609020204030204" pitchFamily="49" charset="0"/>
+                        </a:rPr>
+                      </a:br>
+                      <a:r>
+                        <a:rPr lang="en-US" sz="1100" b="1" u="none" strike="noStrike" dirty="0">
+                          <a:solidFill>
+                            <a:srgbClr val="7030A0"/>
+                          </a:solidFill>
+                          <a:effectLst/>
+                          <a:latin typeface="Consolas" panose="020B0609020204030204" pitchFamily="49" charset="0"/>
+                        </a:rPr>
+                        <a:t>group 2</a:t>
+                      </a:r>
+                      <a:br>
+                        <a:rPr lang="en-US" sz="1100" b="1" u="none" strike="noStrike" dirty="0">
+                          <a:effectLst/>
+                          <a:latin typeface="Consolas" panose="020B0609020204030204" pitchFamily="49" charset="0"/>
+                        </a:rPr>
+                      </a:br>
+                      <a:r>
+                        <a:rPr lang="en-US" sz="1100" b="1" u="none" strike="noStrike" dirty="0">
+                          <a:effectLst/>
+                          <a:latin typeface="Consolas" panose="020B0609020204030204" pitchFamily="49" charset="0"/>
+                        </a:rPr>
+                        <a:t>pos last</a:t>
+                      </a:r>
+                      <a:endParaRPr lang="en-US" sz="1100" b="1" i="0" u="none" strike="noStrike" dirty="0">
+                        <a:solidFill>
+                          <a:srgbClr val="000000"/>
+                        </a:solidFill>
+                        <a:effectLst/>
+                        <a:latin typeface="Consolas" panose="020B0609020204030204" pitchFamily="49" charset="0"/>
+                      </a:endParaRPr>
+                    </a:p>
+                  </a:txBody>
+                  <a:tcPr marL="9525" marR="9525" marT="9525" marB="0" anchor="ctr">
+                    <a:lnL w="28575" cap="flat" cmpd="sng" algn="ctr">
+                      <a:solidFill>
+                        <a:schemeClr val="tx1"/>
+                      </a:solidFill>
+                      <a:prstDash val="solid"/>
+                      <a:round/>
+                      <a:headEnd type="none" w="med" len="med"/>
+                      <a:tailEnd type="none" w="med" len="med"/>
+                    </a:lnL>
+                    <a:lnR w="28575" cap="flat" cmpd="sng" algn="ctr">
+                      <a:solidFill>
+                        <a:schemeClr val="tx1"/>
+                      </a:solidFill>
+                      <a:prstDash val="solid"/>
+                      <a:round/>
+                      <a:headEnd type="none" w="med" len="med"/>
+                      <a:tailEnd type="none" w="med" len="med"/>
+                    </a:lnR>
+                    <a:lnT w="28575" cap="flat" cmpd="sng" algn="ctr">
+                      <a:solidFill>
+                        <a:schemeClr val="tx1"/>
+                      </a:solidFill>
+                      <a:prstDash val="solid"/>
+                      <a:round/>
+                      <a:headEnd type="none" w="med" len="med"/>
+                      <a:tailEnd type="none" w="med" len="med"/>
+                    </a:lnT>
+                    <a:lnB w="28575" cap="flat" cmpd="sng" algn="ctr">
+                      <a:solidFill>
+                        <a:schemeClr val="tx1"/>
+                      </a:solidFill>
+                      <a:prstDash val="solid"/>
+                      <a:round/>
+                      <a:headEnd type="none" w="med" len="med"/>
+                      <a:tailEnd type="none" w="med" len="med"/>
+                    </a:lnB>
+                    <a:lnTlToBr w="12700" cmpd="sng">
+                      <a:noFill/>
+                      <a:prstDash val="solid"/>
+                    </a:lnTlToBr>
+                    <a:lnBlToTr w="12700" cmpd="sng">
+                      <a:noFill/>
+                      <a:prstDash val="solid"/>
+                    </a:lnBlToTr>
+                    <a:noFill/>
+                  </a:tcPr>
+                </a:tc>
+                <a:tc>
+                  <a:txBody>
+                    <a:bodyPr/>
+                    <a:lstStyle/>
+                    <a:p>
+                      <a:pPr algn="ctr" fontAlgn="b"/>
+                      <a:r>
+                        <a:rPr kumimoji="0" lang="it-IT" sz="1100" b="1" i="0" u="none" strike="noStrike" kern="1200" cap="none" spc="0" normalizeH="0" baseline="0" noProof="0">
+                          <a:ln>
+                            <a:noFill/>
+                          </a:ln>
+                          <a:solidFill>
+                            <a:prstClr val="black"/>
+                          </a:solidFill>
+                          <a:effectLst/>
+                          <a:uLnTx/>
+                          <a:uFillTx/>
+                          <a:latin typeface="Consolas" panose="020B0609020204030204" pitchFamily="49" charset="0"/>
+                          <a:ea typeface="+mn-ea"/>
+                          <a:cs typeface="+mn-cs"/>
+                        </a:rPr>
+                        <a:t>...</a:t>
+                      </a:r>
+                      <a:endParaRPr lang="it-IT" sz="1100" b="1" i="0" u="none" strike="noStrike" dirty="0">
+                        <a:solidFill>
+                          <a:srgbClr val="000000"/>
+                        </a:solidFill>
+                        <a:effectLst/>
+                        <a:latin typeface="Consolas" panose="020B0609020204030204" pitchFamily="49" charset="0"/>
+                      </a:endParaRPr>
+                    </a:p>
+                  </a:txBody>
+                  <a:tcPr marL="9525" marR="9525" marT="9525" marB="0" anchor="ctr">
+                    <a:lnL w="28575" cap="flat" cmpd="sng" algn="ctr">
+                      <a:solidFill>
+                        <a:schemeClr val="tx1"/>
+                      </a:solidFill>
+                      <a:prstDash val="solid"/>
+                      <a:round/>
+                      <a:headEnd type="none" w="med" len="med"/>
+                      <a:tailEnd type="none" w="med" len="med"/>
+                    </a:lnL>
+                    <a:lnR w="28575" cap="flat" cmpd="sng" algn="ctr">
+                      <a:solidFill>
+                        <a:schemeClr val="tx1"/>
+                      </a:solidFill>
+                      <a:prstDash val="solid"/>
+                      <a:round/>
+                      <a:headEnd type="none" w="med" len="med"/>
+                      <a:tailEnd type="none" w="med" len="med"/>
+                    </a:lnR>
+                    <a:lnT w="28575" cap="flat" cmpd="sng" algn="ctr">
+                      <a:solidFill>
+                        <a:schemeClr val="tx1"/>
+                      </a:solidFill>
+                      <a:prstDash val="solid"/>
+                      <a:round/>
+                      <a:headEnd type="none" w="med" len="med"/>
+                      <a:tailEnd type="none" w="med" len="med"/>
+                    </a:lnT>
+                    <a:lnB w="28575" cap="flat" cmpd="sng" algn="ctr">
+                      <a:solidFill>
+                        <a:schemeClr val="tx1"/>
+                      </a:solidFill>
+                      <a:prstDash val="solid"/>
+                      <a:round/>
+                      <a:headEnd type="none" w="med" len="med"/>
+                      <a:tailEnd type="none" w="med" len="med"/>
+                    </a:lnB>
+                    <a:lnTlToBr w="12700" cmpd="sng">
+                      <a:noFill/>
+                      <a:prstDash val="solid"/>
+                    </a:lnTlToBr>
+                    <a:lnBlToTr w="12700" cmpd="sng">
+                      <a:noFill/>
+                      <a:prstDash val="solid"/>
+                    </a:lnBlToTr>
+                    <a:noFill/>
+                  </a:tcPr>
+                </a:tc>
+                <a:extLst>
+                  <a:ext uri="{0D108BD9-81ED-4DB2-BD59-A6C34878D82A}">
+                    <a16:rowId xmlns:a16="http://schemas.microsoft.com/office/drawing/2014/main" val="3210644936"/>
+                  </a:ext>
+                </a:extLst>
+              </a:tr>
+              <a:tr h="684000">
+                <a:tc>
+                  <a:txBody>
+                    <a:bodyPr/>
+                    <a:lstStyle/>
+                    <a:p>
+                      <a:pPr algn="ctr" fontAlgn="b"/>
+                      <a:r>
+                        <a:rPr kumimoji="0" lang="it-IT" sz="1100" b="1" i="0" u="none" strike="noStrike" kern="1200" cap="none" spc="0" normalizeH="0" baseline="0" noProof="0">
+                          <a:ln>
+                            <a:noFill/>
+                          </a:ln>
+                          <a:solidFill>
+                            <a:prstClr val="black"/>
+                          </a:solidFill>
+                          <a:effectLst/>
+                          <a:uLnTx/>
+                          <a:uFillTx/>
+                          <a:latin typeface="Consolas" panose="020B0609020204030204" pitchFamily="49" charset="0"/>
+                          <a:ea typeface="+mn-ea"/>
+                          <a:cs typeface="+mn-cs"/>
+                        </a:rPr>
+                        <a:t>...</a:t>
+                      </a:r>
+                      <a:endParaRPr lang="en-US" sz="1100" b="1" i="0" u="none" strike="noStrike" dirty="0">
+                        <a:solidFill>
+                          <a:srgbClr val="000000"/>
+                        </a:solidFill>
+                        <a:effectLst/>
+                        <a:latin typeface="Consolas" panose="020B0609020204030204" pitchFamily="49" charset="0"/>
+                      </a:endParaRPr>
+                    </a:p>
+                  </a:txBody>
+                  <a:tcPr marL="9525" marR="9525" marT="9525" marB="0" anchor="ctr">
+                    <a:lnL w="28575" cap="flat" cmpd="sng" algn="ctr">
+                      <a:solidFill>
+                        <a:schemeClr val="tx1"/>
+                      </a:solidFill>
+                      <a:prstDash val="solid"/>
+                      <a:round/>
+                      <a:headEnd type="none" w="med" len="med"/>
+                      <a:tailEnd type="none" w="med" len="med"/>
+                    </a:lnL>
+                    <a:lnR w="28575" cap="flat" cmpd="sng" algn="ctr">
+                      <a:solidFill>
+                        <a:schemeClr val="tx1"/>
+                      </a:solidFill>
+                      <a:prstDash val="solid"/>
+                      <a:round/>
+                      <a:headEnd type="none" w="med" len="med"/>
+                      <a:tailEnd type="none" w="med" len="med"/>
+                    </a:lnR>
+                    <a:lnT w="28575" cap="flat" cmpd="sng" algn="ctr">
+                      <a:solidFill>
+                        <a:schemeClr val="tx1"/>
+                      </a:solidFill>
+                      <a:prstDash val="solid"/>
+                      <a:round/>
+                      <a:headEnd type="none" w="med" len="med"/>
+                      <a:tailEnd type="none" w="med" len="med"/>
+                    </a:lnT>
+                    <a:lnB w="28575" cap="flat" cmpd="sng" algn="ctr">
+                      <a:solidFill>
+                        <a:schemeClr val="tx1"/>
+                      </a:solidFill>
+                      <a:prstDash val="solid"/>
+                      <a:round/>
+                      <a:headEnd type="none" w="med" len="med"/>
+                      <a:tailEnd type="none" w="med" len="med"/>
+                    </a:lnB>
+                    <a:lnTlToBr w="12700" cmpd="sng">
+                      <a:noFill/>
+                      <a:prstDash val="solid"/>
+                    </a:lnTlToBr>
+                    <a:lnBlToTr w="12700" cmpd="sng">
+                      <a:noFill/>
+                      <a:prstDash val="solid"/>
+                    </a:lnBlToTr>
+                    <a:noFill/>
+                  </a:tcPr>
+                </a:tc>
+                <a:tc>
+                  <a:txBody>
+                    <a:bodyPr/>
+                    <a:lstStyle/>
+                    <a:p>
+                      <a:pPr algn="ctr" fontAlgn="b"/>
+                      <a:r>
+                        <a:rPr kumimoji="0" lang="it-IT" sz="1100" b="1" i="0" u="none" strike="noStrike" kern="1200" cap="none" spc="0" normalizeH="0" baseline="0" noProof="0">
+                          <a:ln>
+                            <a:noFill/>
+                          </a:ln>
+                          <a:solidFill>
+                            <a:prstClr val="black"/>
+                          </a:solidFill>
+                          <a:effectLst/>
+                          <a:uLnTx/>
+                          <a:uFillTx/>
+                          <a:latin typeface="Consolas" panose="020B0609020204030204" pitchFamily="49" charset="0"/>
+                          <a:ea typeface="+mn-ea"/>
+                          <a:cs typeface="+mn-cs"/>
+                        </a:rPr>
+                        <a:t>...</a:t>
+                      </a:r>
+                      <a:endParaRPr lang="en-US" sz="1100" b="1" i="0" u="none" strike="noStrike" dirty="0">
+                        <a:solidFill>
+                          <a:srgbClr val="000000"/>
+                        </a:solidFill>
+                        <a:effectLst/>
+                        <a:latin typeface="Consolas" panose="020B0609020204030204" pitchFamily="49" charset="0"/>
+                      </a:endParaRPr>
+                    </a:p>
+                  </a:txBody>
+                  <a:tcPr marL="9525" marR="9525" marT="9525" marB="0" anchor="ctr">
+                    <a:lnL w="28575" cap="flat" cmpd="sng" algn="ctr">
+                      <a:solidFill>
+                        <a:schemeClr val="tx1"/>
+                      </a:solidFill>
+                      <a:prstDash val="solid"/>
+                      <a:round/>
+                      <a:headEnd type="none" w="med" len="med"/>
+                      <a:tailEnd type="none" w="med" len="med"/>
+                    </a:lnL>
+                    <a:lnR w="28575" cap="flat" cmpd="sng" algn="ctr">
+                      <a:solidFill>
+                        <a:schemeClr val="tx1"/>
+                      </a:solidFill>
+                      <a:prstDash val="solid"/>
+                      <a:round/>
+                      <a:headEnd type="none" w="med" len="med"/>
+                      <a:tailEnd type="none" w="med" len="med"/>
+                    </a:lnR>
+                    <a:lnT w="28575" cap="flat" cmpd="sng" algn="ctr">
+                      <a:solidFill>
+                        <a:schemeClr val="tx1"/>
+                      </a:solidFill>
+                      <a:prstDash val="solid"/>
+                      <a:round/>
+                      <a:headEnd type="none" w="med" len="med"/>
+                      <a:tailEnd type="none" w="med" len="med"/>
+                    </a:lnT>
+                    <a:lnB w="28575" cap="flat" cmpd="sng" algn="ctr">
+                      <a:solidFill>
+                        <a:schemeClr val="tx1"/>
+                      </a:solidFill>
+                      <a:prstDash val="solid"/>
+                      <a:round/>
+                      <a:headEnd type="none" w="med" len="med"/>
+                      <a:tailEnd type="none" w="med" len="med"/>
+                    </a:lnB>
+                    <a:lnTlToBr w="12700" cmpd="sng">
+                      <a:noFill/>
+                      <a:prstDash val="solid"/>
+                    </a:lnTlToBr>
+                    <a:lnBlToTr w="12700" cmpd="sng">
+                      <a:noFill/>
+                      <a:prstDash val="solid"/>
+                    </a:lnBlToTr>
+                    <a:noFill/>
+                  </a:tcPr>
+                </a:tc>
+                <a:tc>
+                  <a:txBody>
+                    <a:bodyPr/>
+                    <a:lstStyle/>
+                    <a:p>
+                      <a:pPr algn="ctr" fontAlgn="b"/>
+                      <a:r>
+                        <a:rPr kumimoji="0" lang="it-IT" sz="1100" b="1" i="0" u="none" strike="noStrike" kern="1200" cap="none" spc="0" normalizeH="0" baseline="0" noProof="0" dirty="0">
+                          <a:ln>
+                            <a:noFill/>
+                          </a:ln>
+                          <a:solidFill>
+                            <a:prstClr val="black"/>
+                          </a:solidFill>
+                          <a:effectLst/>
+                          <a:uLnTx/>
+                          <a:uFillTx/>
+                          <a:latin typeface="Consolas" panose="020B0609020204030204" pitchFamily="49" charset="0"/>
+                          <a:ea typeface="+mn-ea"/>
+                          <a:cs typeface="+mn-cs"/>
+                        </a:rPr>
+                        <a:t>...</a:t>
+                      </a:r>
+                      <a:endParaRPr lang="it-IT" sz="1100" b="1" i="0" u="none" strike="noStrike" dirty="0">
+                        <a:solidFill>
+                          <a:srgbClr val="000000"/>
+                        </a:solidFill>
+                        <a:effectLst/>
+                        <a:latin typeface="Consolas" panose="020B0609020204030204" pitchFamily="49" charset="0"/>
+                      </a:endParaRPr>
+                    </a:p>
+                  </a:txBody>
+                  <a:tcPr marL="9525" marR="9525" marT="9525" marB="0" anchor="ctr">
+                    <a:lnL w="28575" cap="flat" cmpd="sng" algn="ctr">
+                      <a:solidFill>
+                        <a:schemeClr val="tx1"/>
+                      </a:solidFill>
+                      <a:prstDash val="solid"/>
+                      <a:round/>
+                      <a:headEnd type="none" w="med" len="med"/>
+                      <a:tailEnd type="none" w="med" len="med"/>
+                    </a:lnL>
+                    <a:lnR w="28575" cap="flat" cmpd="sng" algn="ctr">
+                      <a:solidFill>
+                        <a:schemeClr val="tx1"/>
+                      </a:solidFill>
+                      <a:prstDash val="solid"/>
+                      <a:round/>
+                      <a:headEnd type="none" w="med" len="med"/>
+                      <a:tailEnd type="none" w="med" len="med"/>
+                    </a:lnR>
+                    <a:lnT w="28575" cap="flat" cmpd="sng" algn="ctr">
+                      <a:solidFill>
+                        <a:schemeClr val="tx1"/>
+                      </a:solidFill>
+                      <a:prstDash val="solid"/>
+                      <a:round/>
+                      <a:headEnd type="none" w="med" len="med"/>
+                      <a:tailEnd type="none" w="med" len="med"/>
+                    </a:lnT>
+                    <a:lnB w="28575" cap="flat" cmpd="sng" algn="ctr">
+                      <a:solidFill>
+                        <a:schemeClr val="tx1"/>
+                      </a:solidFill>
+                      <a:prstDash val="solid"/>
+                      <a:round/>
+                      <a:headEnd type="none" w="med" len="med"/>
+                      <a:tailEnd type="none" w="med" len="med"/>
+                    </a:lnB>
+                    <a:lnTlToBr w="12700" cmpd="sng">
+                      <a:noFill/>
+                      <a:prstDash val="solid"/>
+                    </a:lnTlToBr>
+                    <a:lnBlToTr w="12700" cmpd="sng">
+                      <a:noFill/>
+                      <a:prstDash val="solid"/>
+                    </a:lnBlToTr>
+                    <a:noFill/>
+                  </a:tcPr>
+                </a:tc>
+                <a:tc>
+                  <a:txBody>
+                    <a:bodyPr/>
+                    <a:lstStyle/>
+                    <a:p>
+                      <a:pPr algn="ctr" fontAlgn="b"/>
+                      <a:r>
+                        <a:rPr kumimoji="0" lang="it-IT" sz="1100" b="1" i="0" u="none" strike="noStrike" kern="1200" cap="none" spc="0" normalizeH="0" baseline="0" noProof="0" dirty="0">
+                          <a:ln>
+                            <a:noFill/>
+                          </a:ln>
+                          <a:solidFill>
+                            <a:prstClr val="black"/>
+                          </a:solidFill>
+                          <a:effectLst/>
+                          <a:uLnTx/>
+                          <a:uFillTx/>
+                          <a:latin typeface="Consolas" panose="020B0609020204030204" pitchFamily="49" charset="0"/>
+                          <a:ea typeface="+mn-ea"/>
+                          <a:cs typeface="+mn-cs"/>
+                        </a:rPr>
+                        <a:t>...</a:t>
+                      </a:r>
+                      <a:endParaRPr lang="en-US" sz="1100" b="1" i="0" u="none" strike="noStrike" dirty="0">
+                        <a:solidFill>
+                          <a:srgbClr val="000000"/>
+                        </a:solidFill>
+                        <a:effectLst/>
+                        <a:latin typeface="Consolas" panose="020B0609020204030204" pitchFamily="49" charset="0"/>
+                      </a:endParaRPr>
+                    </a:p>
+                  </a:txBody>
+                  <a:tcPr marL="9525" marR="9525" marT="9525" marB="0" anchor="ctr">
+                    <a:lnL w="28575" cap="flat" cmpd="sng" algn="ctr">
+                      <a:solidFill>
+                        <a:schemeClr val="tx1"/>
+                      </a:solidFill>
+                      <a:prstDash val="solid"/>
+                      <a:round/>
+                      <a:headEnd type="none" w="med" len="med"/>
+                      <a:tailEnd type="none" w="med" len="med"/>
+                    </a:lnL>
+                    <a:lnR w="57150" cap="flat" cmpd="sng" algn="ctr">
+                      <a:solidFill>
+                        <a:schemeClr val="tx1"/>
+                      </a:solidFill>
+                      <a:prstDash val="solid"/>
+                      <a:round/>
+                      <a:headEnd type="none" w="med" len="med"/>
+                      <a:tailEnd type="none" w="med" len="med"/>
+                    </a:lnR>
+                    <a:lnT w="28575" cap="flat" cmpd="sng" algn="ctr">
+                      <a:solidFill>
+                        <a:schemeClr val="tx1"/>
+                      </a:solidFill>
+                      <a:prstDash val="solid"/>
+                      <a:round/>
+                      <a:headEnd type="none" w="med" len="med"/>
+                      <a:tailEnd type="none" w="med" len="med"/>
+                    </a:lnT>
+                    <a:lnB w="28575" cap="flat" cmpd="sng" algn="ctr">
+                      <a:solidFill>
+                        <a:schemeClr val="tx1"/>
+                      </a:solidFill>
+                      <a:prstDash val="solid"/>
+                      <a:round/>
+                      <a:headEnd type="none" w="med" len="med"/>
+                      <a:tailEnd type="none" w="med" len="med"/>
+                    </a:lnB>
+                    <a:lnTlToBr w="12700" cmpd="sng">
+                      <a:noFill/>
+                      <a:prstDash val="solid"/>
+                    </a:lnTlToBr>
+                    <a:lnBlToTr w="12700" cmpd="sng">
+                      <a:noFill/>
+                      <a:prstDash val="solid"/>
+                    </a:lnBlToTr>
+                    <a:noFill/>
+                  </a:tcPr>
+                </a:tc>
+                <a:tc>
+                  <a:txBody>
+                    <a:bodyPr/>
+                    <a:lstStyle/>
+                    <a:p>
+                      <a:pPr algn="ctr" fontAlgn="b"/>
+                      <a:r>
+                        <a:rPr kumimoji="0" lang="it-IT" sz="1100" b="1" i="0" u="none" strike="noStrike" kern="1200" cap="none" spc="0" normalizeH="0" baseline="0" noProof="0">
+                          <a:ln>
+                            <a:noFill/>
+                          </a:ln>
+                          <a:solidFill>
+                            <a:prstClr val="black"/>
+                          </a:solidFill>
+                          <a:effectLst/>
+                          <a:uLnTx/>
+                          <a:uFillTx/>
+                          <a:latin typeface="Consolas" panose="020B0609020204030204" pitchFamily="49" charset="0"/>
+                          <a:ea typeface="+mn-ea"/>
+                          <a:cs typeface="+mn-cs"/>
+                        </a:rPr>
+                        <a:t>...</a:t>
+                      </a:r>
+                      <a:endParaRPr lang="en-US" sz="1100" b="1" i="0" u="none" strike="noStrike" dirty="0">
+                        <a:solidFill>
+                          <a:srgbClr val="000000"/>
+                        </a:solidFill>
+                        <a:effectLst/>
+                        <a:latin typeface="Consolas" panose="020B0609020204030204" pitchFamily="49" charset="0"/>
+                      </a:endParaRPr>
+                    </a:p>
+                  </a:txBody>
+                  <a:tcPr marL="9525" marR="9525" marT="9525" marB="0" anchor="ctr">
+                    <a:lnL w="57150" cap="flat" cmpd="sng" algn="ctr">
+                      <a:solidFill>
+                        <a:schemeClr val="tx1"/>
+                      </a:solidFill>
+                      <a:prstDash val="solid"/>
+                      <a:round/>
+                      <a:headEnd type="none" w="med" len="med"/>
+                      <a:tailEnd type="none" w="med" len="med"/>
+                    </a:lnL>
+                    <a:lnR w="28575" cap="flat" cmpd="sng" algn="ctr">
+                      <a:solidFill>
+                        <a:schemeClr val="tx1"/>
+                      </a:solidFill>
+                      <a:prstDash val="solid"/>
+                      <a:round/>
+                      <a:headEnd type="none" w="med" len="med"/>
+                      <a:tailEnd type="none" w="med" len="med"/>
+                    </a:lnR>
+                    <a:lnT w="28575" cap="flat" cmpd="sng" algn="ctr">
+                      <a:solidFill>
+                        <a:schemeClr val="tx1"/>
+                      </a:solidFill>
+                      <a:prstDash val="solid"/>
+                      <a:round/>
+                      <a:headEnd type="none" w="med" len="med"/>
+                      <a:tailEnd type="none" w="med" len="med"/>
+                    </a:lnT>
+                    <a:lnB w="28575" cap="flat" cmpd="sng" algn="ctr">
+                      <a:solidFill>
+                        <a:schemeClr val="tx1"/>
+                      </a:solidFill>
+                      <a:prstDash val="solid"/>
+                      <a:round/>
+                      <a:headEnd type="none" w="med" len="med"/>
+                      <a:tailEnd type="none" w="med" len="med"/>
+                    </a:lnB>
+                    <a:lnTlToBr w="12700" cmpd="sng">
+                      <a:noFill/>
+                      <a:prstDash val="solid"/>
+                    </a:lnTlToBr>
+                    <a:lnBlToTr w="12700" cmpd="sng">
+                      <a:noFill/>
+                      <a:prstDash val="solid"/>
+                    </a:lnBlToTr>
+                    <a:noFill/>
+                  </a:tcPr>
+                </a:tc>
+                <a:tc>
+                  <a:txBody>
+                    <a:bodyPr/>
+                    <a:lstStyle/>
+                    <a:p>
+                      <a:pPr algn="ctr" fontAlgn="b"/>
+                      <a:r>
+                        <a:rPr kumimoji="0" lang="it-IT" sz="1100" b="1" i="0" u="none" strike="noStrike" kern="1200" cap="none" spc="0" normalizeH="0" baseline="0" noProof="0">
+                          <a:ln>
+                            <a:noFill/>
+                          </a:ln>
+                          <a:solidFill>
+                            <a:prstClr val="black"/>
+                          </a:solidFill>
+                          <a:effectLst/>
+                          <a:uLnTx/>
+                          <a:uFillTx/>
+                          <a:latin typeface="Consolas" panose="020B0609020204030204" pitchFamily="49" charset="0"/>
+                          <a:ea typeface="+mn-ea"/>
+                          <a:cs typeface="+mn-cs"/>
+                        </a:rPr>
+                        <a:t>...</a:t>
+                      </a:r>
+                      <a:endParaRPr lang="en-US" sz="1100" b="1" i="0" u="none" strike="noStrike" dirty="0">
+                        <a:solidFill>
+                          <a:srgbClr val="000000"/>
+                        </a:solidFill>
+                        <a:effectLst/>
+                        <a:latin typeface="Consolas" panose="020B0609020204030204" pitchFamily="49" charset="0"/>
+                      </a:endParaRPr>
+                    </a:p>
+                  </a:txBody>
+                  <a:tcPr marL="9525" marR="9525" marT="9525" marB="0" anchor="ctr">
+                    <a:lnL w="28575" cap="flat" cmpd="sng" algn="ctr">
+                      <a:solidFill>
+                        <a:schemeClr val="tx1"/>
+                      </a:solidFill>
+                      <a:prstDash val="solid"/>
+                      <a:round/>
+                      <a:headEnd type="none" w="med" len="med"/>
+                      <a:tailEnd type="none" w="med" len="med"/>
+                    </a:lnL>
+                    <a:lnR w="28575" cap="flat" cmpd="sng" algn="ctr">
+                      <a:solidFill>
+                        <a:schemeClr val="tx1"/>
+                      </a:solidFill>
+                      <a:prstDash val="solid"/>
+                      <a:round/>
+                      <a:headEnd type="none" w="med" len="med"/>
+                      <a:tailEnd type="none" w="med" len="med"/>
+                    </a:lnR>
+                    <a:lnT w="28575" cap="flat" cmpd="sng" algn="ctr">
+                      <a:solidFill>
+                        <a:schemeClr val="tx1"/>
+                      </a:solidFill>
+                      <a:prstDash val="solid"/>
+                      <a:round/>
+                      <a:headEnd type="none" w="med" len="med"/>
+                      <a:tailEnd type="none" w="med" len="med"/>
+                    </a:lnT>
+                    <a:lnB w="28575" cap="flat" cmpd="sng" algn="ctr">
+                      <a:solidFill>
+                        <a:schemeClr val="tx1"/>
+                      </a:solidFill>
+                      <a:prstDash val="solid"/>
+                      <a:round/>
+                      <a:headEnd type="none" w="med" len="med"/>
+                      <a:tailEnd type="none" w="med" len="med"/>
+                    </a:lnB>
+                    <a:lnTlToBr w="12700" cmpd="sng">
+                      <a:noFill/>
+                      <a:prstDash val="solid"/>
+                    </a:lnTlToBr>
+                    <a:lnBlToTr w="12700" cmpd="sng">
+                      <a:noFill/>
+                      <a:prstDash val="solid"/>
+                    </a:lnBlToTr>
+                    <a:noFill/>
+                  </a:tcPr>
+                </a:tc>
+                <a:tc>
+                  <a:txBody>
+                    <a:bodyPr/>
+                    <a:lstStyle/>
+                    <a:p>
+                      <a:pPr algn="ctr" fontAlgn="b"/>
+                      <a:r>
+                        <a:rPr kumimoji="0" lang="it-IT" sz="1100" b="1" i="0" u="none" strike="noStrike" kern="1200" cap="none" spc="0" normalizeH="0" baseline="0" noProof="0">
+                          <a:ln>
+                            <a:noFill/>
+                          </a:ln>
+                          <a:solidFill>
+                            <a:prstClr val="black"/>
+                          </a:solidFill>
+                          <a:effectLst/>
+                          <a:uLnTx/>
+                          <a:uFillTx/>
+                          <a:latin typeface="Consolas" panose="020B0609020204030204" pitchFamily="49" charset="0"/>
+                          <a:ea typeface="+mn-ea"/>
+                          <a:cs typeface="+mn-cs"/>
+                        </a:rPr>
+                        <a:t>...</a:t>
+                      </a:r>
+                      <a:endParaRPr lang="it-IT" sz="1100" b="1" i="0" u="none" strike="noStrike" dirty="0">
+                        <a:solidFill>
+                          <a:srgbClr val="000000"/>
+                        </a:solidFill>
+                        <a:effectLst/>
+                        <a:latin typeface="Consolas" panose="020B0609020204030204" pitchFamily="49" charset="0"/>
+                      </a:endParaRPr>
+                    </a:p>
+                  </a:txBody>
+                  <a:tcPr marL="9525" marR="9525" marT="9525" marB="0" anchor="ctr">
+                    <a:lnL w="28575" cap="flat" cmpd="sng" algn="ctr">
+                      <a:solidFill>
+                        <a:schemeClr val="tx1"/>
+                      </a:solidFill>
+                      <a:prstDash val="solid"/>
+                      <a:round/>
+                      <a:headEnd type="none" w="med" len="med"/>
+                      <a:tailEnd type="none" w="med" len="med"/>
+                    </a:lnL>
+                    <a:lnR w="28575" cap="flat" cmpd="sng" algn="ctr">
+                      <a:solidFill>
+                        <a:schemeClr val="tx1"/>
+                      </a:solidFill>
+                      <a:prstDash val="solid"/>
+                      <a:round/>
+                      <a:headEnd type="none" w="med" len="med"/>
+                      <a:tailEnd type="none" w="med" len="med"/>
+                    </a:lnR>
+                    <a:lnT w="28575" cap="flat" cmpd="sng" algn="ctr">
+                      <a:solidFill>
+                        <a:schemeClr val="tx1"/>
+                      </a:solidFill>
+                      <a:prstDash val="solid"/>
+                      <a:round/>
+                      <a:headEnd type="none" w="med" len="med"/>
+                      <a:tailEnd type="none" w="med" len="med"/>
+                    </a:lnT>
+                    <a:lnB w="28575" cap="flat" cmpd="sng" algn="ctr">
+                      <a:solidFill>
+                        <a:schemeClr val="tx1"/>
+                      </a:solidFill>
+                      <a:prstDash val="solid"/>
+                      <a:round/>
+                      <a:headEnd type="none" w="med" len="med"/>
+                      <a:tailEnd type="none" w="med" len="med"/>
+                    </a:lnB>
+                    <a:lnTlToBr w="12700" cmpd="sng">
+                      <a:noFill/>
+                      <a:prstDash val="solid"/>
+                    </a:lnTlToBr>
+                    <a:lnBlToTr w="12700" cmpd="sng">
+                      <a:noFill/>
+                      <a:prstDash val="solid"/>
+                    </a:lnBlToTr>
+                    <a:noFill/>
+                  </a:tcPr>
+                </a:tc>
+                <a:tc>
+                  <a:txBody>
+                    <a:bodyPr/>
+                    <a:lstStyle/>
+                    <a:p>
+                      <a:pPr algn="ctr" fontAlgn="b"/>
+                      <a:r>
+                        <a:rPr kumimoji="0" lang="it-IT" sz="1100" b="1" i="0" u="none" strike="noStrike" kern="1200" cap="none" spc="0" normalizeH="0" baseline="0" noProof="0">
+                          <a:ln>
+                            <a:noFill/>
+                          </a:ln>
+                          <a:solidFill>
+                            <a:prstClr val="black"/>
+                          </a:solidFill>
+                          <a:effectLst/>
+                          <a:uLnTx/>
+                          <a:uFillTx/>
+                          <a:latin typeface="Consolas" panose="020B0609020204030204" pitchFamily="49" charset="0"/>
+                          <a:ea typeface="+mn-ea"/>
+                          <a:cs typeface="+mn-cs"/>
+                        </a:rPr>
+                        <a:t>...</a:t>
+                      </a:r>
+                      <a:endParaRPr lang="en-US" sz="1100" b="1" i="0" u="none" strike="noStrike" dirty="0">
+                        <a:solidFill>
+                          <a:srgbClr val="000000"/>
+                        </a:solidFill>
+                        <a:effectLst/>
+                        <a:latin typeface="Consolas" panose="020B0609020204030204" pitchFamily="49" charset="0"/>
+                      </a:endParaRPr>
+                    </a:p>
+                  </a:txBody>
+                  <a:tcPr marL="9525" marR="9525" marT="9525" marB="0" anchor="ctr">
+                    <a:lnL w="28575" cap="flat" cmpd="sng" algn="ctr">
+                      <a:solidFill>
+                        <a:schemeClr val="tx1"/>
+                      </a:solidFill>
+                      <a:prstDash val="solid"/>
+                      <a:round/>
+                      <a:headEnd type="none" w="med" len="med"/>
+                      <a:tailEnd type="none" w="med" len="med"/>
+                    </a:lnL>
+                    <a:lnR w="28575" cap="flat" cmpd="sng" algn="ctr">
+                      <a:solidFill>
+                        <a:schemeClr val="tx1"/>
+                      </a:solidFill>
+                      <a:prstDash val="solid"/>
+                      <a:round/>
+                      <a:headEnd type="none" w="med" len="med"/>
+                      <a:tailEnd type="none" w="med" len="med"/>
+                    </a:lnR>
+                    <a:lnT w="28575" cap="flat" cmpd="sng" algn="ctr">
+                      <a:solidFill>
+                        <a:schemeClr val="tx1"/>
+                      </a:solidFill>
+                      <a:prstDash val="solid"/>
+                      <a:round/>
+                      <a:headEnd type="none" w="med" len="med"/>
+                      <a:tailEnd type="none" w="med" len="med"/>
+                    </a:lnT>
+                    <a:lnB w="28575" cap="flat" cmpd="sng" algn="ctr">
+                      <a:solidFill>
+                        <a:schemeClr val="tx1"/>
+                      </a:solidFill>
+                      <a:prstDash val="solid"/>
+                      <a:round/>
+                      <a:headEnd type="none" w="med" len="med"/>
+                      <a:tailEnd type="none" w="med" len="med"/>
+                    </a:lnB>
+                    <a:lnTlToBr w="12700" cmpd="sng">
+                      <a:noFill/>
+                      <a:prstDash val="solid"/>
+                    </a:lnTlToBr>
+                    <a:lnBlToTr w="12700" cmpd="sng">
+                      <a:noFill/>
+                      <a:prstDash val="solid"/>
+                    </a:lnBlToTr>
+                    <a:noFill/>
+                  </a:tcPr>
+                </a:tc>
+                <a:tc>
+                  <a:txBody>
+                    <a:bodyPr/>
+                    <a:lstStyle/>
+                    <a:p>
+                      <a:pPr algn="ctr" fontAlgn="b"/>
+                      <a:r>
+                        <a:rPr kumimoji="0" lang="it-IT" sz="1100" b="1" i="0" u="none" strike="noStrike" kern="1200" cap="none" spc="0" normalizeH="0" baseline="0" noProof="0" dirty="0">
+                          <a:ln>
+                            <a:noFill/>
+                          </a:ln>
+                          <a:solidFill>
+                            <a:prstClr val="black"/>
+                          </a:solidFill>
+                          <a:effectLst/>
+                          <a:uLnTx/>
+                          <a:uFillTx/>
+                          <a:latin typeface="Consolas" panose="020B0609020204030204" pitchFamily="49" charset="0"/>
+                          <a:ea typeface="+mn-ea"/>
+                          <a:cs typeface="+mn-cs"/>
+                        </a:rPr>
+                        <a:t>...</a:t>
+                      </a:r>
+                      <a:endParaRPr lang="it-IT" sz="1100" b="1" i="0" u="none" strike="noStrike" dirty="0">
+                        <a:solidFill>
+                          <a:srgbClr val="000000"/>
+                        </a:solidFill>
+                        <a:effectLst/>
+                        <a:latin typeface="Consolas" panose="020B0609020204030204" pitchFamily="49" charset="0"/>
+                      </a:endParaRPr>
+                    </a:p>
+                  </a:txBody>
+                  <a:tcPr marL="9525" marR="9525" marT="9525" marB="0" anchor="ctr">
+                    <a:lnL w="28575" cap="flat" cmpd="sng" algn="ctr">
+                      <a:solidFill>
+                        <a:schemeClr val="tx1"/>
+                      </a:solidFill>
+                      <a:prstDash val="solid"/>
+                      <a:round/>
+                      <a:headEnd type="none" w="med" len="med"/>
+                      <a:tailEnd type="none" w="med" len="med"/>
+                    </a:lnL>
+                    <a:lnR w="28575" cap="flat" cmpd="sng" algn="ctr">
+                      <a:solidFill>
+                        <a:schemeClr val="tx1"/>
+                      </a:solidFill>
+                      <a:prstDash val="solid"/>
+                      <a:round/>
+                      <a:headEnd type="none" w="med" len="med"/>
+                      <a:tailEnd type="none" w="med" len="med"/>
+                    </a:lnR>
+                    <a:lnT w="28575" cap="flat" cmpd="sng" algn="ctr">
+                      <a:solidFill>
+                        <a:schemeClr val="tx1"/>
+                      </a:solidFill>
+                      <a:prstDash val="solid"/>
+                      <a:round/>
+                      <a:headEnd type="none" w="med" len="med"/>
+                      <a:tailEnd type="none" w="med" len="med"/>
+                    </a:lnT>
+                    <a:lnB w="28575" cap="flat" cmpd="sng" algn="ctr">
+                      <a:solidFill>
+                        <a:schemeClr val="tx1"/>
+                      </a:solidFill>
+                      <a:prstDash val="solid"/>
+                      <a:round/>
+                      <a:headEnd type="none" w="med" len="med"/>
+                      <a:tailEnd type="none" w="med" len="med"/>
+                    </a:lnB>
+                    <a:lnTlToBr w="12700" cmpd="sng">
+                      <a:noFill/>
+                      <a:prstDash val="solid"/>
+                    </a:lnTlToBr>
+                    <a:lnBlToTr w="12700" cmpd="sng">
+                      <a:noFill/>
+                      <a:prstDash val="solid"/>
+                    </a:lnBlToTr>
+                    <a:noFill/>
+                  </a:tcPr>
+                </a:tc>
+                <a:extLst>
+                  <a:ext uri="{0D108BD9-81ED-4DB2-BD59-A6C34878D82A}">
+                    <a16:rowId xmlns:a16="http://schemas.microsoft.com/office/drawing/2014/main" val="304969504"/>
+                  </a:ext>
+                </a:extLst>
+              </a:tr>
+            </a:tbl>
+          </a:graphicData>
+        </a:graphic>
+      </p:graphicFrame>
+    </p:spTree>
+    <p:extLst>
+      <p:ext uri="{BB962C8B-B14F-4D97-AF65-F5344CB8AC3E}">
+        <p14:creationId xmlns:p14="http://schemas.microsoft.com/office/powerpoint/2010/main" val="222752322"/>
+      </p:ext>
+    </p:extLst>
+  </p:cSld>
+  <p:clrMapOvr>
+    <a:masterClrMapping/>
+  </p:clrMapOvr>
+</p:sld>
+</file>
+
 <file path=ppt/theme/theme1.xml><?xml version="1.0" encoding="utf-8"?>
 <a:theme xmlns:a="http://schemas.openxmlformats.org/drawingml/2006/main" name="Office Theme">
   <a:themeElements>

--- a/documentation/AlgorithmPresentation.pptx
+++ b/documentation/AlgorithmPresentation.pptx
@@ -7,6 +7,7 @@
   <p:sldIdLst>
     <p:sldId id="256" r:id="rId2"/>
     <p:sldId id="257" r:id="rId3"/>
+    <p:sldId id="258" r:id="rId4"/>
   </p:sldIdLst>
   <p:sldSz cx="12192000" cy="6858000"/>
   <p:notesSz cx="6858000" cy="9144000"/>
@@ -7044,7 +7045,7 @@
           <p:nvPr>
             <p:extLst>
               <p:ext uri="{D42A27DB-BD31-4B8C-83A1-F6EECF244321}">
-                <p14:modId xmlns:p14="http://schemas.microsoft.com/office/powerpoint/2010/main" val="4167740141"/>
+                <p14:modId xmlns:p14="http://schemas.microsoft.com/office/powerpoint/2010/main" val="3444286310"/>
               </p:ext>
             </p:extLst>
           </p:nvPr>
@@ -7165,6 +7166,11 @@
                       </a:br>
                       <a:r>
                         <a:rPr lang="en-US" sz="1100" b="1" u="none" strike="noStrike" dirty="0">
+                          <a:solidFill>
+                            <a:schemeClr val="bg1">
+                              <a:lumMod val="50000"/>
+                            </a:schemeClr>
+                          </a:solidFill>
                           <a:effectLst/>
                           <a:latin typeface="Consolas" panose="020B0609020204030204" pitchFamily="49" charset="0"/>
                         </a:rPr>
@@ -7172,7 +7178,9 @@
                       </a:r>
                       <a:endParaRPr lang="en-US" sz="1100" b="1" i="0" u="none" strike="noStrike" dirty="0">
                         <a:solidFill>
-                          <a:srgbClr val="000000"/>
+                          <a:schemeClr val="bg1">
+                            <a:lumMod val="50000"/>
+                          </a:schemeClr>
                         </a:solidFill>
                         <a:effectLst/>
                         <a:latin typeface="Consolas" panose="020B0609020204030204" pitchFamily="49" charset="0"/>
@@ -7182,7 +7190,9 @@
                   <a:tcPr marL="9525" marR="9525" marT="9525" marB="0" anchor="ctr">
                     <a:lnL w="28575" cap="flat" cmpd="sng" algn="ctr">
                       <a:solidFill>
-                        <a:schemeClr val="tx1"/>
+                        <a:schemeClr val="bg1">
+                          <a:lumMod val="50000"/>
+                        </a:schemeClr>
                       </a:solidFill>
                       <a:prstDash val="solid"/>
                       <a:round/>
@@ -7191,7 +7201,9 @@
                     </a:lnL>
                     <a:lnR w="28575" cap="flat" cmpd="sng" algn="ctr">
                       <a:solidFill>
-                        <a:schemeClr val="tx1"/>
+                        <a:schemeClr val="bg1">
+                          <a:lumMod val="50000"/>
+                        </a:schemeClr>
                       </a:solidFill>
                       <a:prstDash val="solid"/>
                       <a:round/>
@@ -7200,7 +7212,9 @@
                     </a:lnR>
                     <a:lnT w="28575" cap="flat" cmpd="sng" algn="ctr">
                       <a:solidFill>
-                        <a:schemeClr val="tx1"/>
+                        <a:schemeClr val="bg1">
+                          <a:lumMod val="50000"/>
+                        </a:schemeClr>
                       </a:solidFill>
                       <a:prstDash val="solid"/>
                       <a:round/>
@@ -7209,7 +7223,9 @@
                     </a:lnT>
                     <a:lnB w="28575" cap="flat" cmpd="sng" algn="ctr">
                       <a:solidFill>
-                        <a:schemeClr val="tx1"/>
+                        <a:schemeClr val="bg1">
+                          <a:lumMod val="50000"/>
+                        </a:schemeClr>
                       </a:solidFill>
                       <a:prstDash val="solid"/>
                       <a:round/>
@@ -7270,6 +7286,11 @@
                       </a:br>
                       <a:r>
                         <a:rPr lang="en-US" sz="1100" b="1" u="none" strike="noStrike" dirty="0">
+                          <a:solidFill>
+                            <a:schemeClr val="bg1">
+                              <a:lumMod val="50000"/>
+                            </a:schemeClr>
+                          </a:solidFill>
                           <a:effectLst/>
                           <a:latin typeface="Consolas" panose="020B0609020204030204" pitchFamily="49" charset="0"/>
                         </a:rPr>
@@ -7277,7 +7298,9 @@
                       </a:r>
                       <a:endParaRPr lang="en-US" sz="1100" b="1" i="0" u="none" strike="noStrike" dirty="0">
                         <a:solidFill>
-                          <a:srgbClr val="000000"/>
+                          <a:schemeClr val="bg1">
+                            <a:lumMod val="50000"/>
+                          </a:schemeClr>
                         </a:solidFill>
                         <a:effectLst/>
                         <a:latin typeface="Consolas" panose="020B0609020204030204" pitchFamily="49" charset="0"/>
@@ -7287,7 +7310,9 @@
                   <a:tcPr marL="9525" marR="9525" marT="9525" marB="0" anchor="ctr">
                     <a:lnL w="28575" cap="flat" cmpd="sng" algn="ctr">
                       <a:solidFill>
-                        <a:schemeClr val="tx1"/>
+                        <a:schemeClr val="bg1">
+                          <a:lumMod val="50000"/>
+                        </a:schemeClr>
                       </a:solidFill>
                       <a:prstDash val="solid"/>
                       <a:round/>
@@ -7296,7 +7321,9 @@
                     </a:lnL>
                     <a:lnR w="28575" cap="flat" cmpd="sng" algn="ctr">
                       <a:solidFill>
-                        <a:schemeClr val="tx1"/>
+                        <a:schemeClr val="bg1">
+                          <a:lumMod val="50000"/>
+                        </a:schemeClr>
                       </a:solidFill>
                       <a:prstDash val="solid"/>
                       <a:round/>
@@ -7305,7 +7332,9 @@
                     </a:lnR>
                     <a:lnT w="28575" cap="flat" cmpd="sng" algn="ctr">
                       <a:solidFill>
-                        <a:schemeClr val="tx1"/>
+                        <a:schemeClr val="bg1">
+                          <a:lumMod val="50000"/>
+                        </a:schemeClr>
                       </a:solidFill>
                       <a:prstDash val="solid"/>
                       <a:round/>
@@ -7314,7 +7343,9 @@
                     </a:lnT>
                     <a:lnB w="28575" cap="flat" cmpd="sng" algn="ctr">
                       <a:solidFill>
-                        <a:schemeClr val="tx1"/>
+                        <a:schemeClr val="bg1">
+                          <a:lumMod val="50000"/>
+                        </a:schemeClr>
                       </a:solidFill>
                       <a:prstDash val="solid"/>
                       <a:round/>
@@ -7344,7 +7375,9 @@
                             <a:noFill/>
                           </a:ln>
                           <a:solidFill>
-                            <a:prstClr val="black"/>
+                            <a:schemeClr val="bg1">
+                              <a:lumMod val="50000"/>
+                            </a:schemeClr>
                           </a:solidFill>
                           <a:effectLst/>
                           <a:uLnTx/>
@@ -7357,7 +7390,9 @@
                       </a:r>
                       <a:endParaRPr lang="it-IT" sz="1100" b="1" i="0" u="none" strike="noStrike">
                         <a:solidFill>
-                          <a:srgbClr val="000000"/>
+                          <a:schemeClr val="bg1">
+                            <a:lumMod val="50000"/>
+                          </a:schemeClr>
                         </a:solidFill>
                         <a:effectLst/>
                         <a:latin typeface="Consolas" panose="020B0609020204030204" pitchFamily="49" charset="0"/>
@@ -7367,7 +7402,9 @@
                   <a:tcPr marL="9525" marR="9525" marT="9525" marB="0" anchor="ctr">
                     <a:lnL w="28575" cap="flat" cmpd="sng" algn="ctr">
                       <a:solidFill>
-                        <a:schemeClr val="tx1"/>
+                        <a:schemeClr val="bg1">
+                          <a:lumMod val="50000"/>
+                        </a:schemeClr>
                       </a:solidFill>
                       <a:prstDash val="solid"/>
                       <a:round/>
@@ -7376,7 +7413,9 @@
                     </a:lnL>
                     <a:lnR w="28575" cap="flat" cmpd="sng" algn="ctr">
                       <a:solidFill>
-                        <a:schemeClr val="tx1"/>
+                        <a:schemeClr val="bg1">
+                          <a:lumMod val="50000"/>
+                        </a:schemeClr>
                       </a:solidFill>
                       <a:prstDash val="solid"/>
                       <a:round/>
@@ -7385,7 +7424,9 @@
                     </a:lnR>
                     <a:lnT w="28575" cap="flat" cmpd="sng" algn="ctr">
                       <a:solidFill>
-                        <a:schemeClr val="tx1"/>
+                        <a:schemeClr val="bg1">
+                          <a:lumMod val="50000"/>
+                        </a:schemeClr>
                       </a:solidFill>
                       <a:prstDash val="solid"/>
                       <a:round/>
@@ -7394,7 +7435,9 @@
                     </a:lnT>
                     <a:lnB w="28575" cap="flat" cmpd="sng" algn="ctr">
                       <a:solidFill>
-                        <a:schemeClr val="tx1"/>
+                        <a:schemeClr val="bg1">
+                          <a:lumMod val="50000"/>
+                        </a:schemeClr>
                       </a:solidFill>
                       <a:prstDash val="solid"/>
                       <a:round/>
@@ -7452,6 +7495,11 @@
                       </a:br>
                       <a:r>
                         <a:rPr lang="en-US" sz="1100" b="1" u="none" strike="noStrike" dirty="0">
+                          <a:solidFill>
+                            <a:schemeClr val="bg1">
+                              <a:lumMod val="50000"/>
+                            </a:schemeClr>
+                          </a:solidFill>
                           <a:effectLst/>
                           <a:latin typeface="Consolas" panose="020B0609020204030204" pitchFamily="49" charset="0"/>
                         </a:rPr>
@@ -7459,7 +7507,9 @@
                       </a:r>
                       <a:endParaRPr lang="en-US" sz="1100" b="1" i="0" u="none" strike="noStrike" dirty="0">
                         <a:solidFill>
-                          <a:srgbClr val="000000"/>
+                          <a:schemeClr val="bg1">
+                            <a:lumMod val="50000"/>
+                          </a:schemeClr>
                         </a:solidFill>
                         <a:effectLst/>
                         <a:latin typeface="Consolas" panose="020B0609020204030204" pitchFamily="49" charset="0"/>
@@ -7469,7 +7519,9 @@
                   <a:tcPr marL="9525" marR="9525" marT="9525" marB="0" anchor="ctr">
                     <a:lnL w="28575" cap="flat" cmpd="sng" algn="ctr">
                       <a:solidFill>
-                        <a:schemeClr val="tx1"/>
+                        <a:schemeClr val="bg1">
+                          <a:lumMod val="50000"/>
+                        </a:schemeClr>
                       </a:solidFill>
                       <a:prstDash val="solid"/>
                       <a:round/>
@@ -7478,7 +7530,9 @@
                     </a:lnL>
                     <a:lnR w="57150" cap="flat" cmpd="sng" algn="ctr">
                       <a:solidFill>
-                        <a:schemeClr val="tx1"/>
+                        <a:schemeClr val="bg1">
+                          <a:lumMod val="50000"/>
+                        </a:schemeClr>
                       </a:solidFill>
                       <a:prstDash val="solid"/>
                       <a:round/>
@@ -7487,7 +7541,9 @@
                     </a:lnR>
                     <a:lnT w="28575" cap="flat" cmpd="sng" algn="ctr">
                       <a:solidFill>
-                        <a:schemeClr val="tx1"/>
+                        <a:schemeClr val="bg1">
+                          <a:lumMod val="50000"/>
+                        </a:schemeClr>
                       </a:solidFill>
                       <a:prstDash val="solid"/>
                       <a:round/>
@@ -7496,7 +7552,9 @@
                     </a:lnT>
                     <a:lnB w="28575" cap="flat" cmpd="sng" algn="ctr">
                       <a:solidFill>
-                        <a:schemeClr val="tx1"/>
+                        <a:schemeClr val="bg1">
+                          <a:lumMod val="50000"/>
+                        </a:schemeClr>
                       </a:solidFill>
                       <a:prstDash val="solid"/>
                       <a:round/>
@@ -7554,6 +7612,11 @@
                       </a:br>
                       <a:r>
                         <a:rPr lang="en-US" sz="1100" b="1" u="none" strike="noStrike" dirty="0">
+                          <a:solidFill>
+                            <a:schemeClr val="bg1">
+                              <a:lumMod val="50000"/>
+                            </a:schemeClr>
+                          </a:solidFill>
                           <a:effectLst/>
                           <a:latin typeface="Consolas" panose="020B0609020204030204" pitchFamily="49" charset="0"/>
                         </a:rPr>
@@ -7561,7 +7624,9 @@
                       </a:r>
                       <a:endParaRPr lang="en-US" sz="1100" b="1" i="0" u="none" strike="noStrike" dirty="0">
                         <a:solidFill>
-                          <a:srgbClr val="000000"/>
+                          <a:schemeClr val="bg1">
+                            <a:lumMod val="50000"/>
+                          </a:schemeClr>
                         </a:solidFill>
                         <a:effectLst/>
                         <a:latin typeface="Consolas" panose="020B0609020204030204" pitchFamily="49" charset="0"/>
@@ -7571,7 +7636,9 @@
                   <a:tcPr marL="9525" marR="9525" marT="9525" marB="0" anchor="ctr">
                     <a:lnL w="57150" cap="flat" cmpd="sng" algn="ctr">
                       <a:solidFill>
-                        <a:schemeClr val="tx1"/>
+                        <a:schemeClr val="bg1">
+                          <a:lumMod val="50000"/>
+                        </a:schemeClr>
                       </a:solidFill>
                       <a:prstDash val="solid"/>
                       <a:round/>
@@ -7580,7 +7647,9 @@
                     </a:lnL>
                     <a:lnR w="28575" cap="flat" cmpd="sng" algn="ctr">
                       <a:solidFill>
-                        <a:schemeClr val="tx1"/>
+                        <a:schemeClr val="bg1">
+                          <a:lumMod val="50000"/>
+                        </a:schemeClr>
                       </a:solidFill>
                       <a:prstDash val="solid"/>
                       <a:round/>
@@ -7589,7 +7658,9 @@
                     </a:lnR>
                     <a:lnT w="28575" cap="flat" cmpd="sng" algn="ctr">
                       <a:solidFill>
-                        <a:schemeClr val="tx1"/>
+                        <a:schemeClr val="bg1">
+                          <a:lumMod val="50000"/>
+                        </a:schemeClr>
                       </a:solidFill>
                       <a:prstDash val="solid"/>
                       <a:round/>
@@ -7598,7 +7669,9 @@
                     </a:lnT>
                     <a:lnB w="28575" cap="flat" cmpd="sng" algn="ctr">
                       <a:solidFill>
-                        <a:schemeClr val="tx1"/>
+                        <a:schemeClr val="bg1">
+                          <a:lumMod val="50000"/>
+                        </a:schemeClr>
                       </a:solidFill>
                       <a:prstDash val="solid"/>
                       <a:round/>
@@ -7656,6 +7729,11 @@
                       </a:br>
                       <a:r>
                         <a:rPr lang="en-US" sz="1100" b="1" u="none" strike="noStrike" dirty="0">
+                          <a:solidFill>
+                            <a:schemeClr val="bg1">
+                              <a:lumMod val="50000"/>
+                            </a:schemeClr>
+                          </a:solidFill>
                           <a:effectLst/>
                           <a:latin typeface="Consolas" panose="020B0609020204030204" pitchFamily="49" charset="0"/>
                         </a:rPr>
@@ -7663,7 +7741,9 @@
                       </a:r>
                       <a:endParaRPr lang="en-US" sz="1100" b="1" i="0" u="none" strike="noStrike" dirty="0">
                         <a:solidFill>
-                          <a:srgbClr val="000000"/>
+                          <a:schemeClr val="bg1">
+                            <a:lumMod val="50000"/>
+                          </a:schemeClr>
                         </a:solidFill>
                         <a:effectLst/>
                         <a:latin typeface="Consolas" panose="020B0609020204030204" pitchFamily="49" charset="0"/>
@@ -7673,7 +7753,9 @@
                   <a:tcPr marL="9525" marR="9525" marT="9525" marB="0" anchor="ctr">
                     <a:lnL w="28575" cap="flat" cmpd="sng" algn="ctr">
                       <a:solidFill>
-                        <a:schemeClr val="tx1"/>
+                        <a:schemeClr val="bg1">
+                          <a:lumMod val="50000"/>
+                        </a:schemeClr>
                       </a:solidFill>
                       <a:prstDash val="solid"/>
                       <a:round/>
@@ -7682,7 +7764,9 @@
                     </a:lnL>
                     <a:lnR w="28575" cap="flat" cmpd="sng" algn="ctr">
                       <a:solidFill>
-                        <a:schemeClr val="tx1"/>
+                        <a:schemeClr val="bg1">
+                          <a:lumMod val="50000"/>
+                        </a:schemeClr>
                       </a:solidFill>
                       <a:prstDash val="solid"/>
                       <a:round/>
@@ -7691,7 +7775,9 @@
                     </a:lnR>
                     <a:lnT w="28575" cap="flat" cmpd="sng" algn="ctr">
                       <a:solidFill>
-                        <a:schemeClr val="tx1"/>
+                        <a:schemeClr val="bg1">
+                          <a:lumMod val="50000"/>
+                        </a:schemeClr>
                       </a:solidFill>
                       <a:prstDash val="solid"/>
                       <a:round/>
@@ -7700,7 +7786,9 @@
                     </a:lnT>
                     <a:lnB w="28575" cap="flat" cmpd="sng" algn="ctr">
                       <a:solidFill>
-                        <a:schemeClr val="tx1"/>
+                        <a:schemeClr val="bg1">
+                          <a:lumMod val="50000"/>
+                        </a:schemeClr>
                       </a:solidFill>
                       <a:prstDash val="solid"/>
                       <a:round/>
@@ -7726,6 +7814,11 @@
                       <a:pPr algn="ctr" fontAlgn="b"/>
                       <a:r>
                         <a:rPr lang="it-IT" sz="1100" b="1" u="none" strike="noStrike" dirty="0">
+                          <a:solidFill>
+                            <a:schemeClr val="bg1">
+                              <a:lumMod val="50000"/>
+                            </a:schemeClr>
+                          </a:solidFill>
                           <a:effectLst/>
                           <a:latin typeface="Consolas" panose="020B0609020204030204" pitchFamily="49" charset="0"/>
                         </a:rPr>
@@ -7733,7 +7826,9 @@
                       </a:r>
                       <a:endParaRPr lang="it-IT" sz="1100" b="1" i="0" u="none" strike="noStrike" dirty="0">
                         <a:solidFill>
-                          <a:srgbClr val="000000"/>
+                          <a:schemeClr val="bg1">
+                            <a:lumMod val="50000"/>
+                          </a:schemeClr>
                         </a:solidFill>
                         <a:effectLst/>
                         <a:latin typeface="Consolas" panose="020B0609020204030204" pitchFamily="49" charset="0"/>
@@ -7743,7 +7838,9 @@
                   <a:tcPr marL="9525" marR="9525" marT="9525" marB="0" anchor="ctr">
                     <a:lnL w="28575" cap="flat" cmpd="sng" algn="ctr">
                       <a:solidFill>
-                        <a:schemeClr val="tx1"/>
+                        <a:schemeClr val="bg1">
+                          <a:lumMod val="50000"/>
+                        </a:schemeClr>
                       </a:solidFill>
                       <a:prstDash val="solid"/>
                       <a:round/>
@@ -7752,7 +7849,9 @@
                     </a:lnL>
                     <a:lnR w="28575" cap="flat" cmpd="sng" algn="ctr">
                       <a:solidFill>
-                        <a:schemeClr val="tx1"/>
+                        <a:schemeClr val="bg1">
+                          <a:lumMod val="50000"/>
+                        </a:schemeClr>
                       </a:solidFill>
                       <a:prstDash val="solid"/>
                       <a:round/>
@@ -7761,7 +7860,9 @@
                     </a:lnR>
                     <a:lnT w="28575" cap="flat" cmpd="sng" algn="ctr">
                       <a:solidFill>
-                        <a:schemeClr val="tx1"/>
+                        <a:schemeClr val="bg1">
+                          <a:lumMod val="50000"/>
+                        </a:schemeClr>
                       </a:solidFill>
                       <a:prstDash val="solid"/>
                       <a:round/>
@@ -7770,7 +7871,9 @@
                     </a:lnT>
                     <a:lnB w="28575" cap="flat" cmpd="sng" algn="ctr">
                       <a:solidFill>
-                        <a:schemeClr val="tx1"/>
+                        <a:schemeClr val="bg1">
+                          <a:lumMod val="50000"/>
+                        </a:schemeClr>
                       </a:solidFill>
                       <a:prstDash val="solid"/>
                       <a:round/>
@@ -7828,6 +7931,11 @@
                       </a:br>
                       <a:r>
                         <a:rPr lang="en-US" sz="1100" b="1" u="none" strike="noStrike" dirty="0">
+                          <a:solidFill>
+                            <a:schemeClr val="bg1">
+                              <a:lumMod val="50000"/>
+                            </a:schemeClr>
+                          </a:solidFill>
                           <a:effectLst/>
                           <a:latin typeface="Consolas" panose="020B0609020204030204" pitchFamily="49" charset="0"/>
                         </a:rPr>
@@ -7835,7 +7943,9 @@
                       </a:r>
                       <a:endParaRPr lang="en-US" sz="1100" b="1" i="0" u="none" strike="noStrike" dirty="0">
                         <a:solidFill>
-                          <a:srgbClr val="000000"/>
+                          <a:schemeClr val="bg1">
+                            <a:lumMod val="50000"/>
+                          </a:schemeClr>
                         </a:solidFill>
                         <a:effectLst/>
                         <a:latin typeface="Consolas" panose="020B0609020204030204" pitchFamily="49" charset="0"/>
@@ -7845,7 +7955,9 @@
                   <a:tcPr marL="9525" marR="9525" marT="9525" marB="0" anchor="ctr">
                     <a:lnL w="28575" cap="flat" cmpd="sng" algn="ctr">
                       <a:solidFill>
-                        <a:schemeClr val="tx1"/>
+                        <a:schemeClr val="bg1">
+                          <a:lumMod val="50000"/>
+                        </a:schemeClr>
                       </a:solidFill>
                       <a:prstDash val="solid"/>
                       <a:round/>
@@ -7854,7 +7966,9 @@
                     </a:lnL>
                     <a:lnR w="28575" cap="flat" cmpd="sng" algn="ctr">
                       <a:solidFill>
-                        <a:schemeClr val="tx1"/>
+                        <a:schemeClr val="bg1">
+                          <a:lumMod val="50000"/>
+                        </a:schemeClr>
                       </a:solidFill>
                       <a:prstDash val="solid"/>
                       <a:round/>
@@ -7863,7 +7977,9 @@
                     </a:lnR>
                     <a:lnT w="28575" cap="flat" cmpd="sng" algn="ctr">
                       <a:solidFill>
-                        <a:schemeClr val="tx1"/>
+                        <a:schemeClr val="bg1">
+                          <a:lumMod val="50000"/>
+                        </a:schemeClr>
                       </a:solidFill>
                       <a:prstDash val="solid"/>
                       <a:round/>
@@ -7872,7 +7988,9 @@
                     </a:lnT>
                     <a:lnB w="28575" cap="flat" cmpd="sng" algn="ctr">
                       <a:solidFill>
-                        <a:schemeClr val="tx1"/>
+                        <a:schemeClr val="bg1">
+                          <a:lumMod val="50000"/>
+                        </a:schemeClr>
                       </a:solidFill>
                       <a:prstDash val="solid"/>
                       <a:round/>
@@ -7902,7 +8020,9 @@
                             <a:noFill/>
                           </a:ln>
                           <a:solidFill>
-                            <a:prstClr val="black"/>
+                            <a:schemeClr val="bg1">
+                              <a:lumMod val="50000"/>
+                            </a:schemeClr>
                           </a:solidFill>
                           <a:effectLst/>
                           <a:uLnTx/>
@@ -7915,7 +8035,9 @@
                       </a:r>
                       <a:endParaRPr lang="it-IT" sz="1100" b="1" i="0" u="none" strike="noStrike" dirty="0">
                         <a:solidFill>
-                          <a:srgbClr val="000000"/>
+                          <a:schemeClr val="bg1">
+                            <a:lumMod val="50000"/>
+                          </a:schemeClr>
                         </a:solidFill>
                         <a:effectLst/>
                         <a:latin typeface="Consolas" panose="020B0609020204030204" pitchFamily="49" charset="0"/>
@@ -7925,7 +8047,9 @@
                   <a:tcPr marL="9525" marR="9525" marT="9525" marB="0" anchor="ctr">
                     <a:lnL w="28575" cap="flat" cmpd="sng" algn="ctr">
                       <a:solidFill>
-                        <a:schemeClr val="tx1"/>
+                        <a:schemeClr val="bg1">
+                          <a:lumMod val="50000"/>
+                        </a:schemeClr>
                       </a:solidFill>
                       <a:prstDash val="solid"/>
                       <a:round/>
@@ -7934,7 +8058,9 @@
                     </a:lnL>
                     <a:lnR w="28575" cap="flat" cmpd="sng" algn="ctr">
                       <a:solidFill>
-                        <a:schemeClr val="tx1"/>
+                        <a:schemeClr val="bg1">
+                          <a:lumMod val="50000"/>
+                        </a:schemeClr>
                       </a:solidFill>
                       <a:prstDash val="solid"/>
                       <a:round/>
@@ -7943,7 +8069,9 @@
                     </a:lnR>
                     <a:lnT w="28575" cap="flat" cmpd="sng" algn="ctr">
                       <a:solidFill>
-                        <a:schemeClr val="tx1"/>
+                        <a:schemeClr val="bg1">
+                          <a:lumMod val="50000"/>
+                        </a:schemeClr>
                       </a:solidFill>
                       <a:prstDash val="solid"/>
                       <a:round/>
@@ -7952,7 +8080,9 @@
                     </a:lnT>
                     <a:lnB w="28575" cap="flat" cmpd="sng" algn="ctr">
                       <a:solidFill>
-                        <a:schemeClr val="tx1"/>
+                        <a:schemeClr val="bg1">
+                          <a:lumMod val="50000"/>
+                        </a:schemeClr>
                       </a:solidFill>
                       <a:prstDash val="solid"/>
                       <a:round/>
@@ -8017,6 +8147,11 @@
                       </a:br>
                       <a:r>
                         <a:rPr lang="en-US" sz="1100" b="1" u="none" strike="noStrike" dirty="0">
+                          <a:solidFill>
+                            <a:schemeClr val="bg1">
+                              <a:lumMod val="50000"/>
+                            </a:schemeClr>
+                          </a:solidFill>
                           <a:effectLst/>
                           <a:latin typeface="Consolas" panose="020B0609020204030204" pitchFamily="49" charset="0"/>
                         </a:rPr>
@@ -8024,7 +8159,9 @@
                       </a:r>
                       <a:endParaRPr lang="en-US" sz="1100" b="1" i="0" u="none" strike="noStrike" dirty="0">
                         <a:solidFill>
-                          <a:srgbClr val="000000"/>
+                          <a:schemeClr val="bg1">
+                            <a:lumMod val="50000"/>
+                          </a:schemeClr>
                         </a:solidFill>
                         <a:effectLst/>
                         <a:latin typeface="Consolas" panose="020B0609020204030204" pitchFamily="49" charset="0"/>
@@ -8034,7 +8171,9 @@
                   <a:tcPr marL="9525" marR="9525" marT="9525" marB="0" anchor="ctr">
                     <a:lnL w="28575" cap="flat" cmpd="sng" algn="ctr">
                       <a:solidFill>
-                        <a:schemeClr val="tx1"/>
+                        <a:schemeClr val="bg1">
+                          <a:lumMod val="50000"/>
+                        </a:schemeClr>
                       </a:solidFill>
                       <a:prstDash val="solid"/>
                       <a:round/>
@@ -8043,7 +8182,9 @@
                     </a:lnL>
                     <a:lnR w="28575" cap="flat" cmpd="sng" algn="ctr">
                       <a:solidFill>
-                        <a:schemeClr val="tx1"/>
+                        <a:schemeClr val="bg1">
+                          <a:lumMod val="50000"/>
+                        </a:schemeClr>
                       </a:solidFill>
                       <a:prstDash val="solid"/>
                       <a:round/>
@@ -8052,7 +8193,9 @@
                     </a:lnR>
                     <a:lnT w="28575" cap="flat" cmpd="sng" algn="ctr">
                       <a:solidFill>
-                        <a:schemeClr val="tx1"/>
+                        <a:schemeClr val="bg1">
+                          <a:lumMod val="50000"/>
+                        </a:schemeClr>
                       </a:solidFill>
                       <a:prstDash val="solid"/>
                       <a:round/>
@@ -8061,7 +8204,9 @@
                     </a:lnT>
                     <a:lnB w="28575" cap="flat" cmpd="sng" algn="ctr">
                       <a:solidFill>
-                        <a:schemeClr val="tx1"/>
+                        <a:schemeClr val="bg1">
+                          <a:lumMod val="50000"/>
+                        </a:schemeClr>
                       </a:solidFill>
                       <a:prstDash val="solid"/>
                       <a:round/>
@@ -8119,6 +8264,11 @@
                       </a:br>
                       <a:r>
                         <a:rPr lang="en-US" sz="1100" b="1" u="none" strike="noStrike" dirty="0">
+                          <a:solidFill>
+                            <a:schemeClr val="bg1">
+                              <a:lumMod val="50000"/>
+                            </a:schemeClr>
+                          </a:solidFill>
                           <a:effectLst/>
                           <a:latin typeface="Consolas" panose="020B0609020204030204" pitchFamily="49" charset="0"/>
                         </a:rPr>
@@ -8126,7 +8276,9 @@
                       </a:r>
                       <a:endParaRPr lang="en-US" sz="1100" b="1" i="0" u="none" strike="noStrike" dirty="0">
                         <a:solidFill>
-                          <a:srgbClr val="000000"/>
+                          <a:schemeClr val="bg1">
+                            <a:lumMod val="50000"/>
+                          </a:schemeClr>
                         </a:solidFill>
                         <a:effectLst/>
                         <a:latin typeface="Consolas" panose="020B0609020204030204" pitchFamily="49" charset="0"/>
@@ -8136,7 +8288,9 @@
                   <a:tcPr marL="9525" marR="9525" marT="9525" marB="0" anchor="ctr">
                     <a:lnL w="28575" cap="flat" cmpd="sng" algn="ctr">
                       <a:solidFill>
-                        <a:schemeClr val="tx1"/>
+                        <a:schemeClr val="bg1">
+                          <a:lumMod val="50000"/>
+                        </a:schemeClr>
                       </a:solidFill>
                       <a:prstDash val="solid"/>
                       <a:round/>
@@ -8145,7 +8299,9 @@
                     </a:lnL>
                     <a:lnR w="28575" cap="flat" cmpd="sng" algn="ctr">
                       <a:solidFill>
-                        <a:schemeClr val="tx1"/>
+                        <a:schemeClr val="bg1">
+                          <a:lumMod val="50000"/>
+                        </a:schemeClr>
                       </a:solidFill>
                       <a:prstDash val="solid"/>
                       <a:round/>
@@ -8154,7 +8310,9 @@
                     </a:lnR>
                     <a:lnT w="28575" cap="flat" cmpd="sng" algn="ctr">
                       <a:solidFill>
-                        <a:schemeClr val="tx1"/>
+                        <a:schemeClr val="bg1">
+                          <a:lumMod val="50000"/>
+                        </a:schemeClr>
                       </a:solidFill>
                       <a:prstDash val="solid"/>
                       <a:round/>
@@ -8163,7 +8321,9 @@
                     </a:lnT>
                     <a:lnB w="28575" cap="flat" cmpd="sng" algn="ctr">
                       <a:solidFill>
-                        <a:schemeClr val="tx1"/>
+                        <a:schemeClr val="bg1">
+                          <a:lumMod val="50000"/>
+                        </a:schemeClr>
                       </a:solidFill>
                       <a:prstDash val="solid"/>
                       <a:round/>
@@ -8193,7 +8353,9 @@
                             <a:noFill/>
                           </a:ln>
                           <a:solidFill>
-                            <a:prstClr val="black"/>
+                            <a:schemeClr val="bg1">
+                              <a:lumMod val="50000"/>
+                            </a:schemeClr>
                           </a:solidFill>
                           <a:effectLst/>
                           <a:uLnTx/>
@@ -8206,7 +8368,9 @@
                       </a:r>
                       <a:endParaRPr lang="it-IT" sz="1100" b="1" i="0" u="none" strike="noStrike" dirty="0">
                         <a:solidFill>
-                          <a:srgbClr val="000000"/>
+                          <a:schemeClr val="bg1">
+                            <a:lumMod val="50000"/>
+                          </a:schemeClr>
                         </a:solidFill>
                         <a:effectLst/>
                         <a:latin typeface="Consolas" panose="020B0609020204030204" pitchFamily="49" charset="0"/>
@@ -8216,7 +8380,9 @@
                   <a:tcPr marL="9525" marR="9525" marT="9525" marB="0" anchor="ctr">
                     <a:lnL w="28575" cap="flat" cmpd="sng" algn="ctr">
                       <a:solidFill>
-                        <a:schemeClr val="tx1"/>
+                        <a:schemeClr val="bg1">
+                          <a:lumMod val="50000"/>
+                        </a:schemeClr>
                       </a:solidFill>
                       <a:prstDash val="solid"/>
                       <a:round/>
@@ -8225,7 +8391,9 @@
                     </a:lnL>
                     <a:lnR w="28575" cap="flat" cmpd="sng" algn="ctr">
                       <a:solidFill>
-                        <a:schemeClr val="tx1"/>
+                        <a:schemeClr val="bg1">
+                          <a:lumMod val="50000"/>
+                        </a:schemeClr>
                       </a:solidFill>
                       <a:prstDash val="solid"/>
                       <a:round/>
@@ -8234,7 +8402,9 @@
                     </a:lnR>
                     <a:lnT w="28575" cap="flat" cmpd="sng" algn="ctr">
                       <a:solidFill>
-                        <a:schemeClr val="tx1"/>
+                        <a:schemeClr val="bg1">
+                          <a:lumMod val="50000"/>
+                        </a:schemeClr>
                       </a:solidFill>
                       <a:prstDash val="solid"/>
                       <a:round/>
@@ -8243,7 +8413,9 @@
                     </a:lnT>
                     <a:lnB w="28575" cap="flat" cmpd="sng" algn="ctr">
                       <a:solidFill>
-                        <a:schemeClr val="tx1"/>
+                        <a:schemeClr val="bg1">
+                          <a:lumMod val="50000"/>
+                        </a:schemeClr>
                       </a:solidFill>
                       <a:prstDash val="solid"/>
                       <a:round/>
@@ -8301,6 +8473,11 @@
                       </a:br>
                       <a:r>
                         <a:rPr lang="en-US" sz="1100" b="1" u="none" strike="noStrike" dirty="0">
+                          <a:solidFill>
+                            <a:schemeClr val="bg1">
+                              <a:lumMod val="50000"/>
+                            </a:schemeClr>
+                          </a:solidFill>
                           <a:effectLst/>
                           <a:latin typeface="Consolas" panose="020B0609020204030204" pitchFamily="49" charset="0"/>
                         </a:rPr>
@@ -8308,7 +8485,9 @@
                       </a:r>
                       <a:endParaRPr lang="en-US" sz="1100" b="1" i="0" u="none" strike="noStrike" dirty="0">
                         <a:solidFill>
-                          <a:srgbClr val="000000"/>
+                          <a:schemeClr val="bg1">
+                            <a:lumMod val="50000"/>
+                          </a:schemeClr>
                         </a:solidFill>
                         <a:effectLst/>
                         <a:latin typeface="Consolas" panose="020B0609020204030204" pitchFamily="49" charset="0"/>
@@ -8318,7 +8497,9 @@
                   <a:tcPr marL="9525" marR="9525" marT="9525" marB="0" anchor="ctr">
                     <a:lnL w="28575" cap="flat" cmpd="sng" algn="ctr">
                       <a:solidFill>
-                        <a:schemeClr val="tx1"/>
+                        <a:schemeClr val="bg1">
+                          <a:lumMod val="50000"/>
+                        </a:schemeClr>
                       </a:solidFill>
                       <a:prstDash val="solid"/>
                       <a:round/>
@@ -8327,7 +8508,9 @@
                     </a:lnL>
                     <a:lnR w="57150" cap="flat" cmpd="sng" algn="ctr">
                       <a:solidFill>
-                        <a:schemeClr val="tx1"/>
+                        <a:schemeClr val="bg1">
+                          <a:lumMod val="50000"/>
+                        </a:schemeClr>
                       </a:solidFill>
                       <a:prstDash val="solid"/>
                       <a:round/>
@@ -8336,7 +8519,9 @@
                     </a:lnR>
                     <a:lnT w="28575" cap="flat" cmpd="sng" algn="ctr">
                       <a:solidFill>
-                        <a:schemeClr val="tx1"/>
+                        <a:schemeClr val="bg1">
+                          <a:lumMod val="50000"/>
+                        </a:schemeClr>
                       </a:solidFill>
                       <a:prstDash val="solid"/>
                       <a:round/>
@@ -8345,7 +8530,9 @@
                     </a:lnT>
                     <a:lnB w="28575" cap="flat" cmpd="sng" algn="ctr">
                       <a:solidFill>
-                        <a:schemeClr val="tx1"/>
+                        <a:schemeClr val="bg1">
+                          <a:lumMod val="50000"/>
+                        </a:schemeClr>
                       </a:solidFill>
                       <a:prstDash val="solid"/>
                       <a:round/>
@@ -8403,6 +8590,11 @@
                       </a:br>
                       <a:r>
                         <a:rPr lang="en-US" sz="1100" b="1" u="none" strike="noStrike" dirty="0">
+                          <a:solidFill>
+                            <a:schemeClr val="bg1">
+                              <a:lumMod val="50000"/>
+                            </a:schemeClr>
+                          </a:solidFill>
                           <a:effectLst/>
                           <a:latin typeface="Consolas" panose="020B0609020204030204" pitchFamily="49" charset="0"/>
                         </a:rPr>
@@ -8410,7 +8602,9 @@
                       </a:r>
                       <a:endParaRPr lang="en-US" sz="1100" b="1" i="0" u="none" strike="noStrike" dirty="0">
                         <a:solidFill>
-                          <a:srgbClr val="000000"/>
+                          <a:schemeClr val="bg1">
+                            <a:lumMod val="50000"/>
+                          </a:schemeClr>
                         </a:solidFill>
                         <a:effectLst/>
                         <a:latin typeface="Consolas" panose="020B0609020204030204" pitchFamily="49" charset="0"/>
@@ -8420,7 +8614,9 @@
                   <a:tcPr marL="9525" marR="9525" marT="9525" marB="0" anchor="ctr">
                     <a:lnL w="57150" cap="flat" cmpd="sng" algn="ctr">
                       <a:solidFill>
-                        <a:schemeClr val="tx1"/>
+                        <a:schemeClr val="bg1">
+                          <a:lumMod val="50000"/>
+                        </a:schemeClr>
                       </a:solidFill>
                       <a:prstDash val="solid"/>
                       <a:round/>
@@ -8429,7 +8625,9 @@
                     </a:lnL>
                     <a:lnR w="28575" cap="flat" cmpd="sng" algn="ctr">
                       <a:solidFill>
-                        <a:schemeClr val="tx1"/>
+                        <a:schemeClr val="bg1">
+                          <a:lumMod val="50000"/>
+                        </a:schemeClr>
                       </a:solidFill>
                       <a:prstDash val="solid"/>
                       <a:round/>
@@ -8438,7 +8636,9 @@
                     </a:lnR>
                     <a:lnT w="28575" cap="flat" cmpd="sng" algn="ctr">
                       <a:solidFill>
-                        <a:schemeClr val="tx1"/>
+                        <a:schemeClr val="bg1">
+                          <a:lumMod val="50000"/>
+                        </a:schemeClr>
                       </a:solidFill>
                       <a:prstDash val="solid"/>
                       <a:round/>
@@ -8447,7 +8647,9 @@
                     </a:lnT>
                     <a:lnB w="28575" cap="flat" cmpd="sng" algn="ctr">
                       <a:solidFill>
-                        <a:schemeClr val="tx1"/>
+                        <a:schemeClr val="bg1">
+                          <a:lumMod val="50000"/>
+                        </a:schemeClr>
                       </a:solidFill>
                       <a:prstDash val="solid"/>
                       <a:round/>
@@ -8505,6 +8707,11 @@
                       </a:br>
                       <a:r>
                         <a:rPr lang="en-US" sz="1100" b="1" u="none" strike="noStrike" dirty="0">
+                          <a:solidFill>
+                            <a:schemeClr val="bg1">
+                              <a:lumMod val="50000"/>
+                            </a:schemeClr>
+                          </a:solidFill>
                           <a:effectLst/>
                           <a:latin typeface="Consolas" panose="020B0609020204030204" pitchFamily="49" charset="0"/>
                         </a:rPr>
@@ -8512,7 +8719,9 @@
                       </a:r>
                       <a:endParaRPr lang="en-US" sz="1100" b="1" i="0" u="none" strike="noStrike" dirty="0">
                         <a:solidFill>
-                          <a:srgbClr val="000000"/>
+                          <a:schemeClr val="bg1">
+                            <a:lumMod val="50000"/>
+                          </a:schemeClr>
                         </a:solidFill>
                         <a:effectLst/>
                         <a:latin typeface="Consolas" panose="020B0609020204030204" pitchFamily="49" charset="0"/>
@@ -8522,7 +8731,9 @@
                   <a:tcPr marL="9525" marR="9525" marT="9525" marB="0" anchor="ctr">
                     <a:lnL w="28575" cap="flat" cmpd="sng" algn="ctr">
                       <a:solidFill>
-                        <a:schemeClr val="tx1"/>
+                        <a:schemeClr val="bg1">
+                          <a:lumMod val="50000"/>
+                        </a:schemeClr>
                       </a:solidFill>
                       <a:prstDash val="solid"/>
                       <a:round/>
@@ -8531,7 +8742,9 @@
                     </a:lnL>
                     <a:lnR w="28575" cap="flat" cmpd="sng" algn="ctr">
                       <a:solidFill>
-                        <a:schemeClr val="tx1"/>
+                        <a:schemeClr val="bg1">
+                          <a:lumMod val="50000"/>
+                        </a:schemeClr>
                       </a:solidFill>
                       <a:prstDash val="solid"/>
                       <a:round/>
@@ -8540,7 +8753,9 @@
                     </a:lnR>
                     <a:lnT w="28575" cap="flat" cmpd="sng" algn="ctr">
                       <a:solidFill>
-                        <a:schemeClr val="tx1"/>
+                        <a:schemeClr val="bg1">
+                          <a:lumMod val="50000"/>
+                        </a:schemeClr>
                       </a:solidFill>
                       <a:prstDash val="solid"/>
                       <a:round/>
@@ -8549,7 +8764,9 @@
                     </a:lnT>
                     <a:lnB w="28575" cap="flat" cmpd="sng" algn="ctr">
                       <a:solidFill>
-                        <a:schemeClr val="tx1"/>
+                        <a:schemeClr val="bg1">
+                          <a:lumMod val="50000"/>
+                        </a:schemeClr>
                       </a:solidFill>
                       <a:prstDash val="solid"/>
                       <a:round/>
@@ -8575,6 +8792,11 @@
                       <a:pPr algn="ctr" fontAlgn="b"/>
                       <a:r>
                         <a:rPr lang="it-IT" sz="1100" b="1" u="none" strike="noStrike" dirty="0">
+                          <a:solidFill>
+                            <a:schemeClr val="bg1">
+                              <a:lumMod val="50000"/>
+                            </a:schemeClr>
+                          </a:solidFill>
                           <a:effectLst/>
                           <a:latin typeface="Consolas" panose="020B0609020204030204" pitchFamily="49" charset="0"/>
                         </a:rPr>
@@ -8582,7 +8804,9 @@
                       </a:r>
                       <a:endParaRPr lang="it-IT" sz="1100" b="1" i="0" u="none" strike="noStrike" dirty="0">
                         <a:solidFill>
-                          <a:srgbClr val="000000"/>
+                          <a:schemeClr val="bg1">
+                            <a:lumMod val="50000"/>
+                          </a:schemeClr>
                         </a:solidFill>
                         <a:effectLst/>
                         <a:latin typeface="Consolas" panose="020B0609020204030204" pitchFamily="49" charset="0"/>
@@ -8592,7 +8816,9 @@
                   <a:tcPr marL="9525" marR="9525" marT="9525" marB="0" anchor="ctr">
                     <a:lnL w="28575" cap="flat" cmpd="sng" algn="ctr">
                       <a:solidFill>
-                        <a:schemeClr val="tx1"/>
+                        <a:schemeClr val="bg1">
+                          <a:lumMod val="50000"/>
+                        </a:schemeClr>
                       </a:solidFill>
                       <a:prstDash val="solid"/>
                       <a:round/>
@@ -8601,7 +8827,9 @@
                     </a:lnL>
                     <a:lnR w="28575" cap="flat" cmpd="sng" algn="ctr">
                       <a:solidFill>
-                        <a:schemeClr val="tx1"/>
+                        <a:schemeClr val="bg1">
+                          <a:lumMod val="50000"/>
+                        </a:schemeClr>
                       </a:solidFill>
                       <a:prstDash val="solid"/>
                       <a:round/>
@@ -8610,7 +8838,9 @@
                     </a:lnR>
                     <a:lnT w="28575" cap="flat" cmpd="sng" algn="ctr">
                       <a:solidFill>
-                        <a:schemeClr val="tx1"/>
+                        <a:schemeClr val="bg1">
+                          <a:lumMod val="50000"/>
+                        </a:schemeClr>
                       </a:solidFill>
                       <a:prstDash val="solid"/>
                       <a:round/>
@@ -8619,7 +8849,9 @@
                     </a:lnT>
                     <a:lnB w="28575" cap="flat" cmpd="sng" algn="ctr">
                       <a:solidFill>
-                        <a:schemeClr val="tx1"/>
+                        <a:schemeClr val="bg1">
+                          <a:lumMod val="50000"/>
+                        </a:schemeClr>
                       </a:solidFill>
                       <a:prstDash val="solid"/>
                       <a:round/>
@@ -8677,6 +8909,11 @@
                       </a:br>
                       <a:r>
                         <a:rPr lang="en-US" sz="1100" b="1" u="none" strike="noStrike" dirty="0">
+                          <a:solidFill>
+                            <a:schemeClr val="bg1">
+                              <a:lumMod val="50000"/>
+                            </a:schemeClr>
+                          </a:solidFill>
                           <a:effectLst/>
                           <a:latin typeface="Consolas" panose="020B0609020204030204" pitchFamily="49" charset="0"/>
                         </a:rPr>
@@ -8684,7 +8921,9 @@
                       </a:r>
                       <a:endParaRPr lang="en-US" sz="1100" b="1" i="0" u="none" strike="noStrike" dirty="0">
                         <a:solidFill>
-                          <a:srgbClr val="000000"/>
+                          <a:schemeClr val="bg1">
+                            <a:lumMod val="50000"/>
+                          </a:schemeClr>
                         </a:solidFill>
                         <a:effectLst/>
                         <a:latin typeface="Consolas" panose="020B0609020204030204" pitchFamily="49" charset="0"/>
@@ -8694,7 +8933,9 @@
                   <a:tcPr marL="9525" marR="9525" marT="9525" marB="0" anchor="ctr">
                     <a:lnL w="28575" cap="flat" cmpd="sng" algn="ctr">
                       <a:solidFill>
-                        <a:schemeClr val="tx1"/>
+                        <a:schemeClr val="bg1">
+                          <a:lumMod val="50000"/>
+                        </a:schemeClr>
                       </a:solidFill>
                       <a:prstDash val="solid"/>
                       <a:round/>
@@ -8703,7 +8944,9 @@
                     </a:lnL>
                     <a:lnR w="28575" cap="flat" cmpd="sng" algn="ctr">
                       <a:solidFill>
-                        <a:schemeClr val="tx1"/>
+                        <a:schemeClr val="bg1">
+                          <a:lumMod val="50000"/>
+                        </a:schemeClr>
                       </a:solidFill>
                       <a:prstDash val="solid"/>
                       <a:round/>
@@ -8712,7 +8955,9 @@
                     </a:lnR>
                     <a:lnT w="28575" cap="flat" cmpd="sng" algn="ctr">
                       <a:solidFill>
-                        <a:schemeClr val="tx1"/>
+                        <a:schemeClr val="bg1">
+                          <a:lumMod val="50000"/>
+                        </a:schemeClr>
                       </a:solidFill>
                       <a:prstDash val="solid"/>
                       <a:round/>
@@ -8721,7 +8966,9 @@
                     </a:lnT>
                     <a:lnB w="28575" cap="flat" cmpd="sng" algn="ctr">
                       <a:solidFill>
-                        <a:schemeClr val="tx1"/>
+                        <a:schemeClr val="bg1">
+                          <a:lumMod val="50000"/>
+                        </a:schemeClr>
                       </a:solidFill>
                       <a:prstDash val="solid"/>
                       <a:round/>
@@ -8751,7 +8998,9 @@
                             <a:noFill/>
                           </a:ln>
                           <a:solidFill>
-                            <a:prstClr val="black"/>
+                            <a:schemeClr val="bg1">
+                              <a:lumMod val="50000"/>
+                            </a:schemeClr>
                           </a:solidFill>
                           <a:effectLst/>
                           <a:uLnTx/>
@@ -8764,7 +9013,9 @@
                       </a:r>
                       <a:endParaRPr lang="it-IT" sz="1100" b="1" i="0" u="none" strike="noStrike" dirty="0">
                         <a:solidFill>
-                          <a:srgbClr val="000000"/>
+                          <a:schemeClr val="bg1">
+                            <a:lumMod val="50000"/>
+                          </a:schemeClr>
                         </a:solidFill>
                         <a:effectLst/>
                         <a:latin typeface="Consolas" panose="020B0609020204030204" pitchFamily="49" charset="0"/>
@@ -8774,7 +9025,9 @@
                   <a:tcPr marL="9525" marR="9525" marT="9525" marB="0" anchor="ctr">
                     <a:lnL w="28575" cap="flat" cmpd="sng" algn="ctr">
                       <a:solidFill>
-                        <a:schemeClr val="tx1"/>
+                        <a:schemeClr val="bg1">
+                          <a:lumMod val="50000"/>
+                        </a:schemeClr>
                       </a:solidFill>
                       <a:prstDash val="solid"/>
                       <a:round/>
@@ -8783,7 +9036,9 @@
                     </a:lnL>
                     <a:lnR w="28575" cap="flat" cmpd="sng" algn="ctr">
                       <a:solidFill>
-                        <a:schemeClr val="tx1"/>
+                        <a:schemeClr val="bg1">
+                          <a:lumMod val="50000"/>
+                        </a:schemeClr>
                       </a:solidFill>
                       <a:prstDash val="solid"/>
                       <a:round/>
@@ -8792,7 +9047,9 @@
                     </a:lnR>
                     <a:lnT w="28575" cap="flat" cmpd="sng" algn="ctr">
                       <a:solidFill>
-                        <a:schemeClr val="tx1"/>
+                        <a:schemeClr val="bg1">
+                          <a:lumMod val="50000"/>
+                        </a:schemeClr>
                       </a:solidFill>
                       <a:prstDash val="solid"/>
                       <a:round/>
@@ -8801,7 +9058,9 @@
                     </a:lnT>
                     <a:lnB w="28575" cap="flat" cmpd="sng" algn="ctr">
                       <a:solidFill>
-                        <a:schemeClr val="tx1"/>
+                        <a:schemeClr val="bg1">
+                          <a:lumMod val="50000"/>
+                        </a:schemeClr>
                       </a:solidFill>
                       <a:prstDash val="solid"/>
                       <a:round/>
@@ -8866,6 +9125,11 @@
                       </a:br>
                       <a:r>
                         <a:rPr lang="en-US" sz="1100" b="1" u="none" strike="noStrike" dirty="0">
+                          <a:solidFill>
+                            <a:schemeClr val="bg1">
+                              <a:lumMod val="50000"/>
+                            </a:schemeClr>
+                          </a:solidFill>
                           <a:effectLst/>
                           <a:latin typeface="Consolas" panose="020B0609020204030204" pitchFamily="49" charset="0"/>
                         </a:rPr>
@@ -8873,7 +9137,9 @@
                       </a:r>
                       <a:endParaRPr lang="en-US" sz="1100" b="1" i="0" u="none" strike="noStrike" dirty="0">
                         <a:solidFill>
-                          <a:srgbClr val="000000"/>
+                          <a:schemeClr val="bg1">
+                            <a:lumMod val="50000"/>
+                          </a:schemeClr>
                         </a:solidFill>
                         <a:effectLst/>
                         <a:latin typeface="Consolas" panose="020B0609020204030204" pitchFamily="49" charset="0"/>
@@ -8883,7 +9149,9 @@
                   <a:tcPr marL="9525" marR="9525" marT="9525" marB="0" anchor="ctr">
                     <a:lnL w="28575" cap="flat" cmpd="sng" algn="ctr">
                       <a:solidFill>
-                        <a:schemeClr val="tx1"/>
+                        <a:schemeClr val="bg1">
+                          <a:lumMod val="50000"/>
+                        </a:schemeClr>
                       </a:solidFill>
                       <a:prstDash val="solid"/>
                       <a:round/>
@@ -8892,7 +9160,9 @@
                     </a:lnL>
                     <a:lnR w="28575" cap="flat" cmpd="sng" algn="ctr">
                       <a:solidFill>
-                        <a:schemeClr val="tx1"/>
+                        <a:schemeClr val="bg1">
+                          <a:lumMod val="50000"/>
+                        </a:schemeClr>
                       </a:solidFill>
                       <a:prstDash val="solid"/>
                       <a:round/>
@@ -8901,7 +9171,9 @@
                     </a:lnR>
                     <a:lnT w="28575" cap="flat" cmpd="sng" algn="ctr">
                       <a:solidFill>
-                        <a:schemeClr val="tx1"/>
+                        <a:schemeClr val="bg1">
+                          <a:lumMod val="50000"/>
+                        </a:schemeClr>
                       </a:solidFill>
                       <a:prstDash val="solid"/>
                       <a:round/>
@@ -8910,7 +9182,9 @@
                     </a:lnT>
                     <a:lnB w="28575" cap="flat" cmpd="sng" algn="ctr">
                       <a:solidFill>
-                        <a:schemeClr val="tx1"/>
+                        <a:schemeClr val="bg1">
+                          <a:lumMod val="50000"/>
+                        </a:schemeClr>
                       </a:solidFill>
                       <a:prstDash val="solid"/>
                       <a:round/>
@@ -8968,6 +9242,11 @@
                       </a:br>
                       <a:r>
                         <a:rPr lang="en-US" sz="1100" b="1" u="none" strike="noStrike" dirty="0">
+                          <a:solidFill>
+                            <a:schemeClr val="bg1">
+                              <a:lumMod val="50000"/>
+                            </a:schemeClr>
+                          </a:solidFill>
                           <a:effectLst/>
                           <a:latin typeface="Consolas" panose="020B0609020204030204" pitchFamily="49" charset="0"/>
                         </a:rPr>
@@ -8975,7 +9254,9 @@
                       </a:r>
                       <a:endParaRPr lang="en-US" sz="1100" b="1" i="0" u="none" strike="noStrike" dirty="0">
                         <a:solidFill>
-                          <a:srgbClr val="000000"/>
+                          <a:schemeClr val="bg1">
+                            <a:lumMod val="50000"/>
+                          </a:schemeClr>
                         </a:solidFill>
                         <a:effectLst/>
                         <a:latin typeface="Consolas" panose="020B0609020204030204" pitchFamily="49" charset="0"/>
@@ -8985,7 +9266,9 @@
                   <a:tcPr marL="9525" marR="9525" marT="9525" marB="0" anchor="ctr">
                     <a:lnL w="28575" cap="flat" cmpd="sng" algn="ctr">
                       <a:solidFill>
-                        <a:schemeClr val="tx1"/>
+                        <a:schemeClr val="bg1">
+                          <a:lumMod val="50000"/>
+                        </a:schemeClr>
                       </a:solidFill>
                       <a:prstDash val="solid"/>
                       <a:round/>
@@ -8994,7 +9277,9 @@
                     </a:lnL>
                     <a:lnR w="28575" cap="flat" cmpd="sng" algn="ctr">
                       <a:solidFill>
-                        <a:schemeClr val="tx1"/>
+                        <a:schemeClr val="bg1">
+                          <a:lumMod val="50000"/>
+                        </a:schemeClr>
                       </a:solidFill>
                       <a:prstDash val="solid"/>
                       <a:round/>
@@ -9003,7 +9288,9 @@
                     </a:lnR>
                     <a:lnT w="28575" cap="flat" cmpd="sng" algn="ctr">
                       <a:solidFill>
-                        <a:schemeClr val="tx1"/>
+                        <a:schemeClr val="bg1">
+                          <a:lumMod val="50000"/>
+                        </a:schemeClr>
                       </a:solidFill>
                       <a:prstDash val="solid"/>
                       <a:round/>
@@ -9012,7 +9299,657 @@
                     </a:lnT>
                     <a:lnB w="28575" cap="flat" cmpd="sng" algn="ctr">
                       <a:solidFill>
-                        <a:schemeClr val="tx1"/>
+                        <a:schemeClr val="bg1">
+                          <a:lumMod val="50000"/>
+                        </a:schemeClr>
+                      </a:solidFill>
+                      <a:prstDash val="solid"/>
+                      <a:round/>
+                      <a:headEnd type="none" w="med" len="med"/>
+                      <a:tailEnd type="none" w="med" len="med"/>
+                    </a:lnB>
+                    <a:lnTlToBr w="12700" cmpd="sng">
+                      <a:noFill/>
+                      <a:prstDash val="solid"/>
+                    </a:lnTlToBr>
+                    <a:lnBlToTr w="12700" cmpd="sng">
+                      <a:noFill/>
+                      <a:prstDash val="solid"/>
+                    </a:lnBlToTr>
+                    <a:noFill/>
+                  </a:tcPr>
+                </a:tc>
+                <a:tc>
+                  <a:txBody>
+                    <a:bodyPr/>
+                    <a:lstStyle/>
+                    <a:p>
+                      <a:pPr algn="ctr" fontAlgn="b"/>
+                      <a:r>
+                        <a:rPr kumimoji="0" lang="it-IT" sz="1100" b="1" i="0" u="none" strike="noStrike" kern="1200" cap="none" spc="0" normalizeH="0" baseline="0" noProof="0" dirty="0">
+                          <a:ln>
+                            <a:noFill/>
+                          </a:ln>
+                          <a:solidFill>
+                            <a:schemeClr val="bg1">
+                              <a:lumMod val="50000"/>
+                            </a:schemeClr>
+                          </a:solidFill>
+                          <a:effectLst/>
+                          <a:uLnTx/>
+                          <a:uFillTx/>
+                          <a:latin typeface="Consolas" panose="020B0609020204030204" pitchFamily="49" charset="0"/>
+                          <a:ea typeface="+mn-ea"/>
+                          <a:cs typeface="+mn-cs"/>
+                        </a:rPr>
+                        <a:t>...</a:t>
+                      </a:r>
+                      <a:endParaRPr lang="it-IT" sz="1100" b="1" i="0" u="none" strike="noStrike" dirty="0">
+                        <a:solidFill>
+                          <a:schemeClr val="bg1">
+                            <a:lumMod val="50000"/>
+                          </a:schemeClr>
+                        </a:solidFill>
+                        <a:effectLst/>
+                        <a:latin typeface="Consolas" panose="020B0609020204030204" pitchFamily="49" charset="0"/>
+                      </a:endParaRPr>
+                    </a:p>
+                  </a:txBody>
+                  <a:tcPr marL="9525" marR="9525" marT="9525" marB="0" anchor="ctr">
+                    <a:lnL w="28575" cap="flat" cmpd="sng" algn="ctr">
+                      <a:solidFill>
+                        <a:schemeClr val="bg1">
+                          <a:lumMod val="50000"/>
+                        </a:schemeClr>
+                      </a:solidFill>
+                      <a:prstDash val="solid"/>
+                      <a:round/>
+                      <a:headEnd type="none" w="med" len="med"/>
+                      <a:tailEnd type="none" w="med" len="med"/>
+                    </a:lnL>
+                    <a:lnR w="28575" cap="flat" cmpd="sng" algn="ctr">
+                      <a:solidFill>
+                        <a:schemeClr val="bg1">
+                          <a:lumMod val="50000"/>
+                        </a:schemeClr>
+                      </a:solidFill>
+                      <a:prstDash val="solid"/>
+                      <a:round/>
+                      <a:headEnd type="none" w="med" len="med"/>
+                      <a:tailEnd type="none" w="med" len="med"/>
+                    </a:lnR>
+                    <a:lnT w="28575" cap="flat" cmpd="sng" algn="ctr">
+                      <a:solidFill>
+                        <a:schemeClr val="bg1">
+                          <a:lumMod val="50000"/>
+                        </a:schemeClr>
+                      </a:solidFill>
+                      <a:prstDash val="solid"/>
+                      <a:round/>
+                      <a:headEnd type="none" w="med" len="med"/>
+                      <a:tailEnd type="none" w="med" len="med"/>
+                    </a:lnT>
+                    <a:lnB w="28575" cap="flat" cmpd="sng" algn="ctr">
+                      <a:solidFill>
+                        <a:schemeClr val="bg1">
+                          <a:lumMod val="50000"/>
+                        </a:schemeClr>
+                      </a:solidFill>
+                      <a:prstDash val="solid"/>
+                      <a:round/>
+                      <a:headEnd type="none" w="med" len="med"/>
+                      <a:tailEnd type="none" w="med" len="med"/>
+                    </a:lnB>
+                    <a:lnTlToBr w="12700" cmpd="sng">
+                      <a:noFill/>
+                      <a:prstDash val="solid"/>
+                    </a:lnTlToBr>
+                    <a:lnBlToTr w="12700" cmpd="sng">
+                      <a:noFill/>
+                      <a:prstDash val="solid"/>
+                    </a:lnBlToTr>
+                    <a:noFill/>
+                  </a:tcPr>
+                </a:tc>
+                <a:tc>
+                  <a:txBody>
+                    <a:bodyPr/>
+                    <a:lstStyle/>
+                    <a:p>
+                      <a:pPr algn="ctr" fontAlgn="b"/>
+                      <a:r>
+                        <a:rPr lang="en-US" sz="1100" b="1" u="none" strike="noStrike" dirty="0">
+                          <a:solidFill>
+                            <a:srgbClr val="FB0169"/>
+                          </a:solidFill>
+                          <a:effectLst/>
+                          <a:latin typeface="Consolas" panose="020B0609020204030204" pitchFamily="49" charset="0"/>
+                        </a:rPr>
+                        <a:t>sensor 0</a:t>
+                      </a:r>
+                      <a:br>
+                        <a:rPr lang="en-US" sz="1100" b="1" u="none" strike="noStrike" dirty="0">
+                          <a:effectLst/>
+                          <a:latin typeface="Consolas" panose="020B0609020204030204" pitchFamily="49" charset="0"/>
+                        </a:rPr>
+                      </a:br>
+                      <a:r>
+                        <a:rPr lang="en-US" sz="1100" b="1" u="none" strike="noStrike" dirty="0">
+                          <a:solidFill>
+                            <a:srgbClr val="7030A0"/>
+                          </a:solidFill>
+                          <a:effectLst/>
+                          <a:latin typeface="Consolas" panose="020B0609020204030204" pitchFamily="49" charset="0"/>
+                        </a:rPr>
+                        <a:t>group 2</a:t>
+                      </a:r>
+                      <a:br>
+                        <a:rPr lang="en-US" sz="1100" b="1" u="none" strike="noStrike" dirty="0">
+                          <a:effectLst/>
+                          <a:latin typeface="Consolas" panose="020B0609020204030204" pitchFamily="49" charset="0"/>
+                        </a:rPr>
+                      </a:br>
+                      <a:r>
+                        <a:rPr lang="en-US" sz="1100" b="1" u="none" strike="noStrike" dirty="0">
+                          <a:solidFill>
+                            <a:schemeClr val="bg1">
+                              <a:lumMod val="50000"/>
+                            </a:schemeClr>
+                          </a:solidFill>
+                          <a:effectLst/>
+                          <a:latin typeface="Consolas" panose="020B0609020204030204" pitchFamily="49" charset="0"/>
+                        </a:rPr>
+                        <a:t>pos last</a:t>
+                      </a:r>
+                      <a:endParaRPr lang="en-US" sz="1100" b="1" i="0" u="none" strike="noStrike" dirty="0">
+                        <a:solidFill>
+                          <a:schemeClr val="bg1">
+                            <a:lumMod val="50000"/>
+                          </a:schemeClr>
+                        </a:solidFill>
+                        <a:effectLst/>
+                        <a:latin typeface="Consolas" panose="020B0609020204030204" pitchFamily="49" charset="0"/>
+                      </a:endParaRPr>
+                    </a:p>
+                  </a:txBody>
+                  <a:tcPr marL="9525" marR="9525" marT="9525" marB="0" anchor="ctr">
+                    <a:lnL w="28575" cap="flat" cmpd="sng" algn="ctr">
+                      <a:solidFill>
+                        <a:schemeClr val="bg1">
+                          <a:lumMod val="50000"/>
+                        </a:schemeClr>
+                      </a:solidFill>
+                      <a:prstDash val="solid"/>
+                      <a:round/>
+                      <a:headEnd type="none" w="med" len="med"/>
+                      <a:tailEnd type="none" w="med" len="med"/>
+                    </a:lnL>
+                    <a:lnR w="57150" cap="flat" cmpd="sng" algn="ctr">
+                      <a:solidFill>
+                        <a:schemeClr val="bg1">
+                          <a:lumMod val="50000"/>
+                        </a:schemeClr>
+                      </a:solidFill>
+                      <a:prstDash val="solid"/>
+                      <a:round/>
+                      <a:headEnd type="none" w="med" len="med"/>
+                      <a:tailEnd type="none" w="med" len="med"/>
+                    </a:lnR>
+                    <a:lnT w="28575" cap="flat" cmpd="sng" algn="ctr">
+                      <a:solidFill>
+                        <a:schemeClr val="bg1">
+                          <a:lumMod val="50000"/>
+                        </a:schemeClr>
+                      </a:solidFill>
+                      <a:prstDash val="solid"/>
+                      <a:round/>
+                      <a:headEnd type="none" w="med" len="med"/>
+                      <a:tailEnd type="none" w="med" len="med"/>
+                    </a:lnT>
+                    <a:lnB w="28575" cap="flat" cmpd="sng" algn="ctr">
+                      <a:solidFill>
+                        <a:schemeClr val="bg1">
+                          <a:lumMod val="50000"/>
+                        </a:schemeClr>
+                      </a:solidFill>
+                      <a:prstDash val="solid"/>
+                      <a:round/>
+                      <a:headEnd type="none" w="med" len="med"/>
+                      <a:tailEnd type="none" w="med" len="med"/>
+                    </a:lnB>
+                    <a:lnTlToBr w="12700" cmpd="sng">
+                      <a:noFill/>
+                      <a:prstDash val="solid"/>
+                    </a:lnTlToBr>
+                    <a:lnBlToTr w="12700" cmpd="sng">
+                      <a:noFill/>
+                      <a:prstDash val="solid"/>
+                    </a:lnBlToTr>
+                    <a:noFill/>
+                  </a:tcPr>
+                </a:tc>
+                <a:tc>
+                  <a:txBody>
+                    <a:bodyPr/>
+                    <a:lstStyle/>
+                    <a:p>
+                      <a:pPr algn="ctr" fontAlgn="b"/>
+                      <a:r>
+                        <a:rPr lang="en-US" sz="1100" b="1" u="none" strike="noStrike" dirty="0">
+                          <a:solidFill>
+                            <a:srgbClr val="46B5C0"/>
+                          </a:solidFill>
+                          <a:effectLst/>
+                          <a:latin typeface="Consolas" panose="020B0609020204030204" pitchFamily="49" charset="0"/>
+                        </a:rPr>
+                        <a:t>sensor 1</a:t>
+                      </a:r>
+                      <a:br>
+                        <a:rPr lang="en-US" sz="1100" b="1" u="none" strike="noStrike" dirty="0">
+                          <a:solidFill>
+                            <a:srgbClr val="46B5C0"/>
+                          </a:solidFill>
+                          <a:effectLst/>
+                          <a:latin typeface="Consolas" panose="020B0609020204030204" pitchFamily="49" charset="0"/>
+                        </a:rPr>
+                      </a:br>
+                      <a:r>
+                        <a:rPr lang="en-US" sz="1100" b="1" u="none" strike="noStrike" dirty="0">
+                          <a:solidFill>
+                            <a:srgbClr val="7030A0"/>
+                          </a:solidFill>
+                          <a:effectLst/>
+                          <a:latin typeface="Consolas" panose="020B0609020204030204" pitchFamily="49" charset="0"/>
+                        </a:rPr>
+                        <a:t>group 2</a:t>
+                      </a:r>
+                      <a:br>
+                        <a:rPr lang="en-US" sz="1100" b="1" u="none" strike="noStrike" dirty="0">
+                          <a:effectLst/>
+                          <a:latin typeface="Consolas" panose="020B0609020204030204" pitchFamily="49" charset="0"/>
+                        </a:rPr>
+                      </a:br>
+                      <a:r>
+                        <a:rPr lang="en-US" sz="1100" b="1" u="none" strike="noStrike" dirty="0">
+                          <a:solidFill>
+                            <a:schemeClr val="bg1">
+                              <a:lumMod val="50000"/>
+                            </a:schemeClr>
+                          </a:solidFill>
+                          <a:effectLst/>
+                          <a:latin typeface="Consolas" panose="020B0609020204030204" pitchFamily="49" charset="0"/>
+                        </a:rPr>
+                        <a:t>pos 0</a:t>
+                      </a:r>
+                      <a:endParaRPr lang="en-US" sz="1100" b="1" i="0" u="none" strike="noStrike" dirty="0">
+                        <a:solidFill>
+                          <a:schemeClr val="bg1">
+                            <a:lumMod val="50000"/>
+                          </a:schemeClr>
+                        </a:solidFill>
+                        <a:effectLst/>
+                        <a:latin typeface="Consolas" panose="020B0609020204030204" pitchFamily="49" charset="0"/>
+                      </a:endParaRPr>
+                    </a:p>
+                  </a:txBody>
+                  <a:tcPr marL="9525" marR="9525" marT="9525" marB="0" anchor="ctr">
+                    <a:lnL w="57150" cap="flat" cmpd="sng" algn="ctr">
+                      <a:solidFill>
+                        <a:schemeClr val="bg1">
+                          <a:lumMod val="50000"/>
+                        </a:schemeClr>
+                      </a:solidFill>
+                      <a:prstDash val="solid"/>
+                      <a:round/>
+                      <a:headEnd type="none" w="med" len="med"/>
+                      <a:tailEnd type="none" w="med" len="med"/>
+                    </a:lnL>
+                    <a:lnR w="28575" cap="flat" cmpd="sng" algn="ctr">
+                      <a:solidFill>
+                        <a:schemeClr val="bg1">
+                          <a:lumMod val="50000"/>
+                        </a:schemeClr>
+                      </a:solidFill>
+                      <a:prstDash val="solid"/>
+                      <a:round/>
+                      <a:headEnd type="none" w="med" len="med"/>
+                      <a:tailEnd type="none" w="med" len="med"/>
+                    </a:lnR>
+                    <a:lnT w="28575" cap="flat" cmpd="sng" algn="ctr">
+                      <a:solidFill>
+                        <a:schemeClr val="bg1">
+                          <a:lumMod val="50000"/>
+                        </a:schemeClr>
+                      </a:solidFill>
+                      <a:prstDash val="solid"/>
+                      <a:round/>
+                      <a:headEnd type="none" w="med" len="med"/>
+                      <a:tailEnd type="none" w="med" len="med"/>
+                    </a:lnT>
+                    <a:lnB w="28575" cap="flat" cmpd="sng" algn="ctr">
+                      <a:solidFill>
+                        <a:schemeClr val="bg1">
+                          <a:lumMod val="50000"/>
+                        </a:schemeClr>
+                      </a:solidFill>
+                      <a:prstDash val="solid"/>
+                      <a:round/>
+                      <a:headEnd type="none" w="med" len="med"/>
+                      <a:tailEnd type="none" w="med" len="med"/>
+                    </a:lnB>
+                    <a:lnTlToBr w="12700" cmpd="sng">
+                      <a:noFill/>
+                      <a:prstDash val="solid"/>
+                    </a:lnTlToBr>
+                    <a:lnBlToTr w="12700" cmpd="sng">
+                      <a:noFill/>
+                      <a:prstDash val="solid"/>
+                    </a:lnBlToTr>
+                    <a:noFill/>
+                  </a:tcPr>
+                </a:tc>
+                <a:tc>
+                  <a:txBody>
+                    <a:bodyPr/>
+                    <a:lstStyle/>
+                    <a:p>
+                      <a:pPr algn="ctr" fontAlgn="b"/>
+                      <a:r>
+                        <a:rPr lang="en-US" sz="1100" b="1" u="none" strike="noStrike" dirty="0">
+                          <a:solidFill>
+                            <a:srgbClr val="46B5C0"/>
+                          </a:solidFill>
+                          <a:effectLst/>
+                          <a:latin typeface="Consolas" panose="020B0609020204030204" pitchFamily="49" charset="0"/>
+                        </a:rPr>
+                        <a:t>sensor 1</a:t>
+                      </a:r>
+                      <a:br>
+                        <a:rPr lang="en-US" sz="1100" b="1" u="none" strike="noStrike" dirty="0">
+                          <a:effectLst/>
+                          <a:latin typeface="Consolas" panose="020B0609020204030204" pitchFamily="49" charset="0"/>
+                        </a:rPr>
+                      </a:br>
+                      <a:r>
+                        <a:rPr lang="en-US" sz="1100" b="1" u="none" strike="noStrike" dirty="0">
+                          <a:solidFill>
+                            <a:srgbClr val="7030A0"/>
+                          </a:solidFill>
+                          <a:effectLst/>
+                          <a:latin typeface="Consolas" panose="020B0609020204030204" pitchFamily="49" charset="0"/>
+                        </a:rPr>
+                        <a:t>group 2</a:t>
+                      </a:r>
+                      <a:br>
+                        <a:rPr lang="en-US" sz="1100" b="1" u="none" strike="noStrike" dirty="0">
+                          <a:effectLst/>
+                          <a:latin typeface="Consolas" panose="020B0609020204030204" pitchFamily="49" charset="0"/>
+                        </a:rPr>
+                      </a:br>
+                      <a:r>
+                        <a:rPr lang="en-US" sz="1100" b="1" u="none" strike="noStrike" dirty="0">
+                          <a:solidFill>
+                            <a:schemeClr val="bg1">
+                              <a:lumMod val="50000"/>
+                            </a:schemeClr>
+                          </a:solidFill>
+                          <a:effectLst/>
+                          <a:latin typeface="Consolas" panose="020B0609020204030204" pitchFamily="49" charset="0"/>
+                        </a:rPr>
+                        <a:t>pos 1</a:t>
+                      </a:r>
+                      <a:endParaRPr lang="en-US" sz="1100" b="1" i="0" u="none" strike="noStrike" dirty="0">
+                        <a:solidFill>
+                          <a:schemeClr val="bg1">
+                            <a:lumMod val="50000"/>
+                          </a:schemeClr>
+                        </a:solidFill>
+                        <a:effectLst/>
+                        <a:latin typeface="Consolas" panose="020B0609020204030204" pitchFamily="49" charset="0"/>
+                      </a:endParaRPr>
+                    </a:p>
+                  </a:txBody>
+                  <a:tcPr marL="9525" marR="9525" marT="9525" marB="0" anchor="ctr">
+                    <a:lnL w="28575" cap="flat" cmpd="sng" algn="ctr">
+                      <a:solidFill>
+                        <a:schemeClr val="bg1">
+                          <a:lumMod val="50000"/>
+                        </a:schemeClr>
+                      </a:solidFill>
+                      <a:prstDash val="solid"/>
+                      <a:round/>
+                      <a:headEnd type="none" w="med" len="med"/>
+                      <a:tailEnd type="none" w="med" len="med"/>
+                    </a:lnL>
+                    <a:lnR w="28575" cap="flat" cmpd="sng" algn="ctr">
+                      <a:solidFill>
+                        <a:schemeClr val="bg1">
+                          <a:lumMod val="50000"/>
+                        </a:schemeClr>
+                      </a:solidFill>
+                      <a:prstDash val="solid"/>
+                      <a:round/>
+                      <a:headEnd type="none" w="med" len="med"/>
+                      <a:tailEnd type="none" w="med" len="med"/>
+                    </a:lnR>
+                    <a:lnT w="28575" cap="flat" cmpd="sng" algn="ctr">
+                      <a:solidFill>
+                        <a:schemeClr val="bg1">
+                          <a:lumMod val="50000"/>
+                        </a:schemeClr>
+                      </a:solidFill>
+                      <a:prstDash val="solid"/>
+                      <a:round/>
+                      <a:headEnd type="none" w="med" len="med"/>
+                      <a:tailEnd type="none" w="med" len="med"/>
+                    </a:lnT>
+                    <a:lnB w="28575" cap="flat" cmpd="sng" algn="ctr">
+                      <a:solidFill>
+                        <a:schemeClr val="bg1">
+                          <a:lumMod val="50000"/>
+                        </a:schemeClr>
+                      </a:solidFill>
+                      <a:prstDash val="solid"/>
+                      <a:round/>
+                      <a:headEnd type="none" w="med" len="med"/>
+                      <a:tailEnd type="none" w="med" len="med"/>
+                    </a:lnB>
+                    <a:lnTlToBr w="12700" cmpd="sng">
+                      <a:noFill/>
+                      <a:prstDash val="solid"/>
+                    </a:lnTlToBr>
+                    <a:lnBlToTr w="12700" cmpd="sng">
+                      <a:noFill/>
+                      <a:prstDash val="solid"/>
+                    </a:lnBlToTr>
+                    <a:noFill/>
+                  </a:tcPr>
+                </a:tc>
+                <a:tc>
+                  <a:txBody>
+                    <a:bodyPr/>
+                    <a:lstStyle/>
+                    <a:p>
+                      <a:pPr algn="ctr" fontAlgn="b"/>
+                      <a:r>
+                        <a:rPr lang="it-IT" sz="1100" b="1" u="none" strike="noStrike" dirty="0">
+                          <a:solidFill>
+                            <a:schemeClr val="bg1">
+                              <a:lumMod val="50000"/>
+                            </a:schemeClr>
+                          </a:solidFill>
+                          <a:effectLst/>
+                          <a:latin typeface="Consolas" panose="020B0609020204030204" pitchFamily="49" charset="0"/>
+                        </a:rPr>
+                        <a:t>...</a:t>
+                      </a:r>
+                      <a:endParaRPr lang="it-IT" sz="1100" b="1" i="0" u="none" strike="noStrike" dirty="0">
+                        <a:solidFill>
+                          <a:schemeClr val="bg1">
+                            <a:lumMod val="50000"/>
+                          </a:schemeClr>
+                        </a:solidFill>
+                        <a:effectLst/>
+                        <a:latin typeface="Consolas" panose="020B0609020204030204" pitchFamily="49" charset="0"/>
+                      </a:endParaRPr>
+                    </a:p>
+                  </a:txBody>
+                  <a:tcPr marL="9525" marR="9525" marT="9525" marB="0" anchor="ctr">
+                    <a:lnL w="28575" cap="flat" cmpd="sng" algn="ctr">
+                      <a:solidFill>
+                        <a:schemeClr val="bg1">
+                          <a:lumMod val="50000"/>
+                        </a:schemeClr>
+                      </a:solidFill>
+                      <a:prstDash val="solid"/>
+                      <a:round/>
+                      <a:headEnd type="none" w="med" len="med"/>
+                      <a:tailEnd type="none" w="med" len="med"/>
+                    </a:lnL>
+                    <a:lnR w="28575" cap="flat" cmpd="sng" algn="ctr">
+                      <a:solidFill>
+                        <a:schemeClr val="bg1">
+                          <a:lumMod val="50000"/>
+                        </a:schemeClr>
+                      </a:solidFill>
+                      <a:prstDash val="solid"/>
+                      <a:round/>
+                      <a:headEnd type="none" w="med" len="med"/>
+                      <a:tailEnd type="none" w="med" len="med"/>
+                    </a:lnR>
+                    <a:lnT w="28575" cap="flat" cmpd="sng" algn="ctr">
+                      <a:solidFill>
+                        <a:schemeClr val="bg1">
+                          <a:lumMod val="50000"/>
+                        </a:schemeClr>
+                      </a:solidFill>
+                      <a:prstDash val="solid"/>
+                      <a:round/>
+                      <a:headEnd type="none" w="med" len="med"/>
+                      <a:tailEnd type="none" w="med" len="med"/>
+                    </a:lnT>
+                    <a:lnB w="28575" cap="flat" cmpd="sng" algn="ctr">
+                      <a:solidFill>
+                        <a:schemeClr val="bg1">
+                          <a:lumMod val="50000"/>
+                        </a:schemeClr>
+                      </a:solidFill>
+                      <a:prstDash val="solid"/>
+                      <a:round/>
+                      <a:headEnd type="none" w="med" len="med"/>
+                      <a:tailEnd type="none" w="med" len="med"/>
+                    </a:lnB>
+                    <a:lnTlToBr w="12700" cmpd="sng">
+                      <a:noFill/>
+                      <a:prstDash val="solid"/>
+                    </a:lnTlToBr>
+                    <a:lnBlToTr w="12700" cmpd="sng">
+                      <a:noFill/>
+                      <a:prstDash val="solid"/>
+                    </a:lnBlToTr>
+                    <a:noFill/>
+                  </a:tcPr>
+                </a:tc>
+                <a:tc>
+                  <a:txBody>
+                    <a:bodyPr/>
+                    <a:lstStyle/>
+                    <a:p>
+                      <a:pPr algn="ctr" fontAlgn="b"/>
+                      <a:r>
+                        <a:rPr lang="en-US" sz="1100" b="1" u="none" strike="noStrike" dirty="0">
+                          <a:solidFill>
+                            <a:srgbClr val="46B5C0"/>
+                          </a:solidFill>
+                          <a:effectLst/>
+                          <a:latin typeface="Consolas" panose="020B0609020204030204" pitchFamily="49" charset="0"/>
+                        </a:rPr>
+                        <a:t>sensor 1</a:t>
+                      </a:r>
+                      <a:br>
+                        <a:rPr lang="en-US" sz="1100" b="1" u="none" strike="noStrike" dirty="0">
+                          <a:effectLst/>
+                          <a:latin typeface="Consolas" panose="020B0609020204030204" pitchFamily="49" charset="0"/>
+                        </a:rPr>
+                      </a:br>
+                      <a:r>
+                        <a:rPr lang="en-US" sz="1100" b="1" u="none" strike="noStrike" dirty="0">
+                          <a:solidFill>
+                            <a:srgbClr val="7030A0"/>
+                          </a:solidFill>
+                          <a:effectLst/>
+                          <a:latin typeface="Consolas" panose="020B0609020204030204" pitchFamily="49" charset="0"/>
+                        </a:rPr>
+                        <a:t>group 2</a:t>
+                      </a:r>
+                      <a:br>
+                        <a:rPr lang="en-US" sz="1100" b="1" u="none" strike="noStrike" dirty="0">
+                          <a:effectLst/>
+                          <a:latin typeface="Consolas" panose="020B0609020204030204" pitchFamily="49" charset="0"/>
+                        </a:rPr>
+                      </a:br>
+                      <a:r>
+                        <a:rPr lang="en-US" sz="1100" b="1" u="none" strike="noStrike" dirty="0">
+                          <a:solidFill>
+                            <a:schemeClr val="bg1">
+                              <a:lumMod val="50000"/>
+                            </a:schemeClr>
+                          </a:solidFill>
+                          <a:effectLst/>
+                          <a:latin typeface="Consolas" panose="020B0609020204030204" pitchFamily="49" charset="0"/>
+                        </a:rPr>
+                        <a:t>pos last</a:t>
+                      </a:r>
+                      <a:endParaRPr lang="en-US" sz="1100" b="1" i="0" u="none" strike="noStrike" dirty="0">
+                        <a:solidFill>
+                          <a:schemeClr val="bg1">
+                            <a:lumMod val="50000"/>
+                          </a:schemeClr>
+                        </a:solidFill>
+                        <a:effectLst/>
+                        <a:latin typeface="Consolas" panose="020B0609020204030204" pitchFamily="49" charset="0"/>
+                      </a:endParaRPr>
+                    </a:p>
+                  </a:txBody>
+                  <a:tcPr marL="9525" marR="9525" marT="9525" marB="0" anchor="ctr">
+                    <a:lnL w="28575" cap="flat" cmpd="sng" algn="ctr">
+                      <a:solidFill>
+                        <a:schemeClr val="bg1">
+                          <a:lumMod val="50000"/>
+                        </a:schemeClr>
+                      </a:solidFill>
+                      <a:prstDash val="solid"/>
+                      <a:round/>
+                      <a:headEnd type="none" w="med" len="med"/>
+                      <a:tailEnd type="none" w="med" len="med"/>
+                    </a:lnL>
+                    <a:lnR w="28575" cap="flat" cmpd="sng" algn="ctr">
+                      <a:solidFill>
+                        <a:schemeClr val="bg1">
+                          <a:lumMod val="50000"/>
+                        </a:schemeClr>
+                      </a:solidFill>
+                      <a:prstDash val="solid"/>
+                      <a:round/>
+                      <a:headEnd type="none" w="med" len="med"/>
+                      <a:tailEnd type="none" w="med" len="med"/>
+                    </a:lnR>
+                    <a:lnT w="28575" cap="flat" cmpd="sng" algn="ctr">
+                      <a:solidFill>
+                        <a:schemeClr val="bg1">
+                          <a:lumMod val="50000"/>
+                        </a:schemeClr>
+                      </a:solidFill>
+                      <a:prstDash val="solid"/>
+                      <a:round/>
+                      <a:headEnd type="none" w="med" len="med"/>
+                      <a:tailEnd type="none" w="med" len="med"/>
+                    </a:lnT>
+                    <a:lnB w="28575" cap="flat" cmpd="sng" algn="ctr">
+                      <a:solidFill>
+                        <a:schemeClr val="bg1">
+                          <a:lumMod val="50000"/>
+                        </a:schemeClr>
                       </a:solidFill>
                       <a:prstDash val="solid"/>
                       <a:round/>
@@ -9042,7 +9979,9 @@
                             <a:noFill/>
                           </a:ln>
                           <a:solidFill>
-                            <a:prstClr val="black"/>
+                            <a:schemeClr val="bg1">
+                              <a:lumMod val="50000"/>
+                            </a:schemeClr>
                           </a:solidFill>
                           <a:effectLst/>
                           <a:uLnTx/>
@@ -9055,7 +9994,9 @@
                       </a:r>
                       <a:endParaRPr lang="it-IT" sz="1100" b="1" i="0" u="none" strike="noStrike" dirty="0">
                         <a:solidFill>
-                          <a:srgbClr val="000000"/>
+                          <a:schemeClr val="bg1">
+                            <a:lumMod val="50000"/>
+                          </a:schemeClr>
                         </a:solidFill>
                         <a:effectLst/>
                         <a:latin typeface="Consolas" panose="020B0609020204030204" pitchFamily="49" charset="0"/>
@@ -9065,7 +10006,9 @@
                   <a:tcPr marL="9525" marR="9525" marT="9525" marB="0" anchor="ctr">
                     <a:lnL w="28575" cap="flat" cmpd="sng" algn="ctr">
                       <a:solidFill>
-                        <a:schemeClr val="tx1"/>
+                        <a:schemeClr val="bg1">
+                          <a:lumMod val="50000"/>
+                        </a:schemeClr>
                       </a:solidFill>
                       <a:prstDash val="solid"/>
                       <a:round/>
@@ -9074,7 +10017,9 @@
                     </a:lnL>
                     <a:lnR w="28575" cap="flat" cmpd="sng" algn="ctr">
                       <a:solidFill>
-                        <a:schemeClr val="tx1"/>
+                        <a:schemeClr val="bg1">
+                          <a:lumMod val="50000"/>
+                        </a:schemeClr>
                       </a:solidFill>
                       <a:prstDash val="solid"/>
                       <a:round/>
@@ -9083,7 +10028,9 @@
                     </a:lnR>
                     <a:lnT w="28575" cap="flat" cmpd="sng" algn="ctr">
                       <a:solidFill>
-                        <a:schemeClr val="tx1"/>
+                        <a:schemeClr val="bg1">
+                          <a:lumMod val="50000"/>
+                        </a:schemeClr>
                       </a:solidFill>
                       <a:prstDash val="solid"/>
                       <a:round/>
@@ -9092,568 +10039,9 @@
                     </a:lnT>
                     <a:lnB w="28575" cap="flat" cmpd="sng" algn="ctr">
                       <a:solidFill>
-                        <a:schemeClr val="tx1"/>
-                      </a:solidFill>
-                      <a:prstDash val="solid"/>
-                      <a:round/>
-                      <a:headEnd type="none" w="med" len="med"/>
-                      <a:tailEnd type="none" w="med" len="med"/>
-                    </a:lnB>
-                    <a:lnTlToBr w="12700" cmpd="sng">
-                      <a:noFill/>
-                      <a:prstDash val="solid"/>
-                    </a:lnTlToBr>
-                    <a:lnBlToTr w="12700" cmpd="sng">
-                      <a:noFill/>
-                      <a:prstDash val="solid"/>
-                    </a:lnBlToTr>
-                    <a:noFill/>
-                  </a:tcPr>
-                </a:tc>
-                <a:tc>
-                  <a:txBody>
-                    <a:bodyPr/>
-                    <a:lstStyle/>
-                    <a:p>
-                      <a:pPr algn="ctr" fontAlgn="b"/>
-                      <a:r>
-                        <a:rPr lang="en-US" sz="1100" b="1" u="none" strike="noStrike" dirty="0">
-                          <a:solidFill>
-                            <a:srgbClr val="FB0169"/>
-                          </a:solidFill>
-                          <a:effectLst/>
-                          <a:latin typeface="Consolas" panose="020B0609020204030204" pitchFamily="49" charset="0"/>
-                        </a:rPr>
-                        <a:t>sensor 0</a:t>
-                      </a:r>
-                      <a:br>
-                        <a:rPr lang="en-US" sz="1100" b="1" u="none" strike="noStrike" dirty="0">
-                          <a:effectLst/>
-                          <a:latin typeface="Consolas" panose="020B0609020204030204" pitchFamily="49" charset="0"/>
-                        </a:rPr>
-                      </a:br>
-                      <a:r>
-                        <a:rPr lang="en-US" sz="1100" b="1" u="none" strike="noStrike" dirty="0">
-                          <a:solidFill>
-                            <a:srgbClr val="7030A0"/>
-                          </a:solidFill>
-                          <a:effectLst/>
-                          <a:latin typeface="Consolas" panose="020B0609020204030204" pitchFamily="49" charset="0"/>
-                        </a:rPr>
-                        <a:t>group 2</a:t>
-                      </a:r>
-                      <a:br>
-                        <a:rPr lang="en-US" sz="1100" b="1" u="none" strike="noStrike" dirty="0">
-                          <a:effectLst/>
-                          <a:latin typeface="Consolas" panose="020B0609020204030204" pitchFamily="49" charset="0"/>
-                        </a:rPr>
-                      </a:br>
-                      <a:r>
-                        <a:rPr lang="en-US" sz="1100" b="1" u="none" strike="noStrike" dirty="0">
-                          <a:effectLst/>
-                          <a:latin typeface="Consolas" panose="020B0609020204030204" pitchFamily="49" charset="0"/>
-                        </a:rPr>
-                        <a:t>pos last</a:t>
-                      </a:r>
-                      <a:endParaRPr lang="en-US" sz="1100" b="1" i="0" u="none" strike="noStrike" dirty="0">
-                        <a:solidFill>
-                          <a:srgbClr val="000000"/>
-                        </a:solidFill>
-                        <a:effectLst/>
-                        <a:latin typeface="Consolas" panose="020B0609020204030204" pitchFamily="49" charset="0"/>
-                      </a:endParaRPr>
-                    </a:p>
-                  </a:txBody>
-                  <a:tcPr marL="9525" marR="9525" marT="9525" marB="0" anchor="ctr">
-                    <a:lnL w="28575" cap="flat" cmpd="sng" algn="ctr">
-                      <a:solidFill>
-                        <a:schemeClr val="tx1"/>
-                      </a:solidFill>
-                      <a:prstDash val="solid"/>
-                      <a:round/>
-                      <a:headEnd type="none" w="med" len="med"/>
-                      <a:tailEnd type="none" w="med" len="med"/>
-                    </a:lnL>
-                    <a:lnR w="57150" cap="flat" cmpd="sng" algn="ctr">
-                      <a:solidFill>
-                        <a:schemeClr val="tx1"/>
-                      </a:solidFill>
-                      <a:prstDash val="solid"/>
-                      <a:round/>
-                      <a:headEnd type="none" w="med" len="med"/>
-                      <a:tailEnd type="none" w="med" len="med"/>
-                    </a:lnR>
-                    <a:lnT w="28575" cap="flat" cmpd="sng" algn="ctr">
-                      <a:solidFill>
-                        <a:schemeClr val="tx1"/>
-                      </a:solidFill>
-                      <a:prstDash val="solid"/>
-                      <a:round/>
-                      <a:headEnd type="none" w="med" len="med"/>
-                      <a:tailEnd type="none" w="med" len="med"/>
-                    </a:lnT>
-                    <a:lnB w="28575" cap="flat" cmpd="sng" algn="ctr">
-                      <a:solidFill>
-                        <a:schemeClr val="tx1"/>
-                      </a:solidFill>
-                      <a:prstDash val="solid"/>
-                      <a:round/>
-                      <a:headEnd type="none" w="med" len="med"/>
-                      <a:tailEnd type="none" w="med" len="med"/>
-                    </a:lnB>
-                    <a:lnTlToBr w="12700" cmpd="sng">
-                      <a:noFill/>
-                      <a:prstDash val="solid"/>
-                    </a:lnTlToBr>
-                    <a:lnBlToTr w="12700" cmpd="sng">
-                      <a:noFill/>
-                      <a:prstDash val="solid"/>
-                    </a:lnBlToTr>
-                    <a:noFill/>
-                  </a:tcPr>
-                </a:tc>
-                <a:tc>
-                  <a:txBody>
-                    <a:bodyPr/>
-                    <a:lstStyle/>
-                    <a:p>
-                      <a:pPr algn="ctr" fontAlgn="b"/>
-                      <a:r>
-                        <a:rPr lang="en-US" sz="1100" b="1" u="none" strike="noStrike" dirty="0">
-                          <a:solidFill>
-                            <a:srgbClr val="46B5C0"/>
-                          </a:solidFill>
-                          <a:effectLst/>
-                          <a:latin typeface="Consolas" panose="020B0609020204030204" pitchFamily="49" charset="0"/>
-                        </a:rPr>
-                        <a:t>sensor 1</a:t>
-                      </a:r>
-                      <a:br>
-                        <a:rPr lang="en-US" sz="1100" b="1" u="none" strike="noStrike" dirty="0">
-                          <a:solidFill>
-                            <a:srgbClr val="46B5C0"/>
-                          </a:solidFill>
-                          <a:effectLst/>
-                          <a:latin typeface="Consolas" panose="020B0609020204030204" pitchFamily="49" charset="0"/>
-                        </a:rPr>
-                      </a:br>
-                      <a:r>
-                        <a:rPr lang="en-US" sz="1100" b="1" u="none" strike="noStrike" dirty="0">
-                          <a:solidFill>
-                            <a:srgbClr val="7030A0"/>
-                          </a:solidFill>
-                          <a:effectLst/>
-                          <a:latin typeface="Consolas" panose="020B0609020204030204" pitchFamily="49" charset="0"/>
-                        </a:rPr>
-                        <a:t>group 2</a:t>
-                      </a:r>
-                      <a:br>
-                        <a:rPr lang="en-US" sz="1100" b="1" u="none" strike="noStrike" dirty="0">
-                          <a:effectLst/>
-                          <a:latin typeface="Consolas" panose="020B0609020204030204" pitchFamily="49" charset="0"/>
-                        </a:rPr>
-                      </a:br>
-                      <a:r>
-                        <a:rPr lang="en-US" sz="1100" b="1" u="none" strike="noStrike" dirty="0">
-                          <a:effectLst/>
-                          <a:latin typeface="Consolas" panose="020B0609020204030204" pitchFamily="49" charset="0"/>
-                        </a:rPr>
-                        <a:t>pos 0</a:t>
-                      </a:r>
-                      <a:endParaRPr lang="en-US" sz="1100" b="1" i="0" u="none" strike="noStrike" dirty="0">
-                        <a:solidFill>
-                          <a:srgbClr val="000000"/>
-                        </a:solidFill>
-                        <a:effectLst/>
-                        <a:latin typeface="Consolas" panose="020B0609020204030204" pitchFamily="49" charset="0"/>
-                      </a:endParaRPr>
-                    </a:p>
-                  </a:txBody>
-                  <a:tcPr marL="9525" marR="9525" marT="9525" marB="0" anchor="ctr">
-                    <a:lnL w="57150" cap="flat" cmpd="sng" algn="ctr">
-                      <a:solidFill>
-                        <a:schemeClr val="tx1"/>
-                      </a:solidFill>
-                      <a:prstDash val="solid"/>
-                      <a:round/>
-                      <a:headEnd type="none" w="med" len="med"/>
-                      <a:tailEnd type="none" w="med" len="med"/>
-                    </a:lnL>
-                    <a:lnR w="28575" cap="flat" cmpd="sng" algn="ctr">
-                      <a:solidFill>
-                        <a:schemeClr val="tx1"/>
-                      </a:solidFill>
-                      <a:prstDash val="solid"/>
-                      <a:round/>
-                      <a:headEnd type="none" w="med" len="med"/>
-                      <a:tailEnd type="none" w="med" len="med"/>
-                    </a:lnR>
-                    <a:lnT w="28575" cap="flat" cmpd="sng" algn="ctr">
-                      <a:solidFill>
-                        <a:schemeClr val="tx1"/>
-                      </a:solidFill>
-                      <a:prstDash val="solid"/>
-                      <a:round/>
-                      <a:headEnd type="none" w="med" len="med"/>
-                      <a:tailEnd type="none" w="med" len="med"/>
-                    </a:lnT>
-                    <a:lnB w="28575" cap="flat" cmpd="sng" algn="ctr">
-                      <a:solidFill>
-                        <a:schemeClr val="tx1"/>
-                      </a:solidFill>
-                      <a:prstDash val="solid"/>
-                      <a:round/>
-                      <a:headEnd type="none" w="med" len="med"/>
-                      <a:tailEnd type="none" w="med" len="med"/>
-                    </a:lnB>
-                    <a:lnTlToBr w="12700" cmpd="sng">
-                      <a:noFill/>
-                      <a:prstDash val="solid"/>
-                    </a:lnTlToBr>
-                    <a:lnBlToTr w="12700" cmpd="sng">
-                      <a:noFill/>
-                      <a:prstDash val="solid"/>
-                    </a:lnBlToTr>
-                    <a:noFill/>
-                  </a:tcPr>
-                </a:tc>
-                <a:tc>
-                  <a:txBody>
-                    <a:bodyPr/>
-                    <a:lstStyle/>
-                    <a:p>
-                      <a:pPr algn="ctr" fontAlgn="b"/>
-                      <a:r>
-                        <a:rPr lang="en-US" sz="1100" b="1" u="none" strike="noStrike" dirty="0">
-                          <a:solidFill>
-                            <a:srgbClr val="46B5C0"/>
-                          </a:solidFill>
-                          <a:effectLst/>
-                          <a:latin typeface="Consolas" panose="020B0609020204030204" pitchFamily="49" charset="0"/>
-                        </a:rPr>
-                        <a:t>sensor 1</a:t>
-                      </a:r>
-                      <a:br>
-                        <a:rPr lang="en-US" sz="1100" b="1" u="none" strike="noStrike" dirty="0">
-                          <a:effectLst/>
-                          <a:latin typeface="Consolas" panose="020B0609020204030204" pitchFamily="49" charset="0"/>
-                        </a:rPr>
-                      </a:br>
-                      <a:r>
-                        <a:rPr lang="en-US" sz="1100" b="1" u="none" strike="noStrike" dirty="0">
-                          <a:solidFill>
-                            <a:srgbClr val="7030A0"/>
-                          </a:solidFill>
-                          <a:effectLst/>
-                          <a:latin typeface="Consolas" panose="020B0609020204030204" pitchFamily="49" charset="0"/>
-                        </a:rPr>
-                        <a:t>group 2</a:t>
-                      </a:r>
-                      <a:br>
-                        <a:rPr lang="en-US" sz="1100" b="1" u="none" strike="noStrike" dirty="0">
-                          <a:effectLst/>
-                          <a:latin typeface="Consolas" panose="020B0609020204030204" pitchFamily="49" charset="0"/>
-                        </a:rPr>
-                      </a:br>
-                      <a:r>
-                        <a:rPr lang="en-US" sz="1100" b="1" u="none" strike="noStrike" dirty="0">
-                          <a:effectLst/>
-                          <a:latin typeface="Consolas" panose="020B0609020204030204" pitchFamily="49" charset="0"/>
-                        </a:rPr>
-                        <a:t>pos 1</a:t>
-                      </a:r>
-                      <a:endParaRPr lang="en-US" sz="1100" b="1" i="0" u="none" strike="noStrike" dirty="0">
-                        <a:solidFill>
-                          <a:srgbClr val="000000"/>
-                        </a:solidFill>
-                        <a:effectLst/>
-                        <a:latin typeface="Consolas" panose="020B0609020204030204" pitchFamily="49" charset="0"/>
-                      </a:endParaRPr>
-                    </a:p>
-                  </a:txBody>
-                  <a:tcPr marL="9525" marR="9525" marT="9525" marB="0" anchor="ctr">
-                    <a:lnL w="28575" cap="flat" cmpd="sng" algn="ctr">
-                      <a:solidFill>
-                        <a:schemeClr val="tx1"/>
-                      </a:solidFill>
-                      <a:prstDash val="solid"/>
-                      <a:round/>
-                      <a:headEnd type="none" w="med" len="med"/>
-                      <a:tailEnd type="none" w="med" len="med"/>
-                    </a:lnL>
-                    <a:lnR w="28575" cap="flat" cmpd="sng" algn="ctr">
-                      <a:solidFill>
-                        <a:schemeClr val="tx1"/>
-                      </a:solidFill>
-                      <a:prstDash val="solid"/>
-                      <a:round/>
-                      <a:headEnd type="none" w="med" len="med"/>
-                      <a:tailEnd type="none" w="med" len="med"/>
-                    </a:lnR>
-                    <a:lnT w="28575" cap="flat" cmpd="sng" algn="ctr">
-                      <a:solidFill>
-                        <a:schemeClr val="tx1"/>
-                      </a:solidFill>
-                      <a:prstDash val="solid"/>
-                      <a:round/>
-                      <a:headEnd type="none" w="med" len="med"/>
-                      <a:tailEnd type="none" w="med" len="med"/>
-                    </a:lnT>
-                    <a:lnB w="28575" cap="flat" cmpd="sng" algn="ctr">
-                      <a:solidFill>
-                        <a:schemeClr val="tx1"/>
-                      </a:solidFill>
-                      <a:prstDash val="solid"/>
-                      <a:round/>
-                      <a:headEnd type="none" w="med" len="med"/>
-                      <a:tailEnd type="none" w="med" len="med"/>
-                    </a:lnB>
-                    <a:lnTlToBr w="12700" cmpd="sng">
-                      <a:noFill/>
-                      <a:prstDash val="solid"/>
-                    </a:lnTlToBr>
-                    <a:lnBlToTr w="12700" cmpd="sng">
-                      <a:noFill/>
-                      <a:prstDash val="solid"/>
-                    </a:lnBlToTr>
-                    <a:noFill/>
-                  </a:tcPr>
-                </a:tc>
-                <a:tc>
-                  <a:txBody>
-                    <a:bodyPr/>
-                    <a:lstStyle/>
-                    <a:p>
-                      <a:pPr algn="ctr" fontAlgn="b"/>
-                      <a:r>
-                        <a:rPr lang="it-IT" sz="1100" b="1" u="none" strike="noStrike" dirty="0">
-                          <a:effectLst/>
-                          <a:latin typeface="Consolas" panose="020B0609020204030204" pitchFamily="49" charset="0"/>
-                        </a:rPr>
-                        <a:t>...</a:t>
-                      </a:r>
-                      <a:endParaRPr lang="it-IT" sz="1100" b="1" i="0" u="none" strike="noStrike" dirty="0">
-                        <a:solidFill>
-                          <a:srgbClr val="000000"/>
-                        </a:solidFill>
-                        <a:effectLst/>
-                        <a:latin typeface="Consolas" panose="020B0609020204030204" pitchFamily="49" charset="0"/>
-                      </a:endParaRPr>
-                    </a:p>
-                  </a:txBody>
-                  <a:tcPr marL="9525" marR="9525" marT="9525" marB="0" anchor="ctr">
-                    <a:lnL w="28575" cap="flat" cmpd="sng" algn="ctr">
-                      <a:solidFill>
-                        <a:schemeClr val="tx1"/>
-                      </a:solidFill>
-                      <a:prstDash val="solid"/>
-                      <a:round/>
-                      <a:headEnd type="none" w="med" len="med"/>
-                      <a:tailEnd type="none" w="med" len="med"/>
-                    </a:lnL>
-                    <a:lnR w="28575" cap="flat" cmpd="sng" algn="ctr">
-                      <a:solidFill>
-                        <a:schemeClr val="tx1"/>
-                      </a:solidFill>
-                      <a:prstDash val="solid"/>
-                      <a:round/>
-                      <a:headEnd type="none" w="med" len="med"/>
-                      <a:tailEnd type="none" w="med" len="med"/>
-                    </a:lnR>
-                    <a:lnT w="28575" cap="flat" cmpd="sng" algn="ctr">
-                      <a:solidFill>
-                        <a:schemeClr val="tx1"/>
-                      </a:solidFill>
-                      <a:prstDash val="solid"/>
-                      <a:round/>
-                      <a:headEnd type="none" w="med" len="med"/>
-                      <a:tailEnd type="none" w="med" len="med"/>
-                    </a:lnT>
-                    <a:lnB w="28575" cap="flat" cmpd="sng" algn="ctr">
-                      <a:solidFill>
-                        <a:schemeClr val="tx1"/>
-                      </a:solidFill>
-                      <a:prstDash val="solid"/>
-                      <a:round/>
-                      <a:headEnd type="none" w="med" len="med"/>
-                      <a:tailEnd type="none" w="med" len="med"/>
-                    </a:lnB>
-                    <a:lnTlToBr w="12700" cmpd="sng">
-                      <a:noFill/>
-                      <a:prstDash val="solid"/>
-                    </a:lnTlToBr>
-                    <a:lnBlToTr w="12700" cmpd="sng">
-                      <a:noFill/>
-                      <a:prstDash val="solid"/>
-                    </a:lnBlToTr>
-                    <a:noFill/>
-                  </a:tcPr>
-                </a:tc>
-                <a:tc>
-                  <a:txBody>
-                    <a:bodyPr/>
-                    <a:lstStyle/>
-                    <a:p>
-                      <a:pPr algn="ctr" fontAlgn="b"/>
-                      <a:r>
-                        <a:rPr lang="en-US" sz="1100" b="1" u="none" strike="noStrike" dirty="0">
-                          <a:solidFill>
-                            <a:srgbClr val="46B5C0"/>
-                          </a:solidFill>
-                          <a:effectLst/>
-                          <a:latin typeface="Consolas" panose="020B0609020204030204" pitchFamily="49" charset="0"/>
-                        </a:rPr>
-                        <a:t>sensor 1</a:t>
-                      </a:r>
-                      <a:br>
-                        <a:rPr lang="en-US" sz="1100" b="1" u="none" strike="noStrike" dirty="0">
-                          <a:effectLst/>
-                          <a:latin typeface="Consolas" panose="020B0609020204030204" pitchFamily="49" charset="0"/>
-                        </a:rPr>
-                      </a:br>
-                      <a:r>
-                        <a:rPr lang="en-US" sz="1100" b="1" u="none" strike="noStrike" dirty="0">
-                          <a:solidFill>
-                            <a:srgbClr val="7030A0"/>
-                          </a:solidFill>
-                          <a:effectLst/>
-                          <a:latin typeface="Consolas" panose="020B0609020204030204" pitchFamily="49" charset="0"/>
-                        </a:rPr>
-                        <a:t>group 2</a:t>
-                      </a:r>
-                      <a:br>
-                        <a:rPr lang="en-US" sz="1100" b="1" u="none" strike="noStrike" dirty="0">
-                          <a:effectLst/>
-                          <a:latin typeface="Consolas" panose="020B0609020204030204" pitchFamily="49" charset="0"/>
-                        </a:rPr>
-                      </a:br>
-                      <a:r>
-                        <a:rPr lang="en-US" sz="1100" b="1" u="none" strike="noStrike" dirty="0">
-                          <a:effectLst/>
-                          <a:latin typeface="Consolas" panose="020B0609020204030204" pitchFamily="49" charset="0"/>
-                        </a:rPr>
-                        <a:t>pos last</a:t>
-                      </a:r>
-                      <a:endParaRPr lang="en-US" sz="1100" b="1" i="0" u="none" strike="noStrike" dirty="0">
-                        <a:solidFill>
-                          <a:srgbClr val="000000"/>
-                        </a:solidFill>
-                        <a:effectLst/>
-                        <a:latin typeface="Consolas" panose="020B0609020204030204" pitchFamily="49" charset="0"/>
-                      </a:endParaRPr>
-                    </a:p>
-                  </a:txBody>
-                  <a:tcPr marL="9525" marR="9525" marT="9525" marB="0" anchor="ctr">
-                    <a:lnL w="28575" cap="flat" cmpd="sng" algn="ctr">
-                      <a:solidFill>
-                        <a:schemeClr val="tx1"/>
-                      </a:solidFill>
-                      <a:prstDash val="solid"/>
-                      <a:round/>
-                      <a:headEnd type="none" w="med" len="med"/>
-                      <a:tailEnd type="none" w="med" len="med"/>
-                    </a:lnL>
-                    <a:lnR w="28575" cap="flat" cmpd="sng" algn="ctr">
-                      <a:solidFill>
-                        <a:schemeClr val="tx1"/>
-                      </a:solidFill>
-                      <a:prstDash val="solid"/>
-                      <a:round/>
-                      <a:headEnd type="none" w="med" len="med"/>
-                      <a:tailEnd type="none" w="med" len="med"/>
-                    </a:lnR>
-                    <a:lnT w="28575" cap="flat" cmpd="sng" algn="ctr">
-                      <a:solidFill>
-                        <a:schemeClr val="tx1"/>
-                      </a:solidFill>
-                      <a:prstDash val="solid"/>
-                      <a:round/>
-                      <a:headEnd type="none" w="med" len="med"/>
-                      <a:tailEnd type="none" w="med" len="med"/>
-                    </a:lnT>
-                    <a:lnB w="28575" cap="flat" cmpd="sng" algn="ctr">
-                      <a:solidFill>
-                        <a:schemeClr val="tx1"/>
-                      </a:solidFill>
-                      <a:prstDash val="solid"/>
-                      <a:round/>
-                      <a:headEnd type="none" w="med" len="med"/>
-                      <a:tailEnd type="none" w="med" len="med"/>
-                    </a:lnB>
-                    <a:lnTlToBr w="12700" cmpd="sng">
-                      <a:noFill/>
-                      <a:prstDash val="solid"/>
-                    </a:lnTlToBr>
-                    <a:lnBlToTr w="12700" cmpd="sng">
-                      <a:noFill/>
-                      <a:prstDash val="solid"/>
-                    </a:lnBlToTr>
-                    <a:noFill/>
-                  </a:tcPr>
-                </a:tc>
-                <a:tc>
-                  <a:txBody>
-                    <a:bodyPr/>
-                    <a:lstStyle/>
-                    <a:p>
-                      <a:pPr algn="ctr" fontAlgn="b"/>
-                      <a:r>
-                        <a:rPr kumimoji="0" lang="it-IT" sz="1100" b="1" i="0" u="none" strike="noStrike" kern="1200" cap="none" spc="0" normalizeH="0" baseline="0" noProof="0">
-                          <a:ln>
-                            <a:noFill/>
-                          </a:ln>
-                          <a:solidFill>
-                            <a:prstClr val="black"/>
-                          </a:solidFill>
-                          <a:effectLst/>
-                          <a:uLnTx/>
-                          <a:uFillTx/>
-                          <a:latin typeface="Consolas" panose="020B0609020204030204" pitchFamily="49" charset="0"/>
-                          <a:ea typeface="+mn-ea"/>
-                          <a:cs typeface="+mn-cs"/>
-                        </a:rPr>
-                        <a:t>...</a:t>
-                      </a:r>
-                      <a:endParaRPr lang="it-IT" sz="1100" b="1" i="0" u="none" strike="noStrike" dirty="0">
-                        <a:solidFill>
-                          <a:srgbClr val="000000"/>
-                        </a:solidFill>
-                        <a:effectLst/>
-                        <a:latin typeface="Consolas" panose="020B0609020204030204" pitchFamily="49" charset="0"/>
-                      </a:endParaRPr>
-                    </a:p>
-                  </a:txBody>
-                  <a:tcPr marL="9525" marR="9525" marT="9525" marB="0" anchor="ctr">
-                    <a:lnL w="28575" cap="flat" cmpd="sng" algn="ctr">
-                      <a:solidFill>
-                        <a:schemeClr val="tx1"/>
-                      </a:solidFill>
-                      <a:prstDash val="solid"/>
-                      <a:round/>
-                      <a:headEnd type="none" w="med" len="med"/>
-                      <a:tailEnd type="none" w="med" len="med"/>
-                    </a:lnL>
-                    <a:lnR w="28575" cap="flat" cmpd="sng" algn="ctr">
-                      <a:solidFill>
-                        <a:schemeClr val="tx1"/>
-                      </a:solidFill>
-                      <a:prstDash val="solid"/>
-                      <a:round/>
-                      <a:headEnd type="none" w="med" len="med"/>
-                      <a:tailEnd type="none" w="med" len="med"/>
-                    </a:lnR>
-                    <a:lnT w="28575" cap="flat" cmpd="sng" algn="ctr">
-                      <a:solidFill>
-                        <a:schemeClr val="tx1"/>
-                      </a:solidFill>
-                      <a:prstDash val="solid"/>
-                      <a:round/>
-                      <a:headEnd type="none" w="med" len="med"/>
-                      <a:tailEnd type="none" w="med" len="med"/>
-                    </a:lnT>
-                    <a:lnB w="28575" cap="flat" cmpd="sng" algn="ctr">
-                      <a:solidFill>
-                        <a:schemeClr val="tx1"/>
+                        <a:schemeClr val="bg1">
+                          <a:lumMod val="50000"/>
+                        </a:schemeClr>
                       </a:solidFill>
                       <a:prstDash val="solid"/>
                       <a:round/>
@@ -9690,7 +10078,9 @@
                             <a:noFill/>
                           </a:ln>
                           <a:solidFill>
-                            <a:prstClr val="black"/>
+                            <a:schemeClr val="bg1">
+                              <a:lumMod val="50000"/>
+                            </a:schemeClr>
                           </a:solidFill>
                           <a:effectLst/>
                           <a:uLnTx/>
@@ -9703,7 +10093,9 @@
                       </a:r>
                       <a:endParaRPr lang="en-US" sz="1100" b="1" i="0" u="none" strike="noStrike" dirty="0">
                         <a:solidFill>
-                          <a:srgbClr val="000000"/>
+                          <a:schemeClr val="bg1">
+                            <a:lumMod val="50000"/>
+                          </a:schemeClr>
                         </a:solidFill>
                         <a:effectLst/>
                         <a:latin typeface="Consolas" panose="020B0609020204030204" pitchFamily="49" charset="0"/>
@@ -9713,7 +10105,9 @@
                   <a:tcPr marL="9525" marR="9525" marT="9525" marB="0" anchor="ctr">
                     <a:lnL w="28575" cap="flat" cmpd="sng" algn="ctr">
                       <a:solidFill>
-                        <a:schemeClr val="tx1"/>
+                        <a:schemeClr val="bg1">
+                          <a:lumMod val="50000"/>
+                        </a:schemeClr>
                       </a:solidFill>
                       <a:prstDash val="solid"/>
                       <a:round/>
@@ -9722,7 +10116,9 @@
                     </a:lnL>
                     <a:lnR w="28575" cap="flat" cmpd="sng" algn="ctr">
                       <a:solidFill>
-                        <a:schemeClr val="tx1"/>
+                        <a:schemeClr val="bg1">
+                          <a:lumMod val="50000"/>
+                        </a:schemeClr>
                       </a:solidFill>
                       <a:prstDash val="solid"/>
                       <a:round/>
@@ -9731,7 +10127,9 @@
                     </a:lnR>
                     <a:lnT w="28575" cap="flat" cmpd="sng" algn="ctr">
                       <a:solidFill>
-                        <a:schemeClr val="tx1"/>
+                        <a:schemeClr val="bg1">
+                          <a:lumMod val="50000"/>
+                        </a:schemeClr>
                       </a:solidFill>
                       <a:prstDash val="solid"/>
                       <a:round/>
@@ -9740,7 +10138,9 @@
                     </a:lnT>
                     <a:lnB w="28575" cap="flat" cmpd="sng" algn="ctr">
                       <a:solidFill>
-                        <a:schemeClr val="tx1"/>
+                        <a:schemeClr val="bg1">
+                          <a:lumMod val="50000"/>
+                        </a:schemeClr>
                       </a:solidFill>
                       <a:prstDash val="solid"/>
                       <a:round/>
@@ -9770,7 +10170,9 @@
                             <a:noFill/>
                           </a:ln>
                           <a:solidFill>
-                            <a:prstClr val="black"/>
+                            <a:schemeClr val="bg1">
+                              <a:lumMod val="50000"/>
+                            </a:schemeClr>
                           </a:solidFill>
                           <a:effectLst/>
                           <a:uLnTx/>
@@ -9783,7 +10185,9 @@
                       </a:r>
                       <a:endParaRPr lang="en-US" sz="1100" b="1" i="0" u="none" strike="noStrike" dirty="0">
                         <a:solidFill>
-                          <a:srgbClr val="000000"/>
+                          <a:schemeClr val="bg1">
+                            <a:lumMod val="50000"/>
+                          </a:schemeClr>
                         </a:solidFill>
                         <a:effectLst/>
                         <a:latin typeface="Consolas" panose="020B0609020204030204" pitchFamily="49" charset="0"/>
@@ -9793,7 +10197,9 @@
                   <a:tcPr marL="9525" marR="9525" marT="9525" marB="0" anchor="ctr">
                     <a:lnL w="28575" cap="flat" cmpd="sng" algn="ctr">
                       <a:solidFill>
-                        <a:schemeClr val="tx1"/>
+                        <a:schemeClr val="bg1">
+                          <a:lumMod val="50000"/>
+                        </a:schemeClr>
                       </a:solidFill>
                       <a:prstDash val="solid"/>
                       <a:round/>
@@ -9802,7 +10208,9 @@
                     </a:lnL>
                     <a:lnR w="28575" cap="flat" cmpd="sng" algn="ctr">
                       <a:solidFill>
-                        <a:schemeClr val="tx1"/>
+                        <a:schemeClr val="bg1">
+                          <a:lumMod val="50000"/>
+                        </a:schemeClr>
                       </a:solidFill>
                       <a:prstDash val="solid"/>
                       <a:round/>
@@ -9811,7 +10219,9 @@
                     </a:lnR>
                     <a:lnT w="28575" cap="flat" cmpd="sng" algn="ctr">
                       <a:solidFill>
-                        <a:schemeClr val="tx1"/>
+                        <a:schemeClr val="bg1">
+                          <a:lumMod val="50000"/>
+                        </a:schemeClr>
                       </a:solidFill>
                       <a:prstDash val="solid"/>
                       <a:round/>
@@ -9820,7 +10230,9 @@
                     </a:lnT>
                     <a:lnB w="28575" cap="flat" cmpd="sng" algn="ctr">
                       <a:solidFill>
-                        <a:schemeClr val="tx1"/>
+                        <a:schemeClr val="bg1">
+                          <a:lumMod val="50000"/>
+                        </a:schemeClr>
                       </a:solidFill>
                       <a:prstDash val="solid"/>
                       <a:round/>
@@ -9850,7 +10262,9 @@
                             <a:noFill/>
                           </a:ln>
                           <a:solidFill>
-                            <a:prstClr val="black"/>
+                            <a:schemeClr val="bg1">
+                              <a:lumMod val="50000"/>
+                            </a:schemeClr>
                           </a:solidFill>
                           <a:effectLst/>
                           <a:uLnTx/>
@@ -9863,7 +10277,9 @@
                       </a:r>
                       <a:endParaRPr lang="it-IT" sz="1100" b="1" i="0" u="none" strike="noStrike" dirty="0">
                         <a:solidFill>
-                          <a:srgbClr val="000000"/>
+                          <a:schemeClr val="bg1">
+                            <a:lumMod val="50000"/>
+                          </a:schemeClr>
                         </a:solidFill>
                         <a:effectLst/>
                         <a:latin typeface="Consolas" panose="020B0609020204030204" pitchFamily="49" charset="0"/>
@@ -9873,7 +10289,9 @@
                   <a:tcPr marL="9525" marR="9525" marT="9525" marB="0" anchor="ctr">
                     <a:lnL w="28575" cap="flat" cmpd="sng" algn="ctr">
                       <a:solidFill>
-                        <a:schemeClr val="tx1"/>
+                        <a:schemeClr val="bg1">
+                          <a:lumMod val="50000"/>
+                        </a:schemeClr>
                       </a:solidFill>
                       <a:prstDash val="solid"/>
                       <a:round/>
@@ -9882,7 +10300,9 @@
                     </a:lnL>
                     <a:lnR w="28575" cap="flat" cmpd="sng" algn="ctr">
                       <a:solidFill>
-                        <a:schemeClr val="tx1"/>
+                        <a:schemeClr val="bg1">
+                          <a:lumMod val="50000"/>
+                        </a:schemeClr>
                       </a:solidFill>
                       <a:prstDash val="solid"/>
                       <a:round/>
@@ -9891,7 +10311,9 @@
                     </a:lnR>
                     <a:lnT w="28575" cap="flat" cmpd="sng" algn="ctr">
                       <a:solidFill>
-                        <a:schemeClr val="tx1"/>
+                        <a:schemeClr val="bg1">
+                          <a:lumMod val="50000"/>
+                        </a:schemeClr>
                       </a:solidFill>
                       <a:prstDash val="solid"/>
                       <a:round/>
@@ -9900,7 +10322,9 @@
                     </a:lnT>
                     <a:lnB w="28575" cap="flat" cmpd="sng" algn="ctr">
                       <a:solidFill>
-                        <a:schemeClr val="tx1"/>
+                        <a:schemeClr val="bg1">
+                          <a:lumMod val="50000"/>
+                        </a:schemeClr>
                       </a:solidFill>
                       <a:prstDash val="solid"/>
                       <a:round/>
@@ -9930,7 +10354,9 @@
                             <a:noFill/>
                           </a:ln>
                           <a:solidFill>
-                            <a:prstClr val="black"/>
+                            <a:schemeClr val="bg1">
+                              <a:lumMod val="50000"/>
+                            </a:schemeClr>
                           </a:solidFill>
                           <a:effectLst/>
                           <a:uLnTx/>
@@ -9943,7 +10369,9 @@
                       </a:r>
                       <a:endParaRPr lang="en-US" sz="1100" b="1" i="0" u="none" strike="noStrike" dirty="0">
                         <a:solidFill>
-                          <a:srgbClr val="000000"/>
+                          <a:schemeClr val="bg1">
+                            <a:lumMod val="50000"/>
+                          </a:schemeClr>
                         </a:solidFill>
                         <a:effectLst/>
                         <a:latin typeface="Consolas" panose="020B0609020204030204" pitchFamily="49" charset="0"/>
@@ -9953,7 +10381,9 @@
                   <a:tcPr marL="9525" marR="9525" marT="9525" marB="0" anchor="ctr">
                     <a:lnL w="28575" cap="flat" cmpd="sng" algn="ctr">
                       <a:solidFill>
-                        <a:schemeClr val="tx1"/>
+                        <a:schemeClr val="bg1">
+                          <a:lumMod val="50000"/>
+                        </a:schemeClr>
                       </a:solidFill>
                       <a:prstDash val="solid"/>
                       <a:round/>
@@ -9962,7 +10392,9 @@
                     </a:lnL>
                     <a:lnR w="57150" cap="flat" cmpd="sng" algn="ctr">
                       <a:solidFill>
-                        <a:schemeClr val="tx1"/>
+                        <a:schemeClr val="bg1">
+                          <a:lumMod val="50000"/>
+                        </a:schemeClr>
                       </a:solidFill>
                       <a:prstDash val="solid"/>
                       <a:round/>
@@ -9971,7 +10403,9 @@
                     </a:lnR>
                     <a:lnT w="28575" cap="flat" cmpd="sng" algn="ctr">
                       <a:solidFill>
-                        <a:schemeClr val="tx1"/>
+                        <a:schemeClr val="bg1">
+                          <a:lumMod val="50000"/>
+                        </a:schemeClr>
                       </a:solidFill>
                       <a:prstDash val="solid"/>
                       <a:round/>
@@ -9980,7 +10414,101 @@
                     </a:lnT>
                     <a:lnB w="28575" cap="flat" cmpd="sng" algn="ctr">
                       <a:solidFill>
-                        <a:schemeClr val="tx1"/>
+                        <a:schemeClr val="bg1">
+                          <a:lumMod val="50000"/>
+                        </a:schemeClr>
+                      </a:solidFill>
+                      <a:prstDash val="solid"/>
+                      <a:round/>
+                      <a:headEnd type="none" w="med" len="med"/>
+                      <a:tailEnd type="none" w="med" len="med"/>
+                    </a:lnB>
+                    <a:lnTlToBr w="12700" cmpd="sng">
+                      <a:noFill/>
+                      <a:prstDash val="solid"/>
+                    </a:lnTlToBr>
+                    <a:lnBlToTr w="12700" cmpd="sng">
+                      <a:noFill/>
+                      <a:prstDash val="solid"/>
+                    </a:lnBlToTr>
+                    <a:noFill/>
+                  </a:tcPr>
+                </a:tc>
+                <a:tc>
+                  <a:txBody>
+                    <a:bodyPr/>
+                    <a:lstStyle/>
+                    <a:p>
+                      <a:pPr algn="ctr" fontAlgn="b"/>
+                      <a:r>
+                        <a:rPr kumimoji="0" lang="it-IT" sz="1100" b="1" i="0" u="none" strike="noStrike" kern="1200" cap="none" spc="0" normalizeH="0" baseline="0" noProof="0" dirty="0">
+                          <a:ln>
+                            <a:noFill/>
+                          </a:ln>
+                          <a:solidFill>
+                            <a:schemeClr val="bg1">
+                              <a:lumMod val="50000"/>
+                            </a:schemeClr>
+                          </a:solidFill>
+                          <a:effectLst/>
+                          <a:uLnTx/>
+                          <a:uFillTx/>
+                          <a:latin typeface="Consolas" panose="020B0609020204030204" pitchFamily="49" charset="0"/>
+                          <a:ea typeface="+mn-ea"/>
+                          <a:cs typeface="+mn-cs"/>
+                        </a:rPr>
+                        <a:t>...</a:t>
+                      </a:r>
+                      <a:endParaRPr lang="en-US" sz="1100" b="1" i="0" u="none" strike="noStrike" dirty="0">
+                        <a:solidFill>
+                          <a:schemeClr val="bg1">
+                            <a:lumMod val="50000"/>
+                          </a:schemeClr>
+                        </a:solidFill>
+                        <a:effectLst/>
+                        <a:latin typeface="Consolas" panose="020B0609020204030204" pitchFamily="49" charset="0"/>
+                      </a:endParaRPr>
+                    </a:p>
+                  </a:txBody>
+                  <a:tcPr marL="9525" marR="9525" marT="9525" marB="0" anchor="ctr">
+                    <a:lnL w="57150" cap="flat" cmpd="sng" algn="ctr">
+                      <a:solidFill>
+                        <a:schemeClr val="bg1">
+                          <a:lumMod val="50000"/>
+                        </a:schemeClr>
+                      </a:solidFill>
+                      <a:prstDash val="solid"/>
+                      <a:round/>
+                      <a:headEnd type="none" w="med" len="med"/>
+                      <a:tailEnd type="none" w="med" len="med"/>
+                    </a:lnL>
+                    <a:lnR w="28575" cap="flat" cmpd="sng" algn="ctr">
+                      <a:solidFill>
+                        <a:schemeClr val="bg1">
+                          <a:lumMod val="50000"/>
+                        </a:schemeClr>
+                      </a:solidFill>
+                      <a:prstDash val="solid"/>
+                      <a:round/>
+                      <a:headEnd type="none" w="med" len="med"/>
+                      <a:tailEnd type="none" w="med" len="med"/>
+                    </a:lnR>
+                    <a:lnT w="28575" cap="flat" cmpd="sng" algn="ctr">
+                      <a:solidFill>
+                        <a:schemeClr val="bg1">
+                          <a:lumMod val="50000"/>
+                        </a:schemeClr>
+                      </a:solidFill>
+                      <a:prstDash val="solid"/>
+                      <a:round/>
+                      <a:headEnd type="none" w="med" len="med"/>
+                      <a:tailEnd type="none" w="med" len="med"/>
+                    </a:lnT>
+                    <a:lnB w="28575" cap="flat" cmpd="sng" algn="ctr">
+                      <a:solidFill>
+                        <a:schemeClr val="bg1">
+                          <a:lumMod val="50000"/>
+                        </a:schemeClr>
                       </a:solidFill>
                       <a:prstDash val="solid"/>
                       <a:round/>
@@ -10010,7 +10538,9 @@
                             <a:noFill/>
                           </a:ln>
                           <a:solidFill>
-                            <a:prstClr val="black"/>
+                            <a:schemeClr val="bg1">
+                              <a:lumMod val="50000"/>
+                            </a:schemeClr>
                           </a:solidFill>
                           <a:effectLst/>
                           <a:uLnTx/>
@@ -10023,7 +10553,9 @@
                       </a:r>
                       <a:endParaRPr lang="en-US" sz="1100" b="1" i="0" u="none" strike="noStrike" dirty="0">
                         <a:solidFill>
-                          <a:srgbClr val="000000"/>
+                          <a:schemeClr val="bg1">
+                            <a:lumMod val="50000"/>
+                          </a:schemeClr>
                         </a:solidFill>
                         <a:effectLst/>
                         <a:latin typeface="Consolas" panose="020B0609020204030204" pitchFamily="49" charset="0"/>
@@ -10031,9 +10563,11 @@
                     </a:p>
                   </a:txBody>
                   <a:tcPr marL="9525" marR="9525" marT="9525" marB="0" anchor="ctr">
-                    <a:lnL w="57150" cap="flat" cmpd="sng" algn="ctr">
-                      <a:solidFill>
-                        <a:schemeClr val="tx1"/>
+                    <a:lnL w="28575" cap="flat" cmpd="sng" algn="ctr">
+                      <a:solidFill>
+                        <a:schemeClr val="bg1">
+                          <a:lumMod val="50000"/>
+                        </a:schemeClr>
                       </a:solidFill>
                       <a:prstDash val="solid"/>
                       <a:round/>
@@ -10042,7 +10576,9 @@
                     </a:lnL>
                     <a:lnR w="28575" cap="flat" cmpd="sng" algn="ctr">
                       <a:solidFill>
-                        <a:schemeClr val="tx1"/>
+                        <a:schemeClr val="bg1">
+                          <a:lumMod val="50000"/>
+                        </a:schemeClr>
                       </a:solidFill>
                       <a:prstDash val="solid"/>
                       <a:round/>
@@ -10051,7 +10587,9 @@
                     </a:lnR>
                     <a:lnT w="28575" cap="flat" cmpd="sng" algn="ctr">
                       <a:solidFill>
-                        <a:schemeClr val="tx1"/>
+                        <a:schemeClr val="bg1">
+                          <a:lumMod val="50000"/>
+                        </a:schemeClr>
                       </a:solidFill>
                       <a:prstDash val="solid"/>
                       <a:round/>
@@ -10060,7 +10598,101 @@
                     </a:lnT>
                     <a:lnB w="28575" cap="flat" cmpd="sng" algn="ctr">
                       <a:solidFill>
-                        <a:schemeClr val="tx1"/>
+                        <a:schemeClr val="bg1">
+                          <a:lumMod val="50000"/>
+                        </a:schemeClr>
+                      </a:solidFill>
+                      <a:prstDash val="solid"/>
+                      <a:round/>
+                      <a:headEnd type="none" w="med" len="med"/>
+                      <a:tailEnd type="none" w="med" len="med"/>
+                    </a:lnB>
+                    <a:lnTlToBr w="12700" cmpd="sng">
+                      <a:noFill/>
+                      <a:prstDash val="solid"/>
+                    </a:lnTlToBr>
+                    <a:lnBlToTr w="12700" cmpd="sng">
+                      <a:noFill/>
+                      <a:prstDash val="solid"/>
+                    </a:lnBlToTr>
+                    <a:noFill/>
+                  </a:tcPr>
+                </a:tc>
+                <a:tc>
+                  <a:txBody>
+                    <a:bodyPr/>
+                    <a:lstStyle/>
+                    <a:p>
+                      <a:pPr algn="ctr" fontAlgn="b"/>
+                      <a:r>
+                        <a:rPr kumimoji="0" lang="it-IT" sz="1100" b="1" i="0" u="none" strike="noStrike" kern="1200" cap="none" spc="0" normalizeH="0" baseline="0" noProof="0" dirty="0">
+                          <a:ln>
+                            <a:noFill/>
+                          </a:ln>
+                          <a:solidFill>
+                            <a:schemeClr val="bg1">
+                              <a:lumMod val="50000"/>
+                            </a:schemeClr>
+                          </a:solidFill>
+                          <a:effectLst/>
+                          <a:uLnTx/>
+                          <a:uFillTx/>
+                          <a:latin typeface="Consolas" panose="020B0609020204030204" pitchFamily="49" charset="0"/>
+                          <a:ea typeface="+mn-ea"/>
+                          <a:cs typeface="+mn-cs"/>
+                        </a:rPr>
+                        <a:t>...</a:t>
+                      </a:r>
+                      <a:endParaRPr lang="it-IT" sz="1100" b="1" i="0" u="none" strike="noStrike" dirty="0">
+                        <a:solidFill>
+                          <a:schemeClr val="bg1">
+                            <a:lumMod val="50000"/>
+                          </a:schemeClr>
+                        </a:solidFill>
+                        <a:effectLst/>
+                        <a:latin typeface="Consolas" panose="020B0609020204030204" pitchFamily="49" charset="0"/>
+                      </a:endParaRPr>
+                    </a:p>
+                  </a:txBody>
+                  <a:tcPr marL="9525" marR="9525" marT="9525" marB="0" anchor="ctr">
+                    <a:lnL w="28575" cap="flat" cmpd="sng" algn="ctr">
+                      <a:solidFill>
+                        <a:schemeClr val="bg1">
+                          <a:lumMod val="50000"/>
+                        </a:schemeClr>
+                      </a:solidFill>
+                      <a:prstDash val="solid"/>
+                      <a:round/>
+                      <a:headEnd type="none" w="med" len="med"/>
+                      <a:tailEnd type="none" w="med" len="med"/>
+                    </a:lnL>
+                    <a:lnR w="28575" cap="flat" cmpd="sng" algn="ctr">
+                      <a:solidFill>
+                        <a:schemeClr val="bg1">
+                          <a:lumMod val="50000"/>
+                        </a:schemeClr>
+                      </a:solidFill>
+                      <a:prstDash val="solid"/>
+                      <a:round/>
+                      <a:headEnd type="none" w="med" len="med"/>
+                      <a:tailEnd type="none" w="med" len="med"/>
+                    </a:lnR>
+                    <a:lnT w="28575" cap="flat" cmpd="sng" algn="ctr">
+                      <a:solidFill>
+                        <a:schemeClr val="bg1">
+                          <a:lumMod val="50000"/>
+                        </a:schemeClr>
+                      </a:solidFill>
+                      <a:prstDash val="solid"/>
+                      <a:round/>
+                      <a:headEnd type="none" w="med" len="med"/>
+                      <a:tailEnd type="none" w="med" len="med"/>
+                    </a:lnT>
+                    <a:lnB w="28575" cap="flat" cmpd="sng" algn="ctr">
+                      <a:solidFill>
+                        <a:schemeClr val="bg1">
+                          <a:lumMod val="50000"/>
+                        </a:schemeClr>
                       </a:solidFill>
                       <a:prstDash val="solid"/>
                       <a:round/>
@@ -10090,7 +10722,9 @@
                             <a:noFill/>
                           </a:ln>
                           <a:solidFill>
-                            <a:prstClr val="black"/>
+                            <a:schemeClr val="bg1">
+                              <a:lumMod val="50000"/>
+                            </a:schemeClr>
                           </a:solidFill>
                           <a:effectLst/>
                           <a:uLnTx/>
@@ -10103,7 +10737,9 @@
                       </a:r>
                       <a:endParaRPr lang="en-US" sz="1100" b="1" i="0" u="none" strike="noStrike" dirty="0">
                         <a:solidFill>
-                          <a:srgbClr val="000000"/>
+                          <a:schemeClr val="bg1">
+                            <a:lumMod val="50000"/>
+                          </a:schemeClr>
                         </a:solidFill>
                         <a:effectLst/>
                         <a:latin typeface="Consolas" panose="020B0609020204030204" pitchFamily="49" charset="0"/>
@@ -10113,7 +10749,9 @@
                   <a:tcPr marL="9525" marR="9525" marT="9525" marB="0" anchor="ctr">
                     <a:lnL w="28575" cap="flat" cmpd="sng" algn="ctr">
                       <a:solidFill>
-                        <a:schemeClr val="tx1"/>
+                        <a:schemeClr val="bg1">
+                          <a:lumMod val="50000"/>
+                        </a:schemeClr>
                       </a:solidFill>
                       <a:prstDash val="solid"/>
                       <a:round/>
@@ -10122,7 +10760,9 @@
                     </a:lnL>
                     <a:lnR w="28575" cap="flat" cmpd="sng" algn="ctr">
                       <a:solidFill>
-                        <a:schemeClr val="tx1"/>
+                        <a:schemeClr val="bg1">
+                          <a:lumMod val="50000"/>
+                        </a:schemeClr>
                       </a:solidFill>
                       <a:prstDash val="solid"/>
                       <a:round/>
@@ -10131,7 +10771,9 @@
                     </a:lnR>
                     <a:lnT w="28575" cap="flat" cmpd="sng" algn="ctr">
                       <a:solidFill>
-                        <a:schemeClr val="tx1"/>
+                        <a:schemeClr val="bg1">
+                          <a:lumMod val="50000"/>
+                        </a:schemeClr>
                       </a:solidFill>
                       <a:prstDash val="solid"/>
                       <a:round/>
@@ -10140,167 +10782,9 @@
                     </a:lnT>
                     <a:lnB w="28575" cap="flat" cmpd="sng" algn="ctr">
                       <a:solidFill>
-                        <a:schemeClr val="tx1"/>
-                      </a:solidFill>
-                      <a:prstDash val="solid"/>
-                      <a:round/>
-                      <a:headEnd type="none" w="med" len="med"/>
-                      <a:tailEnd type="none" w="med" len="med"/>
-                    </a:lnB>
-                    <a:lnTlToBr w="12700" cmpd="sng">
-                      <a:noFill/>
-                      <a:prstDash val="solid"/>
-                    </a:lnTlToBr>
-                    <a:lnBlToTr w="12700" cmpd="sng">
-                      <a:noFill/>
-                      <a:prstDash val="solid"/>
-                    </a:lnBlToTr>
-                    <a:noFill/>
-                  </a:tcPr>
-                </a:tc>
-                <a:tc>
-                  <a:txBody>
-                    <a:bodyPr/>
-                    <a:lstStyle/>
-                    <a:p>
-                      <a:pPr algn="ctr" fontAlgn="b"/>
-                      <a:r>
-                        <a:rPr kumimoji="0" lang="it-IT" sz="1100" b="1" i="0" u="none" strike="noStrike" kern="1200" cap="none" spc="0" normalizeH="0" baseline="0" noProof="0">
-                          <a:ln>
-                            <a:noFill/>
-                          </a:ln>
-                          <a:solidFill>
-                            <a:prstClr val="black"/>
-                          </a:solidFill>
-                          <a:effectLst/>
-                          <a:uLnTx/>
-                          <a:uFillTx/>
-                          <a:latin typeface="Consolas" panose="020B0609020204030204" pitchFamily="49" charset="0"/>
-                          <a:ea typeface="+mn-ea"/>
-                          <a:cs typeface="+mn-cs"/>
-                        </a:rPr>
-                        <a:t>...</a:t>
-                      </a:r>
-                      <a:endParaRPr lang="it-IT" sz="1100" b="1" i="0" u="none" strike="noStrike" dirty="0">
-                        <a:solidFill>
-                          <a:srgbClr val="000000"/>
-                        </a:solidFill>
-                        <a:effectLst/>
-                        <a:latin typeface="Consolas" panose="020B0609020204030204" pitchFamily="49" charset="0"/>
-                      </a:endParaRPr>
-                    </a:p>
-                  </a:txBody>
-                  <a:tcPr marL="9525" marR="9525" marT="9525" marB="0" anchor="ctr">
-                    <a:lnL w="28575" cap="flat" cmpd="sng" algn="ctr">
-                      <a:solidFill>
-                        <a:schemeClr val="tx1"/>
-                      </a:solidFill>
-                      <a:prstDash val="solid"/>
-                      <a:round/>
-                      <a:headEnd type="none" w="med" len="med"/>
-                      <a:tailEnd type="none" w="med" len="med"/>
-                    </a:lnL>
-                    <a:lnR w="28575" cap="flat" cmpd="sng" algn="ctr">
-                      <a:solidFill>
-                        <a:schemeClr val="tx1"/>
-                      </a:solidFill>
-                      <a:prstDash val="solid"/>
-                      <a:round/>
-                      <a:headEnd type="none" w="med" len="med"/>
-                      <a:tailEnd type="none" w="med" len="med"/>
-                    </a:lnR>
-                    <a:lnT w="28575" cap="flat" cmpd="sng" algn="ctr">
-                      <a:solidFill>
-                        <a:schemeClr val="tx1"/>
-                      </a:solidFill>
-                      <a:prstDash val="solid"/>
-                      <a:round/>
-                      <a:headEnd type="none" w="med" len="med"/>
-                      <a:tailEnd type="none" w="med" len="med"/>
-                    </a:lnT>
-                    <a:lnB w="28575" cap="flat" cmpd="sng" algn="ctr">
-                      <a:solidFill>
-                        <a:schemeClr val="tx1"/>
-                      </a:solidFill>
-                      <a:prstDash val="solid"/>
-                      <a:round/>
-                      <a:headEnd type="none" w="med" len="med"/>
-                      <a:tailEnd type="none" w="med" len="med"/>
-                    </a:lnB>
-                    <a:lnTlToBr w="12700" cmpd="sng">
-                      <a:noFill/>
-                      <a:prstDash val="solid"/>
-                    </a:lnTlToBr>
-                    <a:lnBlToTr w="12700" cmpd="sng">
-                      <a:noFill/>
-                      <a:prstDash val="solid"/>
-                    </a:lnBlToTr>
-                    <a:noFill/>
-                  </a:tcPr>
-                </a:tc>
-                <a:tc>
-                  <a:txBody>
-                    <a:bodyPr/>
-                    <a:lstStyle/>
-                    <a:p>
-                      <a:pPr algn="ctr" fontAlgn="b"/>
-                      <a:r>
-                        <a:rPr kumimoji="0" lang="it-IT" sz="1100" b="1" i="0" u="none" strike="noStrike" kern="1200" cap="none" spc="0" normalizeH="0" baseline="0" noProof="0">
-                          <a:ln>
-                            <a:noFill/>
-                          </a:ln>
-                          <a:solidFill>
-                            <a:prstClr val="black"/>
-                          </a:solidFill>
-                          <a:effectLst/>
-                          <a:uLnTx/>
-                          <a:uFillTx/>
-                          <a:latin typeface="Consolas" panose="020B0609020204030204" pitchFamily="49" charset="0"/>
-                          <a:ea typeface="+mn-ea"/>
-                          <a:cs typeface="+mn-cs"/>
-                        </a:rPr>
-                        <a:t>...</a:t>
-                      </a:r>
-                      <a:endParaRPr lang="en-US" sz="1100" b="1" i="0" u="none" strike="noStrike" dirty="0">
-                        <a:solidFill>
-                          <a:srgbClr val="000000"/>
-                        </a:solidFill>
-                        <a:effectLst/>
-                        <a:latin typeface="Consolas" panose="020B0609020204030204" pitchFamily="49" charset="0"/>
-                      </a:endParaRPr>
-                    </a:p>
-                  </a:txBody>
-                  <a:tcPr marL="9525" marR="9525" marT="9525" marB="0" anchor="ctr">
-                    <a:lnL w="28575" cap="flat" cmpd="sng" algn="ctr">
-                      <a:solidFill>
-                        <a:schemeClr val="tx1"/>
-                      </a:solidFill>
-                      <a:prstDash val="solid"/>
-                      <a:round/>
-                      <a:headEnd type="none" w="med" len="med"/>
-                      <a:tailEnd type="none" w="med" len="med"/>
-                    </a:lnL>
-                    <a:lnR w="28575" cap="flat" cmpd="sng" algn="ctr">
-                      <a:solidFill>
-                        <a:schemeClr val="tx1"/>
-                      </a:solidFill>
-                      <a:prstDash val="solid"/>
-                      <a:round/>
-                      <a:headEnd type="none" w="med" len="med"/>
-                      <a:tailEnd type="none" w="med" len="med"/>
-                    </a:lnR>
-                    <a:lnT w="28575" cap="flat" cmpd="sng" algn="ctr">
-                      <a:solidFill>
-                        <a:schemeClr val="tx1"/>
-                      </a:solidFill>
-                      <a:prstDash val="solid"/>
-                      <a:round/>
-                      <a:headEnd type="none" w="med" len="med"/>
-                      <a:tailEnd type="none" w="med" len="med"/>
-                    </a:lnT>
-                    <a:lnB w="28575" cap="flat" cmpd="sng" algn="ctr">
-                      <a:solidFill>
-                        <a:schemeClr val="tx1"/>
+                        <a:schemeClr val="bg1">
+                          <a:lumMod val="50000"/>
+                        </a:schemeClr>
                       </a:solidFill>
                       <a:prstDash val="solid"/>
                       <a:round/>
@@ -10330,7 +10814,9 @@
                             <a:noFill/>
                           </a:ln>
                           <a:solidFill>
-                            <a:prstClr val="black"/>
+                            <a:schemeClr val="bg1">
+                              <a:lumMod val="50000"/>
+                            </a:schemeClr>
                           </a:solidFill>
                           <a:effectLst/>
                           <a:uLnTx/>
@@ -10343,7 +10829,9 @@
                       </a:r>
                       <a:endParaRPr lang="it-IT" sz="1100" b="1" i="0" u="none" strike="noStrike" dirty="0">
                         <a:solidFill>
-                          <a:srgbClr val="000000"/>
+                          <a:schemeClr val="bg1">
+                            <a:lumMod val="50000"/>
+                          </a:schemeClr>
                         </a:solidFill>
                         <a:effectLst/>
                         <a:latin typeface="Consolas" panose="020B0609020204030204" pitchFamily="49" charset="0"/>
@@ -10353,7 +10841,9 @@
                   <a:tcPr marL="9525" marR="9525" marT="9525" marB="0" anchor="ctr">
                     <a:lnL w="28575" cap="flat" cmpd="sng" algn="ctr">
                       <a:solidFill>
-                        <a:schemeClr val="tx1"/>
+                        <a:schemeClr val="bg1">
+                          <a:lumMod val="50000"/>
+                        </a:schemeClr>
                       </a:solidFill>
                       <a:prstDash val="solid"/>
                       <a:round/>
@@ -10362,7 +10852,9 @@
                     </a:lnL>
                     <a:lnR w="28575" cap="flat" cmpd="sng" algn="ctr">
                       <a:solidFill>
-                        <a:schemeClr val="tx1"/>
+                        <a:schemeClr val="bg1">
+                          <a:lumMod val="50000"/>
+                        </a:schemeClr>
                       </a:solidFill>
                       <a:prstDash val="solid"/>
                       <a:round/>
@@ -10371,7 +10863,9 @@
                     </a:lnR>
                     <a:lnT w="28575" cap="flat" cmpd="sng" algn="ctr">
                       <a:solidFill>
-                        <a:schemeClr val="tx1"/>
+                        <a:schemeClr val="bg1">
+                          <a:lumMod val="50000"/>
+                        </a:schemeClr>
                       </a:solidFill>
                       <a:prstDash val="solid"/>
                       <a:round/>
@@ -10380,7 +10874,9 @@
                     </a:lnT>
                     <a:lnB w="28575" cap="flat" cmpd="sng" algn="ctr">
                       <a:solidFill>
-                        <a:schemeClr val="tx1"/>
+                        <a:schemeClr val="bg1">
+                          <a:lumMod val="50000"/>
+                        </a:schemeClr>
                       </a:solidFill>
                       <a:prstDash val="solid"/>
                       <a:round/>
@@ -10412,6 +10908,4525 @@
     <p:extLst>
       <p:ext uri="{BB962C8B-B14F-4D97-AF65-F5344CB8AC3E}">
         <p14:creationId xmlns:p14="http://schemas.microsoft.com/office/powerpoint/2010/main" val="222752322"/>
+      </p:ext>
+    </p:extLst>
+  </p:cSld>
+  <p:clrMapOvr>
+    <a:masterClrMapping/>
+  </p:clrMapOvr>
+</p:sld>
+</file>
+
+<file path=ppt/slides/slide3.xml><?xml version="1.0" encoding="utf-8"?>
+<p:sld xmlns:a="http://schemas.openxmlformats.org/drawingml/2006/main" xmlns:r="http://schemas.openxmlformats.org/officeDocument/2006/relationships" xmlns:p="http://schemas.openxmlformats.org/presentationml/2006/main">
+  <p:cSld>
+    <p:spTree>
+      <p:nvGrpSpPr>
+        <p:cNvPr id="1" name=""/>
+        <p:cNvGrpSpPr/>
+        <p:nvPr/>
+      </p:nvGrpSpPr>
+      <p:grpSpPr>
+        <a:xfrm>
+          <a:off x="0" y="0"/>
+          <a:ext cx="0" cy="0"/>
+          <a:chOff x="0" y="0"/>
+          <a:chExt cx="0" cy="0"/>
+        </a:xfrm>
+      </p:grpSpPr>
+      <p:graphicFrame>
+        <p:nvGraphicFramePr>
+          <p:cNvPr id="2" name="Table 1">
+            <a:extLst>
+              <a:ext uri="{FF2B5EF4-FFF2-40B4-BE49-F238E27FC236}">
+                <a16:creationId xmlns:a16="http://schemas.microsoft.com/office/drawing/2014/main" id="{A35C150E-C4C1-45E8-8A16-8CB5FBA0194E}"/>
+              </a:ext>
+            </a:extLst>
+          </p:cNvPr>
+          <p:cNvGraphicFramePr>
+            <a:graphicFrameLocks noGrp="1"/>
+          </p:cNvGraphicFramePr>
+          <p:nvPr>
+            <p:extLst>
+              <p:ext uri="{D42A27DB-BD31-4B8C-83A1-F6EECF244321}">
+                <p14:modId xmlns:p14="http://schemas.microsoft.com/office/powerpoint/2010/main" val="742033334"/>
+              </p:ext>
+            </p:extLst>
+          </p:nvPr>
+        </p:nvGraphicFramePr>
+        <p:xfrm>
+          <a:off x="1308683" y="2952750"/>
+          <a:ext cx="4649717" cy="1620000"/>
+        </p:xfrm>
+        <a:graphic>
+          <a:graphicData uri="http://schemas.openxmlformats.org/drawingml/2006/table">
+            <a:tbl>
+              <a:tblPr>
+                <a:tableStyleId>{5C22544A-7EE6-4342-B048-85BDC9FD1C3A}</a:tableStyleId>
+              </a:tblPr>
+              <a:tblGrid>
+                <a:gridCol w="469783">
+                  <a:extLst>
+                    <a:ext uri="{9D8B030D-6E8A-4147-A177-3AD203B41FA5}">
+                      <a16:colId xmlns:a16="http://schemas.microsoft.com/office/drawing/2014/main" val="2766027713"/>
+                    </a:ext>
+                  </a:extLst>
+                </a:gridCol>
+                <a:gridCol w="291934">
+                  <a:extLst>
+                    <a:ext uri="{9D8B030D-6E8A-4147-A177-3AD203B41FA5}">
+                      <a16:colId xmlns:a16="http://schemas.microsoft.com/office/drawing/2014/main" val="1188797880"/>
+                    </a:ext>
+                  </a:extLst>
+                </a:gridCol>
+                <a:gridCol w="324000">
+                  <a:extLst>
+                    <a:ext uri="{9D8B030D-6E8A-4147-A177-3AD203B41FA5}">
+                      <a16:colId xmlns:a16="http://schemas.microsoft.com/office/drawing/2014/main" val="1498254583"/>
+                    </a:ext>
+                  </a:extLst>
+                </a:gridCol>
+                <a:gridCol w="324000">
+                  <a:extLst>
+                    <a:ext uri="{9D8B030D-6E8A-4147-A177-3AD203B41FA5}">
+                      <a16:colId xmlns:a16="http://schemas.microsoft.com/office/drawing/2014/main" val="3180004741"/>
+                    </a:ext>
+                  </a:extLst>
+                </a:gridCol>
+                <a:gridCol w="324000">
+                  <a:extLst>
+                    <a:ext uri="{9D8B030D-6E8A-4147-A177-3AD203B41FA5}">
+                      <a16:colId xmlns:a16="http://schemas.microsoft.com/office/drawing/2014/main" val="745201428"/>
+                    </a:ext>
+                  </a:extLst>
+                </a:gridCol>
+                <a:gridCol w="324000">
+                  <a:extLst>
+                    <a:ext uri="{9D8B030D-6E8A-4147-A177-3AD203B41FA5}">
+                      <a16:colId xmlns:a16="http://schemas.microsoft.com/office/drawing/2014/main" val="2620660030"/>
+                    </a:ext>
+                  </a:extLst>
+                </a:gridCol>
+                <a:gridCol w="324000">
+                  <a:extLst>
+                    <a:ext uri="{9D8B030D-6E8A-4147-A177-3AD203B41FA5}">
+                      <a16:colId xmlns:a16="http://schemas.microsoft.com/office/drawing/2014/main" val="1816952121"/>
+                    </a:ext>
+                  </a:extLst>
+                </a:gridCol>
+                <a:gridCol w="324000">
+                  <a:extLst>
+                    <a:ext uri="{9D8B030D-6E8A-4147-A177-3AD203B41FA5}">
+                      <a16:colId xmlns:a16="http://schemas.microsoft.com/office/drawing/2014/main" val="748737820"/>
+                    </a:ext>
+                  </a:extLst>
+                </a:gridCol>
+                <a:gridCol w="324000">
+                  <a:extLst>
+                    <a:ext uri="{9D8B030D-6E8A-4147-A177-3AD203B41FA5}">
+                      <a16:colId xmlns:a16="http://schemas.microsoft.com/office/drawing/2014/main" val="1629023406"/>
+                    </a:ext>
+                  </a:extLst>
+                </a:gridCol>
+                <a:gridCol w="324000">
+                  <a:extLst>
+                    <a:ext uri="{9D8B030D-6E8A-4147-A177-3AD203B41FA5}">
+                      <a16:colId xmlns:a16="http://schemas.microsoft.com/office/drawing/2014/main" val="1217320909"/>
+                    </a:ext>
+                  </a:extLst>
+                </a:gridCol>
+                <a:gridCol w="324000">
+                  <a:extLst>
+                    <a:ext uri="{9D8B030D-6E8A-4147-A177-3AD203B41FA5}">
+                      <a16:colId xmlns:a16="http://schemas.microsoft.com/office/drawing/2014/main" val="2619857109"/>
+                    </a:ext>
+                  </a:extLst>
+                </a:gridCol>
+                <a:gridCol w="324000">
+                  <a:extLst>
+                    <a:ext uri="{9D8B030D-6E8A-4147-A177-3AD203B41FA5}">
+                      <a16:colId xmlns:a16="http://schemas.microsoft.com/office/drawing/2014/main" val="3886158657"/>
+                    </a:ext>
+                  </a:extLst>
+                </a:gridCol>
+                <a:gridCol w="324000">
+                  <a:extLst>
+                    <a:ext uri="{9D8B030D-6E8A-4147-A177-3AD203B41FA5}">
+                      <a16:colId xmlns:a16="http://schemas.microsoft.com/office/drawing/2014/main" val="860913905"/>
+                    </a:ext>
+                  </a:extLst>
+                </a:gridCol>
+                <a:gridCol w="324000">
+                  <a:extLst>
+                    <a:ext uri="{9D8B030D-6E8A-4147-A177-3AD203B41FA5}">
+                      <a16:colId xmlns:a16="http://schemas.microsoft.com/office/drawing/2014/main" val="4267508543"/>
+                    </a:ext>
+                  </a:extLst>
+                </a:gridCol>
+              </a:tblGrid>
+              <a:tr h="324000">
+                <a:tc>
+                  <a:txBody>
+                    <a:bodyPr/>
+                    <a:lstStyle/>
+                    <a:p>
+                      <a:pPr algn="ctr" fontAlgn="b"/>
+                      <a:endParaRPr lang="it-IT" sz="1100" b="1" i="0" u="none" strike="noStrike" dirty="0">
+                        <a:solidFill>
+                          <a:srgbClr val="000000"/>
+                        </a:solidFill>
+                        <a:effectLst/>
+                        <a:latin typeface="Consolas" panose="020B0609020204030204" pitchFamily="49" charset="0"/>
+                      </a:endParaRPr>
+                    </a:p>
+                  </a:txBody>
+                  <a:tcPr marL="9525" marR="9525" marT="9525" marB="0" anchor="ctr">
+                    <a:lnL w="19050" cap="flat" cmpd="sng" algn="ctr">
+                      <a:noFill/>
+                      <a:prstDash val="solid"/>
+                      <a:round/>
+                      <a:headEnd type="none" w="med" len="med"/>
+                      <a:tailEnd type="none" w="med" len="med"/>
+                    </a:lnL>
+                    <a:lnR w="19050" cap="flat" cmpd="sng" algn="ctr">
+                      <a:solidFill>
+                        <a:schemeClr val="tx1"/>
+                      </a:solidFill>
+                      <a:prstDash val="solid"/>
+                      <a:round/>
+                      <a:headEnd type="none" w="med" len="med"/>
+                      <a:tailEnd type="none" w="med" len="med"/>
+                    </a:lnR>
+                    <a:lnT w="19050" cap="flat" cmpd="sng" algn="ctr">
+                      <a:noFill/>
+                      <a:prstDash val="solid"/>
+                      <a:round/>
+                      <a:headEnd type="none" w="med" len="med"/>
+                      <a:tailEnd type="none" w="med" len="med"/>
+                    </a:lnT>
+                    <a:lnB w="19050" cap="flat" cmpd="sng" algn="ctr">
+                      <a:noFill/>
+                      <a:prstDash val="solid"/>
+                      <a:round/>
+                      <a:headEnd type="none" w="med" len="med"/>
+                      <a:tailEnd type="none" w="med" len="med"/>
+                    </a:lnB>
+                    <a:lnTlToBr w="12700" cmpd="sng">
+                      <a:noFill/>
+                      <a:prstDash val="solid"/>
+                    </a:lnTlToBr>
+                    <a:lnBlToTr w="12700" cmpd="sng">
+                      <a:noFill/>
+                      <a:prstDash val="solid"/>
+                    </a:lnBlToTr>
+                    <a:noFill/>
+                  </a:tcPr>
+                </a:tc>
+                <a:tc gridSpan="4">
+                  <a:txBody>
+                    <a:bodyPr/>
+                    <a:lstStyle/>
+                    <a:p>
+                      <a:pPr algn="ctr" fontAlgn="b"/>
+                      <a:r>
+                        <a:rPr lang="it-IT" sz="1100" b="1" u="none" strike="noStrike" dirty="0">
+                          <a:effectLst/>
+                          <a:latin typeface="Consolas" panose="020B0609020204030204" pitchFamily="49" charset="0"/>
+                        </a:rPr>
+                        <a:t>Bank 0</a:t>
+                      </a:r>
+                      <a:endParaRPr lang="it-IT" sz="1100" b="1" i="0" u="none" strike="noStrike" dirty="0">
+                        <a:solidFill>
+                          <a:srgbClr val="000000"/>
+                        </a:solidFill>
+                        <a:effectLst/>
+                        <a:latin typeface="Consolas" panose="020B0609020204030204" pitchFamily="49" charset="0"/>
+                      </a:endParaRPr>
+                    </a:p>
+                  </a:txBody>
+                  <a:tcPr marL="9525" marR="9525" marT="9525" marB="0" anchor="ctr">
+                    <a:lnL w="19050" cap="flat" cmpd="sng" algn="ctr">
+                      <a:solidFill>
+                        <a:schemeClr val="tx1"/>
+                      </a:solidFill>
+                      <a:prstDash val="solid"/>
+                      <a:round/>
+                      <a:headEnd type="none" w="med" len="med"/>
+                      <a:tailEnd type="none" w="med" len="med"/>
+                    </a:lnL>
+                    <a:lnR w="19050" cap="flat" cmpd="sng" algn="ctr">
+                      <a:solidFill>
+                        <a:schemeClr val="tx1"/>
+                      </a:solidFill>
+                      <a:prstDash val="solid"/>
+                      <a:round/>
+                      <a:headEnd type="none" w="med" len="med"/>
+                      <a:tailEnd type="none" w="med" len="med"/>
+                    </a:lnR>
+                    <a:lnT w="19050" cap="flat" cmpd="sng" algn="ctr">
+                      <a:solidFill>
+                        <a:schemeClr val="tx1"/>
+                      </a:solidFill>
+                      <a:prstDash val="solid"/>
+                      <a:round/>
+                      <a:headEnd type="none" w="med" len="med"/>
+                      <a:tailEnd type="none" w="med" len="med"/>
+                    </a:lnT>
+                    <a:lnB w="19050" cap="flat" cmpd="sng" algn="ctr">
+                      <a:solidFill>
+                        <a:schemeClr val="tx1"/>
+                      </a:solidFill>
+                      <a:prstDash val="solid"/>
+                      <a:round/>
+                      <a:headEnd type="none" w="med" len="med"/>
+                      <a:tailEnd type="none" w="med" len="med"/>
+                    </a:lnB>
+                    <a:lnTlToBr w="12700" cmpd="sng">
+                      <a:noFill/>
+                      <a:prstDash val="solid"/>
+                    </a:lnTlToBr>
+                    <a:lnBlToTr w="12700" cmpd="sng">
+                      <a:noFill/>
+                      <a:prstDash val="solid"/>
+                    </a:lnBlToTr>
+                    <a:solidFill>
+                      <a:srgbClr val="FB0169"/>
+                    </a:solidFill>
+                  </a:tcPr>
+                </a:tc>
+                <a:tc hMerge="1">
+                  <a:txBody>
+                    <a:bodyPr/>
+                    <a:lstStyle/>
+                    <a:p>
+                      <a:endParaRPr lang="it-IT"/>
+                    </a:p>
+                  </a:txBody>
+                  <a:tcPr/>
+                </a:tc>
+                <a:tc hMerge="1">
+                  <a:txBody>
+                    <a:bodyPr/>
+                    <a:lstStyle/>
+                    <a:p>
+                      <a:endParaRPr lang="it-IT"/>
+                    </a:p>
+                  </a:txBody>
+                  <a:tcPr/>
+                </a:tc>
+                <a:tc hMerge="1">
+                  <a:txBody>
+                    <a:bodyPr/>
+                    <a:lstStyle/>
+                    <a:p>
+                      <a:endParaRPr lang="it-IT"/>
+                    </a:p>
+                  </a:txBody>
+                  <a:tcPr/>
+                </a:tc>
+                <a:tc gridSpan="4">
+                  <a:txBody>
+                    <a:bodyPr/>
+                    <a:lstStyle/>
+                    <a:p>
+                      <a:pPr algn="ctr" fontAlgn="b"/>
+                      <a:r>
+                        <a:rPr lang="it-IT" sz="1100" b="1" u="none" strike="noStrike" dirty="0">
+                          <a:effectLst/>
+                          <a:latin typeface="Consolas" panose="020B0609020204030204" pitchFamily="49" charset="0"/>
+                        </a:rPr>
+                        <a:t>Bank 1</a:t>
+                      </a:r>
+                      <a:endParaRPr lang="it-IT" sz="1100" b="1" i="0" u="none" strike="noStrike" dirty="0">
+                        <a:solidFill>
+                          <a:srgbClr val="000000"/>
+                        </a:solidFill>
+                        <a:effectLst/>
+                        <a:latin typeface="Consolas" panose="020B0609020204030204" pitchFamily="49" charset="0"/>
+                      </a:endParaRPr>
+                    </a:p>
+                  </a:txBody>
+                  <a:tcPr marL="9525" marR="9525" marT="9525" marB="0" anchor="ctr">
+                    <a:lnL w="19050" cap="flat" cmpd="sng" algn="ctr">
+                      <a:solidFill>
+                        <a:schemeClr val="tx1"/>
+                      </a:solidFill>
+                      <a:prstDash val="solid"/>
+                      <a:round/>
+                      <a:headEnd type="none" w="med" len="med"/>
+                      <a:tailEnd type="none" w="med" len="med"/>
+                    </a:lnL>
+                    <a:lnR w="19050" cap="flat" cmpd="sng" algn="ctr">
+                      <a:solidFill>
+                        <a:schemeClr val="tx1"/>
+                      </a:solidFill>
+                      <a:prstDash val="solid"/>
+                      <a:round/>
+                      <a:headEnd type="none" w="med" len="med"/>
+                      <a:tailEnd type="none" w="med" len="med"/>
+                    </a:lnR>
+                    <a:lnT w="19050" cap="flat" cmpd="sng" algn="ctr">
+                      <a:solidFill>
+                        <a:schemeClr val="tx1"/>
+                      </a:solidFill>
+                      <a:prstDash val="solid"/>
+                      <a:round/>
+                      <a:headEnd type="none" w="med" len="med"/>
+                      <a:tailEnd type="none" w="med" len="med"/>
+                    </a:lnT>
+                    <a:lnB w="19050" cap="flat" cmpd="sng" algn="ctr">
+                      <a:solidFill>
+                        <a:schemeClr val="tx1"/>
+                      </a:solidFill>
+                      <a:prstDash val="solid"/>
+                      <a:round/>
+                      <a:headEnd type="none" w="med" len="med"/>
+                      <a:tailEnd type="none" w="med" len="med"/>
+                    </a:lnB>
+                    <a:lnTlToBr w="12700" cmpd="sng">
+                      <a:noFill/>
+                      <a:prstDash val="solid"/>
+                    </a:lnTlToBr>
+                    <a:lnBlToTr w="12700" cmpd="sng">
+                      <a:noFill/>
+                      <a:prstDash val="solid"/>
+                    </a:lnBlToTr>
+                    <a:solidFill>
+                      <a:srgbClr val="46B5C0"/>
+                    </a:solidFill>
+                  </a:tcPr>
+                </a:tc>
+                <a:tc hMerge="1">
+                  <a:txBody>
+                    <a:bodyPr/>
+                    <a:lstStyle/>
+                    <a:p>
+                      <a:endParaRPr lang="it-IT"/>
+                    </a:p>
+                  </a:txBody>
+                  <a:tcPr/>
+                </a:tc>
+                <a:tc hMerge="1">
+                  <a:txBody>
+                    <a:bodyPr/>
+                    <a:lstStyle/>
+                    <a:p>
+                      <a:endParaRPr lang="it-IT"/>
+                    </a:p>
+                  </a:txBody>
+                  <a:tcPr/>
+                </a:tc>
+                <a:tc hMerge="1">
+                  <a:txBody>
+                    <a:bodyPr/>
+                    <a:lstStyle/>
+                    <a:p>
+                      <a:endParaRPr lang="it-IT"/>
+                    </a:p>
+                  </a:txBody>
+                  <a:tcPr/>
+                </a:tc>
+                <a:tc>
+                  <a:txBody>
+                    <a:bodyPr/>
+                    <a:lstStyle/>
+                    <a:p>
+                      <a:pPr algn="ctr" fontAlgn="b"/>
+                      <a:r>
+                        <a:rPr kumimoji="0" lang="it-IT" sz="1100" b="1" i="0" u="none" strike="noStrike" kern="1200" cap="none" spc="0" normalizeH="0" baseline="0" noProof="0">
+                          <a:ln>
+                            <a:noFill/>
+                          </a:ln>
+                          <a:solidFill>
+                            <a:prstClr val="black"/>
+                          </a:solidFill>
+                          <a:effectLst/>
+                          <a:uLnTx/>
+                          <a:uFillTx/>
+                          <a:latin typeface="Consolas" panose="020B0609020204030204" pitchFamily="49" charset="0"/>
+                          <a:ea typeface="+mn-ea"/>
+                          <a:cs typeface="+mn-cs"/>
+                        </a:rPr>
+                        <a:t>...</a:t>
+                      </a:r>
+                      <a:endParaRPr lang="it-IT" sz="1100" b="1" i="0" u="none" strike="noStrike" dirty="0">
+                        <a:solidFill>
+                          <a:srgbClr val="000000"/>
+                        </a:solidFill>
+                        <a:effectLst/>
+                        <a:latin typeface="Consolas" panose="020B0609020204030204" pitchFamily="49" charset="0"/>
+                      </a:endParaRPr>
+                    </a:p>
+                  </a:txBody>
+                  <a:tcPr marL="9525" marR="9525" marT="9525" marB="0" anchor="ctr">
+                    <a:lnL w="19050" cap="flat" cmpd="sng" algn="ctr">
+                      <a:solidFill>
+                        <a:schemeClr val="tx1"/>
+                      </a:solidFill>
+                      <a:prstDash val="solid"/>
+                      <a:round/>
+                      <a:headEnd type="none" w="med" len="med"/>
+                      <a:tailEnd type="none" w="med" len="med"/>
+                    </a:lnL>
+                    <a:lnR w="19050" cap="flat" cmpd="sng" algn="ctr">
+                      <a:solidFill>
+                        <a:schemeClr val="tx1"/>
+                      </a:solidFill>
+                      <a:prstDash val="solid"/>
+                      <a:round/>
+                      <a:headEnd type="none" w="med" len="med"/>
+                      <a:tailEnd type="none" w="med" len="med"/>
+                    </a:lnR>
+                    <a:lnT w="19050" cap="flat" cmpd="sng" algn="ctr">
+                      <a:solidFill>
+                        <a:schemeClr val="tx1"/>
+                      </a:solidFill>
+                      <a:prstDash val="solid"/>
+                      <a:round/>
+                      <a:headEnd type="none" w="med" len="med"/>
+                      <a:tailEnd type="none" w="med" len="med"/>
+                    </a:lnT>
+                    <a:lnB w="19050" cap="flat" cmpd="sng" algn="ctr">
+                      <a:solidFill>
+                        <a:schemeClr val="tx1"/>
+                      </a:solidFill>
+                      <a:prstDash val="solid"/>
+                      <a:round/>
+                      <a:headEnd type="none" w="med" len="med"/>
+                      <a:tailEnd type="none" w="med" len="med"/>
+                    </a:lnB>
+                    <a:lnTlToBr w="12700" cmpd="sng">
+                      <a:noFill/>
+                      <a:prstDash val="solid"/>
+                    </a:lnTlToBr>
+                    <a:lnBlToTr w="12700" cmpd="sng">
+                      <a:noFill/>
+                      <a:prstDash val="solid"/>
+                    </a:lnBlToTr>
+                    <a:noFill/>
+                  </a:tcPr>
+                </a:tc>
+                <a:tc gridSpan="4">
+                  <a:txBody>
+                    <a:bodyPr/>
+                    <a:lstStyle/>
+                    <a:p>
+                      <a:pPr algn="ctr" fontAlgn="b"/>
+                      <a:r>
+                        <a:rPr lang="it-IT" sz="1100" b="1" u="none" strike="noStrike" dirty="0">
+                          <a:effectLst/>
+                          <a:latin typeface="Consolas" panose="020B0609020204030204" pitchFamily="49" charset="0"/>
+                        </a:rPr>
+                        <a:t>Bank 31</a:t>
+                      </a:r>
+                      <a:endParaRPr lang="it-IT" sz="1100" b="1" i="0" u="none" strike="noStrike" dirty="0">
+                        <a:solidFill>
+                          <a:srgbClr val="000000"/>
+                        </a:solidFill>
+                        <a:effectLst/>
+                        <a:latin typeface="Consolas" panose="020B0609020204030204" pitchFamily="49" charset="0"/>
+                      </a:endParaRPr>
+                    </a:p>
+                  </a:txBody>
+                  <a:tcPr marL="9525" marR="9525" marT="9525" marB="0" anchor="ctr">
+                    <a:lnL w="19050" cap="flat" cmpd="sng" algn="ctr">
+                      <a:solidFill>
+                        <a:schemeClr val="tx1"/>
+                      </a:solidFill>
+                      <a:prstDash val="solid"/>
+                      <a:round/>
+                      <a:headEnd type="none" w="med" len="med"/>
+                      <a:tailEnd type="none" w="med" len="med"/>
+                    </a:lnL>
+                    <a:lnR w="19050" cap="flat" cmpd="sng" algn="ctr">
+                      <a:solidFill>
+                        <a:schemeClr val="tx1"/>
+                      </a:solidFill>
+                      <a:prstDash val="solid"/>
+                      <a:round/>
+                      <a:headEnd type="none" w="med" len="med"/>
+                      <a:tailEnd type="none" w="med" len="med"/>
+                    </a:lnR>
+                    <a:lnT w="19050" cap="flat" cmpd="sng" algn="ctr">
+                      <a:solidFill>
+                        <a:schemeClr val="tx1"/>
+                      </a:solidFill>
+                      <a:prstDash val="solid"/>
+                      <a:round/>
+                      <a:headEnd type="none" w="med" len="med"/>
+                      <a:tailEnd type="none" w="med" len="med"/>
+                    </a:lnT>
+                    <a:lnB w="19050" cap="flat" cmpd="sng" algn="ctr">
+                      <a:solidFill>
+                        <a:schemeClr val="tx1"/>
+                      </a:solidFill>
+                      <a:prstDash val="solid"/>
+                      <a:round/>
+                      <a:headEnd type="none" w="med" len="med"/>
+                      <a:tailEnd type="none" w="med" len="med"/>
+                    </a:lnB>
+                    <a:lnTlToBr w="12700" cmpd="sng">
+                      <a:noFill/>
+                      <a:prstDash val="solid"/>
+                    </a:lnTlToBr>
+                    <a:lnBlToTr w="12700" cmpd="sng">
+                      <a:noFill/>
+                      <a:prstDash val="solid"/>
+                    </a:lnBlToTr>
+                    <a:solidFill>
+                      <a:srgbClr val="C68C18"/>
+                    </a:solidFill>
+                  </a:tcPr>
+                </a:tc>
+                <a:tc hMerge="1">
+                  <a:txBody>
+                    <a:bodyPr/>
+                    <a:lstStyle/>
+                    <a:p>
+                      <a:endParaRPr lang="it-IT"/>
+                    </a:p>
+                  </a:txBody>
+                  <a:tcPr/>
+                </a:tc>
+                <a:tc hMerge="1">
+                  <a:txBody>
+                    <a:bodyPr/>
+                    <a:lstStyle/>
+                    <a:p>
+                      <a:endParaRPr lang="it-IT"/>
+                    </a:p>
+                  </a:txBody>
+                  <a:tcPr/>
+                </a:tc>
+                <a:tc hMerge="1">
+                  <a:txBody>
+                    <a:bodyPr/>
+                    <a:lstStyle/>
+                    <a:p>
+                      <a:endParaRPr lang="it-IT"/>
+                    </a:p>
+                  </a:txBody>
+                  <a:tcPr/>
+                </a:tc>
+                <a:extLst>
+                  <a:ext uri="{0D108BD9-81ED-4DB2-BD59-A6C34878D82A}">
+                    <a16:rowId xmlns:a16="http://schemas.microsoft.com/office/drawing/2014/main" val="236921798"/>
+                  </a:ext>
+                </a:extLst>
+              </a:tr>
+              <a:tr h="324000">
+                <a:tc rowSpan="4">
+                  <a:txBody>
+                    <a:bodyPr/>
+                    <a:lstStyle/>
+                    <a:p>
+                      <a:pPr algn="ctr" fontAlgn="ctr"/>
+                      <a:r>
+                        <a:rPr lang="it-IT" sz="1100" b="1" u="none" strike="noStrike" dirty="0">
+                          <a:solidFill>
+                            <a:schemeClr val="bg1">
+                              <a:lumMod val="50000"/>
+                            </a:schemeClr>
+                          </a:solidFill>
+                          <a:effectLst/>
+                          <a:latin typeface="Consolas" panose="020B0609020204030204" pitchFamily="49" charset="0"/>
+                        </a:rPr>
+                        <a:t>Bytes</a:t>
+                      </a:r>
+                      <a:endParaRPr lang="it-IT" sz="1100" b="1" i="0" u="none" strike="noStrike" dirty="0">
+                        <a:solidFill>
+                          <a:schemeClr val="bg1">
+                            <a:lumMod val="50000"/>
+                          </a:schemeClr>
+                        </a:solidFill>
+                        <a:effectLst/>
+                        <a:latin typeface="Consolas" panose="020B0609020204030204" pitchFamily="49" charset="0"/>
+                      </a:endParaRPr>
+                    </a:p>
+                  </a:txBody>
+                  <a:tcPr marL="9525" marR="9525" marT="9525" marB="0" vert="wordArtVert" anchor="ctr">
+                    <a:lnL w="19050" cap="flat" cmpd="sng" algn="ctr">
+                      <a:noFill/>
+                      <a:prstDash val="solid"/>
+                      <a:round/>
+                      <a:headEnd type="none" w="med" len="med"/>
+                      <a:tailEnd type="none" w="med" len="med"/>
+                    </a:lnL>
+                    <a:lnR w="19050" cap="flat" cmpd="sng" algn="ctr">
+                      <a:solidFill>
+                        <a:schemeClr val="tx1"/>
+                      </a:solidFill>
+                      <a:prstDash val="solid"/>
+                      <a:round/>
+                      <a:headEnd type="none" w="med" len="med"/>
+                      <a:tailEnd type="none" w="med" len="med"/>
+                    </a:lnR>
+                    <a:lnT w="19050" cap="flat" cmpd="sng" algn="ctr">
+                      <a:noFill/>
+                      <a:prstDash val="solid"/>
+                      <a:round/>
+                      <a:headEnd type="none" w="med" len="med"/>
+                      <a:tailEnd type="none" w="med" len="med"/>
+                    </a:lnT>
+                    <a:lnB w="19050" cap="flat" cmpd="sng" algn="ctr">
+                      <a:noFill/>
+                      <a:prstDash val="solid"/>
+                      <a:round/>
+                      <a:headEnd type="none" w="med" len="med"/>
+                      <a:tailEnd type="none" w="med" len="med"/>
+                    </a:lnB>
+                    <a:lnTlToBr w="12700" cmpd="sng">
+                      <a:noFill/>
+                      <a:prstDash val="solid"/>
+                    </a:lnTlToBr>
+                    <a:lnBlToTr w="12700" cmpd="sng">
+                      <a:noFill/>
+                      <a:prstDash val="solid"/>
+                    </a:lnBlToTr>
+                    <a:noFill/>
+                  </a:tcPr>
+                </a:tc>
+                <a:tc>
+                  <a:txBody>
+                    <a:bodyPr/>
+                    <a:lstStyle/>
+                    <a:p>
+                      <a:pPr algn="ctr" fontAlgn="b"/>
+                      <a:r>
+                        <a:rPr lang="it-IT" sz="1100" u="none" strike="noStrike">
+                          <a:effectLst/>
+                          <a:latin typeface="Consolas" panose="020B0609020204030204" pitchFamily="49" charset="0"/>
+                        </a:rPr>
+                        <a:t>0</a:t>
+                      </a:r>
+                      <a:endParaRPr lang="it-IT" sz="1100" b="0" i="0" u="none" strike="noStrike">
+                        <a:solidFill>
+                          <a:srgbClr val="000000"/>
+                        </a:solidFill>
+                        <a:effectLst/>
+                        <a:latin typeface="Consolas" panose="020B0609020204030204" pitchFamily="49" charset="0"/>
+                      </a:endParaRPr>
+                    </a:p>
+                  </a:txBody>
+                  <a:tcPr marL="9525" marR="9525" marT="9525" marB="0" anchor="ctr">
+                    <a:lnL w="19050" cap="flat" cmpd="sng" algn="ctr">
+                      <a:solidFill>
+                        <a:schemeClr val="tx1"/>
+                      </a:solidFill>
+                      <a:prstDash val="solid"/>
+                      <a:round/>
+                      <a:headEnd type="none" w="med" len="med"/>
+                      <a:tailEnd type="none" w="med" len="med"/>
+                    </a:lnL>
+                    <a:lnR w="19050" cap="flat" cmpd="sng" algn="ctr">
+                      <a:solidFill>
+                        <a:schemeClr val="tx1"/>
+                      </a:solidFill>
+                      <a:prstDash val="solid"/>
+                      <a:round/>
+                      <a:headEnd type="none" w="med" len="med"/>
+                      <a:tailEnd type="none" w="med" len="med"/>
+                    </a:lnR>
+                    <a:lnT w="19050" cap="flat" cmpd="sng" algn="ctr">
+                      <a:solidFill>
+                        <a:schemeClr val="tx1"/>
+                      </a:solidFill>
+                      <a:prstDash val="solid"/>
+                      <a:round/>
+                      <a:headEnd type="none" w="med" len="med"/>
+                      <a:tailEnd type="none" w="med" len="med"/>
+                    </a:lnT>
+                    <a:lnB w="19050" cap="flat" cmpd="sng" algn="ctr">
+                      <a:solidFill>
+                        <a:schemeClr val="tx1"/>
+                      </a:solidFill>
+                      <a:prstDash val="solid"/>
+                      <a:round/>
+                      <a:headEnd type="none" w="med" len="med"/>
+                      <a:tailEnd type="none" w="med" len="med"/>
+                    </a:lnB>
+                    <a:lnTlToBr w="12700" cmpd="sng">
+                      <a:noFill/>
+                      <a:prstDash val="solid"/>
+                    </a:lnTlToBr>
+                    <a:lnBlToTr w="12700" cmpd="sng">
+                      <a:noFill/>
+                      <a:prstDash val="solid"/>
+                    </a:lnBlToTr>
+                    <a:solidFill>
+                      <a:srgbClr val="FB0169"/>
+                    </a:solidFill>
+                  </a:tcPr>
+                </a:tc>
+                <a:tc>
+                  <a:txBody>
+                    <a:bodyPr/>
+                    <a:lstStyle/>
+                    <a:p>
+                      <a:pPr algn="ctr" fontAlgn="b"/>
+                      <a:r>
+                        <a:rPr lang="it-IT" sz="1100" u="none" strike="noStrike">
+                          <a:effectLst/>
+                          <a:latin typeface="Consolas" panose="020B0609020204030204" pitchFamily="49" charset="0"/>
+                        </a:rPr>
+                        <a:t>1</a:t>
+                      </a:r>
+                      <a:endParaRPr lang="it-IT" sz="1100" b="0" i="0" u="none" strike="noStrike">
+                        <a:solidFill>
+                          <a:srgbClr val="000000"/>
+                        </a:solidFill>
+                        <a:effectLst/>
+                        <a:latin typeface="Consolas" panose="020B0609020204030204" pitchFamily="49" charset="0"/>
+                      </a:endParaRPr>
+                    </a:p>
+                  </a:txBody>
+                  <a:tcPr marL="9525" marR="9525" marT="9525" marB="0" anchor="ctr">
+                    <a:lnL w="19050" cap="flat" cmpd="sng" algn="ctr">
+                      <a:solidFill>
+                        <a:schemeClr val="tx1"/>
+                      </a:solidFill>
+                      <a:prstDash val="solid"/>
+                      <a:round/>
+                      <a:headEnd type="none" w="med" len="med"/>
+                      <a:tailEnd type="none" w="med" len="med"/>
+                    </a:lnL>
+                    <a:lnR w="19050" cap="flat" cmpd="sng" algn="ctr">
+                      <a:solidFill>
+                        <a:schemeClr val="tx1"/>
+                      </a:solidFill>
+                      <a:prstDash val="solid"/>
+                      <a:round/>
+                      <a:headEnd type="none" w="med" len="med"/>
+                      <a:tailEnd type="none" w="med" len="med"/>
+                    </a:lnR>
+                    <a:lnT w="19050" cap="flat" cmpd="sng" algn="ctr">
+                      <a:solidFill>
+                        <a:schemeClr val="tx1"/>
+                      </a:solidFill>
+                      <a:prstDash val="solid"/>
+                      <a:round/>
+                      <a:headEnd type="none" w="med" len="med"/>
+                      <a:tailEnd type="none" w="med" len="med"/>
+                    </a:lnT>
+                    <a:lnB w="19050" cap="flat" cmpd="sng" algn="ctr">
+                      <a:solidFill>
+                        <a:schemeClr val="tx1"/>
+                      </a:solidFill>
+                      <a:prstDash val="solid"/>
+                      <a:round/>
+                      <a:headEnd type="none" w="med" len="med"/>
+                      <a:tailEnd type="none" w="med" len="med"/>
+                    </a:lnB>
+                    <a:lnTlToBr w="12700" cmpd="sng">
+                      <a:noFill/>
+                      <a:prstDash val="solid"/>
+                    </a:lnTlToBr>
+                    <a:lnBlToTr w="12700" cmpd="sng">
+                      <a:noFill/>
+                      <a:prstDash val="solid"/>
+                    </a:lnBlToTr>
+                    <a:solidFill>
+                      <a:srgbClr val="FB0169"/>
+                    </a:solidFill>
+                  </a:tcPr>
+                </a:tc>
+                <a:tc>
+                  <a:txBody>
+                    <a:bodyPr/>
+                    <a:lstStyle/>
+                    <a:p>
+                      <a:pPr algn="ctr" fontAlgn="b"/>
+                      <a:r>
+                        <a:rPr lang="it-IT" sz="1100" u="none" strike="noStrike">
+                          <a:effectLst/>
+                          <a:latin typeface="Consolas" panose="020B0609020204030204" pitchFamily="49" charset="0"/>
+                        </a:rPr>
+                        <a:t>2</a:t>
+                      </a:r>
+                      <a:endParaRPr lang="it-IT" sz="1100" b="0" i="0" u="none" strike="noStrike">
+                        <a:solidFill>
+                          <a:srgbClr val="000000"/>
+                        </a:solidFill>
+                        <a:effectLst/>
+                        <a:latin typeface="Consolas" panose="020B0609020204030204" pitchFamily="49" charset="0"/>
+                      </a:endParaRPr>
+                    </a:p>
+                  </a:txBody>
+                  <a:tcPr marL="9525" marR="9525" marT="9525" marB="0" anchor="ctr">
+                    <a:lnL w="19050" cap="flat" cmpd="sng" algn="ctr">
+                      <a:solidFill>
+                        <a:schemeClr val="tx1"/>
+                      </a:solidFill>
+                      <a:prstDash val="solid"/>
+                      <a:round/>
+                      <a:headEnd type="none" w="med" len="med"/>
+                      <a:tailEnd type="none" w="med" len="med"/>
+                    </a:lnL>
+                    <a:lnR w="19050" cap="flat" cmpd="sng" algn="ctr">
+                      <a:solidFill>
+                        <a:schemeClr val="tx1"/>
+                      </a:solidFill>
+                      <a:prstDash val="solid"/>
+                      <a:round/>
+                      <a:headEnd type="none" w="med" len="med"/>
+                      <a:tailEnd type="none" w="med" len="med"/>
+                    </a:lnR>
+                    <a:lnT w="19050" cap="flat" cmpd="sng" algn="ctr">
+                      <a:solidFill>
+                        <a:schemeClr val="tx1"/>
+                      </a:solidFill>
+                      <a:prstDash val="solid"/>
+                      <a:round/>
+                      <a:headEnd type="none" w="med" len="med"/>
+                      <a:tailEnd type="none" w="med" len="med"/>
+                    </a:lnT>
+                    <a:lnB w="19050" cap="flat" cmpd="sng" algn="ctr">
+                      <a:solidFill>
+                        <a:schemeClr val="tx1"/>
+                      </a:solidFill>
+                      <a:prstDash val="solid"/>
+                      <a:round/>
+                      <a:headEnd type="none" w="med" len="med"/>
+                      <a:tailEnd type="none" w="med" len="med"/>
+                    </a:lnB>
+                    <a:lnTlToBr w="12700" cmpd="sng">
+                      <a:noFill/>
+                      <a:prstDash val="solid"/>
+                    </a:lnTlToBr>
+                    <a:lnBlToTr w="12700" cmpd="sng">
+                      <a:noFill/>
+                      <a:prstDash val="solid"/>
+                    </a:lnBlToTr>
+                    <a:solidFill>
+                      <a:srgbClr val="FB0169"/>
+                    </a:solidFill>
+                  </a:tcPr>
+                </a:tc>
+                <a:tc>
+                  <a:txBody>
+                    <a:bodyPr/>
+                    <a:lstStyle/>
+                    <a:p>
+                      <a:pPr algn="ctr" fontAlgn="b"/>
+                      <a:r>
+                        <a:rPr lang="it-IT" sz="1100" u="none" strike="noStrike">
+                          <a:effectLst/>
+                          <a:latin typeface="Consolas" panose="020B0609020204030204" pitchFamily="49" charset="0"/>
+                        </a:rPr>
+                        <a:t>3</a:t>
+                      </a:r>
+                      <a:endParaRPr lang="it-IT" sz="1100" b="0" i="0" u="none" strike="noStrike">
+                        <a:solidFill>
+                          <a:srgbClr val="000000"/>
+                        </a:solidFill>
+                        <a:effectLst/>
+                        <a:latin typeface="Consolas" panose="020B0609020204030204" pitchFamily="49" charset="0"/>
+                      </a:endParaRPr>
+                    </a:p>
+                  </a:txBody>
+                  <a:tcPr marL="9525" marR="9525" marT="9525" marB="0" anchor="ctr">
+                    <a:lnL w="19050" cap="flat" cmpd="sng" algn="ctr">
+                      <a:solidFill>
+                        <a:schemeClr val="tx1"/>
+                      </a:solidFill>
+                      <a:prstDash val="solid"/>
+                      <a:round/>
+                      <a:headEnd type="none" w="med" len="med"/>
+                      <a:tailEnd type="none" w="med" len="med"/>
+                    </a:lnL>
+                    <a:lnR w="19050" cap="flat" cmpd="sng" algn="ctr">
+                      <a:solidFill>
+                        <a:schemeClr val="tx1"/>
+                      </a:solidFill>
+                      <a:prstDash val="solid"/>
+                      <a:round/>
+                      <a:headEnd type="none" w="med" len="med"/>
+                      <a:tailEnd type="none" w="med" len="med"/>
+                    </a:lnR>
+                    <a:lnT w="19050" cap="flat" cmpd="sng" algn="ctr">
+                      <a:solidFill>
+                        <a:schemeClr val="tx1"/>
+                      </a:solidFill>
+                      <a:prstDash val="solid"/>
+                      <a:round/>
+                      <a:headEnd type="none" w="med" len="med"/>
+                      <a:tailEnd type="none" w="med" len="med"/>
+                    </a:lnT>
+                    <a:lnB w="19050" cap="flat" cmpd="sng" algn="ctr">
+                      <a:solidFill>
+                        <a:schemeClr val="tx1"/>
+                      </a:solidFill>
+                      <a:prstDash val="solid"/>
+                      <a:round/>
+                      <a:headEnd type="none" w="med" len="med"/>
+                      <a:tailEnd type="none" w="med" len="med"/>
+                    </a:lnB>
+                    <a:lnTlToBr w="12700" cmpd="sng">
+                      <a:noFill/>
+                      <a:prstDash val="solid"/>
+                    </a:lnTlToBr>
+                    <a:lnBlToTr w="12700" cmpd="sng">
+                      <a:noFill/>
+                      <a:prstDash val="solid"/>
+                    </a:lnBlToTr>
+                    <a:solidFill>
+                      <a:srgbClr val="FB0169"/>
+                    </a:solidFill>
+                  </a:tcPr>
+                </a:tc>
+                <a:tc>
+                  <a:txBody>
+                    <a:bodyPr/>
+                    <a:lstStyle/>
+                    <a:p>
+                      <a:pPr algn="ctr" fontAlgn="b"/>
+                      <a:r>
+                        <a:rPr lang="it-IT" sz="1100" u="none" strike="noStrike">
+                          <a:effectLst/>
+                          <a:latin typeface="Consolas" panose="020B0609020204030204" pitchFamily="49" charset="0"/>
+                        </a:rPr>
+                        <a:t>4</a:t>
+                      </a:r>
+                      <a:endParaRPr lang="it-IT" sz="1100" b="0" i="0" u="none" strike="noStrike">
+                        <a:solidFill>
+                          <a:srgbClr val="000000"/>
+                        </a:solidFill>
+                        <a:effectLst/>
+                        <a:latin typeface="Consolas" panose="020B0609020204030204" pitchFamily="49" charset="0"/>
+                      </a:endParaRPr>
+                    </a:p>
+                  </a:txBody>
+                  <a:tcPr marL="9525" marR="9525" marT="9525" marB="0" anchor="ctr">
+                    <a:lnL w="19050" cap="flat" cmpd="sng" algn="ctr">
+                      <a:solidFill>
+                        <a:schemeClr val="tx1"/>
+                      </a:solidFill>
+                      <a:prstDash val="solid"/>
+                      <a:round/>
+                      <a:headEnd type="none" w="med" len="med"/>
+                      <a:tailEnd type="none" w="med" len="med"/>
+                    </a:lnL>
+                    <a:lnR w="19050" cap="flat" cmpd="sng" algn="ctr">
+                      <a:solidFill>
+                        <a:schemeClr val="tx1"/>
+                      </a:solidFill>
+                      <a:prstDash val="solid"/>
+                      <a:round/>
+                      <a:headEnd type="none" w="med" len="med"/>
+                      <a:tailEnd type="none" w="med" len="med"/>
+                    </a:lnR>
+                    <a:lnT w="19050" cap="flat" cmpd="sng" algn="ctr">
+                      <a:solidFill>
+                        <a:schemeClr val="tx1"/>
+                      </a:solidFill>
+                      <a:prstDash val="solid"/>
+                      <a:round/>
+                      <a:headEnd type="none" w="med" len="med"/>
+                      <a:tailEnd type="none" w="med" len="med"/>
+                    </a:lnT>
+                    <a:lnB w="19050" cap="flat" cmpd="sng" algn="ctr">
+                      <a:solidFill>
+                        <a:schemeClr val="tx1"/>
+                      </a:solidFill>
+                      <a:prstDash val="solid"/>
+                      <a:round/>
+                      <a:headEnd type="none" w="med" len="med"/>
+                      <a:tailEnd type="none" w="med" len="med"/>
+                    </a:lnB>
+                    <a:lnTlToBr w="12700" cmpd="sng">
+                      <a:noFill/>
+                      <a:prstDash val="solid"/>
+                    </a:lnTlToBr>
+                    <a:lnBlToTr w="12700" cmpd="sng">
+                      <a:noFill/>
+                      <a:prstDash val="solid"/>
+                    </a:lnBlToTr>
+                    <a:solidFill>
+                      <a:srgbClr val="46B5C0"/>
+                    </a:solidFill>
+                  </a:tcPr>
+                </a:tc>
+                <a:tc>
+                  <a:txBody>
+                    <a:bodyPr/>
+                    <a:lstStyle/>
+                    <a:p>
+                      <a:pPr algn="ctr" fontAlgn="b"/>
+                      <a:r>
+                        <a:rPr lang="it-IT" sz="1100" u="none" strike="noStrike">
+                          <a:effectLst/>
+                          <a:latin typeface="Consolas" panose="020B0609020204030204" pitchFamily="49" charset="0"/>
+                        </a:rPr>
+                        <a:t>5</a:t>
+                      </a:r>
+                      <a:endParaRPr lang="it-IT" sz="1100" b="0" i="0" u="none" strike="noStrike">
+                        <a:solidFill>
+                          <a:srgbClr val="000000"/>
+                        </a:solidFill>
+                        <a:effectLst/>
+                        <a:latin typeface="Consolas" panose="020B0609020204030204" pitchFamily="49" charset="0"/>
+                      </a:endParaRPr>
+                    </a:p>
+                  </a:txBody>
+                  <a:tcPr marL="9525" marR="9525" marT="9525" marB="0" anchor="ctr">
+                    <a:lnL w="19050" cap="flat" cmpd="sng" algn="ctr">
+                      <a:solidFill>
+                        <a:schemeClr val="tx1"/>
+                      </a:solidFill>
+                      <a:prstDash val="solid"/>
+                      <a:round/>
+                      <a:headEnd type="none" w="med" len="med"/>
+                      <a:tailEnd type="none" w="med" len="med"/>
+                    </a:lnL>
+                    <a:lnR w="19050" cap="flat" cmpd="sng" algn="ctr">
+                      <a:solidFill>
+                        <a:schemeClr val="tx1"/>
+                      </a:solidFill>
+                      <a:prstDash val="solid"/>
+                      <a:round/>
+                      <a:headEnd type="none" w="med" len="med"/>
+                      <a:tailEnd type="none" w="med" len="med"/>
+                    </a:lnR>
+                    <a:lnT w="19050" cap="flat" cmpd="sng" algn="ctr">
+                      <a:solidFill>
+                        <a:schemeClr val="tx1"/>
+                      </a:solidFill>
+                      <a:prstDash val="solid"/>
+                      <a:round/>
+                      <a:headEnd type="none" w="med" len="med"/>
+                      <a:tailEnd type="none" w="med" len="med"/>
+                    </a:lnT>
+                    <a:lnB w="19050" cap="flat" cmpd="sng" algn="ctr">
+                      <a:solidFill>
+                        <a:schemeClr val="tx1"/>
+                      </a:solidFill>
+                      <a:prstDash val="solid"/>
+                      <a:round/>
+                      <a:headEnd type="none" w="med" len="med"/>
+                      <a:tailEnd type="none" w="med" len="med"/>
+                    </a:lnB>
+                    <a:lnTlToBr w="12700" cmpd="sng">
+                      <a:noFill/>
+                      <a:prstDash val="solid"/>
+                    </a:lnTlToBr>
+                    <a:lnBlToTr w="12700" cmpd="sng">
+                      <a:noFill/>
+                      <a:prstDash val="solid"/>
+                    </a:lnBlToTr>
+                    <a:solidFill>
+                      <a:srgbClr val="46B5C0"/>
+                    </a:solidFill>
+                  </a:tcPr>
+                </a:tc>
+                <a:tc>
+                  <a:txBody>
+                    <a:bodyPr/>
+                    <a:lstStyle/>
+                    <a:p>
+                      <a:pPr algn="ctr" fontAlgn="b"/>
+                      <a:r>
+                        <a:rPr lang="it-IT" sz="1100" u="none" strike="noStrike">
+                          <a:effectLst/>
+                          <a:latin typeface="Consolas" panose="020B0609020204030204" pitchFamily="49" charset="0"/>
+                        </a:rPr>
+                        <a:t>6</a:t>
+                      </a:r>
+                      <a:endParaRPr lang="it-IT" sz="1100" b="0" i="0" u="none" strike="noStrike">
+                        <a:solidFill>
+                          <a:srgbClr val="000000"/>
+                        </a:solidFill>
+                        <a:effectLst/>
+                        <a:latin typeface="Consolas" panose="020B0609020204030204" pitchFamily="49" charset="0"/>
+                      </a:endParaRPr>
+                    </a:p>
+                  </a:txBody>
+                  <a:tcPr marL="9525" marR="9525" marT="9525" marB="0" anchor="ctr">
+                    <a:lnL w="19050" cap="flat" cmpd="sng" algn="ctr">
+                      <a:solidFill>
+                        <a:schemeClr val="tx1"/>
+                      </a:solidFill>
+                      <a:prstDash val="solid"/>
+                      <a:round/>
+                      <a:headEnd type="none" w="med" len="med"/>
+                      <a:tailEnd type="none" w="med" len="med"/>
+                    </a:lnL>
+                    <a:lnR w="19050" cap="flat" cmpd="sng" algn="ctr">
+                      <a:solidFill>
+                        <a:schemeClr val="tx1"/>
+                      </a:solidFill>
+                      <a:prstDash val="solid"/>
+                      <a:round/>
+                      <a:headEnd type="none" w="med" len="med"/>
+                      <a:tailEnd type="none" w="med" len="med"/>
+                    </a:lnR>
+                    <a:lnT w="19050" cap="flat" cmpd="sng" algn="ctr">
+                      <a:solidFill>
+                        <a:schemeClr val="tx1"/>
+                      </a:solidFill>
+                      <a:prstDash val="solid"/>
+                      <a:round/>
+                      <a:headEnd type="none" w="med" len="med"/>
+                      <a:tailEnd type="none" w="med" len="med"/>
+                    </a:lnT>
+                    <a:lnB w="19050" cap="flat" cmpd="sng" algn="ctr">
+                      <a:solidFill>
+                        <a:schemeClr val="tx1"/>
+                      </a:solidFill>
+                      <a:prstDash val="solid"/>
+                      <a:round/>
+                      <a:headEnd type="none" w="med" len="med"/>
+                      <a:tailEnd type="none" w="med" len="med"/>
+                    </a:lnB>
+                    <a:lnTlToBr w="12700" cmpd="sng">
+                      <a:noFill/>
+                      <a:prstDash val="solid"/>
+                    </a:lnTlToBr>
+                    <a:lnBlToTr w="12700" cmpd="sng">
+                      <a:noFill/>
+                      <a:prstDash val="solid"/>
+                    </a:lnBlToTr>
+                    <a:solidFill>
+                      <a:srgbClr val="46B5C0"/>
+                    </a:solidFill>
+                  </a:tcPr>
+                </a:tc>
+                <a:tc>
+                  <a:txBody>
+                    <a:bodyPr/>
+                    <a:lstStyle/>
+                    <a:p>
+                      <a:pPr algn="ctr" fontAlgn="b"/>
+                      <a:r>
+                        <a:rPr lang="it-IT" sz="1100" u="none" strike="noStrike">
+                          <a:effectLst/>
+                          <a:latin typeface="Consolas" panose="020B0609020204030204" pitchFamily="49" charset="0"/>
+                        </a:rPr>
+                        <a:t>7</a:t>
+                      </a:r>
+                      <a:endParaRPr lang="it-IT" sz="1100" b="0" i="0" u="none" strike="noStrike">
+                        <a:solidFill>
+                          <a:srgbClr val="000000"/>
+                        </a:solidFill>
+                        <a:effectLst/>
+                        <a:latin typeface="Consolas" panose="020B0609020204030204" pitchFamily="49" charset="0"/>
+                      </a:endParaRPr>
+                    </a:p>
+                  </a:txBody>
+                  <a:tcPr marL="9525" marR="9525" marT="9525" marB="0" anchor="ctr">
+                    <a:lnL w="19050" cap="flat" cmpd="sng" algn="ctr">
+                      <a:solidFill>
+                        <a:schemeClr val="tx1"/>
+                      </a:solidFill>
+                      <a:prstDash val="solid"/>
+                      <a:round/>
+                      <a:headEnd type="none" w="med" len="med"/>
+                      <a:tailEnd type="none" w="med" len="med"/>
+                    </a:lnL>
+                    <a:lnR w="19050" cap="flat" cmpd="sng" algn="ctr">
+                      <a:solidFill>
+                        <a:schemeClr val="tx1"/>
+                      </a:solidFill>
+                      <a:prstDash val="solid"/>
+                      <a:round/>
+                      <a:headEnd type="none" w="med" len="med"/>
+                      <a:tailEnd type="none" w="med" len="med"/>
+                    </a:lnR>
+                    <a:lnT w="19050" cap="flat" cmpd="sng" algn="ctr">
+                      <a:solidFill>
+                        <a:schemeClr val="tx1"/>
+                      </a:solidFill>
+                      <a:prstDash val="solid"/>
+                      <a:round/>
+                      <a:headEnd type="none" w="med" len="med"/>
+                      <a:tailEnd type="none" w="med" len="med"/>
+                    </a:lnT>
+                    <a:lnB w="19050" cap="flat" cmpd="sng" algn="ctr">
+                      <a:solidFill>
+                        <a:schemeClr val="tx1"/>
+                      </a:solidFill>
+                      <a:prstDash val="solid"/>
+                      <a:round/>
+                      <a:headEnd type="none" w="med" len="med"/>
+                      <a:tailEnd type="none" w="med" len="med"/>
+                    </a:lnB>
+                    <a:lnTlToBr w="12700" cmpd="sng">
+                      <a:noFill/>
+                      <a:prstDash val="solid"/>
+                    </a:lnTlToBr>
+                    <a:lnBlToTr w="12700" cmpd="sng">
+                      <a:noFill/>
+                      <a:prstDash val="solid"/>
+                    </a:lnBlToTr>
+                    <a:solidFill>
+                      <a:srgbClr val="46B5C0"/>
+                    </a:solidFill>
+                  </a:tcPr>
+                </a:tc>
+                <a:tc>
+                  <a:txBody>
+                    <a:bodyPr/>
+                    <a:lstStyle/>
+                    <a:p>
+                      <a:pPr algn="ctr" fontAlgn="b"/>
+                      <a:r>
+                        <a:rPr kumimoji="0" lang="it-IT" sz="1100" b="0" i="0" u="none" strike="noStrike" kern="1200" cap="none" spc="0" normalizeH="0" baseline="0" noProof="0">
+                          <a:ln>
+                            <a:noFill/>
+                          </a:ln>
+                          <a:solidFill>
+                            <a:prstClr val="black"/>
+                          </a:solidFill>
+                          <a:effectLst/>
+                          <a:uLnTx/>
+                          <a:uFillTx/>
+                          <a:latin typeface="Consolas" panose="020B0609020204030204" pitchFamily="49" charset="0"/>
+                          <a:ea typeface="+mn-ea"/>
+                          <a:cs typeface="+mn-cs"/>
+                        </a:rPr>
+                        <a:t>...</a:t>
+                      </a:r>
+                      <a:endParaRPr lang="it-IT" sz="1100" b="0" i="0" u="none" strike="noStrike" dirty="0">
+                        <a:solidFill>
+                          <a:srgbClr val="000000"/>
+                        </a:solidFill>
+                        <a:effectLst/>
+                        <a:latin typeface="Consolas" panose="020B0609020204030204" pitchFamily="49" charset="0"/>
+                      </a:endParaRPr>
+                    </a:p>
+                  </a:txBody>
+                  <a:tcPr marL="9525" marR="9525" marT="9525" marB="0" anchor="ctr">
+                    <a:lnL w="19050" cap="flat" cmpd="sng" algn="ctr">
+                      <a:solidFill>
+                        <a:schemeClr val="tx1"/>
+                      </a:solidFill>
+                      <a:prstDash val="solid"/>
+                      <a:round/>
+                      <a:headEnd type="none" w="med" len="med"/>
+                      <a:tailEnd type="none" w="med" len="med"/>
+                    </a:lnL>
+                    <a:lnR w="19050" cap="flat" cmpd="sng" algn="ctr">
+                      <a:solidFill>
+                        <a:schemeClr val="tx1"/>
+                      </a:solidFill>
+                      <a:prstDash val="solid"/>
+                      <a:round/>
+                      <a:headEnd type="none" w="med" len="med"/>
+                      <a:tailEnd type="none" w="med" len="med"/>
+                    </a:lnR>
+                    <a:lnT w="19050" cap="flat" cmpd="sng" algn="ctr">
+                      <a:solidFill>
+                        <a:schemeClr val="tx1"/>
+                      </a:solidFill>
+                      <a:prstDash val="solid"/>
+                      <a:round/>
+                      <a:headEnd type="none" w="med" len="med"/>
+                      <a:tailEnd type="none" w="med" len="med"/>
+                    </a:lnT>
+                    <a:lnB w="19050" cap="flat" cmpd="sng" algn="ctr">
+                      <a:solidFill>
+                        <a:schemeClr val="tx1"/>
+                      </a:solidFill>
+                      <a:prstDash val="solid"/>
+                      <a:round/>
+                      <a:headEnd type="none" w="med" len="med"/>
+                      <a:tailEnd type="none" w="med" len="med"/>
+                    </a:lnB>
+                    <a:lnTlToBr w="12700" cmpd="sng">
+                      <a:noFill/>
+                      <a:prstDash val="solid"/>
+                    </a:lnTlToBr>
+                    <a:lnBlToTr w="12700" cmpd="sng">
+                      <a:noFill/>
+                      <a:prstDash val="solid"/>
+                    </a:lnBlToTr>
+                    <a:noFill/>
+                  </a:tcPr>
+                </a:tc>
+                <a:tc>
+                  <a:txBody>
+                    <a:bodyPr/>
+                    <a:lstStyle/>
+                    <a:p>
+                      <a:pPr algn="ctr" fontAlgn="b"/>
+                      <a:r>
+                        <a:rPr lang="it-IT" sz="1100" u="none" strike="noStrike">
+                          <a:effectLst/>
+                          <a:latin typeface="Consolas" panose="020B0609020204030204" pitchFamily="49" charset="0"/>
+                        </a:rPr>
+                        <a:t>124</a:t>
+                      </a:r>
+                      <a:endParaRPr lang="it-IT" sz="1100" b="0" i="0" u="none" strike="noStrike">
+                        <a:solidFill>
+                          <a:srgbClr val="000000"/>
+                        </a:solidFill>
+                        <a:effectLst/>
+                        <a:latin typeface="Consolas" panose="020B0609020204030204" pitchFamily="49" charset="0"/>
+                      </a:endParaRPr>
+                    </a:p>
+                  </a:txBody>
+                  <a:tcPr marL="9525" marR="9525" marT="9525" marB="0" anchor="ctr">
+                    <a:lnL w="19050" cap="flat" cmpd="sng" algn="ctr">
+                      <a:solidFill>
+                        <a:schemeClr val="tx1"/>
+                      </a:solidFill>
+                      <a:prstDash val="solid"/>
+                      <a:round/>
+                      <a:headEnd type="none" w="med" len="med"/>
+                      <a:tailEnd type="none" w="med" len="med"/>
+                    </a:lnL>
+                    <a:lnR w="19050" cap="flat" cmpd="sng" algn="ctr">
+                      <a:solidFill>
+                        <a:schemeClr val="tx1"/>
+                      </a:solidFill>
+                      <a:prstDash val="solid"/>
+                      <a:round/>
+                      <a:headEnd type="none" w="med" len="med"/>
+                      <a:tailEnd type="none" w="med" len="med"/>
+                    </a:lnR>
+                    <a:lnT w="19050" cap="flat" cmpd="sng" algn="ctr">
+                      <a:solidFill>
+                        <a:schemeClr val="tx1"/>
+                      </a:solidFill>
+                      <a:prstDash val="solid"/>
+                      <a:round/>
+                      <a:headEnd type="none" w="med" len="med"/>
+                      <a:tailEnd type="none" w="med" len="med"/>
+                    </a:lnT>
+                    <a:lnB w="19050" cap="flat" cmpd="sng" algn="ctr">
+                      <a:solidFill>
+                        <a:schemeClr val="tx1"/>
+                      </a:solidFill>
+                      <a:prstDash val="solid"/>
+                      <a:round/>
+                      <a:headEnd type="none" w="med" len="med"/>
+                      <a:tailEnd type="none" w="med" len="med"/>
+                    </a:lnB>
+                    <a:lnTlToBr w="12700" cmpd="sng">
+                      <a:noFill/>
+                      <a:prstDash val="solid"/>
+                    </a:lnTlToBr>
+                    <a:lnBlToTr w="12700" cmpd="sng">
+                      <a:noFill/>
+                      <a:prstDash val="solid"/>
+                    </a:lnBlToTr>
+                    <a:solidFill>
+                      <a:srgbClr val="C68C18"/>
+                    </a:solidFill>
+                  </a:tcPr>
+                </a:tc>
+                <a:tc>
+                  <a:txBody>
+                    <a:bodyPr/>
+                    <a:lstStyle/>
+                    <a:p>
+                      <a:pPr algn="ctr" fontAlgn="b"/>
+                      <a:r>
+                        <a:rPr lang="it-IT" sz="1100" u="none" strike="noStrike">
+                          <a:effectLst/>
+                          <a:latin typeface="Consolas" panose="020B0609020204030204" pitchFamily="49" charset="0"/>
+                        </a:rPr>
+                        <a:t>125</a:t>
+                      </a:r>
+                      <a:endParaRPr lang="it-IT" sz="1100" b="0" i="0" u="none" strike="noStrike">
+                        <a:solidFill>
+                          <a:srgbClr val="000000"/>
+                        </a:solidFill>
+                        <a:effectLst/>
+                        <a:latin typeface="Consolas" panose="020B0609020204030204" pitchFamily="49" charset="0"/>
+                      </a:endParaRPr>
+                    </a:p>
+                  </a:txBody>
+                  <a:tcPr marL="9525" marR="9525" marT="9525" marB="0" anchor="ctr">
+                    <a:lnL w="19050" cap="flat" cmpd="sng" algn="ctr">
+                      <a:solidFill>
+                        <a:schemeClr val="tx1"/>
+                      </a:solidFill>
+                      <a:prstDash val="solid"/>
+                      <a:round/>
+                      <a:headEnd type="none" w="med" len="med"/>
+                      <a:tailEnd type="none" w="med" len="med"/>
+                    </a:lnL>
+                    <a:lnR w="19050" cap="flat" cmpd="sng" algn="ctr">
+                      <a:solidFill>
+                        <a:schemeClr val="tx1"/>
+                      </a:solidFill>
+                      <a:prstDash val="solid"/>
+                      <a:round/>
+                      <a:headEnd type="none" w="med" len="med"/>
+                      <a:tailEnd type="none" w="med" len="med"/>
+                    </a:lnR>
+                    <a:lnT w="19050" cap="flat" cmpd="sng" algn="ctr">
+                      <a:solidFill>
+                        <a:schemeClr val="tx1"/>
+                      </a:solidFill>
+                      <a:prstDash val="solid"/>
+                      <a:round/>
+                      <a:headEnd type="none" w="med" len="med"/>
+                      <a:tailEnd type="none" w="med" len="med"/>
+                    </a:lnT>
+                    <a:lnB w="19050" cap="flat" cmpd="sng" algn="ctr">
+                      <a:solidFill>
+                        <a:schemeClr val="tx1"/>
+                      </a:solidFill>
+                      <a:prstDash val="solid"/>
+                      <a:round/>
+                      <a:headEnd type="none" w="med" len="med"/>
+                      <a:tailEnd type="none" w="med" len="med"/>
+                    </a:lnB>
+                    <a:lnTlToBr w="12700" cmpd="sng">
+                      <a:noFill/>
+                      <a:prstDash val="solid"/>
+                    </a:lnTlToBr>
+                    <a:lnBlToTr w="12700" cmpd="sng">
+                      <a:noFill/>
+                      <a:prstDash val="solid"/>
+                    </a:lnBlToTr>
+                    <a:solidFill>
+                      <a:srgbClr val="C68C18"/>
+                    </a:solidFill>
+                  </a:tcPr>
+                </a:tc>
+                <a:tc>
+                  <a:txBody>
+                    <a:bodyPr/>
+                    <a:lstStyle/>
+                    <a:p>
+                      <a:pPr algn="ctr" fontAlgn="b"/>
+                      <a:r>
+                        <a:rPr lang="it-IT" sz="1100" u="none" strike="noStrike">
+                          <a:effectLst/>
+                          <a:latin typeface="Consolas" panose="020B0609020204030204" pitchFamily="49" charset="0"/>
+                        </a:rPr>
+                        <a:t>126</a:t>
+                      </a:r>
+                      <a:endParaRPr lang="it-IT" sz="1100" b="0" i="0" u="none" strike="noStrike">
+                        <a:solidFill>
+                          <a:srgbClr val="000000"/>
+                        </a:solidFill>
+                        <a:effectLst/>
+                        <a:latin typeface="Consolas" panose="020B0609020204030204" pitchFamily="49" charset="0"/>
+                      </a:endParaRPr>
+                    </a:p>
+                  </a:txBody>
+                  <a:tcPr marL="9525" marR="9525" marT="9525" marB="0" anchor="ctr">
+                    <a:lnL w="19050" cap="flat" cmpd="sng" algn="ctr">
+                      <a:solidFill>
+                        <a:schemeClr val="tx1"/>
+                      </a:solidFill>
+                      <a:prstDash val="solid"/>
+                      <a:round/>
+                      <a:headEnd type="none" w="med" len="med"/>
+                      <a:tailEnd type="none" w="med" len="med"/>
+                    </a:lnL>
+                    <a:lnR w="19050" cap="flat" cmpd="sng" algn="ctr">
+                      <a:solidFill>
+                        <a:schemeClr val="tx1"/>
+                      </a:solidFill>
+                      <a:prstDash val="solid"/>
+                      <a:round/>
+                      <a:headEnd type="none" w="med" len="med"/>
+                      <a:tailEnd type="none" w="med" len="med"/>
+                    </a:lnR>
+                    <a:lnT w="19050" cap="flat" cmpd="sng" algn="ctr">
+                      <a:solidFill>
+                        <a:schemeClr val="tx1"/>
+                      </a:solidFill>
+                      <a:prstDash val="solid"/>
+                      <a:round/>
+                      <a:headEnd type="none" w="med" len="med"/>
+                      <a:tailEnd type="none" w="med" len="med"/>
+                    </a:lnT>
+                    <a:lnB w="19050" cap="flat" cmpd="sng" algn="ctr">
+                      <a:solidFill>
+                        <a:schemeClr val="tx1"/>
+                      </a:solidFill>
+                      <a:prstDash val="solid"/>
+                      <a:round/>
+                      <a:headEnd type="none" w="med" len="med"/>
+                      <a:tailEnd type="none" w="med" len="med"/>
+                    </a:lnB>
+                    <a:lnTlToBr w="12700" cmpd="sng">
+                      <a:noFill/>
+                      <a:prstDash val="solid"/>
+                    </a:lnTlToBr>
+                    <a:lnBlToTr w="12700" cmpd="sng">
+                      <a:noFill/>
+                      <a:prstDash val="solid"/>
+                    </a:lnBlToTr>
+                    <a:solidFill>
+                      <a:srgbClr val="C68C18"/>
+                    </a:solidFill>
+                  </a:tcPr>
+                </a:tc>
+                <a:tc>
+                  <a:txBody>
+                    <a:bodyPr/>
+                    <a:lstStyle/>
+                    <a:p>
+                      <a:pPr algn="ctr" fontAlgn="b"/>
+                      <a:r>
+                        <a:rPr lang="it-IT" sz="1100" u="none" strike="noStrike">
+                          <a:effectLst/>
+                          <a:latin typeface="Consolas" panose="020B0609020204030204" pitchFamily="49" charset="0"/>
+                        </a:rPr>
+                        <a:t>127</a:t>
+                      </a:r>
+                      <a:endParaRPr lang="it-IT" sz="1100" b="0" i="0" u="none" strike="noStrike">
+                        <a:solidFill>
+                          <a:srgbClr val="000000"/>
+                        </a:solidFill>
+                        <a:effectLst/>
+                        <a:latin typeface="Consolas" panose="020B0609020204030204" pitchFamily="49" charset="0"/>
+                      </a:endParaRPr>
+                    </a:p>
+                  </a:txBody>
+                  <a:tcPr marL="9525" marR="9525" marT="9525" marB="0" anchor="ctr">
+                    <a:lnL w="19050" cap="flat" cmpd="sng" algn="ctr">
+                      <a:solidFill>
+                        <a:schemeClr val="tx1"/>
+                      </a:solidFill>
+                      <a:prstDash val="solid"/>
+                      <a:round/>
+                      <a:headEnd type="none" w="med" len="med"/>
+                      <a:tailEnd type="none" w="med" len="med"/>
+                    </a:lnL>
+                    <a:lnR w="19050" cap="flat" cmpd="sng" algn="ctr">
+                      <a:solidFill>
+                        <a:schemeClr val="tx1"/>
+                      </a:solidFill>
+                      <a:prstDash val="solid"/>
+                      <a:round/>
+                      <a:headEnd type="none" w="med" len="med"/>
+                      <a:tailEnd type="none" w="med" len="med"/>
+                    </a:lnR>
+                    <a:lnT w="19050" cap="flat" cmpd="sng" algn="ctr">
+                      <a:solidFill>
+                        <a:schemeClr val="tx1"/>
+                      </a:solidFill>
+                      <a:prstDash val="solid"/>
+                      <a:round/>
+                      <a:headEnd type="none" w="med" len="med"/>
+                      <a:tailEnd type="none" w="med" len="med"/>
+                    </a:lnT>
+                    <a:lnB w="19050" cap="flat" cmpd="sng" algn="ctr">
+                      <a:solidFill>
+                        <a:schemeClr val="tx1"/>
+                      </a:solidFill>
+                      <a:prstDash val="solid"/>
+                      <a:round/>
+                      <a:headEnd type="none" w="med" len="med"/>
+                      <a:tailEnd type="none" w="med" len="med"/>
+                    </a:lnB>
+                    <a:lnTlToBr w="12700" cmpd="sng">
+                      <a:noFill/>
+                      <a:prstDash val="solid"/>
+                    </a:lnTlToBr>
+                    <a:lnBlToTr w="12700" cmpd="sng">
+                      <a:noFill/>
+                      <a:prstDash val="solid"/>
+                    </a:lnBlToTr>
+                    <a:solidFill>
+                      <a:srgbClr val="C68C18"/>
+                    </a:solidFill>
+                  </a:tcPr>
+                </a:tc>
+                <a:extLst>
+                  <a:ext uri="{0D108BD9-81ED-4DB2-BD59-A6C34878D82A}">
+                    <a16:rowId xmlns:a16="http://schemas.microsoft.com/office/drawing/2014/main" val="107207608"/>
+                  </a:ext>
+                </a:extLst>
+              </a:tr>
+              <a:tr h="324000">
+                <a:tc vMerge="1">
+                  <a:txBody>
+                    <a:bodyPr/>
+                    <a:lstStyle/>
+                    <a:p>
+                      <a:endParaRPr lang="it-IT"/>
+                    </a:p>
+                  </a:txBody>
+                  <a:tcPr/>
+                </a:tc>
+                <a:tc>
+                  <a:txBody>
+                    <a:bodyPr/>
+                    <a:lstStyle/>
+                    <a:p>
+                      <a:pPr algn="ctr" fontAlgn="b"/>
+                      <a:r>
+                        <a:rPr lang="it-IT" sz="1100" u="none" strike="noStrike">
+                          <a:effectLst/>
+                          <a:latin typeface="Consolas" panose="020B0609020204030204" pitchFamily="49" charset="0"/>
+                        </a:rPr>
+                        <a:t>128</a:t>
+                      </a:r>
+                      <a:endParaRPr lang="it-IT" sz="1100" b="0" i="0" u="none" strike="noStrike">
+                        <a:solidFill>
+                          <a:srgbClr val="000000"/>
+                        </a:solidFill>
+                        <a:effectLst/>
+                        <a:latin typeface="Consolas" panose="020B0609020204030204" pitchFamily="49" charset="0"/>
+                      </a:endParaRPr>
+                    </a:p>
+                  </a:txBody>
+                  <a:tcPr marL="9525" marR="9525" marT="9525" marB="0" anchor="ctr">
+                    <a:lnL w="19050" cap="flat" cmpd="sng" algn="ctr">
+                      <a:solidFill>
+                        <a:schemeClr val="tx1"/>
+                      </a:solidFill>
+                      <a:prstDash val="solid"/>
+                      <a:round/>
+                      <a:headEnd type="none" w="med" len="med"/>
+                      <a:tailEnd type="none" w="med" len="med"/>
+                    </a:lnL>
+                    <a:lnR w="19050" cap="flat" cmpd="sng" algn="ctr">
+                      <a:solidFill>
+                        <a:schemeClr val="tx1"/>
+                      </a:solidFill>
+                      <a:prstDash val="solid"/>
+                      <a:round/>
+                      <a:headEnd type="none" w="med" len="med"/>
+                      <a:tailEnd type="none" w="med" len="med"/>
+                    </a:lnR>
+                    <a:lnT w="19050" cap="flat" cmpd="sng" algn="ctr">
+                      <a:solidFill>
+                        <a:schemeClr val="tx1"/>
+                      </a:solidFill>
+                      <a:prstDash val="solid"/>
+                      <a:round/>
+                      <a:headEnd type="none" w="med" len="med"/>
+                      <a:tailEnd type="none" w="med" len="med"/>
+                    </a:lnT>
+                    <a:lnB w="19050" cap="flat" cmpd="sng" algn="ctr">
+                      <a:solidFill>
+                        <a:schemeClr val="tx1"/>
+                      </a:solidFill>
+                      <a:prstDash val="solid"/>
+                      <a:round/>
+                      <a:headEnd type="none" w="med" len="med"/>
+                      <a:tailEnd type="none" w="med" len="med"/>
+                    </a:lnB>
+                    <a:lnTlToBr w="12700" cmpd="sng">
+                      <a:noFill/>
+                      <a:prstDash val="solid"/>
+                    </a:lnTlToBr>
+                    <a:lnBlToTr w="12700" cmpd="sng">
+                      <a:noFill/>
+                      <a:prstDash val="solid"/>
+                    </a:lnBlToTr>
+                    <a:solidFill>
+                      <a:srgbClr val="FB0169"/>
+                    </a:solidFill>
+                  </a:tcPr>
+                </a:tc>
+                <a:tc>
+                  <a:txBody>
+                    <a:bodyPr/>
+                    <a:lstStyle/>
+                    <a:p>
+                      <a:pPr algn="ctr" fontAlgn="b"/>
+                      <a:r>
+                        <a:rPr lang="it-IT" sz="1100" u="none" strike="noStrike">
+                          <a:effectLst/>
+                          <a:latin typeface="Consolas" panose="020B0609020204030204" pitchFamily="49" charset="0"/>
+                        </a:rPr>
+                        <a:t>129</a:t>
+                      </a:r>
+                      <a:endParaRPr lang="it-IT" sz="1100" b="0" i="0" u="none" strike="noStrike">
+                        <a:solidFill>
+                          <a:srgbClr val="000000"/>
+                        </a:solidFill>
+                        <a:effectLst/>
+                        <a:latin typeface="Consolas" panose="020B0609020204030204" pitchFamily="49" charset="0"/>
+                      </a:endParaRPr>
+                    </a:p>
+                  </a:txBody>
+                  <a:tcPr marL="9525" marR="9525" marT="9525" marB="0" anchor="ctr">
+                    <a:lnL w="19050" cap="flat" cmpd="sng" algn="ctr">
+                      <a:solidFill>
+                        <a:schemeClr val="tx1"/>
+                      </a:solidFill>
+                      <a:prstDash val="solid"/>
+                      <a:round/>
+                      <a:headEnd type="none" w="med" len="med"/>
+                      <a:tailEnd type="none" w="med" len="med"/>
+                    </a:lnL>
+                    <a:lnR w="19050" cap="flat" cmpd="sng" algn="ctr">
+                      <a:solidFill>
+                        <a:schemeClr val="tx1"/>
+                      </a:solidFill>
+                      <a:prstDash val="solid"/>
+                      <a:round/>
+                      <a:headEnd type="none" w="med" len="med"/>
+                      <a:tailEnd type="none" w="med" len="med"/>
+                    </a:lnR>
+                    <a:lnT w="19050" cap="flat" cmpd="sng" algn="ctr">
+                      <a:solidFill>
+                        <a:schemeClr val="tx1"/>
+                      </a:solidFill>
+                      <a:prstDash val="solid"/>
+                      <a:round/>
+                      <a:headEnd type="none" w="med" len="med"/>
+                      <a:tailEnd type="none" w="med" len="med"/>
+                    </a:lnT>
+                    <a:lnB w="19050" cap="flat" cmpd="sng" algn="ctr">
+                      <a:solidFill>
+                        <a:schemeClr val="tx1"/>
+                      </a:solidFill>
+                      <a:prstDash val="solid"/>
+                      <a:round/>
+                      <a:headEnd type="none" w="med" len="med"/>
+                      <a:tailEnd type="none" w="med" len="med"/>
+                    </a:lnB>
+                    <a:lnTlToBr w="12700" cmpd="sng">
+                      <a:noFill/>
+                      <a:prstDash val="solid"/>
+                    </a:lnTlToBr>
+                    <a:lnBlToTr w="12700" cmpd="sng">
+                      <a:noFill/>
+                      <a:prstDash val="solid"/>
+                    </a:lnBlToTr>
+                    <a:solidFill>
+                      <a:srgbClr val="FB0169"/>
+                    </a:solidFill>
+                  </a:tcPr>
+                </a:tc>
+                <a:tc>
+                  <a:txBody>
+                    <a:bodyPr/>
+                    <a:lstStyle/>
+                    <a:p>
+                      <a:pPr algn="ctr" fontAlgn="b"/>
+                      <a:r>
+                        <a:rPr lang="it-IT" sz="1100" u="none" strike="noStrike">
+                          <a:effectLst/>
+                          <a:latin typeface="Consolas" panose="020B0609020204030204" pitchFamily="49" charset="0"/>
+                        </a:rPr>
+                        <a:t>130</a:t>
+                      </a:r>
+                      <a:endParaRPr lang="it-IT" sz="1100" b="0" i="0" u="none" strike="noStrike">
+                        <a:solidFill>
+                          <a:srgbClr val="000000"/>
+                        </a:solidFill>
+                        <a:effectLst/>
+                        <a:latin typeface="Consolas" panose="020B0609020204030204" pitchFamily="49" charset="0"/>
+                      </a:endParaRPr>
+                    </a:p>
+                  </a:txBody>
+                  <a:tcPr marL="9525" marR="9525" marT="9525" marB="0" anchor="ctr">
+                    <a:lnL w="19050" cap="flat" cmpd="sng" algn="ctr">
+                      <a:solidFill>
+                        <a:schemeClr val="tx1"/>
+                      </a:solidFill>
+                      <a:prstDash val="solid"/>
+                      <a:round/>
+                      <a:headEnd type="none" w="med" len="med"/>
+                      <a:tailEnd type="none" w="med" len="med"/>
+                    </a:lnL>
+                    <a:lnR w="19050" cap="flat" cmpd="sng" algn="ctr">
+                      <a:solidFill>
+                        <a:schemeClr val="tx1"/>
+                      </a:solidFill>
+                      <a:prstDash val="solid"/>
+                      <a:round/>
+                      <a:headEnd type="none" w="med" len="med"/>
+                      <a:tailEnd type="none" w="med" len="med"/>
+                    </a:lnR>
+                    <a:lnT w="19050" cap="flat" cmpd="sng" algn="ctr">
+                      <a:solidFill>
+                        <a:schemeClr val="tx1"/>
+                      </a:solidFill>
+                      <a:prstDash val="solid"/>
+                      <a:round/>
+                      <a:headEnd type="none" w="med" len="med"/>
+                      <a:tailEnd type="none" w="med" len="med"/>
+                    </a:lnT>
+                    <a:lnB w="19050" cap="flat" cmpd="sng" algn="ctr">
+                      <a:solidFill>
+                        <a:schemeClr val="tx1"/>
+                      </a:solidFill>
+                      <a:prstDash val="solid"/>
+                      <a:round/>
+                      <a:headEnd type="none" w="med" len="med"/>
+                      <a:tailEnd type="none" w="med" len="med"/>
+                    </a:lnB>
+                    <a:lnTlToBr w="12700" cmpd="sng">
+                      <a:noFill/>
+                      <a:prstDash val="solid"/>
+                    </a:lnTlToBr>
+                    <a:lnBlToTr w="12700" cmpd="sng">
+                      <a:noFill/>
+                      <a:prstDash val="solid"/>
+                    </a:lnBlToTr>
+                    <a:solidFill>
+                      <a:srgbClr val="FB0169"/>
+                    </a:solidFill>
+                  </a:tcPr>
+                </a:tc>
+                <a:tc>
+                  <a:txBody>
+                    <a:bodyPr/>
+                    <a:lstStyle/>
+                    <a:p>
+                      <a:pPr algn="ctr" fontAlgn="b"/>
+                      <a:r>
+                        <a:rPr lang="it-IT" sz="1100" u="none" strike="noStrike" dirty="0">
+                          <a:effectLst/>
+                          <a:latin typeface="Consolas" panose="020B0609020204030204" pitchFamily="49" charset="0"/>
+                        </a:rPr>
+                        <a:t>131</a:t>
+                      </a:r>
+                      <a:endParaRPr lang="it-IT" sz="1100" b="0" i="0" u="none" strike="noStrike" dirty="0">
+                        <a:solidFill>
+                          <a:srgbClr val="000000"/>
+                        </a:solidFill>
+                        <a:effectLst/>
+                        <a:latin typeface="Consolas" panose="020B0609020204030204" pitchFamily="49" charset="0"/>
+                      </a:endParaRPr>
+                    </a:p>
+                  </a:txBody>
+                  <a:tcPr marL="9525" marR="9525" marT="9525" marB="0" anchor="ctr">
+                    <a:lnL w="19050" cap="flat" cmpd="sng" algn="ctr">
+                      <a:solidFill>
+                        <a:schemeClr val="tx1"/>
+                      </a:solidFill>
+                      <a:prstDash val="solid"/>
+                      <a:round/>
+                      <a:headEnd type="none" w="med" len="med"/>
+                      <a:tailEnd type="none" w="med" len="med"/>
+                    </a:lnL>
+                    <a:lnR w="19050" cap="flat" cmpd="sng" algn="ctr">
+                      <a:solidFill>
+                        <a:schemeClr val="tx1"/>
+                      </a:solidFill>
+                      <a:prstDash val="solid"/>
+                      <a:round/>
+                      <a:headEnd type="none" w="med" len="med"/>
+                      <a:tailEnd type="none" w="med" len="med"/>
+                    </a:lnR>
+                    <a:lnT w="19050" cap="flat" cmpd="sng" algn="ctr">
+                      <a:solidFill>
+                        <a:schemeClr val="tx1"/>
+                      </a:solidFill>
+                      <a:prstDash val="solid"/>
+                      <a:round/>
+                      <a:headEnd type="none" w="med" len="med"/>
+                      <a:tailEnd type="none" w="med" len="med"/>
+                    </a:lnT>
+                    <a:lnB w="19050" cap="flat" cmpd="sng" algn="ctr">
+                      <a:solidFill>
+                        <a:schemeClr val="tx1"/>
+                      </a:solidFill>
+                      <a:prstDash val="solid"/>
+                      <a:round/>
+                      <a:headEnd type="none" w="med" len="med"/>
+                      <a:tailEnd type="none" w="med" len="med"/>
+                    </a:lnB>
+                    <a:lnTlToBr w="12700" cmpd="sng">
+                      <a:noFill/>
+                      <a:prstDash val="solid"/>
+                    </a:lnTlToBr>
+                    <a:lnBlToTr w="12700" cmpd="sng">
+                      <a:noFill/>
+                      <a:prstDash val="solid"/>
+                    </a:lnBlToTr>
+                    <a:solidFill>
+                      <a:srgbClr val="FB0169"/>
+                    </a:solidFill>
+                  </a:tcPr>
+                </a:tc>
+                <a:tc>
+                  <a:txBody>
+                    <a:bodyPr/>
+                    <a:lstStyle/>
+                    <a:p>
+                      <a:pPr algn="ctr" fontAlgn="b"/>
+                      <a:r>
+                        <a:rPr lang="it-IT" sz="1100" u="none" strike="noStrike">
+                          <a:effectLst/>
+                          <a:latin typeface="Consolas" panose="020B0609020204030204" pitchFamily="49" charset="0"/>
+                        </a:rPr>
+                        <a:t>132</a:t>
+                      </a:r>
+                      <a:endParaRPr lang="it-IT" sz="1100" b="0" i="0" u="none" strike="noStrike">
+                        <a:solidFill>
+                          <a:srgbClr val="000000"/>
+                        </a:solidFill>
+                        <a:effectLst/>
+                        <a:latin typeface="Consolas" panose="020B0609020204030204" pitchFamily="49" charset="0"/>
+                      </a:endParaRPr>
+                    </a:p>
+                  </a:txBody>
+                  <a:tcPr marL="9525" marR="9525" marT="9525" marB="0" anchor="ctr">
+                    <a:lnL w="19050" cap="flat" cmpd="sng" algn="ctr">
+                      <a:solidFill>
+                        <a:schemeClr val="tx1"/>
+                      </a:solidFill>
+                      <a:prstDash val="solid"/>
+                      <a:round/>
+                      <a:headEnd type="none" w="med" len="med"/>
+                      <a:tailEnd type="none" w="med" len="med"/>
+                    </a:lnL>
+                    <a:lnR w="19050" cap="flat" cmpd="sng" algn="ctr">
+                      <a:solidFill>
+                        <a:schemeClr val="tx1"/>
+                      </a:solidFill>
+                      <a:prstDash val="solid"/>
+                      <a:round/>
+                      <a:headEnd type="none" w="med" len="med"/>
+                      <a:tailEnd type="none" w="med" len="med"/>
+                    </a:lnR>
+                    <a:lnT w="19050" cap="flat" cmpd="sng" algn="ctr">
+                      <a:solidFill>
+                        <a:schemeClr val="tx1"/>
+                      </a:solidFill>
+                      <a:prstDash val="solid"/>
+                      <a:round/>
+                      <a:headEnd type="none" w="med" len="med"/>
+                      <a:tailEnd type="none" w="med" len="med"/>
+                    </a:lnT>
+                    <a:lnB w="19050" cap="flat" cmpd="sng" algn="ctr">
+                      <a:solidFill>
+                        <a:schemeClr val="tx1"/>
+                      </a:solidFill>
+                      <a:prstDash val="solid"/>
+                      <a:round/>
+                      <a:headEnd type="none" w="med" len="med"/>
+                      <a:tailEnd type="none" w="med" len="med"/>
+                    </a:lnB>
+                    <a:lnTlToBr w="12700" cmpd="sng">
+                      <a:noFill/>
+                      <a:prstDash val="solid"/>
+                    </a:lnTlToBr>
+                    <a:lnBlToTr w="12700" cmpd="sng">
+                      <a:noFill/>
+                      <a:prstDash val="solid"/>
+                    </a:lnBlToTr>
+                    <a:solidFill>
+                      <a:srgbClr val="46B5C0"/>
+                    </a:solidFill>
+                  </a:tcPr>
+                </a:tc>
+                <a:tc>
+                  <a:txBody>
+                    <a:bodyPr/>
+                    <a:lstStyle/>
+                    <a:p>
+                      <a:pPr algn="ctr" fontAlgn="b"/>
+                      <a:r>
+                        <a:rPr lang="it-IT" sz="1100" u="none" strike="noStrike">
+                          <a:effectLst/>
+                          <a:latin typeface="Consolas" panose="020B0609020204030204" pitchFamily="49" charset="0"/>
+                        </a:rPr>
+                        <a:t>133</a:t>
+                      </a:r>
+                      <a:endParaRPr lang="it-IT" sz="1100" b="0" i="0" u="none" strike="noStrike">
+                        <a:solidFill>
+                          <a:srgbClr val="000000"/>
+                        </a:solidFill>
+                        <a:effectLst/>
+                        <a:latin typeface="Consolas" panose="020B0609020204030204" pitchFamily="49" charset="0"/>
+                      </a:endParaRPr>
+                    </a:p>
+                  </a:txBody>
+                  <a:tcPr marL="9525" marR="9525" marT="9525" marB="0" anchor="ctr">
+                    <a:lnL w="19050" cap="flat" cmpd="sng" algn="ctr">
+                      <a:solidFill>
+                        <a:schemeClr val="tx1"/>
+                      </a:solidFill>
+                      <a:prstDash val="solid"/>
+                      <a:round/>
+                      <a:headEnd type="none" w="med" len="med"/>
+                      <a:tailEnd type="none" w="med" len="med"/>
+                    </a:lnL>
+                    <a:lnR w="19050" cap="flat" cmpd="sng" algn="ctr">
+                      <a:solidFill>
+                        <a:schemeClr val="tx1"/>
+                      </a:solidFill>
+                      <a:prstDash val="solid"/>
+                      <a:round/>
+                      <a:headEnd type="none" w="med" len="med"/>
+                      <a:tailEnd type="none" w="med" len="med"/>
+                    </a:lnR>
+                    <a:lnT w="19050" cap="flat" cmpd="sng" algn="ctr">
+                      <a:solidFill>
+                        <a:schemeClr val="tx1"/>
+                      </a:solidFill>
+                      <a:prstDash val="solid"/>
+                      <a:round/>
+                      <a:headEnd type="none" w="med" len="med"/>
+                      <a:tailEnd type="none" w="med" len="med"/>
+                    </a:lnT>
+                    <a:lnB w="19050" cap="flat" cmpd="sng" algn="ctr">
+                      <a:solidFill>
+                        <a:schemeClr val="tx1"/>
+                      </a:solidFill>
+                      <a:prstDash val="solid"/>
+                      <a:round/>
+                      <a:headEnd type="none" w="med" len="med"/>
+                      <a:tailEnd type="none" w="med" len="med"/>
+                    </a:lnB>
+                    <a:lnTlToBr w="12700" cmpd="sng">
+                      <a:noFill/>
+                      <a:prstDash val="solid"/>
+                    </a:lnTlToBr>
+                    <a:lnBlToTr w="12700" cmpd="sng">
+                      <a:noFill/>
+                      <a:prstDash val="solid"/>
+                    </a:lnBlToTr>
+                    <a:solidFill>
+                      <a:srgbClr val="46B5C0"/>
+                    </a:solidFill>
+                  </a:tcPr>
+                </a:tc>
+                <a:tc>
+                  <a:txBody>
+                    <a:bodyPr/>
+                    <a:lstStyle/>
+                    <a:p>
+                      <a:pPr algn="ctr" fontAlgn="b"/>
+                      <a:r>
+                        <a:rPr lang="it-IT" sz="1100" u="none" strike="noStrike">
+                          <a:effectLst/>
+                          <a:latin typeface="Consolas" panose="020B0609020204030204" pitchFamily="49" charset="0"/>
+                        </a:rPr>
+                        <a:t>134</a:t>
+                      </a:r>
+                      <a:endParaRPr lang="it-IT" sz="1100" b="0" i="0" u="none" strike="noStrike">
+                        <a:solidFill>
+                          <a:srgbClr val="000000"/>
+                        </a:solidFill>
+                        <a:effectLst/>
+                        <a:latin typeface="Consolas" panose="020B0609020204030204" pitchFamily="49" charset="0"/>
+                      </a:endParaRPr>
+                    </a:p>
+                  </a:txBody>
+                  <a:tcPr marL="9525" marR="9525" marT="9525" marB="0" anchor="ctr">
+                    <a:lnL w="19050" cap="flat" cmpd="sng" algn="ctr">
+                      <a:solidFill>
+                        <a:schemeClr val="tx1"/>
+                      </a:solidFill>
+                      <a:prstDash val="solid"/>
+                      <a:round/>
+                      <a:headEnd type="none" w="med" len="med"/>
+                      <a:tailEnd type="none" w="med" len="med"/>
+                    </a:lnL>
+                    <a:lnR w="19050" cap="flat" cmpd="sng" algn="ctr">
+                      <a:solidFill>
+                        <a:schemeClr val="tx1"/>
+                      </a:solidFill>
+                      <a:prstDash val="solid"/>
+                      <a:round/>
+                      <a:headEnd type="none" w="med" len="med"/>
+                      <a:tailEnd type="none" w="med" len="med"/>
+                    </a:lnR>
+                    <a:lnT w="19050" cap="flat" cmpd="sng" algn="ctr">
+                      <a:solidFill>
+                        <a:schemeClr val="tx1"/>
+                      </a:solidFill>
+                      <a:prstDash val="solid"/>
+                      <a:round/>
+                      <a:headEnd type="none" w="med" len="med"/>
+                      <a:tailEnd type="none" w="med" len="med"/>
+                    </a:lnT>
+                    <a:lnB w="19050" cap="flat" cmpd="sng" algn="ctr">
+                      <a:solidFill>
+                        <a:schemeClr val="tx1"/>
+                      </a:solidFill>
+                      <a:prstDash val="solid"/>
+                      <a:round/>
+                      <a:headEnd type="none" w="med" len="med"/>
+                      <a:tailEnd type="none" w="med" len="med"/>
+                    </a:lnB>
+                    <a:lnTlToBr w="12700" cmpd="sng">
+                      <a:noFill/>
+                      <a:prstDash val="solid"/>
+                    </a:lnTlToBr>
+                    <a:lnBlToTr w="12700" cmpd="sng">
+                      <a:noFill/>
+                      <a:prstDash val="solid"/>
+                    </a:lnBlToTr>
+                    <a:solidFill>
+                      <a:srgbClr val="46B5C0"/>
+                    </a:solidFill>
+                  </a:tcPr>
+                </a:tc>
+                <a:tc>
+                  <a:txBody>
+                    <a:bodyPr/>
+                    <a:lstStyle/>
+                    <a:p>
+                      <a:pPr algn="ctr" fontAlgn="b"/>
+                      <a:r>
+                        <a:rPr lang="it-IT" sz="1100" u="none" strike="noStrike">
+                          <a:effectLst/>
+                          <a:latin typeface="Consolas" panose="020B0609020204030204" pitchFamily="49" charset="0"/>
+                        </a:rPr>
+                        <a:t>135</a:t>
+                      </a:r>
+                      <a:endParaRPr lang="it-IT" sz="1100" b="0" i="0" u="none" strike="noStrike">
+                        <a:solidFill>
+                          <a:srgbClr val="000000"/>
+                        </a:solidFill>
+                        <a:effectLst/>
+                        <a:latin typeface="Consolas" panose="020B0609020204030204" pitchFamily="49" charset="0"/>
+                      </a:endParaRPr>
+                    </a:p>
+                  </a:txBody>
+                  <a:tcPr marL="9525" marR="9525" marT="9525" marB="0" anchor="ctr">
+                    <a:lnL w="19050" cap="flat" cmpd="sng" algn="ctr">
+                      <a:solidFill>
+                        <a:schemeClr val="tx1"/>
+                      </a:solidFill>
+                      <a:prstDash val="solid"/>
+                      <a:round/>
+                      <a:headEnd type="none" w="med" len="med"/>
+                      <a:tailEnd type="none" w="med" len="med"/>
+                    </a:lnL>
+                    <a:lnR w="19050" cap="flat" cmpd="sng" algn="ctr">
+                      <a:solidFill>
+                        <a:schemeClr val="tx1"/>
+                      </a:solidFill>
+                      <a:prstDash val="solid"/>
+                      <a:round/>
+                      <a:headEnd type="none" w="med" len="med"/>
+                      <a:tailEnd type="none" w="med" len="med"/>
+                    </a:lnR>
+                    <a:lnT w="19050" cap="flat" cmpd="sng" algn="ctr">
+                      <a:solidFill>
+                        <a:schemeClr val="tx1"/>
+                      </a:solidFill>
+                      <a:prstDash val="solid"/>
+                      <a:round/>
+                      <a:headEnd type="none" w="med" len="med"/>
+                      <a:tailEnd type="none" w="med" len="med"/>
+                    </a:lnT>
+                    <a:lnB w="19050" cap="flat" cmpd="sng" algn="ctr">
+                      <a:solidFill>
+                        <a:schemeClr val="tx1"/>
+                      </a:solidFill>
+                      <a:prstDash val="solid"/>
+                      <a:round/>
+                      <a:headEnd type="none" w="med" len="med"/>
+                      <a:tailEnd type="none" w="med" len="med"/>
+                    </a:lnB>
+                    <a:lnTlToBr w="12700" cmpd="sng">
+                      <a:noFill/>
+                      <a:prstDash val="solid"/>
+                    </a:lnTlToBr>
+                    <a:lnBlToTr w="12700" cmpd="sng">
+                      <a:noFill/>
+                      <a:prstDash val="solid"/>
+                    </a:lnBlToTr>
+                    <a:solidFill>
+                      <a:srgbClr val="46B5C0"/>
+                    </a:solidFill>
+                  </a:tcPr>
+                </a:tc>
+                <a:tc>
+                  <a:txBody>
+                    <a:bodyPr/>
+                    <a:lstStyle/>
+                    <a:p>
+                      <a:pPr algn="ctr" fontAlgn="b"/>
+                      <a:r>
+                        <a:rPr kumimoji="0" lang="it-IT" sz="1100" b="0" i="0" u="none" strike="noStrike" kern="1200" cap="none" spc="0" normalizeH="0" baseline="0" noProof="0">
+                          <a:ln>
+                            <a:noFill/>
+                          </a:ln>
+                          <a:solidFill>
+                            <a:prstClr val="black"/>
+                          </a:solidFill>
+                          <a:effectLst/>
+                          <a:uLnTx/>
+                          <a:uFillTx/>
+                          <a:latin typeface="Consolas" panose="020B0609020204030204" pitchFamily="49" charset="0"/>
+                          <a:ea typeface="+mn-ea"/>
+                          <a:cs typeface="+mn-cs"/>
+                        </a:rPr>
+                        <a:t>...</a:t>
+                      </a:r>
+                      <a:endParaRPr lang="it-IT" sz="1100" b="0" i="0" u="none" strike="noStrike" dirty="0">
+                        <a:solidFill>
+                          <a:srgbClr val="000000"/>
+                        </a:solidFill>
+                        <a:effectLst/>
+                        <a:latin typeface="Consolas" panose="020B0609020204030204" pitchFamily="49" charset="0"/>
+                      </a:endParaRPr>
+                    </a:p>
+                  </a:txBody>
+                  <a:tcPr marL="9525" marR="9525" marT="9525" marB="0" anchor="ctr">
+                    <a:lnL w="19050" cap="flat" cmpd="sng" algn="ctr">
+                      <a:solidFill>
+                        <a:schemeClr val="tx1"/>
+                      </a:solidFill>
+                      <a:prstDash val="solid"/>
+                      <a:round/>
+                      <a:headEnd type="none" w="med" len="med"/>
+                      <a:tailEnd type="none" w="med" len="med"/>
+                    </a:lnL>
+                    <a:lnR w="19050" cap="flat" cmpd="sng" algn="ctr">
+                      <a:solidFill>
+                        <a:schemeClr val="tx1"/>
+                      </a:solidFill>
+                      <a:prstDash val="solid"/>
+                      <a:round/>
+                      <a:headEnd type="none" w="med" len="med"/>
+                      <a:tailEnd type="none" w="med" len="med"/>
+                    </a:lnR>
+                    <a:lnT w="19050" cap="flat" cmpd="sng" algn="ctr">
+                      <a:solidFill>
+                        <a:schemeClr val="tx1"/>
+                      </a:solidFill>
+                      <a:prstDash val="solid"/>
+                      <a:round/>
+                      <a:headEnd type="none" w="med" len="med"/>
+                      <a:tailEnd type="none" w="med" len="med"/>
+                    </a:lnT>
+                    <a:lnB w="19050" cap="flat" cmpd="sng" algn="ctr">
+                      <a:solidFill>
+                        <a:schemeClr val="tx1"/>
+                      </a:solidFill>
+                      <a:prstDash val="solid"/>
+                      <a:round/>
+                      <a:headEnd type="none" w="med" len="med"/>
+                      <a:tailEnd type="none" w="med" len="med"/>
+                    </a:lnB>
+                    <a:lnTlToBr w="12700" cmpd="sng">
+                      <a:noFill/>
+                      <a:prstDash val="solid"/>
+                    </a:lnTlToBr>
+                    <a:lnBlToTr w="12700" cmpd="sng">
+                      <a:noFill/>
+                      <a:prstDash val="solid"/>
+                    </a:lnBlToTr>
+                    <a:noFill/>
+                  </a:tcPr>
+                </a:tc>
+                <a:tc>
+                  <a:txBody>
+                    <a:bodyPr/>
+                    <a:lstStyle/>
+                    <a:p>
+                      <a:pPr algn="ctr" fontAlgn="b"/>
+                      <a:r>
+                        <a:rPr lang="it-IT" sz="1100" u="none" strike="noStrike">
+                          <a:effectLst/>
+                          <a:latin typeface="Consolas" panose="020B0609020204030204" pitchFamily="49" charset="0"/>
+                        </a:rPr>
+                        <a:t>252</a:t>
+                      </a:r>
+                      <a:endParaRPr lang="it-IT" sz="1100" b="0" i="0" u="none" strike="noStrike">
+                        <a:solidFill>
+                          <a:srgbClr val="000000"/>
+                        </a:solidFill>
+                        <a:effectLst/>
+                        <a:latin typeface="Consolas" panose="020B0609020204030204" pitchFamily="49" charset="0"/>
+                      </a:endParaRPr>
+                    </a:p>
+                  </a:txBody>
+                  <a:tcPr marL="9525" marR="9525" marT="9525" marB="0" anchor="ctr">
+                    <a:lnL w="19050" cap="flat" cmpd="sng" algn="ctr">
+                      <a:solidFill>
+                        <a:schemeClr val="tx1"/>
+                      </a:solidFill>
+                      <a:prstDash val="solid"/>
+                      <a:round/>
+                      <a:headEnd type="none" w="med" len="med"/>
+                      <a:tailEnd type="none" w="med" len="med"/>
+                    </a:lnL>
+                    <a:lnR w="19050" cap="flat" cmpd="sng" algn="ctr">
+                      <a:solidFill>
+                        <a:schemeClr val="tx1"/>
+                      </a:solidFill>
+                      <a:prstDash val="solid"/>
+                      <a:round/>
+                      <a:headEnd type="none" w="med" len="med"/>
+                      <a:tailEnd type="none" w="med" len="med"/>
+                    </a:lnR>
+                    <a:lnT w="19050" cap="flat" cmpd="sng" algn="ctr">
+                      <a:solidFill>
+                        <a:schemeClr val="tx1"/>
+                      </a:solidFill>
+                      <a:prstDash val="solid"/>
+                      <a:round/>
+                      <a:headEnd type="none" w="med" len="med"/>
+                      <a:tailEnd type="none" w="med" len="med"/>
+                    </a:lnT>
+                    <a:lnB w="19050" cap="flat" cmpd="sng" algn="ctr">
+                      <a:solidFill>
+                        <a:schemeClr val="tx1"/>
+                      </a:solidFill>
+                      <a:prstDash val="solid"/>
+                      <a:round/>
+                      <a:headEnd type="none" w="med" len="med"/>
+                      <a:tailEnd type="none" w="med" len="med"/>
+                    </a:lnB>
+                    <a:lnTlToBr w="12700" cmpd="sng">
+                      <a:noFill/>
+                      <a:prstDash val="solid"/>
+                    </a:lnTlToBr>
+                    <a:lnBlToTr w="12700" cmpd="sng">
+                      <a:noFill/>
+                      <a:prstDash val="solid"/>
+                    </a:lnBlToTr>
+                    <a:solidFill>
+                      <a:srgbClr val="C68C18"/>
+                    </a:solidFill>
+                  </a:tcPr>
+                </a:tc>
+                <a:tc>
+                  <a:txBody>
+                    <a:bodyPr/>
+                    <a:lstStyle/>
+                    <a:p>
+                      <a:pPr algn="ctr" fontAlgn="b"/>
+                      <a:r>
+                        <a:rPr lang="it-IT" sz="1100" u="none" strike="noStrike">
+                          <a:effectLst/>
+                          <a:latin typeface="Consolas" panose="020B0609020204030204" pitchFamily="49" charset="0"/>
+                        </a:rPr>
+                        <a:t>253</a:t>
+                      </a:r>
+                      <a:endParaRPr lang="it-IT" sz="1100" b="0" i="0" u="none" strike="noStrike">
+                        <a:solidFill>
+                          <a:srgbClr val="000000"/>
+                        </a:solidFill>
+                        <a:effectLst/>
+                        <a:latin typeface="Consolas" panose="020B0609020204030204" pitchFamily="49" charset="0"/>
+                      </a:endParaRPr>
+                    </a:p>
+                  </a:txBody>
+                  <a:tcPr marL="9525" marR="9525" marT="9525" marB="0" anchor="ctr">
+                    <a:lnL w="19050" cap="flat" cmpd="sng" algn="ctr">
+                      <a:solidFill>
+                        <a:schemeClr val="tx1"/>
+                      </a:solidFill>
+                      <a:prstDash val="solid"/>
+                      <a:round/>
+                      <a:headEnd type="none" w="med" len="med"/>
+                      <a:tailEnd type="none" w="med" len="med"/>
+                    </a:lnL>
+                    <a:lnR w="19050" cap="flat" cmpd="sng" algn="ctr">
+                      <a:solidFill>
+                        <a:schemeClr val="tx1"/>
+                      </a:solidFill>
+                      <a:prstDash val="solid"/>
+                      <a:round/>
+                      <a:headEnd type="none" w="med" len="med"/>
+                      <a:tailEnd type="none" w="med" len="med"/>
+                    </a:lnR>
+                    <a:lnT w="19050" cap="flat" cmpd="sng" algn="ctr">
+                      <a:solidFill>
+                        <a:schemeClr val="tx1"/>
+                      </a:solidFill>
+                      <a:prstDash val="solid"/>
+                      <a:round/>
+                      <a:headEnd type="none" w="med" len="med"/>
+                      <a:tailEnd type="none" w="med" len="med"/>
+                    </a:lnT>
+                    <a:lnB w="19050" cap="flat" cmpd="sng" algn="ctr">
+                      <a:solidFill>
+                        <a:schemeClr val="tx1"/>
+                      </a:solidFill>
+                      <a:prstDash val="solid"/>
+                      <a:round/>
+                      <a:headEnd type="none" w="med" len="med"/>
+                      <a:tailEnd type="none" w="med" len="med"/>
+                    </a:lnB>
+                    <a:lnTlToBr w="12700" cmpd="sng">
+                      <a:noFill/>
+                      <a:prstDash val="solid"/>
+                    </a:lnTlToBr>
+                    <a:lnBlToTr w="12700" cmpd="sng">
+                      <a:noFill/>
+                      <a:prstDash val="solid"/>
+                    </a:lnBlToTr>
+                    <a:solidFill>
+                      <a:srgbClr val="C68C18"/>
+                    </a:solidFill>
+                  </a:tcPr>
+                </a:tc>
+                <a:tc>
+                  <a:txBody>
+                    <a:bodyPr/>
+                    <a:lstStyle/>
+                    <a:p>
+                      <a:pPr algn="ctr" fontAlgn="b"/>
+                      <a:r>
+                        <a:rPr lang="it-IT" sz="1100" u="none" strike="noStrike">
+                          <a:effectLst/>
+                          <a:latin typeface="Consolas" panose="020B0609020204030204" pitchFamily="49" charset="0"/>
+                        </a:rPr>
+                        <a:t>254</a:t>
+                      </a:r>
+                      <a:endParaRPr lang="it-IT" sz="1100" b="0" i="0" u="none" strike="noStrike">
+                        <a:solidFill>
+                          <a:srgbClr val="000000"/>
+                        </a:solidFill>
+                        <a:effectLst/>
+                        <a:latin typeface="Consolas" panose="020B0609020204030204" pitchFamily="49" charset="0"/>
+                      </a:endParaRPr>
+                    </a:p>
+                  </a:txBody>
+                  <a:tcPr marL="9525" marR="9525" marT="9525" marB="0" anchor="ctr">
+                    <a:lnL w="19050" cap="flat" cmpd="sng" algn="ctr">
+                      <a:solidFill>
+                        <a:schemeClr val="tx1"/>
+                      </a:solidFill>
+                      <a:prstDash val="solid"/>
+                      <a:round/>
+                      <a:headEnd type="none" w="med" len="med"/>
+                      <a:tailEnd type="none" w="med" len="med"/>
+                    </a:lnL>
+                    <a:lnR w="19050" cap="flat" cmpd="sng" algn="ctr">
+                      <a:solidFill>
+                        <a:schemeClr val="tx1"/>
+                      </a:solidFill>
+                      <a:prstDash val="solid"/>
+                      <a:round/>
+                      <a:headEnd type="none" w="med" len="med"/>
+                      <a:tailEnd type="none" w="med" len="med"/>
+                    </a:lnR>
+                    <a:lnT w="19050" cap="flat" cmpd="sng" algn="ctr">
+                      <a:solidFill>
+                        <a:schemeClr val="tx1"/>
+                      </a:solidFill>
+                      <a:prstDash val="solid"/>
+                      <a:round/>
+                      <a:headEnd type="none" w="med" len="med"/>
+                      <a:tailEnd type="none" w="med" len="med"/>
+                    </a:lnT>
+                    <a:lnB w="19050" cap="flat" cmpd="sng" algn="ctr">
+                      <a:solidFill>
+                        <a:schemeClr val="tx1"/>
+                      </a:solidFill>
+                      <a:prstDash val="solid"/>
+                      <a:round/>
+                      <a:headEnd type="none" w="med" len="med"/>
+                      <a:tailEnd type="none" w="med" len="med"/>
+                    </a:lnB>
+                    <a:lnTlToBr w="12700" cmpd="sng">
+                      <a:noFill/>
+                      <a:prstDash val="solid"/>
+                    </a:lnTlToBr>
+                    <a:lnBlToTr w="12700" cmpd="sng">
+                      <a:noFill/>
+                      <a:prstDash val="solid"/>
+                    </a:lnBlToTr>
+                    <a:solidFill>
+                      <a:srgbClr val="C68C18"/>
+                    </a:solidFill>
+                  </a:tcPr>
+                </a:tc>
+                <a:tc>
+                  <a:txBody>
+                    <a:bodyPr/>
+                    <a:lstStyle/>
+                    <a:p>
+                      <a:pPr algn="ctr" fontAlgn="b"/>
+                      <a:r>
+                        <a:rPr lang="it-IT" sz="1100" u="none" strike="noStrike">
+                          <a:effectLst/>
+                          <a:latin typeface="Consolas" panose="020B0609020204030204" pitchFamily="49" charset="0"/>
+                        </a:rPr>
+                        <a:t>255</a:t>
+                      </a:r>
+                      <a:endParaRPr lang="it-IT" sz="1100" b="0" i="0" u="none" strike="noStrike">
+                        <a:solidFill>
+                          <a:srgbClr val="000000"/>
+                        </a:solidFill>
+                        <a:effectLst/>
+                        <a:latin typeface="Consolas" panose="020B0609020204030204" pitchFamily="49" charset="0"/>
+                      </a:endParaRPr>
+                    </a:p>
+                  </a:txBody>
+                  <a:tcPr marL="9525" marR="9525" marT="9525" marB="0" anchor="ctr">
+                    <a:lnL w="19050" cap="flat" cmpd="sng" algn="ctr">
+                      <a:solidFill>
+                        <a:schemeClr val="tx1"/>
+                      </a:solidFill>
+                      <a:prstDash val="solid"/>
+                      <a:round/>
+                      <a:headEnd type="none" w="med" len="med"/>
+                      <a:tailEnd type="none" w="med" len="med"/>
+                    </a:lnL>
+                    <a:lnR w="19050" cap="flat" cmpd="sng" algn="ctr">
+                      <a:solidFill>
+                        <a:schemeClr val="tx1"/>
+                      </a:solidFill>
+                      <a:prstDash val="solid"/>
+                      <a:round/>
+                      <a:headEnd type="none" w="med" len="med"/>
+                      <a:tailEnd type="none" w="med" len="med"/>
+                    </a:lnR>
+                    <a:lnT w="19050" cap="flat" cmpd="sng" algn="ctr">
+                      <a:solidFill>
+                        <a:schemeClr val="tx1"/>
+                      </a:solidFill>
+                      <a:prstDash val="solid"/>
+                      <a:round/>
+                      <a:headEnd type="none" w="med" len="med"/>
+                      <a:tailEnd type="none" w="med" len="med"/>
+                    </a:lnT>
+                    <a:lnB w="19050" cap="flat" cmpd="sng" algn="ctr">
+                      <a:solidFill>
+                        <a:schemeClr val="tx1"/>
+                      </a:solidFill>
+                      <a:prstDash val="solid"/>
+                      <a:round/>
+                      <a:headEnd type="none" w="med" len="med"/>
+                      <a:tailEnd type="none" w="med" len="med"/>
+                    </a:lnB>
+                    <a:lnTlToBr w="12700" cmpd="sng">
+                      <a:noFill/>
+                      <a:prstDash val="solid"/>
+                    </a:lnTlToBr>
+                    <a:lnBlToTr w="12700" cmpd="sng">
+                      <a:noFill/>
+                      <a:prstDash val="solid"/>
+                    </a:lnBlToTr>
+                    <a:solidFill>
+                      <a:srgbClr val="C68C18"/>
+                    </a:solidFill>
+                  </a:tcPr>
+                </a:tc>
+                <a:extLst>
+                  <a:ext uri="{0D108BD9-81ED-4DB2-BD59-A6C34878D82A}">
+                    <a16:rowId xmlns:a16="http://schemas.microsoft.com/office/drawing/2014/main" val="1337353907"/>
+                  </a:ext>
+                </a:extLst>
+              </a:tr>
+              <a:tr h="324000">
+                <a:tc vMerge="1">
+                  <a:txBody>
+                    <a:bodyPr/>
+                    <a:lstStyle/>
+                    <a:p>
+                      <a:endParaRPr lang="it-IT"/>
+                    </a:p>
+                  </a:txBody>
+                  <a:tcPr/>
+                </a:tc>
+                <a:tc>
+                  <a:txBody>
+                    <a:bodyPr/>
+                    <a:lstStyle/>
+                    <a:p>
+                      <a:pPr algn="ctr" fontAlgn="b"/>
+                      <a:r>
+                        <a:rPr lang="it-IT" sz="1100" u="none" strike="noStrike">
+                          <a:effectLst/>
+                          <a:latin typeface="Consolas" panose="020B0609020204030204" pitchFamily="49" charset="0"/>
+                        </a:rPr>
+                        <a:t>256</a:t>
+                      </a:r>
+                      <a:endParaRPr lang="it-IT" sz="1100" b="0" i="0" u="none" strike="noStrike">
+                        <a:solidFill>
+                          <a:srgbClr val="000000"/>
+                        </a:solidFill>
+                        <a:effectLst/>
+                        <a:latin typeface="Consolas" panose="020B0609020204030204" pitchFamily="49" charset="0"/>
+                      </a:endParaRPr>
+                    </a:p>
+                  </a:txBody>
+                  <a:tcPr marL="9525" marR="9525" marT="9525" marB="0" anchor="ctr">
+                    <a:lnL w="19050" cap="flat" cmpd="sng" algn="ctr">
+                      <a:solidFill>
+                        <a:schemeClr val="tx1"/>
+                      </a:solidFill>
+                      <a:prstDash val="solid"/>
+                      <a:round/>
+                      <a:headEnd type="none" w="med" len="med"/>
+                      <a:tailEnd type="none" w="med" len="med"/>
+                    </a:lnL>
+                    <a:lnR w="19050" cap="flat" cmpd="sng" algn="ctr">
+                      <a:solidFill>
+                        <a:schemeClr val="tx1"/>
+                      </a:solidFill>
+                      <a:prstDash val="solid"/>
+                      <a:round/>
+                      <a:headEnd type="none" w="med" len="med"/>
+                      <a:tailEnd type="none" w="med" len="med"/>
+                    </a:lnR>
+                    <a:lnT w="19050" cap="flat" cmpd="sng" algn="ctr">
+                      <a:solidFill>
+                        <a:schemeClr val="tx1"/>
+                      </a:solidFill>
+                      <a:prstDash val="solid"/>
+                      <a:round/>
+                      <a:headEnd type="none" w="med" len="med"/>
+                      <a:tailEnd type="none" w="med" len="med"/>
+                    </a:lnT>
+                    <a:lnB w="19050" cap="flat" cmpd="sng" algn="ctr">
+                      <a:solidFill>
+                        <a:schemeClr val="tx1"/>
+                      </a:solidFill>
+                      <a:prstDash val="solid"/>
+                      <a:round/>
+                      <a:headEnd type="none" w="med" len="med"/>
+                      <a:tailEnd type="none" w="med" len="med"/>
+                    </a:lnB>
+                    <a:lnTlToBr w="12700" cmpd="sng">
+                      <a:noFill/>
+                      <a:prstDash val="solid"/>
+                    </a:lnTlToBr>
+                    <a:lnBlToTr w="12700" cmpd="sng">
+                      <a:noFill/>
+                      <a:prstDash val="solid"/>
+                    </a:lnBlToTr>
+                    <a:solidFill>
+                      <a:srgbClr val="FB0169"/>
+                    </a:solidFill>
+                  </a:tcPr>
+                </a:tc>
+                <a:tc>
+                  <a:txBody>
+                    <a:bodyPr/>
+                    <a:lstStyle/>
+                    <a:p>
+                      <a:pPr algn="ctr" fontAlgn="b"/>
+                      <a:r>
+                        <a:rPr lang="it-IT" sz="1100" u="none" strike="noStrike">
+                          <a:effectLst/>
+                          <a:latin typeface="Consolas" panose="020B0609020204030204" pitchFamily="49" charset="0"/>
+                        </a:rPr>
+                        <a:t>257</a:t>
+                      </a:r>
+                      <a:endParaRPr lang="it-IT" sz="1100" b="0" i="0" u="none" strike="noStrike">
+                        <a:solidFill>
+                          <a:srgbClr val="000000"/>
+                        </a:solidFill>
+                        <a:effectLst/>
+                        <a:latin typeface="Consolas" panose="020B0609020204030204" pitchFamily="49" charset="0"/>
+                      </a:endParaRPr>
+                    </a:p>
+                  </a:txBody>
+                  <a:tcPr marL="9525" marR="9525" marT="9525" marB="0" anchor="ctr">
+                    <a:lnL w="19050" cap="flat" cmpd="sng" algn="ctr">
+                      <a:solidFill>
+                        <a:schemeClr val="tx1"/>
+                      </a:solidFill>
+                      <a:prstDash val="solid"/>
+                      <a:round/>
+                      <a:headEnd type="none" w="med" len="med"/>
+                      <a:tailEnd type="none" w="med" len="med"/>
+                    </a:lnL>
+                    <a:lnR w="19050" cap="flat" cmpd="sng" algn="ctr">
+                      <a:solidFill>
+                        <a:schemeClr val="tx1"/>
+                      </a:solidFill>
+                      <a:prstDash val="solid"/>
+                      <a:round/>
+                      <a:headEnd type="none" w="med" len="med"/>
+                      <a:tailEnd type="none" w="med" len="med"/>
+                    </a:lnR>
+                    <a:lnT w="19050" cap="flat" cmpd="sng" algn="ctr">
+                      <a:solidFill>
+                        <a:schemeClr val="tx1"/>
+                      </a:solidFill>
+                      <a:prstDash val="solid"/>
+                      <a:round/>
+                      <a:headEnd type="none" w="med" len="med"/>
+                      <a:tailEnd type="none" w="med" len="med"/>
+                    </a:lnT>
+                    <a:lnB w="19050" cap="flat" cmpd="sng" algn="ctr">
+                      <a:solidFill>
+                        <a:schemeClr val="tx1"/>
+                      </a:solidFill>
+                      <a:prstDash val="solid"/>
+                      <a:round/>
+                      <a:headEnd type="none" w="med" len="med"/>
+                      <a:tailEnd type="none" w="med" len="med"/>
+                    </a:lnB>
+                    <a:lnTlToBr w="12700" cmpd="sng">
+                      <a:noFill/>
+                      <a:prstDash val="solid"/>
+                    </a:lnTlToBr>
+                    <a:lnBlToTr w="12700" cmpd="sng">
+                      <a:noFill/>
+                      <a:prstDash val="solid"/>
+                    </a:lnBlToTr>
+                    <a:solidFill>
+                      <a:srgbClr val="FB0169"/>
+                    </a:solidFill>
+                  </a:tcPr>
+                </a:tc>
+                <a:tc>
+                  <a:txBody>
+                    <a:bodyPr/>
+                    <a:lstStyle/>
+                    <a:p>
+                      <a:pPr algn="ctr" fontAlgn="b"/>
+                      <a:r>
+                        <a:rPr lang="it-IT" sz="1100" u="none" strike="noStrike">
+                          <a:effectLst/>
+                          <a:latin typeface="Consolas" panose="020B0609020204030204" pitchFamily="49" charset="0"/>
+                        </a:rPr>
+                        <a:t>258</a:t>
+                      </a:r>
+                      <a:endParaRPr lang="it-IT" sz="1100" b="0" i="0" u="none" strike="noStrike">
+                        <a:solidFill>
+                          <a:srgbClr val="000000"/>
+                        </a:solidFill>
+                        <a:effectLst/>
+                        <a:latin typeface="Consolas" panose="020B0609020204030204" pitchFamily="49" charset="0"/>
+                      </a:endParaRPr>
+                    </a:p>
+                  </a:txBody>
+                  <a:tcPr marL="9525" marR="9525" marT="9525" marB="0" anchor="ctr">
+                    <a:lnL w="19050" cap="flat" cmpd="sng" algn="ctr">
+                      <a:solidFill>
+                        <a:schemeClr val="tx1"/>
+                      </a:solidFill>
+                      <a:prstDash val="solid"/>
+                      <a:round/>
+                      <a:headEnd type="none" w="med" len="med"/>
+                      <a:tailEnd type="none" w="med" len="med"/>
+                    </a:lnL>
+                    <a:lnR w="19050" cap="flat" cmpd="sng" algn="ctr">
+                      <a:solidFill>
+                        <a:schemeClr val="tx1"/>
+                      </a:solidFill>
+                      <a:prstDash val="solid"/>
+                      <a:round/>
+                      <a:headEnd type="none" w="med" len="med"/>
+                      <a:tailEnd type="none" w="med" len="med"/>
+                    </a:lnR>
+                    <a:lnT w="19050" cap="flat" cmpd="sng" algn="ctr">
+                      <a:solidFill>
+                        <a:schemeClr val="tx1"/>
+                      </a:solidFill>
+                      <a:prstDash val="solid"/>
+                      <a:round/>
+                      <a:headEnd type="none" w="med" len="med"/>
+                      <a:tailEnd type="none" w="med" len="med"/>
+                    </a:lnT>
+                    <a:lnB w="19050" cap="flat" cmpd="sng" algn="ctr">
+                      <a:solidFill>
+                        <a:schemeClr val="tx1"/>
+                      </a:solidFill>
+                      <a:prstDash val="solid"/>
+                      <a:round/>
+                      <a:headEnd type="none" w="med" len="med"/>
+                      <a:tailEnd type="none" w="med" len="med"/>
+                    </a:lnB>
+                    <a:lnTlToBr w="12700" cmpd="sng">
+                      <a:noFill/>
+                      <a:prstDash val="solid"/>
+                    </a:lnTlToBr>
+                    <a:lnBlToTr w="12700" cmpd="sng">
+                      <a:noFill/>
+                      <a:prstDash val="solid"/>
+                    </a:lnBlToTr>
+                    <a:solidFill>
+                      <a:srgbClr val="FB0169"/>
+                    </a:solidFill>
+                  </a:tcPr>
+                </a:tc>
+                <a:tc>
+                  <a:txBody>
+                    <a:bodyPr/>
+                    <a:lstStyle/>
+                    <a:p>
+                      <a:pPr algn="ctr" fontAlgn="b"/>
+                      <a:r>
+                        <a:rPr lang="it-IT" sz="1100" u="none" strike="noStrike">
+                          <a:effectLst/>
+                          <a:latin typeface="Consolas" panose="020B0609020204030204" pitchFamily="49" charset="0"/>
+                        </a:rPr>
+                        <a:t>259</a:t>
+                      </a:r>
+                      <a:endParaRPr lang="it-IT" sz="1100" b="0" i="0" u="none" strike="noStrike">
+                        <a:solidFill>
+                          <a:srgbClr val="000000"/>
+                        </a:solidFill>
+                        <a:effectLst/>
+                        <a:latin typeface="Consolas" panose="020B0609020204030204" pitchFamily="49" charset="0"/>
+                      </a:endParaRPr>
+                    </a:p>
+                  </a:txBody>
+                  <a:tcPr marL="9525" marR="9525" marT="9525" marB="0" anchor="ctr">
+                    <a:lnL w="19050" cap="flat" cmpd="sng" algn="ctr">
+                      <a:solidFill>
+                        <a:schemeClr val="tx1"/>
+                      </a:solidFill>
+                      <a:prstDash val="solid"/>
+                      <a:round/>
+                      <a:headEnd type="none" w="med" len="med"/>
+                      <a:tailEnd type="none" w="med" len="med"/>
+                    </a:lnL>
+                    <a:lnR w="19050" cap="flat" cmpd="sng" algn="ctr">
+                      <a:solidFill>
+                        <a:schemeClr val="tx1"/>
+                      </a:solidFill>
+                      <a:prstDash val="solid"/>
+                      <a:round/>
+                      <a:headEnd type="none" w="med" len="med"/>
+                      <a:tailEnd type="none" w="med" len="med"/>
+                    </a:lnR>
+                    <a:lnT w="19050" cap="flat" cmpd="sng" algn="ctr">
+                      <a:solidFill>
+                        <a:schemeClr val="tx1"/>
+                      </a:solidFill>
+                      <a:prstDash val="solid"/>
+                      <a:round/>
+                      <a:headEnd type="none" w="med" len="med"/>
+                      <a:tailEnd type="none" w="med" len="med"/>
+                    </a:lnT>
+                    <a:lnB w="19050" cap="flat" cmpd="sng" algn="ctr">
+                      <a:solidFill>
+                        <a:schemeClr val="tx1"/>
+                      </a:solidFill>
+                      <a:prstDash val="solid"/>
+                      <a:round/>
+                      <a:headEnd type="none" w="med" len="med"/>
+                      <a:tailEnd type="none" w="med" len="med"/>
+                    </a:lnB>
+                    <a:lnTlToBr w="12700" cmpd="sng">
+                      <a:noFill/>
+                      <a:prstDash val="solid"/>
+                    </a:lnTlToBr>
+                    <a:lnBlToTr w="12700" cmpd="sng">
+                      <a:noFill/>
+                      <a:prstDash val="solid"/>
+                    </a:lnBlToTr>
+                    <a:solidFill>
+                      <a:srgbClr val="FB0169"/>
+                    </a:solidFill>
+                  </a:tcPr>
+                </a:tc>
+                <a:tc>
+                  <a:txBody>
+                    <a:bodyPr/>
+                    <a:lstStyle/>
+                    <a:p>
+                      <a:pPr algn="ctr" fontAlgn="b"/>
+                      <a:r>
+                        <a:rPr lang="it-IT" sz="1100" u="none" strike="noStrike">
+                          <a:effectLst/>
+                          <a:latin typeface="Consolas" panose="020B0609020204030204" pitchFamily="49" charset="0"/>
+                        </a:rPr>
+                        <a:t>260</a:t>
+                      </a:r>
+                      <a:endParaRPr lang="it-IT" sz="1100" b="0" i="0" u="none" strike="noStrike">
+                        <a:solidFill>
+                          <a:srgbClr val="000000"/>
+                        </a:solidFill>
+                        <a:effectLst/>
+                        <a:latin typeface="Consolas" panose="020B0609020204030204" pitchFamily="49" charset="0"/>
+                      </a:endParaRPr>
+                    </a:p>
+                  </a:txBody>
+                  <a:tcPr marL="9525" marR="9525" marT="9525" marB="0" anchor="ctr">
+                    <a:lnL w="19050" cap="flat" cmpd="sng" algn="ctr">
+                      <a:solidFill>
+                        <a:schemeClr val="tx1"/>
+                      </a:solidFill>
+                      <a:prstDash val="solid"/>
+                      <a:round/>
+                      <a:headEnd type="none" w="med" len="med"/>
+                      <a:tailEnd type="none" w="med" len="med"/>
+                    </a:lnL>
+                    <a:lnR w="19050" cap="flat" cmpd="sng" algn="ctr">
+                      <a:solidFill>
+                        <a:schemeClr val="tx1"/>
+                      </a:solidFill>
+                      <a:prstDash val="solid"/>
+                      <a:round/>
+                      <a:headEnd type="none" w="med" len="med"/>
+                      <a:tailEnd type="none" w="med" len="med"/>
+                    </a:lnR>
+                    <a:lnT w="19050" cap="flat" cmpd="sng" algn="ctr">
+                      <a:solidFill>
+                        <a:schemeClr val="tx1"/>
+                      </a:solidFill>
+                      <a:prstDash val="solid"/>
+                      <a:round/>
+                      <a:headEnd type="none" w="med" len="med"/>
+                      <a:tailEnd type="none" w="med" len="med"/>
+                    </a:lnT>
+                    <a:lnB w="19050" cap="flat" cmpd="sng" algn="ctr">
+                      <a:solidFill>
+                        <a:schemeClr val="tx1"/>
+                      </a:solidFill>
+                      <a:prstDash val="solid"/>
+                      <a:round/>
+                      <a:headEnd type="none" w="med" len="med"/>
+                      <a:tailEnd type="none" w="med" len="med"/>
+                    </a:lnB>
+                    <a:lnTlToBr w="12700" cmpd="sng">
+                      <a:noFill/>
+                      <a:prstDash val="solid"/>
+                    </a:lnTlToBr>
+                    <a:lnBlToTr w="12700" cmpd="sng">
+                      <a:noFill/>
+                      <a:prstDash val="solid"/>
+                    </a:lnBlToTr>
+                    <a:solidFill>
+                      <a:srgbClr val="46B5C0"/>
+                    </a:solidFill>
+                  </a:tcPr>
+                </a:tc>
+                <a:tc>
+                  <a:txBody>
+                    <a:bodyPr/>
+                    <a:lstStyle/>
+                    <a:p>
+                      <a:pPr algn="ctr" fontAlgn="b"/>
+                      <a:r>
+                        <a:rPr lang="it-IT" sz="1100" u="none" strike="noStrike">
+                          <a:effectLst/>
+                          <a:latin typeface="Consolas" panose="020B0609020204030204" pitchFamily="49" charset="0"/>
+                        </a:rPr>
+                        <a:t>261</a:t>
+                      </a:r>
+                      <a:endParaRPr lang="it-IT" sz="1100" b="0" i="0" u="none" strike="noStrike">
+                        <a:solidFill>
+                          <a:srgbClr val="000000"/>
+                        </a:solidFill>
+                        <a:effectLst/>
+                        <a:latin typeface="Consolas" panose="020B0609020204030204" pitchFamily="49" charset="0"/>
+                      </a:endParaRPr>
+                    </a:p>
+                  </a:txBody>
+                  <a:tcPr marL="9525" marR="9525" marT="9525" marB="0" anchor="ctr">
+                    <a:lnL w="19050" cap="flat" cmpd="sng" algn="ctr">
+                      <a:solidFill>
+                        <a:schemeClr val="tx1"/>
+                      </a:solidFill>
+                      <a:prstDash val="solid"/>
+                      <a:round/>
+                      <a:headEnd type="none" w="med" len="med"/>
+                      <a:tailEnd type="none" w="med" len="med"/>
+                    </a:lnL>
+                    <a:lnR w="19050" cap="flat" cmpd="sng" algn="ctr">
+                      <a:solidFill>
+                        <a:schemeClr val="tx1"/>
+                      </a:solidFill>
+                      <a:prstDash val="solid"/>
+                      <a:round/>
+                      <a:headEnd type="none" w="med" len="med"/>
+                      <a:tailEnd type="none" w="med" len="med"/>
+                    </a:lnR>
+                    <a:lnT w="19050" cap="flat" cmpd="sng" algn="ctr">
+                      <a:solidFill>
+                        <a:schemeClr val="tx1"/>
+                      </a:solidFill>
+                      <a:prstDash val="solid"/>
+                      <a:round/>
+                      <a:headEnd type="none" w="med" len="med"/>
+                      <a:tailEnd type="none" w="med" len="med"/>
+                    </a:lnT>
+                    <a:lnB w="19050" cap="flat" cmpd="sng" algn="ctr">
+                      <a:solidFill>
+                        <a:schemeClr val="tx1"/>
+                      </a:solidFill>
+                      <a:prstDash val="solid"/>
+                      <a:round/>
+                      <a:headEnd type="none" w="med" len="med"/>
+                      <a:tailEnd type="none" w="med" len="med"/>
+                    </a:lnB>
+                    <a:lnTlToBr w="12700" cmpd="sng">
+                      <a:noFill/>
+                      <a:prstDash val="solid"/>
+                    </a:lnTlToBr>
+                    <a:lnBlToTr w="12700" cmpd="sng">
+                      <a:noFill/>
+                      <a:prstDash val="solid"/>
+                    </a:lnBlToTr>
+                    <a:solidFill>
+                      <a:srgbClr val="46B5C0"/>
+                    </a:solidFill>
+                  </a:tcPr>
+                </a:tc>
+                <a:tc>
+                  <a:txBody>
+                    <a:bodyPr/>
+                    <a:lstStyle/>
+                    <a:p>
+                      <a:pPr algn="ctr" fontAlgn="b"/>
+                      <a:r>
+                        <a:rPr lang="it-IT" sz="1100" u="none" strike="noStrike">
+                          <a:effectLst/>
+                          <a:latin typeface="Consolas" panose="020B0609020204030204" pitchFamily="49" charset="0"/>
+                        </a:rPr>
+                        <a:t>262</a:t>
+                      </a:r>
+                      <a:endParaRPr lang="it-IT" sz="1100" b="0" i="0" u="none" strike="noStrike">
+                        <a:solidFill>
+                          <a:srgbClr val="000000"/>
+                        </a:solidFill>
+                        <a:effectLst/>
+                        <a:latin typeface="Consolas" panose="020B0609020204030204" pitchFamily="49" charset="0"/>
+                      </a:endParaRPr>
+                    </a:p>
+                  </a:txBody>
+                  <a:tcPr marL="9525" marR="9525" marT="9525" marB="0" anchor="ctr">
+                    <a:lnL w="19050" cap="flat" cmpd="sng" algn="ctr">
+                      <a:solidFill>
+                        <a:schemeClr val="tx1"/>
+                      </a:solidFill>
+                      <a:prstDash val="solid"/>
+                      <a:round/>
+                      <a:headEnd type="none" w="med" len="med"/>
+                      <a:tailEnd type="none" w="med" len="med"/>
+                    </a:lnL>
+                    <a:lnR w="19050" cap="flat" cmpd="sng" algn="ctr">
+                      <a:solidFill>
+                        <a:schemeClr val="tx1"/>
+                      </a:solidFill>
+                      <a:prstDash val="solid"/>
+                      <a:round/>
+                      <a:headEnd type="none" w="med" len="med"/>
+                      <a:tailEnd type="none" w="med" len="med"/>
+                    </a:lnR>
+                    <a:lnT w="19050" cap="flat" cmpd="sng" algn="ctr">
+                      <a:solidFill>
+                        <a:schemeClr val="tx1"/>
+                      </a:solidFill>
+                      <a:prstDash val="solid"/>
+                      <a:round/>
+                      <a:headEnd type="none" w="med" len="med"/>
+                      <a:tailEnd type="none" w="med" len="med"/>
+                    </a:lnT>
+                    <a:lnB w="19050" cap="flat" cmpd="sng" algn="ctr">
+                      <a:solidFill>
+                        <a:schemeClr val="tx1"/>
+                      </a:solidFill>
+                      <a:prstDash val="solid"/>
+                      <a:round/>
+                      <a:headEnd type="none" w="med" len="med"/>
+                      <a:tailEnd type="none" w="med" len="med"/>
+                    </a:lnB>
+                    <a:lnTlToBr w="12700" cmpd="sng">
+                      <a:noFill/>
+                      <a:prstDash val="solid"/>
+                    </a:lnTlToBr>
+                    <a:lnBlToTr w="12700" cmpd="sng">
+                      <a:noFill/>
+                      <a:prstDash val="solid"/>
+                    </a:lnBlToTr>
+                    <a:solidFill>
+                      <a:srgbClr val="46B5C0"/>
+                    </a:solidFill>
+                  </a:tcPr>
+                </a:tc>
+                <a:tc>
+                  <a:txBody>
+                    <a:bodyPr/>
+                    <a:lstStyle/>
+                    <a:p>
+                      <a:pPr algn="ctr" fontAlgn="b"/>
+                      <a:r>
+                        <a:rPr lang="it-IT" sz="1100" u="none" strike="noStrike">
+                          <a:effectLst/>
+                          <a:latin typeface="Consolas" panose="020B0609020204030204" pitchFamily="49" charset="0"/>
+                        </a:rPr>
+                        <a:t>263</a:t>
+                      </a:r>
+                      <a:endParaRPr lang="it-IT" sz="1100" b="0" i="0" u="none" strike="noStrike">
+                        <a:solidFill>
+                          <a:srgbClr val="000000"/>
+                        </a:solidFill>
+                        <a:effectLst/>
+                        <a:latin typeface="Consolas" panose="020B0609020204030204" pitchFamily="49" charset="0"/>
+                      </a:endParaRPr>
+                    </a:p>
+                  </a:txBody>
+                  <a:tcPr marL="9525" marR="9525" marT="9525" marB="0" anchor="ctr">
+                    <a:lnL w="19050" cap="flat" cmpd="sng" algn="ctr">
+                      <a:solidFill>
+                        <a:schemeClr val="tx1"/>
+                      </a:solidFill>
+                      <a:prstDash val="solid"/>
+                      <a:round/>
+                      <a:headEnd type="none" w="med" len="med"/>
+                      <a:tailEnd type="none" w="med" len="med"/>
+                    </a:lnL>
+                    <a:lnR w="19050" cap="flat" cmpd="sng" algn="ctr">
+                      <a:solidFill>
+                        <a:schemeClr val="tx1"/>
+                      </a:solidFill>
+                      <a:prstDash val="solid"/>
+                      <a:round/>
+                      <a:headEnd type="none" w="med" len="med"/>
+                      <a:tailEnd type="none" w="med" len="med"/>
+                    </a:lnR>
+                    <a:lnT w="19050" cap="flat" cmpd="sng" algn="ctr">
+                      <a:solidFill>
+                        <a:schemeClr val="tx1"/>
+                      </a:solidFill>
+                      <a:prstDash val="solid"/>
+                      <a:round/>
+                      <a:headEnd type="none" w="med" len="med"/>
+                      <a:tailEnd type="none" w="med" len="med"/>
+                    </a:lnT>
+                    <a:lnB w="19050" cap="flat" cmpd="sng" algn="ctr">
+                      <a:solidFill>
+                        <a:schemeClr val="tx1"/>
+                      </a:solidFill>
+                      <a:prstDash val="solid"/>
+                      <a:round/>
+                      <a:headEnd type="none" w="med" len="med"/>
+                      <a:tailEnd type="none" w="med" len="med"/>
+                    </a:lnB>
+                    <a:lnTlToBr w="12700" cmpd="sng">
+                      <a:noFill/>
+                      <a:prstDash val="solid"/>
+                    </a:lnTlToBr>
+                    <a:lnBlToTr w="12700" cmpd="sng">
+                      <a:noFill/>
+                      <a:prstDash val="solid"/>
+                    </a:lnBlToTr>
+                    <a:solidFill>
+                      <a:srgbClr val="46B5C0"/>
+                    </a:solidFill>
+                  </a:tcPr>
+                </a:tc>
+                <a:tc>
+                  <a:txBody>
+                    <a:bodyPr/>
+                    <a:lstStyle/>
+                    <a:p>
+                      <a:pPr algn="ctr" fontAlgn="b"/>
+                      <a:r>
+                        <a:rPr kumimoji="0" lang="it-IT" sz="1100" b="0" i="0" u="none" strike="noStrike" kern="1200" cap="none" spc="0" normalizeH="0" baseline="0" noProof="0">
+                          <a:ln>
+                            <a:noFill/>
+                          </a:ln>
+                          <a:solidFill>
+                            <a:prstClr val="black"/>
+                          </a:solidFill>
+                          <a:effectLst/>
+                          <a:uLnTx/>
+                          <a:uFillTx/>
+                          <a:latin typeface="Consolas" panose="020B0609020204030204" pitchFamily="49" charset="0"/>
+                          <a:ea typeface="+mn-ea"/>
+                          <a:cs typeface="+mn-cs"/>
+                        </a:rPr>
+                        <a:t>...</a:t>
+                      </a:r>
+                      <a:endParaRPr lang="it-IT" sz="1100" b="0" i="0" u="none" strike="noStrike" dirty="0">
+                        <a:solidFill>
+                          <a:srgbClr val="000000"/>
+                        </a:solidFill>
+                        <a:effectLst/>
+                        <a:latin typeface="Consolas" panose="020B0609020204030204" pitchFamily="49" charset="0"/>
+                      </a:endParaRPr>
+                    </a:p>
+                  </a:txBody>
+                  <a:tcPr marL="9525" marR="9525" marT="9525" marB="0" anchor="ctr">
+                    <a:lnL w="19050" cap="flat" cmpd="sng" algn="ctr">
+                      <a:solidFill>
+                        <a:schemeClr val="tx1"/>
+                      </a:solidFill>
+                      <a:prstDash val="solid"/>
+                      <a:round/>
+                      <a:headEnd type="none" w="med" len="med"/>
+                      <a:tailEnd type="none" w="med" len="med"/>
+                    </a:lnL>
+                    <a:lnR w="19050" cap="flat" cmpd="sng" algn="ctr">
+                      <a:solidFill>
+                        <a:schemeClr val="tx1"/>
+                      </a:solidFill>
+                      <a:prstDash val="solid"/>
+                      <a:round/>
+                      <a:headEnd type="none" w="med" len="med"/>
+                      <a:tailEnd type="none" w="med" len="med"/>
+                    </a:lnR>
+                    <a:lnT w="19050" cap="flat" cmpd="sng" algn="ctr">
+                      <a:solidFill>
+                        <a:schemeClr val="tx1"/>
+                      </a:solidFill>
+                      <a:prstDash val="solid"/>
+                      <a:round/>
+                      <a:headEnd type="none" w="med" len="med"/>
+                      <a:tailEnd type="none" w="med" len="med"/>
+                    </a:lnT>
+                    <a:lnB w="19050" cap="flat" cmpd="sng" algn="ctr">
+                      <a:solidFill>
+                        <a:schemeClr val="tx1"/>
+                      </a:solidFill>
+                      <a:prstDash val="solid"/>
+                      <a:round/>
+                      <a:headEnd type="none" w="med" len="med"/>
+                      <a:tailEnd type="none" w="med" len="med"/>
+                    </a:lnB>
+                    <a:lnTlToBr w="12700" cmpd="sng">
+                      <a:noFill/>
+                      <a:prstDash val="solid"/>
+                    </a:lnTlToBr>
+                    <a:lnBlToTr w="12700" cmpd="sng">
+                      <a:noFill/>
+                      <a:prstDash val="solid"/>
+                    </a:lnBlToTr>
+                    <a:noFill/>
+                  </a:tcPr>
+                </a:tc>
+                <a:tc>
+                  <a:txBody>
+                    <a:bodyPr/>
+                    <a:lstStyle/>
+                    <a:p>
+                      <a:pPr algn="ctr" fontAlgn="b"/>
+                      <a:r>
+                        <a:rPr lang="it-IT" sz="1100" u="none" strike="noStrike">
+                          <a:effectLst/>
+                          <a:latin typeface="Consolas" panose="020B0609020204030204" pitchFamily="49" charset="0"/>
+                        </a:rPr>
+                        <a:t>380</a:t>
+                      </a:r>
+                      <a:endParaRPr lang="it-IT" sz="1100" b="0" i="0" u="none" strike="noStrike">
+                        <a:solidFill>
+                          <a:srgbClr val="000000"/>
+                        </a:solidFill>
+                        <a:effectLst/>
+                        <a:latin typeface="Consolas" panose="020B0609020204030204" pitchFamily="49" charset="0"/>
+                      </a:endParaRPr>
+                    </a:p>
+                  </a:txBody>
+                  <a:tcPr marL="9525" marR="9525" marT="9525" marB="0" anchor="ctr">
+                    <a:lnL w="19050" cap="flat" cmpd="sng" algn="ctr">
+                      <a:solidFill>
+                        <a:schemeClr val="tx1"/>
+                      </a:solidFill>
+                      <a:prstDash val="solid"/>
+                      <a:round/>
+                      <a:headEnd type="none" w="med" len="med"/>
+                      <a:tailEnd type="none" w="med" len="med"/>
+                    </a:lnL>
+                    <a:lnR w="19050" cap="flat" cmpd="sng" algn="ctr">
+                      <a:solidFill>
+                        <a:schemeClr val="tx1"/>
+                      </a:solidFill>
+                      <a:prstDash val="solid"/>
+                      <a:round/>
+                      <a:headEnd type="none" w="med" len="med"/>
+                      <a:tailEnd type="none" w="med" len="med"/>
+                    </a:lnR>
+                    <a:lnT w="19050" cap="flat" cmpd="sng" algn="ctr">
+                      <a:solidFill>
+                        <a:schemeClr val="tx1"/>
+                      </a:solidFill>
+                      <a:prstDash val="solid"/>
+                      <a:round/>
+                      <a:headEnd type="none" w="med" len="med"/>
+                      <a:tailEnd type="none" w="med" len="med"/>
+                    </a:lnT>
+                    <a:lnB w="19050" cap="flat" cmpd="sng" algn="ctr">
+                      <a:solidFill>
+                        <a:schemeClr val="tx1"/>
+                      </a:solidFill>
+                      <a:prstDash val="solid"/>
+                      <a:round/>
+                      <a:headEnd type="none" w="med" len="med"/>
+                      <a:tailEnd type="none" w="med" len="med"/>
+                    </a:lnB>
+                    <a:lnTlToBr w="12700" cmpd="sng">
+                      <a:noFill/>
+                      <a:prstDash val="solid"/>
+                    </a:lnTlToBr>
+                    <a:lnBlToTr w="12700" cmpd="sng">
+                      <a:noFill/>
+                      <a:prstDash val="solid"/>
+                    </a:lnBlToTr>
+                    <a:solidFill>
+                      <a:srgbClr val="C68C18"/>
+                    </a:solidFill>
+                  </a:tcPr>
+                </a:tc>
+                <a:tc>
+                  <a:txBody>
+                    <a:bodyPr/>
+                    <a:lstStyle/>
+                    <a:p>
+                      <a:pPr algn="ctr" fontAlgn="b"/>
+                      <a:r>
+                        <a:rPr lang="it-IT" sz="1100" u="none" strike="noStrike">
+                          <a:effectLst/>
+                          <a:latin typeface="Consolas" panose="020B0609020204030204" pitchFamily="49" charset="0"/>
+                        </a:rPr>
+                        <a:t>381</a:t>
+                      </a:r>
+                      <a:endParaRPr lang="it-IT" sz="1100" b="0" i="0" u="none" strike="noStrike">
+                        <a:solidFill>
+                          <a:srgbClr val="000000"/>
+                        </a:solidFill>
+                        <a:effectLst/>
+                        <a:latin typeface="Consolas" panose="020B0609020204030204" pitchFamily="49" charset="0"/>
+                      </a:endParaRPr>
+                    </a:p>
+                  </a:txBody>
+                  <a:tcPr marL="9525" marR="9525" marT="9525" marB="0" anchor="ctr">
+                    <a:lnL w="19050" cap="flat" cmpd="sng" algn="ctr">
+                      <a:solidFill>
+                        <a:schemeClr val="tx1"/>
+                      </a:solidFill>
+                      <a:prstDash val="solid"/>
+                      <a:round/>
+                      <a:headEnd type="none" w="med" len="med"/>
+                      <a:tailEnd type="none" w="med" len="med"/>
+                    </a:lnL>
+                    <a:lnR w="19050" cap="flat" cmpd="sng" algn="ctr">
+                      <a:solidFill>
+                        <a:schemeClr val="tx1"/>
+                      </a:solidFill>
+                      <a:prstDash val="solid"/>
+                      <a:round/>
+                      <a:headEnd type="none" w="med" len="med"/>
+                      <a:tailEnd type="none" w="med" len="med"/>
+                    </a:lnR>
+                    <a:lnT w="19050" cap="flat" cmpd="sng" algn="ctr">
+                      <a:solidFill>
+                        <a:schemeClr val="tx1"/>
+                      </a:solidFill>
+                      <a:prstDash val="solid"/>
+                      <a:round/>
+                      <a:headEnd type="none" w="med" len="med"/>
+                      <a:tailEnd type="none" w="med" len="med"/>
+                    </a:lnT>
+                    <a:lnB w="19050" cap="flat" cmpd="sng" algn="ctr">
+                      <a:solidFill>
+                        <a:schemeClr val="tx1"/>
+                      </a:solidFill>
+                      <a:prstDash val="solid"/>
+                      <a:round/>
+                      <a:headEnd type="none" w="med" len="med"/>
+                      <a:tailEnd type="none" w="med" len="med"/>
+                    </a:lnB>
+                    <a:lnTlToBr w="12700" cmpd="sng">
+                      <a:noFill/>
+                      <a:prstDash val="solid"/>
+                    </a:lnTlToBr>
+                    <a:lnBlToTr w="12700" cmpd="sng">
+                      <a:noFill/>
+                      <a:prstDash val="solid"/>
+                    </a:lnBlToTr>
+                    <a:solidFill>
+                      <a:srgbClr val="C68C18"/>
+                    </a:solidFill>
+                  </a:tcPr>
+                </a:tc>
+                <a:tc>
+                  <a:txBody>
+                    <a:bodyPr/>
+                    <a:lstStyle/>
+                    <a:p>
+                      <a:pPr algn="ctr" fontAlgn="b"/>
+                      <a:r>
+                        <a:rPr lang="it-IT" sz="1100" u="none" strike="noStrike">
+                          <a:effectLst/>
+                          <a:latin typeface="Consolas" panose="020B0609020204030204" pitchFamily="49" charset="0"/>
+                        </a:rPr>
+                        <a:t>382</a:t>
+                      </a:r>
+                      <a:endParaRPr lang="it-IT" sz="1100" b="0" i="0" u="none" strike="noStrike">
+                        <a:solidFill>
+                          <a:srgbClr val="000000"/>
+                        </a:solidFill>
+                        <a:effectLst/>
+                        <a:latin typeface="Consolas" panose="020B0609020204030204" pitchFamily="49" charset="0"/>
+                      </a:endParaRPr>
+                    </a:p>
+                  </a:txBody>
+                  <a:tcPr marL="9525" marR="9525" marT="9525" marB="0" anchor="ctr">
+                    <a:lnL w="19050" cap="flat" cmpd="sng" algn="ctr">
+                      <a:solidFill>
+                        <a:schemeClr val="tx1"/>
+                      </a:solidFill>
+                      <a:prstDash val="solid"/>
+                      <a:round/>
+                      <a:headEnd type="none" w="med" len="med"/>
+                      <a:tailEnd type="none" w="med" len="med"/>
+                    </a:lnL>
+                    <a:lnR w="19050" cap="flat" cmpd="sng" algn="ctr">
+                      <a:solidFill>
+                        <a:schemeClr val="tx1"/>
+                      </a:solidFill>
+                      <a:prstDash val="solid"/>
+                      <a:round/>
+                      <a:headEnd type="none" w="med" len="med"/>
+                      <a:tailEnd type="none" w="med" len="med"/>
+                    </a:lnR>
+                    <a:lnT w="19050" cap="flat" cmpd="sng" algn="ctr">
+                      <a:solidFill>
+                        <a:schemeClr val="tx1"/>
+                      </a:solidFill>
+                      <a:prstDash val="solid"/>
+                      <a:round/>
+                      <a:headEnd type="none" w="med" len="med"/>
+                      <a:tailEnd type="none" w="med" len="med"/>
+                    </a:lnT>
+                    <a:lnB w="19050" cap="flat" cmpd="sng" algn="ctr">
+                      <a:solidFill>
+                        <a:schemeClr val="tx1"/>
+                      </a:solidFill>
+                      <a:prstDash val="solid"/>
+                      <a:round/>
+                      <a:headEnd type="none" w="med" len="med"/>
+                      <a:tailEnd type="none" w="med" len="med"/>
+                    </a:lnB>
+                    <a:lnTlToBr w="12700" cmpd="sng">
+                      <a:noFill/>
+                      <a:prstDash val="solid"/>
+                    </a:lnTlToBr>
+                    <a:lnBlToTr w="12700" cmpd="sng">
+                      <a:noFill/>
+                      <a:prstDash val="solid"/>
+                    </a:lnBlToTr>
+                    <a:solidFill>
+                      <a:srgbClr val="C68C18"/>
+                    </a:solidFill>
+                  </a:tcPr>
+                </a:tc>
+                <a:tc>
+                  <a:txBody>
+                    <a:bodyPr/>
+                    <a:lstStyle/>
+                    <a:p>
+                      <a:pPr algn="ctr" fontAlgn="b"/>
+                      <a:r>
+                        <a:rPr lang="it-IT" sz="1100" u="none" strike="noStrike">
+                          <a:effectLst/>
+                          <a:latin typeface="Consolas" panose="020B0609020204030204" pitchFamily="49" charset="0"/>
+                        </a:rPr>
+                        <a:t>383</a:t>
+                      </a:r>
+                      <a:endParaRPr lang="it-IT" sz="1100" b="0" i="0" u="none" strike="noStrike">
+                        <a:solidFill>
+                          <a:srgbClr val="000000"/>
+                        </a:solidFill>
+                        <a:effectLst/>
+                        <a:latin typeface="Consolas" panose="020B0609020204030204" pitchFamily="49" charset="0"/>
+                      </a:endParaRPr>
+                    </a:p>
+                  </a:txBody>
+                  <a:tcPr marL="9525" marR="9525" marT="9525" marB="0" anchor="ctr">
+                    <a:lnL w="19050" cap="flat" cmpd="sng" algn="ctr">
+                      <a:solidFill>
+                        <a:schemeClr val="tx1"/>
+                      </a:solidFill>
+                      <a:prstDash val="solid"/>
+                      <a:round/>
+                      <a:headEnd type="none" w="med" len="med"/>
+                      <a:tailEnd type="none" w="med" len="med"/>
+                    </a:lnL>
+                    <a:lnR w="19050" cap="flat" cmpd="sng" algn="ctr">
+                      <a:solidFill>
+                        <a:schemeClr val="tx1"/>
+                      </a:solidFill>
+                      <a:prstDash val="solid"/>
+                      <a:round/>
+                      <a:headEnd type="none" w="med" len="med"/>
+                      <a:tailEnd type="none" w="med" len="med"/>
+                    </a:lnR>
+                    <a:lnT w="19050" cap="flat" cmpd="sng" algn="ctr">
+                      <a:solidFill>
+                        <a:schemeClr val="tx1"/>
+                      </a:solidFill>
+                      <a:prstDash val="solid"/>
+                      <a:round/>
+                      <a:headEnd type="none" w="med" len="med"/>
+                      <a:tailEnd type="none" w="med" len="med"/>
+                    </a:lnT>
+                    <a:lnB w="19050" cap="flat" cmpd="sng" algn="ctr">
+                      <a:solidFill>
+                        <a:schemeClr val="tx1"/>
+                      </a:solidFill>
+                      <a:prstDash val="solid"/>
+                      <a:round/>
+                      <a:headEnd type="none" w="med" len="med"/>
+                      <a:tailEnd type="none" w="med" len="med"/>
+                    </a:lnB>
+                    <a:lnTlToBr w="12700" cmpd="sng">
+                      <a:noFill/>
+                      <a:prstDash val="solid"/>
+                    </a:lnTlToBr>
+                    <a:lnBlToTr w="12700" cmpd="sng">
+                      <a:noFill/>
+                      <a:prstDash val="solid"/>
+                    </a:lnBlToTr>
+                    <a:solidFill>
+                      <a:srgbClr val="C68C18"/>
+                    </a:solidFill>
+                  </a:tcPr>
+                </a:tc>
+                <a:extLst>
+                  <a:ext uri="{0D108BD9-81ED-4DB2-BD59-A6C34878D82A}">
+                    <a16:rowId xmlns:a16="http://schemas.microsoft.com/office/drawing/2014/main" val="590666058"/>
+                  </a:ext>
+                </a:extLst>
+              </a:tr>
+              <a:tr h="324000">
+                <a:tc vMerge="1">
+                  <a:txBody>
+                    <a:bodyPr/>
+                    <a:lstStyle/>
+                    <a:p>
+                      <a:endParaRPr lang="it-IT"/>
+                    </a:p>
+                  </a:txBody>
+                  <a:tcPr/>
+                </a:tc>
+                <a:tc>
+                  <a:txBody>
+                    <a:bodyPr/>
+                    <a:lstStyle/>
+                    <a:p>
+                      <a:pPr algn="ctr" fontAlgn="b"/>
+                      <a:r>
+                        <a:rPr lang="it-IT" sz="1100" u="none" strike="noStrike" dirty="0">
+                          <a:effectLst/>
+                          <a:latin typeface="Consolas" panose="020B0609020204030204" pitchFamily="49" charset="0"/>
+                        </a:rPr>
+                        <a:t>384</a:t>
+                      </a:r>
+                      <a:endParaRPr lang="it-IT" sz="1100" b="0" i="0" u="none" strike="noStrike" dirty="0">
+                        <a:solidFill>
+                          <a:srgbClr val="000000"/>
+                        </a:solidFill>
+                        <a:effectLst/>
+                        <a:latin typeface="Consolas" panose="020B0609020204030204" pitchFamily="49" charset="0"/>
+                      </a:endParaRPr>
+                    </a:p>
+                  </a:txBody>
+                  <a:tcPr marL="9525" marR="9525" marT="9525" marB="0" anchor="ctr">
+                    <a:lnL w="19050" cap="flat" cmpd="sng" algn="ctr">
+                      <a:solidFill>
+                        <a:schemeClr val="tx1"/>
+                      </a:solidFill>
+                      <a:prstDash val="solid"/>
+                      <a:round/>
+                      <a:headEnd type="none" w="med" len="med"/>
+                      <a:tailEnd type="none" w="med" len="med"/>
+                    </a:lnL>
+                    <a:lnR w="19050" cap="flat" cmpd="sng" algn="ctr">
+                      <a:solidFill>
+                        <a:schemeClr val="tx1"/>
+                      </a:solidFill>
+                      <a:prstDash val="solid"/>
+                      <a:round/>
+                      <a:headEnd type="none" w="med" len="med"/>
+                      <a:tailEnd type="none" w="med" len="med"/>
+                    </a:lnR>
+                    <a:lnT w="19050" cap="flat" cmpd="sng" algn="ctr">
+                      <a:solidFill>
+                        <a:schemeClr val="tx1"/>
+                      </a:solidFill>
+                      <a:prstDash val="solid"/>
+                      <a:round/>
+                      <a:headEnd type="none" w="med" len="med"/>
+                      <a:tailEnd type="none" w="med" len="med"/>
+                    </a:lnT>
+                    <a:lnB w="19050" cap="flat" cmpd="sng" algn="ctr">
+                      <a:solidFill>
+                        <a:schemeClr val="tx1"/>
+                      </a:solidFill>
+                      <a:prstDash val="solid"/>
+                      <a:round/>
+                      <a:headEnd type="none" w="med" len="med"/>
+                      <a:tailEnd type="none" w="med" len="med"/>
+                    </a:lnB>
+                    <a:lnTlToBr w="12700" cmpd="sng">
+                      <a:noFill/>
+                      <a:prstDash val="solid"/>
+                    </a:lnTlToBr>
+                    <a:lnBlToTr w="12700" cmpd="sng">
+                      <a:noFill/>
+                      <a:prstDash val="solid"/>
+                    </a:lnBlToTr>
+                    <a:solidFill>
+                      <a:srgbClr val="FB0169"/>
+                    </a:solidFill>
+                  </a:tcPr>
+                </a:tc>
+                <a:tc>
+                  <a:txBody>
+                    <a:bodyPr/>
+                    <a:lstStyle/>
+                    <a:p>
+                      <a:pPr algn="ctr" fontAlgn="b"/>
+                      <a:r>
+                        <a:rPr lang="it-IT" sz="1100" u="none" strike="noStrike" dirty="0">
+                          <a:effectLst/>
+                          <a:latin typeface="Consolas" panose="020B0609020204030204" pitchFamily="49" charset="0"/>
+                        </a:rPr>
+                        <a:t>385</a:t>
+                      </a:r>
+                      <a:endParaRPr lang="it-IT" sz="1100" b="0" i="0" u="none" strike="noStrike" dirty="0">
+                        <a:solidFill>
+                          <a:srgbClr val="000000"/>
+                        </a:solidFill>
+                        <a:effectLst/>
+                        <a:latin typeface="Consolas" panose="020B0609020204030204" pitchFamily="49" charset="0"/>
+                      </a:endParaRPr>
+                    </a:p>
+                  </a:txBody>
+                  <a:tcPr marL="9525" marR="9525" marT="9525" marB="0" anchor="ctr">
+                    <a:lnL w="19050" cap="flat" cmpd="sng" algn="ctr">
+                      <a:solidFill>
+                        <a:schemeClr val="tx1"/>
+                      </a:solidFill>
+                      <a:prstDash val="solid"/>
+                      <a:round/>
+                      <a:headEnd type="none" w="med" len="med"/>
+                      <a:tailEnd type="none" w="med" len="med"/>
+                    </a:lnL>
+                    <a:lnR w="19050" cap="flat" cmpd="sng" algn="ctr">
+                      <a:solidFill>
+                        <a:schemeClr val="tx1"/>
+                      </a:solidFill>
+                      <a:prstDash val="solid"/>
+                      <a:round/>
+                      <a:headEnd type="none" w="med" len="med"/>
+                      <a:tailEnd type="none" w="med" len="med"/>
+                    </a:lnR>
+                    <a:lnT w="19050" cap="flat" cmpd="sng" algn="ctr">
+                      <a:solidFill>
+                        <a:schemeClr val="tx1"/>
+                      </a:solidFill>
+                      <a:prstDash val="solid"/>
+                      <a:round/>
+                      <a:headEnd type="none" w="med" len="med"/>
+                      <a:tailEnd type="none" w="med" len="med"/>
+                    </a:lnT>
+                    <a:lnB w="19050" cap="flat" cmpd="sng" algn="ctr">
+                      <a:solidFill>
+                        <a:schemeClr val="tx1"/>
+                      </a:solidFill>
+                      <a:prstDash val="solid"/>
+                      <a:round/>
+                      <a:headEnd type="none" w="med" len="med"/>
+                      <a:tailEnd type="none" w="med" len="med"/>
+                    </a:lnB>
+                    <a:lnTlToBr w="12700" cmpd="sng">
+                      <a:noFill/>
+                      <a:prstDash val="solid"/>
+                    </a:lnTlToBr>
+                    <a:lnBlToTr w="12700" cmpd="sng">
+                      <a:noFill/>
+                      <a:prstDash val="solid"/>
+                    </a:lnBlToTr>
+                    <a:solidFill>
+                      <a:srgbClr val="FB0169"/>
+                    </a:solidFill>
+                  </a:tcPr>
+                </a:tc>
+                <a:tc>
+                  <a:txBody>
+                    <a:bodyPr/>
+                    <a:lstStyle/>
+                    <a:p>
+                      <a:pPr algn="ctr" fontAlgn="b"/>
+                      <a:r>
+                        <a:rPr lang="it-IT" sz="1100" u="none" strike="noStrike" dirty="0">
+                          <a:effectLst/>
+                          <a:latin typeface="Consolas" panose="020B0609020204030204" pitchFamily="49" charset="0"/>
+                        </a:rPr>
+                        <a:t>386</a:t>
+                      </a:r>
+                      <a:endParaRPr lang="it-IT" sz="1100" b="0" i="0" u="none" strike="noStrike" dirty="0">
+                        <a:solidFill>
+                          <a:srgbClr val="000000"/>
+                        </a:solidFill>
+                        <a:effectLst/>
+                        <a:latin typeface="Consolas" panose="020B0609020204030204" pitchFamily="49" charset="0"/>
+                      </a:endParaRPr>
+                    </a:p>
+                  </a:txBody>
+                  <a:tcPr marL="9525" marR="9525" marT="9525" marB="0" anchor="ctr">
+                    <a:lnL w="19050" cap="flat" cmpd="sng" algn="ctr">
+                      <a:solidFill>
+                        <a:schemeClr val="tx1"/>
+                      </a:solidFill>
+                      <a:prstDash val="solid"/>
+                      <a:round/>
+                      <a:headEnd type="none" w="med" len="med"/>
+                      <a:tailEnd type="none" w="med" len="med"/>
+                    </a:lnL>
+                    <a:lnR w="19050" cap="flat" cmpd="sng" algn="ctr">
+                      <a:solidFill>
+                        <a:schemeClr val="tx1"/>
+                      </a:solidFill>
+                      <a:prstDash val="solid"/>
+                      <a:round/>
+                      <a:headEnd type="none" w="med" len="med"/>
+                      <a:tailEnd type="none" w="med" len="med"/>
+                    </a:lnR>
+                    <a:lnT w="19050" cap="flat" cmpd="sng" algn="ctr">
+                      <a:solidFill>
+                        <a:schemeClr val="tx1"/>
+                      </a:solidFill>
+                      <a:prstDash val="solid"/>
+                      <a:round/>
+                      <a:headEnd type="none" w="med" len="med"/>
+                      <a:tailEnd type="none" w="med" len="med"/>
+                    </a:lnT>
+                    <a:lnB w="19050" cap="flat" cmpd="sng" algn="ctr">
+                      <a:solidFill>
+                        <a:schemeClr val="tx1"/>
+                      </a:solidFill>
+                      <a:prstDash val="solid"/>
+                      <a:round/>
+                      <a:headEnd type="none" w="med" len="med"/>
+                      <a:tailEnd type="none" w="med" len="med"/>
+                    </a:lnB>
+                    <a:lnTlToBr w="12700" cmpd="sng">
+                      <a:noFill/>
+                      <a:prstDash val="solid"/>
+                    </a:lnTlToBr>
+                    <a:lnBlToTr w="12700" cmpd="sng">
+                      <a:noFill/>
+                      <a:prstDash val="solid"/>
+                    </a:lnBlToTr>
+                    <a:solidFill>
+                      <a:srgbClr val="FB0169"/>
+                    </a:solidFill>
+                  </a:tcPr>
+                </a:tc>
+                <a:tc>
+                  <a:txBody>
+                    <a:bodyPr/>
+                    <a:lstStyle/>
+                    <a:p>
+                      <a:pPr algn="ctr" fontAlgn="b"/>
+                      <a:r>
+                        <a:rPr lang="it-IT" sz="1100" u="none" strike="noStrike" dirty="0">
+                          <a:effectLst/>
+                          <a:latin typeface="Consolas" panose="020B0609020204030204" pitchFamily="49" charset="0"/>
+                        </a:rPr>
+                        <a:t>387</a:t>
+                      </a:r>
+                      <a:endParaRPr lang="it-IT" sz="1100" b="0" i="0" u="none" strike="noStrike" dirty="0">
+                        <a:solidFill>
+                          <a:srgbClr val="000000"/>
+                        </a:solidFill>
+                        <a:effectLst/>
+                        <a:latin typeface="Consolas" panose="020B0609020204030204" pitchFamily="49" charset="0"/>
+                      </a:endParaRPr>
+                    </a:p>
+                  </a:txBody>
+                  <a:tcPr marL="9525" marR="9525" marT="9525" marB="0" anchor="ctr">
+                    <a:lnL w="19050" cap="flat" cmpd="sng" algn="ctr">
+                      <a:solidFill>
+                        <a:schemeClr val="tx1"/>
+                      </a:solidFill>
+                      <a:prstDash val="solid"/>
+                      <a:round/>
+                      <a:headEnd type="none" w="med" len="med"/>
+                      <a:tailEnd type="none" w="med" len="med"/>
+                    </a:lnL>
+                    <a:lnR w="19050" cap="flat" cmpd="sng" algn="ctr">
+                      <a:solidFill>
+                        <a:schemeClr val="tx1"/>
+                      </a:solidFill>
+                      <a:prstDash val="solid"/>
+                      <a:round/>
+                      <a:headEnd type="none" w="med" len="med"/>
+                      <a:tailEnd type="none" w="med" len="med"/>
+                    </a:lnR>
+                    <a:lnT w="19050" cap="flat" cmpd="sng" algn="ctr">
+                      <a:solidFill>
+                        <a:schemeClr val="tx1"/>
+                      </a:solidFill>
+                      <a:prstDash val="solid"/>
+                      <a:round/>
+                      <a:headEnd type="none" w="med" len="med"/>
+                      <a:tailEnd type="none" w="med" len="med"/>
+                    </a:lnT>
+                    <a:lnB w="19050" cap="flat" cmpd="sng" algn="ctr">
+                      <a:solidFill>
+                        <a:schemeClr val="tx1"/>
+                      </a:solidFill>
+                      <a:prstDash val="solid"/>
+                      <a:round/>
+                      <a:headEnd type="none" w="med" len="med"/>
+                      <a:tailEnd type="none" w="med" len="med"/>
+                    </a:lnB>
+                    <a:lnTlToBr w="12700" cmpd="sng">
+                      <a:noFill/>
+                      <a:prstDash val="solid"/>
+                    </a:lnTlToBr>
+                    <a:lnBlToTr w="12700" cmpd="sng">
+                      <a:noFill/>
+                      <a:prstDash val="solid"/>
+                    </a:lnBlToTr>
+                    <a:solidFill>
+                      <a:srgbClr val="FB0169"/>
+                    </a:solidFill>
+                  </a:tcPr>
+                </a:tc>
+                <a:tc>
+                  <a:txBody>
+                    <a:bodyPr/>
+                    <a:lstStyle/>
+                    <a:p>
+                      <a:pPr algn="ctr" fontAlgn="b"/>
+                      <a:r>
+                        <a:rPr lang="it-IT" sz="1100" u="none" strike="noStrike" dirty="0">
+                          <a:effectLst/>
+                          <a:latin typeface="Consolas" panose="020B0609020204030204" pitchFamily="49" charset="0"/>
+                        </a:rPr>
+                        <a:t>388</a:t>
+                      </a:r>
+                      <a:endParaRPr lang="it-IT" sz="1100" b="0" i="0" u="none" strike="noStrike" dirty="0">
+                        <a:solidFill>
+                          <a:srgbClr val="000000"/>
+                        </a:solidFill>
+                        <a:effectLst/>
+                        <a:latin typeface="Consolas" panose="020B0609020204030204" pitchFamily="49" charset="0"/>
+                      </a:endParaRPr>
+                    </a:p>
+                  </a:txBody>
+                  <a:tcPr marL="9525" marR="9525" marT="9525" marB="0" anchor="ctr">
+                    <a:lnL w="19050" cap="flat" cmpd="sng" algn="ctr">
+                      <a:solidFill>
+                        <a:schemeClr val="tx1"/>
+                      </a:solidFill>
+                      <a:prstDash val="solid"/>
+                      <a:round/>
+                      <a:headEnd type="none" w="med" len="med"/>
+                      <a:tailEnd type="none" w="med" len="med"/>
+                    </a:lnL>
+                    <a:lnR w="19050" cap="flat" cmpd="sng" algn="ctr">
+                      <a:solidFill>
+                        <a:schemeClr val="tx1"/>
+                      </a:solidFill>
+                      <a:prstDash val="solid"/>
+                      <a:round/>
+                      <a:headEnd type="none" w="med" len="med"/>
+                      <a:tailEnd type="none" w="med" len="med"/>
+                    </a:lnR>
+                    <a:lnT w="19050" cap="flat" cmpd="sng" algn="ctr">
+                      <a:solidFill>
+                        <a:schemeClr val="tx1"/>
+                      </a:solidFill>
+                      <a:prstDash val="solid"/>
+                      <a:round/>
+                      <a:headEnd type="none" w="med" len="med"/>
+                      <a:tailEnd type="none" w="med" len="med"/>
+                    </a:lnT>
+                    <a:lnB w="19050" cap="flat" cmpd="sng" algn="ctr">
+                      <a:solidFill>
+                        <a:schemeClr val="tx1"/>
+                      </a:solidFill>
+                      <a:prstDash val="solid"/>
+                      <a:round/>
+                      <a:headEnd type="none" w="med" len="med"/>
+                      <a:tailEnd type="none" w="med" len="med"/>
+                    </a:lnB>
+                    <a:lnTlToBr w="12700" cmpd="sng">
+                      <a:noFill/>
+                      <a:prstDash val="solid"/>
+                    </a:lnTlToBr>
+                    <a:lnBlToTr w="12700" cmpd="sng">
+                      <a:noFill/>
+                      <a:prstDash val="solid"/>
+                    </a:lnBlToTr>
+                    <a:solidFill>
+                      <a:srgbClr val="46B5C0"/>
+                    </a:solidFill>
+                  </a:tcPr>
+                </a:tc>
+                <a:tc>
+                  <a:txBody>
+                    <a:bodyPr/>
+                    <a:lstStyle/>
+                    <a:p>
+                      <a:pPr algn="ctr" fontAlgn="b"/>
+                      <a:r>
+                        <a:rPr lang="it-IT" sz="1100" u="none" strike="noStrike" dirty="0">
+                          <a:effectLst/>
+                          <a:latin typeface="Consolas" panose="020B0609020204030204" pitchFamily="49" charset="0"/>
+                        </a:rPr>
+                        <a:t>389</a:t>
+                      </a:r>
+                      <a:endParaRPr lang="it-IT" sz="1100" b="0" i="0" u="none" strike="noStrike" dirty="0">
+                        <a:solidFill>
+                          <a:srgbClr val="000000"/>
+                        </a:solidFill>
+                        <a:effectLst/>
+                        <a:latin typeface="Consolas" panose="020B0609020204030204" pitchFamily="49" charset="0"/>
+                      </a:endParaRPr>
+                    </a:p>
+                  </a:txBody>
+                  <a:tcPr marL="9525" marR="9525" marT="9525" marB="0" anchor="ctr">
+                    <a:lnL w="19050" cap="flat" cmpd="sng" algn="ctr">
+                      <a:solidFill>
+                        <a:schemeClr val="tx1"/>
+                      </a:solidFill>
+                      <a:prstDash val="solid"/>
+                      <a:round/>
+                      <a:headEnd type="none" w="med" len="med"/>
+                      <a:tailEnd type="none" w="med" len="med"/>
+                    </a:lnL>
+                    <a:lnR w="19050" cap="flat" cmpd="sng" algn="ctr">
+                      <a:solidFill>
+                        <a:schemeClr val="tx1"/>
+                      </a:solidFill>
+                      <a:prstDash val="solid"/>
+                      <a:round/>
+                      <a:headEnd type="none" w="med" len="med"/>
+                      <a:tailEnd type="none" w="med" len="med"/>
+                    </a:lnR>
+                    <a:lnT w="19050" cap="flat" cmpd="sng" algn="ctr">
+                      <a:solidFill>
+                        <a:schemeClr val="tx1"/>
+                      </a:solidFill>
+                      <a:prstDash val="solid"/>
+                      <a:round/>
+                      <a:headEnd type="none" w="med" len="med"/>
+                      <a:tailEnd type="none" w="med" len="med"/>
+                    </a:lnT>
+                    <a:lnB w="19050" cap="flat" cmpd="sng" algn="ctr">
+                      <a:solidFill>
+                        <a:schemeClr val="tx1"/>
+                      </a:solidFill>
+                      <a:prstDash val="solid"/>
+                      <a:round/>
+                      <a:headEnd type="none" w="med" len="med"/>
+                      <a:tailEnd type="none" w="med" len="med"/>
+                    </a:lnB>
+                    <a:lnTlToBr w="12700" cmpd="sng">
+                      <a:noFill/>
+                      <a:prstDash val="solid"/>
+                    </a:lnTlToBr>
+                    <a:lnBlToTr w="12700" cmpd="sng">
+                      <a:noFill/>
+                      <a:prstDash val="solid"/>
+                    </a:lnBlToTr>
+                    <a:solidFill>
+                      <a:srgbClr val="46B5C0"/>
+                    </a:solidFill>
+                  </a:tcPr>
+                </a:tc>
+                <a:tc>
+                  <a:txBody>
+                    <a:bodyPr/>
+                    <a:lstStyle/>
+                    <a:p>
+                      <a:pPr algn="ctr" fontAlgn="b"/>
+                      <a:r>
+                        <a:rPr lang="it-IT" sz="1100" u="none" strike="noStrike" dirty="0">
+                          <a:effectLst/>
+                          <a:latin typeface="Consolas" panose="020B0609020204030204" pitchFamily="49" charset="0"/>
+                        </a:rPr>
+                        <a:t>390</a:t>
+                      </a:r>
+                      <a:endParaRPr lang="it-IT" sz="1100" b="0" i="0" u="none" strike="noStrike" dirty="0">
+                        <a:solidFill>
+                          <a:srgbClr val="000000"/>
+                        </a:solidFill>
+                        <a:effectLst/>
+                        <a:latin typeface="Consolas" panose="020B0609020204030204" pitchFamily="49" charset="0"/>
+                      </a:endParaRPr>
+                    </a:p>
+                  </a:txBody>
+                  <a:tcPr marL="9525" marR="9525" marT="9525" marB="0" anchor="ctr">
+                    <a:lnL w="19050" cap="flat" cmpd="sng" algn="ctr">
+                      <a:solidFill>
+                        <a:schemeClr val="tx1"/>
+                      </a:solidFill>
+                      <a:prstDash val="solid"/>
+                      <a:round/>
+                      <a:headEnd type="none" w="med" len="med"/>
+                      <a:tailEnd type="none" w="med" len="med"/>
+                    </a:lnL>
+                    <a:lnR w="19050" cap="flat" cmpd="sng" algn="ctr">
+                      <a:solidFill>
+                        <a:schemeClr val="tx1"/>
+                      </a:solidFill>
+                      <a:prstDash val="solid"/>
+                      <a:round/>
+                      <a:headEnd type="none" w="med" len="med"/>
+                      <a:tailEnd type="none" w="med" len="med"/>
+                    </a:lnR>
+                    <a:lnT w="19050" cap="flat" cmpd="sng" algn="ctr">
+                      <a:solidFill>
+                        <a:schemeClr val="tx1"/>
+                      </a:solidFill>
+                      <a:prstDash val="solid"/>
+                      <a:round/>
+                      <a:headEnd type="none" w="med" len="med"/>
+                      <a:tailEnd type="none" w="med" len="med"/>
+                    </a:lnT>
+                    <a:lnB w="19050" cap="flat" cmpd="sng" algn="ctr">
+                      <a:solidFill>
+                        <a:schemeClr val="tx1"/>
+                      </a:solidFill>
+                      <a:prstDash val="solid"/>
+                      <a:round/>
+                      <a:headEnd type="none" w="med" len="med"/>
+                      <a:tailEnd type="none" w="med" len="med"/>
+                    </a:lnB>
+                    <a:lnTlToBr w="12700" cmpd="sng">
+                      <a:noFill/>
+                      <a:prstDash val="solid"/>
+                    </a:lnTlToBr>
+                    <a:lnBlToTr w="12700" cmpd="sng">
+                      <a:noFill/>
+                      <a:prstDash val="solid"/>
+                    </a:lnBlToTr>
+                    <a:solidFill>
+                      <a:srgbClr val="46B5C0"/>
+                    </a:solidFill>
+                  </a:tcPr>
+                </a:tc>
+                <a:tc>
+                  <a:txBody>
+                    <a:bodyPr/>
+                    <a:lstStyle/>
+                    <a:p>
+                      <a:pPr algn="ctr" fontAlgn="b"/>
+                      <a:r>
+                        <a:rPr lang="it-IT" sz="1100" u="none" strike="noStrike" dirty="0">
+                          <a:effectLst/>
+                          <a:latin typeface="Consolas" panose="020B0609020204030204" pitchFamily="49" charset="0"/>
+                        </a:rPr>
+                        <a:t>391</a:t>
+                      </a:r>
+                      <a:endParaRPr lang="it-IT" sz="1100" b="0" i="0" u="none" strike="noStrike" dirty="0">
+                        <a:solidFill>
+                          <a:srgbClr val="000000"/>
+                        </a:solidFill>
+                        <a:effectLst/>
+                        <a:latin typeface="Consolas" panose="020B0609020204030204" pitchFamily="49" charset="0"/>
+                      </a:endParaRPr>
+                    </a:p>
+                  </a:txBody>
+                  <a:tcPr marL="9525" marR="9525" marT="9525" marB="0" anchor="ctr">
+                    <a:lnL w="19050" cap="flat" cmpd="sng" algn="ctr">
+                      <a:solidFill>
+                        <a:schemeClr val="tx1"/>
+                      </a:solidFill>
+                      <a:prstDash val="solid"/>
+                      <a:round/>
+                      <a:headEnd type="none" w="med" len="med"/>
+                      <a:tailEnd type="none" w="med" len="med"/>
+                    </a:lnL>
+                    <a:lnR w="19050" cap="flat" cmpd="sng" algn="ctr">
+                      <a:solidFill>
+                        <a:schemeClr val="tx1"/>
+                      </a:solidFill>
+                      <a:prstDash val="solid"/>
+                      <a:round/>
+                      <a:headEnd type="none" w="med" len="med"/>
+                      <a:tailEnd type="none" w="med" len="med"/>
+                    </a:lnR>
+                    <a:lnT w="19050" cap="flat" cmpd="sng" algn="ctr">
+                      <a:solidFill>
+                        <a:schemeClr val="tx1"/>
+                      </a:solidFill>
+                      <a:prstDash val="solid"/>
+                      <a:round/>
+                      <a:headEnd type="none" w="med" len="med"/>
+                      <a:tailEnd type="none" w="med" len="med"/>
+                    </a:lnT>
+                    <a:lnB w="19050" cap="flat" cmpd="sng" algn="ctr">
+                      <a:solidFill>
+                        <a:schemeClr val="tx1"/>
+                      </a:solidFill>
+                      <a:prstDash val="solid"/>
+                      <a:round/>
+                      <a:headEnd type="none" w="med" len="med"/>
+                      <a:tailEnd type="none" w="med" len="med"/>
+                    </a:lnB>
+                    <a:lnTlToBr w="12700" cmpd="sng">
+                      <a:noFill/>
+                      <a:prstDash val="solid"/>
+                    </a:lnTlToBr>
+                    <a:lnBlToTr w="12700" cmpd="sng">
+                      <a:noFill/>
+                      <a:prstDash val="solid"/>
+                    </a:lnBlToTr>
+                    <a:solidFill>
+                      <a:srgbClr val="46B5C0"/>
+                    </a:solidFill>
+                  </a:tcPr>
+                </a:tc>
+                <a:tc>
+                  <a:txBody>
+                    <a:bodyPr/>
+                    <a:lstStyle/>
+                    <a:p>
+                      <a:pPr algn="ctr" fontAlgn="b"/>
+                      <a:r>
+                        <a:rPr kumimoji="0" lang="it-IT" sz="1100" b="0" i="0" u="none" strike="noStrike" kern="1200" cap="none" spc="0" normalizeH="0" baseline="0" noProof="0" dirty="0">
+                          <a:ln>
+                            <a:noFill/>
+                          </a:ln>
+                          <a:solidFill>
+                            <a:prstClr val="black"/>
+                          </a:solidFill>
+                          <a:effectLst/>
+                          <a:uLnTx/>
+                          <a:uFillTx/>
+                          <a:latin typeface="Consolas" panose="020B0609020204030204" pitchFamily="49" charset="0"/>
+                          <a:ea typeface="+mn-ea"/>
+                          <a:cs typeface="+mn-cs"/>
+                        </a:rPr>
+                        <a:t>...</a:t>
+                      </a:r>
+                      <a:endParaRPr lang="it-IT" sz="1100" b="0" i="0" u="none" strike="noStrike" dirty="0">
+                        <a:solidFill>
+                          <a:srgbClr val="000000"/>
+                        </a:solidFill>
+                        <a:effectLst/>
+                        <a:latin typeface="Consolas" panose="020B0609020204030204" pitchFamily="49" charset="0"/>
+                      </a:endParaRPr>
+                    </a:p>
+                  </a:txBody>
+                  <a:tcPr marL="9525" marR="9525" marT="9525" marB="0" anchor="ctr">
+                    <a:lnL w="19050" cap="flat" cmpd="sng" algn="ctr">
+                      <a:solidFill>
+                        <a:schemeClr val="tx1"/>
+                      </a:solidFill>
+                      <a:prstDash val="solid"/>
+                      <a:round/>
+                      <a:headEnd type="none" w="med" len="med"/>
+                      <a:tailEnd type="none" w="med" len="med"/>
+                    </a:lnL>
+                    <a:lnR w="19050" cap="flat" cmpd="sng" algn="ctr">
+                      <a:solidFill>
+                        <a:schemeClr val="tx1"/>
+                      </a:solidFill>
+                      <a:prstDash val="solid"/>
+                      <a:round/>
+                      <a:headEnd type="none" w="med" len="med"/>
+                      <a:tailEnd type="none" w="med" len="med"/>
+                    </a:lnR>
+                    <a:lnT w="19050" cap="flat" cmpd="sng" algn="ctr">
+                      <a:solidFill>
+                        <a:schemeClr val="tx1"/>
+                      </a:solidFill>
+                      <a:prstDash val="solid"/>
+                      <a:round/>
+                      <a:headEnd type="none" w="med" len="med"/>
+                      <a:tailEnd type="none" w="med" len="med"/>
+                    </a:lnT>
+                    <a:lnB w="19050" cap="flat" cmpd="sng" algn="ctr">
+                      <a:solidFill>
+                        <a:schemeClr val="tx1"/>
+                      </a:solidFill>
+                      <a:prstDash val="solid"/>
+                      <a:round/>
+                      <a:headEnd type="none" w="med" len="med"/>
+                      <a:tailEnd type="none" w="med" len="med"/>
+                    </a:lnB>
+                    <a:lnTlToBr w="12700" cmpd="sng">
+                      <a:noFill/>
+                      <a:prstDash val="solid"/>
+                    </a:lnTlToBr>
+                    <a:lnBlToTr w="12700" cmpd="sng">
+                      <a:noFill/>
+                      <a:prstDash val="solid"/>
+                    </a:lnBlToTr>
+                    <a:noFill/>
+                  </a:tcPr>
+                </a:tc>
+                <a:tc>
+                  <a:txBody>
+                    <a:bodyPr/>
+                    <a:lstStyle/>
+                    <a:p>
+                      <a:pPr algn="ctr" fontAlgn="b"/>
+                      <a:r>
+                        <a:rPr lang="it-IT" sz="1100" u="none" strike="noStrike" dirty="0">
+                          <a:effectLst/>
+                          <a:latin typeface="Consolas" panose="020B0609020204030204" pitchFamily="49" charset="0"/>
+                        </a:rPr>
+                        <a:t>508</a:t>
+                      </a:r>
+                      <a:endParaRPr lang="it-IT" sz="1100" b="0" i="0" u="none" strike="noStrike" dirty="0">
+                        <a:solidFill>
+                          <a:srgbClr val="000000"/>
+                        </a:solidFill>
+                        <a:effectLst/>
+                        <a:latin typeface="Consolas" panose="020B0609020204030204" pitchFamily="49" charset="0"/>
+                      </a:endParaRPr>
+                    </a:p>
+                  </a:txBody>
+                  <a:tcPr marL="9525" marR="9525" marT="9525" marB="0" anchor="ctr">
+                    <a:lnL w="19050" cap="flat" cmpd="sng" algn="ctr">
+                      <a:solidFill>
+                        <a:schemeClr val="tx1"/>
+                      </a:solidFill>
+                      <a:prstDash val="solid"/>
+                      <a:round/>
+                      <a:headEnd type="none" w="med" len="med"/>
+                      <a:tailEnd type="none" w="med" len="med"/>
+                    </a:lnL>
+                    <a:lnR w="19050" cap="flat" cmpd="sng" algn="ctr">
+                      <a:solidFill>
+                        <a:schemeClr val="tx1"/>
+                      </a:solidFill>
+                      <a:prstDash val="solid"/>
+                      <a:round/>
+                      <a:headEnd type="none" w="med" len="med"/>
+                      <a:tailEnd type="none" w="med" len="med"/>
+                    </a:lnR>
+                    <a:lnT w="19050" cap="flat" cmpd="sng" algn="ctr">
+                      <a:solidFill>
+                        <a:schemeClr val="tx1"/>
+                      </a:solidFill>
+                      <a:prstDash val="solid"/>
+                      <a:round/>
+                      <a:headEnd type="none" w="med" len="med"/>
+                      <a:tailEnd type="none" w="med" len="med"/>
+                    </a:lnT>
+                    <a:lnB w="19050" cap="flat" cmpd="sng" algn="ctr">
+                      <a:solidFill>
+                        <a:schemeClr val="tx1"/>
+                      </a:solidFill>
+                      <a:prstDash val="solid"/>
+                      <a:round/>
+                      <a:headEnd type="none" w="med" len="med"/>
+                      <a:tailEnd type="none" w="med" len="med"/>
+                    </a:lnB>
+                    <a:lnTlToBr w="12700" cmpd="sng">
+                      <a:noFill/>
+                      <a:prstDash val="solid"/>
+                    </a:lnTlToBr>
+                    <a:lnBlToTr w="12700" cmpd="sng">
+                      <a:noFill/>
+                      <a:prstDash val="solid"/>
+                    </a:lnBlToTr>
+                    <a:solidFill>
+                      <a:srgbClr val="C68C18"/>
+                    </a:solidFill>
+                  </a:tcPr>
+                </a:tc>
+                <a:tc>
+                  <a:txBody>
+                    <a:bodyPr/>
+                    <a:lstStyle/>
+                    <a:p>
+                      <a:pPr algn="ctr" fontAlgn="b"/>
+                      <a:r>
+                        <a:rPr lang="it-IT" sz="1100" u="none" strike="noStrike" dirty="0">
+                          <a:effectLst/>
+                          <a:latin typeface="Consolas" panose="020B0609020204030204" pitchFamily="49" charset="0"/>
+                        </a:rPr>
+                        <a:t>509</a:t>
+                      </a:r>
+                      <a:endParaRPr lang="it-IT" sz="1100" b="0" i="0" u="none" strike="noStrike" dirty="0">
+                        <a:solidFill>
+                          <a:srgbClr val="000000"/>
+                        </a:solidFill>
+                        <a:effectLst/>
+                        <a:latin typeface="Consolas" panose="020B0609020204030204" pitchFamily="49" charset="0"/>
+                      </a:endParaRPr>
+                    </a:p>
+                  </a:txBody>
+                  <a:tcPr marL="9525" marR="9525" marT="9525" marB="0" anchor="ctr">
+                    <a:lnL w="19050" cap="flat" cmpd="sng" algn="ctr">
+                      <a:solidFill>
+                        <a:schemeClr val="tx1"/>
+                      </a:solidFill>
+                      <a:prstDash val="solid"/>
+                      <a:round/>
+                      <a:headEnd type="none" w="med" len="med"/>
+                      <a:tailEnd type="none" w="med" len="med"/>
+                    </a:lnL>
+                    <a:lnR w="19050" cap="flat" cmpd="sng" algn="ctr">
+                      <a:solidFill>
+                        <a:schemeClr val="tx1"/>
+                      </a:solidFill>
+                      <a:prstDash val="solid"/>
+                      <a:round/>
+                      <a:headEnd type="none" w="med" len="med"/>
+                      <a:tailEnd type="none" w="med" len="med"/>
+                    </a:lnR>
+                    <a:lnT w="19050" cap="flat" cmpd="sng" algn="ctr">
+                      <a:solidFill>
+                        <a:schemeClr val="tx1"/>
+                      </a:solidFill>
+                      <a:prstDash val="solid"/>
+                      <a:round/>
+                      <a:headEnd type="none" w="med" len="med"/>
+                      <a:tailEnd type="none" w="med" len="med"/>
+                    </a:lnT>
+                    <a:lnB w="19050" cap="flat" cmpd="sng" algn="ctr">
+                      <a:solidFill>
+                        <a:schemeClr val="tx1"/>
+                      </a:solidFill>
+                      <a:prstDash val="solid"/>
+                      <a:round/>
+                      <a:headEnd type="none" w="med" len="med"/>
+                      <a:tailEnd type="none" w="med" len="med"/>
+                    </a:lnB>
+                    <a:lnTlToBr w="12700" cmpd="sng">
+                      <a:noFill/>
+                      <a:prstDash val="solid"/>
+                    </a:lnTlToBr>
+                    <a:lnBlToTr w="12700" cmpd="sng">
+                      <a:noFill/>
+                      <a:prstDash val="solid"/>
+                    </a:lnBlToTr>
+                    <a:solidFill>
+                      <a:srgbClr val="C68C18"/>
+                    </a:solidFill>
+                  </a:tcPr>
+                </a:tc>
+                <a:tc>
+                  <a:txBody>
+                    <a:bodyPr/>
+                    <a:lstStyle/>
+                    <a:p>
+                      <a:pPr algn="ctr" fontAlgn="b"/>
+                      <a:r>
+                        <a:rPr lang="it-IT" sz="1100" u="none" strike="noStrike" dirty="0">
+                          <a:effectLst/>
+                          <a:latin typeface="Consolas" panose="020B0609020204030204" pitchFamily="49" charset="0"/>
+                        </a:rPr>
+                        <a:t>510</a:t>
+                      </a:r>
+                      <a:endParaRPr lang="it-IT" sz="1100" b="0" i="0" u="none" strike="noStrike" dirty="0">
+                        <a:solidFill>
+                          <a:srgbClr val="000000"/>
+                        </a:solidFill>
+                        <a:effectLst/>
+                        <a:latin typeface="Consolas" panose="020B0609020204030204" pitchFamily="49" charset="0"/>
+                      </a:endParaRPr>
+                    </a:p>
+                  </a:txBody>
+                  <a:tcPr marL="9525" marR="9525" marT="9525" marB="0" anchor="ctr">
+                    <a:lnL w="19050" cap="flat" cmpd="sng" algn="ctr">
+                      <a:solidFill>
+                        <a:schemeClr val="tx1"/>
+                      </a:solidFill>
+                      <a:prstDash val="solid"/>
+                      <a:round/>
+                      <a:headEnd type="none" w="med" len="med"/>
+                      <a:tailEnd type="none" w="med" len="med"/>
+                    </a:lnL>
+                    <a:lnR w="19050" cap="flat" cmpd="sng" algn="ctr">
+                      <a:solidFill>
+                        <a:schemeClr val="tx1"/>
+                      </a:solidFill>
+                      <a:prstDash val="solid"/>
+                      <a:round/>
+                      <a:headEnd type="none" w="med" len="med"/>
+                      <a:tailEnd type="none" w="med" len="med"/>
+                    </a:lnR>
+                    <a:lnT w="19050" cap="flat" cmpd="sng" algn="ctr">
+                      <a:solidFill>
+                        <a:schemeClr val="tx1"/>
+                      </a:solidFill>
+                      <a:prstDash val="solid"/>
+                      <a:round/>
+                      <a:headEnd type="none" w="med" len="med"/>
+                      <a:tailEnd type="none" w="med" len="med"/>
+                    </a:lnT>
+                    <a:lnB w="19050" cap="flat" cmpd="sng" algn="ctr">
+                      <a:solidFill>
+                        <a:schemeClr val="tx1"/>
+                      </a:solidFill>
+                      <a:prstDash val="solid"/>
+                      <a:round/>
+                      <a:headEnd type="none" w="med" len="med"/>
+                      <a:tailEnd type="none" w="med" len="med"/>
+                    </a:lnB>
+                    <a:lnTlToBr w="12700" cmpd="sng">
+                      <a:noFill/>
+                      <a:prstDash val="solid"/>
+                    </a:lnTlToBr>
+                    <a:lnBlToTr w="12700" cmpd="sng">
+                      <a:noFill/>
+                      <a:prstDash val="solid"/>
+                    </a:lnBlToTr>
+                    <a:solidFill>
+                      <a:srgbClr val="C68C18"/>
+                    </a:solidFill>
+                  </a:tcPr>
+                </a:tc>
+                <a:tc>
+                  <a:txBody>
+                    <a:bodyPr/>
+                    <a:lstStyle/>
+                    <a:p>
+                      <a:pPr algn="ctr" fontAlgn="b"/>
+                      <a:r>
+                        <a:rPr lang="it-IT" sz="1100" u="none" strike="noStrike" dirty="0">
+                          <a:effectLst/>
+                          <a:latin typeface="Consolas" panose="020B0609020204030204" pitchFamily="49" charset="0"/>
+                        </a:rPr>
+                        <a:t>511</a:t>
+                      </a:r>
+                      <a:endParaRPr lang="it-IT" sz="1100" b="0" i="0" u="none" strike="noStrike" dirty="0">
+                        <a:solidFill>
+                          <a:srgbClr val="000000"/>
+                        </a:solidFill>
+                        <a:effectLst/>
+                        <a:latin typeface="Consolas" panose="020B0609020204030204" pitchFamily="49" charset="0"/>
+                      </a:endParaRPr>
+                    </a:p>
+                  </a:txBody>
+                  <a:tcPr marL="9525" marR="9525" marT="9525" marB="0" anchor="ctr">
+                    <a:lnL w="19050" cap="flat" cmpd="sng" algn="ctr">
+                      <a:solidFill>
+                        <a:schemeClr val="tx1"/>
+                      </a:solidFill>
+                      <a:prstDash val="solid"/>
+                      <a:round/>
+                      <a:headEnd type="none" w="med" len="med"/>
+                      <a:tailEnd type="none" w="med" len="med"/>
+                    </a:lnL>
+                    <a:lnR w="19050" cap="flat" cmpd="sng" algn="ctr">
+                      <a:solidFill>
+                        <a:schemeClr val="tx1"/>
+                      </a:solidFill>
+                      <a:prstDash val="solid"/>
+                      <a:round/>
+                      <a:headEnd type="none" w="med" len="med"/>
+                      <a:tailEnd type="none" w="med" len="med"/>
+                    </a:lnR>
+                    <a:lnT w="19050" cap="flat" cmpd="sng" algn="ctr">
+                      <a:solidFill>
+                        <a:schemeClr val="tx1"/>
+                      </a:solidFill>
+                      <a:prstDash val="solid"/>
+                      <a:round/>
+                      <a:headEnd type="none" w="med" len="med"/>
+                      <a:tailEnd type="none" w="med" len="med"/>
+                    </a:lnT>
+                    <a:lnB w="19050" cap="flat" cmpd="sng" algn="ctr">
+                      <a:solidFill>
+                        <a:schemeClr val="tx1"/>
+                      </a:solidFill>
+                      <a:prstDash val="solid"/>
+                      <a:round/>
+                      <a:headEnd type="none" w="med" len="med"/>
+                      <a:tailEnd type="none" w="med" len="med"/>
+                    </a:lnB>
+                    <a:lnTlToBr w="12700" cmpd="sng">
+                      <a:noFill/>
+                      <a:prstDash val="solid"/>
+                    </a:lnTlToBr>
+                    <a:lnBlToTr w="12700" cmpd="sng">
+                      <a:noFill/>
+                      <a:prstDash val="solid"/>
+                    </a:lnBlToTr>
+                    <a:solidFill>
+                      <a:srgbClr val="C68C18"/>
+                    </a:solidFill>
+                  </a:tcPr>
+                </a:tc>
+                <a:extLst>
+                  <a:ext uri="{0D108BD9-81ED-4DB2-BD59-A6C34878D82A}">
+                    <a16:rowId xmlns:a16="http://schemas.microsoft.com/office/drawing/2014/main" val="1585546259"/>
+                  </a:ext>
+                </a:extLst>
+              </a:tr>
+            </a:tbl>
+          </a:graphicData>
+        </a:graphic>
+      </p:graphicFrame>
+    </p:spTree>
+    <p:extLst>
+      <p:ext uri="{BB962C8B-B14F-4D97-AF65-F5344CB8AC3E}">
+        <p14:creationId xmlns:p14="http://schemas.microsoft.com/office/powerpoint/2010/main" val="3175256786"/>
       </p:ext>
     </p:extLst>
   </p:cSld>

--- a/documentation/AlgorithmPresentation.pptx
+++ b/documentation/AlgorithmPresentation.pptx
@@ -10949,7 +10949,7 @@
           <p:nvPr>
             <p:extLst>
               <p:ext uri="{D42A27DB-BD31-4B8C-83A1-F6EECF244321}">
-                <p14:modId xmlns:p14="http://schemas.microsoft.com/office/powerpoint/2010/main" val="742033334"/>
+                <p14:modId xmlns:p14="http://schemas.microsoft.com/office/powerpoint/2010/main" val="3391258617"/>
               </p:ext>
             </p:extLst>
           </p:nvPr>
@@ -11338,7 +11338,9 @@
                             <a:noFill/>
                           </a:ln>
                           <a:solidFill>
-                            <a:prstClr val="black"/>
+                            <a:schemeClr val="bg1">
+                              <a:lumMod val="50000"/>
+                            </a:schemeClr>
                           </a:solidFill>
                           <a:effectLst/>
                           <a:uLnTx/>
@@ -11351,7 +11353,9 @@
                       </a:r>
                       <a:endParaRPr lang="it-IT" sz="1100" b="1" i="0" u="none" strike="noStrike" dirty="0">
                         <a:solidFill>
-                          <a:srgbClr val="000000"/>
+                          <a:schemeClr val="bg1">
+                            <a:lumMod val="50000"/>
+                          </a:schemeClr>
                         </a:solidFill>
                         <a:effectLst/>
                         <a:latin typeface="Consolas" panose="020B0609020204030204" pitchFamily="49" charset="0"/>
@@ -11378,18 +11382,14 @@
                       <a:tailEnd type="none" w="med" len="med"/>
                     </a:lnR>
                     <a:lnT w="19050" cap="flat" cmpd="sng" algn="ctr">
-                      <a:solidFill>
-                        <a:schemeClr val="tx1"/>
-                      </a:solidFill>
+                      <a:noFill/>
                       <a:prstDash val="solid"/>
                       <a:round/>
                       <a:headEnd type="none" w="med" len="med"/>
                       <a:tailEnd type="none" w="med" len="med"/>
                     </a:lnT>
                     <a:lnB w="19050" cap="flat" cmpd="sng" algn="ctr">
-                      <a:solidFill>
-                        <a:schemeClr val="tx1"/>
-                      </a:solidFill>
+                      <a:noFill/>
                       <a:prstDash val="solid"/>
                       <a:round/>
                       <a:headEnd type="none" w="med" len="med"/>
@@ -12174,7 +12174,9 @@
                             <a:noFill/>
                           </a:ln>
                           <a:solidFill>
-                            <a:prstClr val="black"/>
+                            <a:schemeClr val="bg1">
+                              <a:lumMod val="50000"/>
+                            </a:schemeClr>
                           </a:solidFill>
                           <a:effectLst/>
                           <a:uLnTx/>
@@ -12187,7 +12189,9 @@
                       </a:r>
                       <a:endParaRPr lang="it-IT" sz="1100" b="0" i="0" u="none" strike="noStrike" dirty="0">
                         <a:solidFill>
-                          <a:srgbClr val="000000"/>
+                          <a:schemeClr val="bg1">
+                            <a:lumMod val="50000"/>
+                          </a:schemeClr>
                         </a:solidFill>
                         <a:effectLst/>
                         <a:latin typeface="Consolas" panose="020B0609020204030204" pitchFamily="49" charset="0"/>
@@ -12214,18 +12218,14 @@
                       <a:tailEnd type="none" w="med" len="med"/>
                     </a:lnR>
                     <a:lnT w="19050" cap="flat" cmpd="sng" algn="ctr">
-                      <a:solidFill>
-                        <a:schemeClr val="tx1"/>
-                      </a:solidFill>
+                      <a:noFill/>
                       <a:prstDash val="solid"/>
                       <a:round/>
                       <a:headEnd type="none" w="med" len="med"/>
                       <a:tailEnd type="none" w="med" len="med"/>
                     </a:lnT>
                     <a:lnB w="19050" cap="flat" cmpd="sng" algn="ctr">
-                      <a:solidFill>
-                        <a:schemeClr val="tx1"/>
-                      </a:solidFill>
+                      <a:noFill/>
                       <a:prstDash val="solid"/>
                       <a:round/>
                       <a:headEnd type="none" w="med" len="med"/>
@@ -13135,7 +13135,9 @@
                             <a:noFill/>
                           </a:ln>
                           <a:solidFill>
-                            <a:prstClr val="black"/>
+                            <a:schemeClr val="bg1">
+                              <a:lumMod val="50000"/>
+                            </a:schemeClr>
                           </a:solidFill>
                           <a:effectLst/>
                           <a:uLnTx/>
@@ -13148,7 +13150,9 @@
                       </a:r>
                       <a:endParaRPr lang="it-IT" sz="1100" b="0" i="0" u="none" strike="noStrike" dirty="0">
                         <a:solidFill>
-                          <a:srgbClr val="000000"/>
+                          <a:schemeClr val="bg1">
+                            <a:lumMod val="50000"/>
+                          </a:schemeClr>
                         </a:solidFill>
                         <a:effectLst/>
                         <a:latin typeface="Consolas" panose="020B0609020204030204" pitchFamily="49" charset="0"/>
@@ -13175,18 +13179,14 @@
                       <a:tailEnd type="none" w="med" len="med"/>
                     </a:lnR>
                     <a:lnT w="19050" cap="flat" cmpd="sng" algn="ctr">
-                      <a:solidFill>
-                        <a:schemeClr val="tx1"/>
-                      </a:solidFill>
+                      <a:noFill/>
                       <a:prstDash val="solid"/>
                       <a:round/>
                       <a:headEnd type="none" w="med" len="med"/>
                       <a:tailEnd type="none" w="med" len="med"/>
                     </a:lnT>
                     <a:lnB w="19050" cap="flat" cmpd="sng" algn="ctr">
-                      <a:solidFill>
-                        <a:schemeClr val="tx1"/>
-                      </a:solidFill>
+                      <a:noFill/>
                       <a:prstDash val="solid"/>
                       <a:round/>
                       <a:headEnd type="none" w="med" len="med"/>
@@ -14096,7 +14096,9 @@
                             <a:noFill/>
                           </a:ln>
                           <a:solidFill>
-                            <a:prstClr val="black"/>
+                            <a:schemeClr val="bg1">
+                              <a:lumMod val="50000"/>
+                            </a:schemeClr>
                           </a:solidFill>
                           <a:effectLst/>
                           <a:uLnTx/>
@@ -14109,7 +14111,9 @@
                       </a:r>
                       <a:endParaRPr lang="it-IT" sz="1100" b="0" i="0" u="none" strike="noStrike" dirty="0">
                         <a:solidFill>
-                          <a:srgbClr val="000000"/>
+                          <a:schemeClr val="bg1">
+                            <a:lumMod val="50000"/>
+                          </a:schemeClr>
                         </a:solidFill>
                         <a:effectLst/>
                         <a:latin typeface="Consolas" panose="020B0609020204030204" pitchFamily="49" charset="0"/>
@@ -14136,18 +14140,14 @@
                       <a:tailEnd type="none" w="med" len="med"/>
                     </a:lnR>
                     <a:lnT w="19050" cap="flat" cmpd="sng" algn="ctr">
-                      <a:solidFill>
-                        <a:schemeClr val="tx1"/>
-                      </a:solidFill>
+                      <a:noFill/>
                       <a:prstDash val="solid"/>
                       <a:round/>
                       <a:headEnd type="none" w="med" len="med"/>
                       <a:tailEnd type="none" w="med" len="med"/>
                     </a:lnT>
                     <a:lnB w="19050" cap="flat" cmpd="sng" algn="ctr">
-                      <a:solidFill>
-                        <a:schemeClr val="tx1"/>
-                      </a:solidFill>
+                      <a:noFill/>
                       <a:prstDash val="solid"/>
                       <a:round/>
                       <a:headEnd type="none" w="med" len="med"/>
@@ -15057,7 +15057,9 @@
                             <a:noFill/>
                           </a:ln>
                           <a:solidFill>
-                            <a:prstClr val="black"/>
+                            <a:schemeClr val="bg1">
+                              <a:lumMod val="50000"/>
+                            </a:schemeClr>
                           </a:solidFill>
                           <a:effectLst/>
                           <a:uLnTx/>
@@ -15070,7 +15072,9 @@
                       </a:r>
                       <a:endParaRPr lang="it-IT" sz="1100" b="0" i="0" u="none" strike="noStrike" dirty="0">
                         <a:solidFill>
-                          <a:srgbClr val="000000"/>
+                          <a:schemeClr val="bg1">
+                            <a:lumMod val="50000"/>
+                          </a:schemeClr>
                         </a:solidFill>
                         <a:effectLst/>
                         <a:latin typeface="Consolas" panose="020B0609020204030204" pitchFamily="49" charset="0"/>
@@ -15097,18 +15101,14 @@
                       <a:tailEnd type="none" w="med" len="med"/>
                     </a:lnR>
                     <a:lnT w="19050" cap="flat" cmpd="sng" algn="ctr">
-                      <a:solidFill>
-                        <a:schemeClr val="tx1"/>
-                      </a:solidFill>
+                      <a:noFill/>
                       <a:prstDash val="solid"/>
                       <a:round/>
                       <a:headEnd type="none" w="med" len="med"/>
                       <a:tailEnd type="none" w="med" len="med"/>
                     </a:lnT>
                     <a:lnB w="19050" cap="flat" cmpd="sng" algn="ctr">
-                      <a:solidFill>
-                        <a:schemeClr val="tx1"/>
-                      </a:solidFill>
+                      <a:noFill/>
                       <a:prstDash val="solid"/>
                       <a:round/>
                       <a:headEnd type="none" w="med" len="med"/>
